--- a/Slides/Project Presentation.pptx
+++ b/Slides/Project Presentation.pptx
@@ -18,14 +18,14 @@
     <p:sldId id="265" r:id="rId9"/>
     <p:sldId id="266" r:id="rId10"/>
     <p:sldId id="267" r:id="rId11"/>
-    <p:sldId id="268" r:id="rId12"/>
-    <p:sldId id="269" r:id="rId13"/>
-    <p:sldId id="270" r:id="rId14"/>
-    <p:sldId id="271" r:id="rId15"/>
-    <p:sldId id="272" r:id="rId16"/>
-    <p:sldId id="299" r:id="rId17"/>
-    <p:sldId id="273" r:id="rId18"/>
-    <p:sldId id="301" r:id="rId19"/>
+    <p:sldId id="389" r:id="rId12"/>
+    <p:sldId id="268" r:id="rId13"/>
+    <p:sldId id="269" r:id="rId14"/>
+    <p:sldId id="270" r:id="rId15"/>
+    <p:sldId id="271" r:id="rId16"/>
+    <p:sldId id="272" r:id="rId17"/>
+    <p:sldId id="299" r:id="rId18"/>
+    <p:sldId id="273" r:id="rId19"/>
     <p:sldId id="276" r:id="rId20"/>
     <p:sldId id="277" r:id="rId21"/>
     <p:sldId id="278" r:id="rId22"/>
@@ -585,9 +585,9 @@
           <a:bodyPr/>
           <a:lstStyle/>
           <a:p>
-            <a:fld id="{ED4280E9-C18D-4939-8AD7-63089B7BF38D}" type="slidenum">
+            <a:fld id="{B185D4CE-7682-4590-9B5E-9BFF2B1C8718}" type="slidenum">
               <a:rPr lang="en-US" smtClean="0"/>
-              <a:t>42</a:t>
+              <a:t>1</a:t>
             </a:fld>
             <a:endParaRPr lang="en-US"/>
           </a:p>
@@ -596,7 +596,847 @@
     </p:spTree>
     <p:extLst>
       <p:ext uri="{BB962C8B-B14F-4D97-AF65-F5344CB8AC3E}">
-        <p14:creationId xmlns:p14="http://schemas.microsoft.com/office/powerpoint/2010/main" val="520985646"/>
+        <p14:creationId xmlns:p14="http://schemas.microsoft.com/office/powerpoint/2010/main" val="1389904789"/>
+      </p:ext>
+    </p:extLst>
+  </p:cSld>
+  <p:clrMapOvr>
+    <a:masterClrMapping/>
+  </p:clrMapOvr>
+</p:notes>
+</file>
+
+<file path=ppt/notesSlides/notesSlide10.xml><?xml version="1.0" encoding="utf-8"?>
+<p:notes xmlns:a="http://schemas.openxmlformats.org/drawingml/2006/main" xmlns:r="http://schemas.openxmlformats.org/officeDocument/2006/relationships" xmlns:p="http://schemas.openxmlformats.org/presentationml/2006/main">
+  <p:cSld>
+    <p:spTree>
+      <p:nvGrpSpPr>
+        <p:cNvPr id="1" name=""/>
+        <p:cNvGrpSpPr/>
+        <p:nvPr/>
+      </p:nvGrpSpPr>
+      <p:grpSpPr>
+        <a:xfrm>
+          <a:off x="0" y="0"/>
+          <a:ext cx="0" cy="0"/>
+          <a:chOff x="0" y="0"/>
+          <a:chExt cx="0" cy="0"/>
+        </a:xfrm>
+      </p:grpSpPr>
+      <p:sp>
+        <p:nvSpPr>
+          <p:cNvPr id="2" name="Segnaposto immagine diapositiva 1"/>
+          <p:cNvSpPr>
+            <a:spLocks noGrp="1" noRot="1" noChangeAspect="1"/>
+          </p:cNvSpPr>
+          <p:nvPr>
+            <p:ph type="sldImg"/>
+          </p:nvPr>
+        </p:nvSpPr>
+        <p:spPr/>
+      </p:sp>
+      <p:sp>
+        <p:nvSpPr>
+          <p:cNvPr id="3" name="Segnaposto note 2"/>
+          <p:cNvSpPr>
+            <a:spLocks noGrp="1"/>
+          </p:cNvSpPr>
+          <p:nvPr>
+            <p:ph type="body" idx="1"/>
+          </p:nvPr>
+        </p:nvSpPr>
+        <p:spPr/>
+        <p:txBody>
+          <a:bodyPr/>
+          <a:lstStyle/>
+          <a:p>
+            <a:endParaRPr lang="en-US"/>
+          </a:p>
+        </p:txBody>
+      </p:sp>
+      <p:sp>
+        <p:nvSpPr>
+          <p:cNvPr id="4" name="Segnaposto numero diapositiva 3"/>
+          <p:cNvSpPr>
+            <a:spLocks noGrp="1"/>
+          </p:cNvSpPr>
+          <p:nvPr>
+            <p:ph type="sldNum" sz="quarter" idx="10"/>
+          </p:nvPr>
+        </p:nvSpPr>
+        <p:spPr/>
+        <p:txBody>
+          <a:bodyPr/>
+          <a:lstStyle/>
+          <a:p>
+            <a:fld id="{B185D4CE-7682-4590-9B5E-9BFF2B1C8718}" type="slidenum">
+              <a:rPr lang="en-US" smtClean="0"/>
+              <a:t>10</a:t>
+            </a:fld>
+            <a:endParaRPr lang="en-US"/>
+          </a:p>
+        </p:txBody>
+      </p:sp>
+    </p:spTree>
+    <p:extLst>
+      <p:ext uri="{BB962C8B-B14F-4D97-AF65-F5344CB8AC3E}">
+        <p14:creationId xmlns:p14="http://schemas.microsoft.com/office/powerpoint/2010/main" val="4038495551"/>
+      </p:ext>
+    </p:extLst>
+  </p:cSld>
+  <p:clrMapOvr>
+    <a:masterClrMapping/>
+  </p:clrMapOvr>
+</p:notes>
+</file>
+
+<file path=ppt/notesSlides/notesSlide11.xml><?xml version="1.0" encoding="utf-8"?>
+<p:notes xmlns:a="http://schemas.openxmlformats.org/drawingml/2006/main" xmlns:r="http://schemas.openxmlformats.org/officeDocument/2006/relationships" xmlns:p="http://schemas.openxmlformats.org/presentationml/2006/main">
+  <p:cSld>
+    <p:spTree>
+      <p:nvGrpSpPr>
+        <p:cNvPr id="1" name=""/>
+        <p:cNvGrpSpPr/>
+        <p:nvPr/>
+      </p:nvGrpSpPr>
+      <p:grpSpPr>
+        <a:xfrm>
+          <a:off x="0" y="0"/>
+          <a:ext cx="0" cy="0"/>
+          <a:chOff x="0" y="0"/>
+          <a:chExt cx="0" cy="0"/>
+        </a:xfrm>
+      </p:grpSpPr>
+      <p:sp>
+        <p:nvSpPr>
+          <p:cNvPr id="2" name="Segnaposto immagine diapositiva 1"/>
+          <p:cNvSpPr>
+            <a:spLocks noGrp="1" noRot="1" noChangeAspect="1"/>
+          </p:cNvSpPr>
+          <p:nvPr>
+            <p:ph type="sldImg"/>
+          </p:nvPr>
+        </p:nvSpPr>
+        <p:spPr/>
+      </p:sp>
+      <p:sp>
+        <p:nvSpPr>
+          <p:cNvPr id="3" name="Segnaposto note 2"/>
+          <p:cNvSpPr>
+            <a:spLocks noGrp="1"/>
+          </p:cNvSpPr>
+          <p:nvPr>
+            <p:ph type="body" idx="1"/>
+          </p:nvPr>
+        </p:nvSpPr>
+        <p:spPr/>
+        <p:txBody>
+          <a:bodyPr/>
+          <a:lstStyle/>
+          <a:p>
+            <a:endParaRPr lang="en-US"/>
+          </a:p>
+        </p:txBody>
+      </p:sp>
+      <p:sp>
+        <p:nvSpPr>
+          <p:cNvPr id="4" name="Segnaposto numero diapositiva 3"/>
+          <p:cNvSpPr>
+            <a:spLocks noGrp="1"/>
+          </p:cNvSpPr>
+          <p:nvPr>
+            <p:ph type="sldNum" sz="quarter" idx="10"/>
+          </p:nvPr>
+        </p:nvSpPr>
+        <p:spPr/>
+        <p:txBody>
+          <a:bodyPr/>
+          <a:lstStyle/>
+          <a:p>
+            <a:fld id="{B185D4CE-7682-4590-9B5E-9BFF2B1C8718}" type="slidenum">
+              <a:rPr lang="en-US" smtClean="0"/>
+              <a:t>11</a:t>
+            </a:fld>
+            <a:endParaRPr lang="en-US"/>
+          </a:p>
+        </p:txBody>
+      </p:sp>
+    </p:spTree>
+    <p:extLst>
+      <p:ext uri="{BB962C8B-B14F-4D97-AF65-F5344CB8AC3E}">
+        <p14:creationId xmlns:p14="http://schemas.microsoft.com/office/powerpoint/2010/main" val="1648530847"/>
+      </p:ext>
+    </p:extLst>
+  </p:cSld>
+  <p:clrMapOvr>
+    <a:masterClrMapping/>
+  </p:clrMapOvr>
+</p:notes>
+</file>
+
+<file path=ppt/notesSlides/notesSlide12.xml><?xml version="1.0" encoding="utf-8"?>
+<p:notes xmlns:a="http://schemas.openxmlformats.org/drawingml/2006/main" xmlns:r="http://schemas.openxmlformats.org/officeDocument/2006/relationships" xmlns:p="http://schemas.openxmlformats.org/presentationml/2006/main">
+  <p:cSld>
+    <p:spTree>
+      <p:nvGrpSpPr>
+        <p:cNvPr id="1" name=""/>
+        <p:cNvGrpSpPr/>
+        <p:nvPr/>
+      </p:nvGrpSpPr>
+      <p:grpSpPr>
+        <a:xfrm>
+          <a:off x="0" y="0"/>
+          <a:ext cx="0" cy="0"/>
+          <a:chOff x="0" y="0"/>
+          <a:chExt cx="0" cy="0"/>
+        </a:xfrm>
+      </p:grpSpPr>
+      <p:sp>
+        <p:nvSpPr>
+          <p:cNvPr id="2" name="Segnaposto immagine diapositiva 1"/>
+          <p:cNvSpPr>
+            <a:spLocks noGrp="1" noRot="1" noChangeAspect="1"/>
+          </p:cNvSpPr>
+          <p:nvPr>
+            <p:ph type="sldImg"/>
+          </p:nvPr>
+        </p:nvSpPr>
+        <p:spPr/>
+      </p:sp>
+      <p:sp>
+        <p:nvSpPr>
+          <p:cNvPr id="3" name="Segnaposto note 2"/>
+          <p:cNvSpPr>
+            <a:spLocks noGrp="1"/>
+          </p:cNvSpPr>
+          <p:nvPr>
+            <p:ph type="body" idx="1"/>
+          </p:nvPr>
+        </p:nvSpPr>
+        <p:spPr/>
+        <p:txBody>
+          <a:bodyPr/>
+          <a:lstStyle/>
+          <a:p>
+            <a:endParaRPr lang="en-US"/>
+          </a:p>
+        </p:txBody>
+      </p:sp>
+      <p:sp>
+        <p:nvSpPr>
+          <p:cNvPr id="4" name="Segnaposto numero diapositiva 3"/>
+          <p:cNvSpPr>
+            <a:spLocks noGrp="1"/>
+          </p:cNvSpPr>
+          <p:nvPr>
+            <p:ph type="sldNum" sz="quarter" idx="10"/>
+          </p:nvPr>
+        </p:nvSpPr>
+        <p:spPr/>
+        <p:txBody>
+          <a:bodyPr/>
+          <a:lstStyle/>
+          <a:p>
+            <a:fld id="{B185D4CE-7682-4590-9B5E-9BFF2B1C8718}" type="slidenum">
+              <a:rPr lang="en-US" smtClean="0"/>
+              <a:t>12</a:t>
+            </a:fld>
+            <a:endParaRPr lang="en-US"/>
+          </a:p>
+        </p:txBody>
+      </p:sp>
+    </p:spTree>
+    <p:extLst>
+      <p:ext uri="{BB962C8B-B14F-4D97-AF65-F5344CB8AC3E}">
+        <p14:creationId xmlns:p14="http://schemas.microsoft.com/office/powerpoint/2010/main" val="2264373099"/>
+      </p:ext>
+    </p:extLst>
+  </p:cSld>
+  <p:clrMapOvr>
+    <a:masterClrMapping/>
+  </p:clrMapOvr>
+</p:notes>
+</file>
+
+<file path=ppt/notesSlides/notesSlide13.xml><?xml version="1.0" encoding="utf-8"?>
+<p:notes xmlns:a="http://schemas.openxmlformats.org/drawingml/2006/main" xmlns:r="http://schemas.openxmlformats.org/officeDocument/2006/relationships" xmlns:p="http://schemas.openxmlformats.org/presentationml/2006/main">
+  <p:cSld>
+    <p:spTree>
+      <p:nvGrpSpPr>
+        <p:cNvPr id="1" name=""/>
+        <p:cNvGrpSpPr/>
+        <p:nvPr/>
+      </p:nvGrpSpPr>
+      <p:grpSpPr>
+        <a:xfrm>
+          <a:off x="0" y="0"/>
+          <a:ext cx="0" cy="0"/>
+          <a:chOff x="0" y="0"/>
+          <a:chExt cx="0" cy="0"/>
+        </a:xfrm>
+      </p:grpSpPr>
+      <p:sp>
+        <p:nvSpPr>
+          <p:cNvPr id="2" name="Segnaposto immagine diapositiva 1"/>
+          <p:cNvSpPr>
+            <a:spLocks noGrp="1" noRot="1" noChangeAspect="1"/>
+          </p:cNvSpPr>
+          <p:nvPr>
+            <p:ph type="sldImg"/>
+          </p:nvPr>
+        </p:nvSpPr>
+        <p:spPr/>
+      </p:sp>
+      <p:sp>
+        <p:nvSpPr>
+          <p:cNvPr id="3" name="Segnaposto note 2"/>
+          <p:cNvSpPr>
+            <a:spLocks noGrp="1"/>
+          </p:cNvSpPr>
+          <p:nvPr>
+            <p:ph type="body" idx="1"/>
+          </p:nvPr>
+        </p:nvSpPr>
+        <p:spPr/>
+        <p:txBody>
+          <a:bodyPr/>
+          <a:lstStyle/>
+          <a:p>
+            <a:endParaRPr lang="en-US"/>
+          </a:p>
+        </p:txBody>
+      </p:sp>
+      <p:sp>
+        <p:nvSpPr>
+          <p:cNvPr id="4" name="Segnaposto numero diapositiva 3"/>
+          <p:cNvSpPr>
+            <a:spLocks noGrp="1"/>
+          </p:cNvSpPr>
+          <p:nvPr>
+            <p:ph type="sldNum" sz="quarter" idx="10"/>
+          </p:nvPr>
+        </p:nvSpPr>
+        <p:spPr/>
+        <p:txBody>
+          <a:bodyPr/>
+          <a:lstStyle/>
+          <a:p>
+            <a:fld id="{B185D4CE-7682-4590-9B5E-9BFF2B1C8718}" type="slidenum">
+              <a:rPr lang="en-US" smtClean="0"/>
+              <a:t>13</a:t>
+            </a:fld>
+            <a:endParaRPr lang="en-US"/>
+          </a:p>
+        </p:txBody>
+      </p:sp>
+    </p:spTree>
+    <p:extLst>
+      <p:ext uri="{BB962C8B-B14F-4D97-AF65-F5344CB8AC3E}">
+        <p14:creationId xmlns:p14="http://schemas.microsoft.com/office/powerpoint/2010/main" val="531623264"/>
+      </p:ext>
+    </p:extLst>
+  </p:cSld>
+  <p:clrMapOvr>
+    <a:masterClrMapping/>
+  </p:clrMapOvr>
+</p:notes>
+</file>
+
+<file path=ppt/notesSlides/notesSlide14.xml><?xml version="1.0" encoding="utf-8"?>
+<p:notes xmlns:a="http://schemas.openxmlformats.org/drawingml/2006/main" xmlns:r="http://schemas.openxmlformats.org/officeDocument/2006/relationships" xmlns:p="http://schemas.openxmlformats.org/presentationml/2006/main">
+  <p:cSld>
+    <p:spTree>
+      <p:nvGrpSpPr>
+        <p:cNvPr id="1" name=""/>
+        <p:cNvGrpSpPr/>
+        <p:nvPr/>
+      </p:nvGrpSpPr>
+      <p:grpSpPr>
+        <a:xfrm>
+          <a:off x="0" y="0"/>
+          <a:ext cx="0" cy="0"/>
+          <a:chOff x="0" y="0"/>
+          <a:chExt cx="0" cy="0"/>
+        </a:xfrm>
+      </p:grpSpPr>
+      <p:sp>
+        <p:nvSpPr>
+          <p:cNvPr id="2" name="Segnaposto immagine diapositiva 1"/>
+          <p:cNvSpPr>
+            <a:spLocks noGrp="1" noRot="1" noChangeAspect="1"/>
+          </p:cNvSpPr>
+          <p:nvPr>
+            <p:ph type="sldImg"/>
+          </p:nvPr>
+        </p:nvSpPr>
+        <p:spPr/>
+      </p:sp>
+      <p:sp>
+        <p:nvSpPr>
+          <p:cNvPr id="3" name="Segnaposto note 2"/>
+          <p:cNvSpPr>
+            <a:spLocks noGrp="1"/>
+          </p:cNvSpPr>
+          <p:nvPr>
+            <p:ph type="body" idx="1"/>
+          </p:nvPr>
+        </p:nvSpPr>
+        <p:spPr/>
+        <p:txBody>
+          <a:bodyPr/>
+          <a:lstStyle/>
+          <a:p>
+            <a:endParaRPr lang="en-US"/>
+          </a:p>
+        </p:txBody>
+      </p:sp>
+      <p:sp>
+        <p:nvSpPr>
+          <p:cNvPr id="4" name="Segnaposto numero diapositiva 3"/>
+          <p:cNvSpPr>
+            <a:spLocks noGrp="1"/>
+          </p:cNvSpPr>
+          <p:nvPr>
+            <p:ph type="sldNum" sz="quarter" idx="10"/>
+          </p:nvPr>
+        </p:nvSpPr>
+        <p:spPr/>
+        <p:txBody>
+          <a:bodyPr/>
+          <a:lstStyle/>
+          <a:p>
+            <a:fld id="{B185D4CE-7682-4590-9B5E-9BFF2B1C8718}" type="slidenum">
+              <a:rPr lang="en-US" smtClean="0"/>
+              <a:t>14</a:t>
+            </a:fld>
+            <a:endParaRPr lang="en-US"/>
+          </a:p>
+        </p:txBody>
+      </p:sp>
+    </p:spTree>
+    <p:extLst>
+      <p:ext uri="{BB962C8B-B14F-4D97-AF65-F5344CB8AC3E}">
+        <p14:creationId xmlns:p14="http://schemas.microsoft.com/office/powerpoint/2010/main" val="1159017018"/>
+      </p:ext>
+    </p:extLst>
+  </p:cSld>
+  <p:clrMapOvr>
+    <a:masterClrMapping/>
+  </p:clrMapOvr>
+</p:notes>
+</file>
+
+<file path=ppt/notesSlides/notesSlide15.xml><?xml version="1.0" encoding="utf-8"?>
+<p:notes xmlns:a="http://schemas.openxmlformats.org/drawingml/2006/main" xmlns:r="http://schemas.openxmlformats.org/officeDocument/2006/relationships" xmlns:p="http://schemas.openxmlformats.org/presentationml/2006/main">
+  <p:cSld>
+    <p:spTree>
+      <p:nvGrpSpPr>
+        <p:cNvPr id="1" name=""/>
+        <p:cNvGrpSpPr/>
+        <p:nvPr/>
+      </p:nvGrpSpPr>
+      <p:grpSpPr>
+        <a:xfrm>
+          <a:off x="0" y="0"/>
+          <a:ext cx="0" cy="0"/>
+          <a:chOff x="0" y="0"/>
+          <a:chExt cx="0" cy="0"/>
+        </a:xfrm>
+      </p:grpSpPr>
+      <p:sp>
+        <p:nvSpPr>
+          <p:cNvPr id="2" name="Segnaposto immagine diapositiva 1"/>
+          <p:cNvSpPr>
+            <a:spLocks noGrp="1" noRot="1" noChangeAspect="1"/>
+          </p:cNvSpPr>
+          <p:nvPr>
+            <p:ph type="sldImg"/>
+          </p:nvPr>
+        </p:nvSpPr>
+        <p:spPr/>
+      </p:sp>
+      <p:sp>
+        <p:nvSpPr>
+          <p:cNvPr id="3" name="Segnaposto note 2"/>
+          <p:cNvSpPr>
+            <a:spLocks noGrp="1"/>
+          </p:cNvSpPr>
+          <p:nvPr>
+            <p:ph type="body" idx="1"/>
+          </p:nvPr>
+        </p:nvSpPr>
+        <p:spPr/>
+        <p:txBody>
+          <a:bodyPr/>
+          <a:lstStyle/>
+          <a:p>
+            <a:endParaRPr lang="en-US"/>
+          </a:p>
+        </p:txBody>
+      </p:sp>
+      <p:sp>
+        <p:nvSpPr>
+          <p:cNvPr id="4" name="Segnaposto numero diapositiva 3"/>
+          <p:cNvSpPr>
+            <a:spLocks noGrp="1"/>
+          </p:cNvSpPr>
+          <p:nvPr>
+            <p:ph type="sldNum" sz="quarter" idx="10"/>
+          </p:nvPr>
+        </p:nvSpPr>
+        <p:spPr/>
+        <p:txBody>
+          <a:bodyPr/>
+          <a:lstStyle/>
+          <a:p>
+            <a:fld id="{B185D4CE-7682-4590-9B5E-9BFF2B1C8718}" type="slidenum">
+              <a:rPr lang="en-US" smtClean="0"/>
+              <a:t>15</a:t>
+            </a:fld>
+            <a:endParaRPr lang="en-US"/>
+          </a:p>
+        </p:txBody>
+      </p:sp>
+    </p:spTree>
+    <p:extLst>
+      <p:ext uri="{BB962C8B-B14F-4D97-AF65-F5344CB8AC3E}">
+        <p14:creationId xmlns:p14="http://schemas.microsoft.com/office/powerpoint/2010/main" val="690708483"/>
+      </p:ext>
+    </p:extLst>
+  </p:cSld>
+  <p:clrMapOvr>
+    <a:masterClrMapping/>
+  </p:clrMapOvr>
+</p:notes>
+</file>
+
+<file path=ppt/notesSlides/notesSlide16.xml><?xml version="1.0" encoding="utf-8"?>
+<p:notes xmlns:a="http://schemas.openxmlformats.org/drawingml/2006/main" xmlns:r="http://schemas.openxmlformats.org/officeDocument/2006/relationships" xmlns:p="http://schemas.openxmlformats.org/presentationml/2006/main">
+  <p:cSld>
+    <p:spTree>
+      <p:nvGrpSpPr>
+        <p:cNvPr id="1" name=""/>
+        <p:cNvGrpSpPr/>
+        <p:nvPr/>
+      </p:nvGrpSpPr>
+      <p:grpSpPr>
+        <a:xfrm>
+          <a:off x="0" y="0"/>
+          <a:ext cx="0" cy="0"/>
+          <a:chOff x="0" y="0"/>
+          <a:chExt cx="0" cy="0"/>
+        </a:xfrm>
+      </p:grpSpPr>
+      <p:sp>
+        <p:nvSpPr>
+          <p:cNvPr id="2" name="Segnaposto immagine diapositiva 1"/>
+          <p:cNvSpPr>
+            <a:spLocks noGrp="1" noRot="1" noChangeAspect="1"/>
+          </p:cNvSpPr>
+          <p:nvPr>
+            <p:ph type="sldImg"/>
+          </p:nvPr>
+        </p:nvSpPr>
+        <p:spPr/>
+      </p:sp>
+      <p:sp>
+        <p:nvSpPr>
+          <p:cNvPr id="3" name="Segnaposto note 2"/>
+          <p:cNvSpPr>
+            <a:spLocks noGrp="1"/>
+          </p:cNvSpPr>
+          <p:nvPr>
+            <p:ph type="body" idx="1"/>
+          </p:nvPr>
+        </p:nvSpPr>
+        <p:spPr/>
+        <p:txBody>
+          <a:bodyPr/>
+          <a:lstStyle/>
+          <a:p>
+            <a:endParaRPr lang="en-US"/>
+          </a:p>
+        </p:txBody>
+      </p:sp>
+      <p:sp>
+        <p:nvSpPr>
+          <p:cNvPr id="4" name="Segnaposto numero diapositiva 3"/>
+          <p:cNvSpPr>
+            <a:spLocks noGrp="1"/>
+          </p:cNvSpPr>
+          <p:nvPr>
+            <p:ph type="sldNum" sz="quarter" idx="10"/>
+          </p:nvPr>
+        </p:nvSpPr>
+        <p:spPr/>
+        <p:txBody>
+          <a:bodyPr/>
+          <a:lstStyle/>
+          <a:p>
+            <a:fld id="{B185D4CE-7682-4590-9B5E-9BFF2B1C8718}" type="slidenum">
+              <a:rPr lang="en-US" smtClean="0"/>
+              <a:t>16</a:t>
+            </a:fld>
+            <a:endParaRPr lang="en-US"/>
+          </a:p>
+        </p:txBody>
+      </p:sp>
+    </p:spTree>
+    <p:extLst>
+      <p:ext uri="{BB962C8B-B14F-4D97-AF65-F5344CB8AC3E}">
+        <p14:creationId xmlns:p14="http://schemas.microsoft.com/office/powerpoint/2010/main" val="2089919677"/>
+      </p:ext>
+    </p:extLst>
+  </p:cSld>
+  <p:clrMapOvr>
+    <a:masterClrMapping/>
+  </p:clrMapOvr>
+</p:notes>
+</file>
+
+<file path=ppt/notesSlides/notesSlide17.xml><?xml version="1.0" encoding="utf-8"?>
+<p:notes xmlns:a="http://schemas.openxmlformats.org/drawingml/2006/main" xmlns:r="http://schemas.openxmlformats.org/officeDocument/2006/relationships" xmlns:p="http://schemas.openxmlformats.org/presentationml/2006/main">
+  <p:cSld>
+    <p:spTree>
+      <p:nvGrpSpPr>
+        <p:cNvPr id="1" name=""/>
+        <p:cNvGrpSpPr/>
+        <p:nvPr/>
+      </p:nvGrpSpPr>
+      <p:grpSpPr>
+        <a:xfrm>
+          <a:off x="0" y="0"/>
+          <a:ext cx="0" cy="0"/>
+          <a:chOff x="0" y="0"/>
+          <a:chExt cx="0" cy="0"/>
+        </a:xfrm>
+      </p:grpSpPr>
+      <p:sp>
+        <p:nvSpPr>
+          <p:cNvPr id="2" name="Segnaposto immagine diapositiva 1"/>
+          <p:cNvSpPr>
+            <a:spLocks noGrp="1" noRot="1" noChangeAspect="1"/>
+          </p:cNvSpPr>
+          <p:nvPr>
+            <p:ph type="sldImg"/>
+          </p:nvPr>
+        </p:nvSpPr>
+        <p:spPr/>
+      </p:sp>
+      <p:sp>
+        <p:nvSpPr>
+          <p:cNvPr id="3" name="Segnaposto note 2"/>
+          <p:cNvSpPr>
+            <a:spLocks noGrp="1"/>
+          </p:cNvSpPr>
+          <p:nvPr>
+            <p:ph type="body" idx="1"/>
+          </p:nvPr>
+        </p:nvSpPr>
+        <p:spPr/>
+        <p:txBody>
+          <a:bodyPr/>
+          <a:lstStyle/>
+          <a:p>
+            <a:endParaRPr lang="en-US"/>
+          </a:p>
+        </p:txBody>
+      </p:sp>
+      <p:sp>
+        <p:nvSpPr>
+          <p:cNvPr id="4" name="Segnaposto numero diapositiva 3"/>
+          <p:cNvSpPr>
+            <a:spLocks noGrp="1"/>
+          </p:cNvSpPr>
+          <p:nvPr>
+            <p:ph type="sldNum" sz="quarter" idx="10"/>
+          </p:nvPr>
+        </p:nvSpPr>
+        <p:spPr/>
+        <p:txBody>
+          <a:bodyPr/>
+          <a:lstStyle/>
+          <a:p>
+            <a:fld id="{B185D4CE-7682-4590-9B5E-9BFF2B1C8718}" type="slidenum">
+              <a:rPr lang="en-US" smtClean="0"/>
+              <a:t>17</a:t>
+            </a:fld>
+            <a:endParaRPr lang="en-US"/>
+          </a:p>
+        </p:txBody>
+      </p:sp>
+    </p:spTree>
+    <p:extLst>
+      <p:ext uri="{BB962C8B-B14F-4D97-AF65-F5344CB8AC3E}">
+        <p14:creationId xmlns:p14="http://schemas.microsoft.com/office/powerpoint/2010/main" val="2622804459"/>
+      </p:ext>
+    </p:extLst>
+  </p:cSld>
+  <p:clrMapOvr>
+    <a:masterClrMapping/>
+  </p:clrMapOvr>
+</p:notes>
+</file>
+
+<file path=ppt/notesSlides/notesSlide18.xml><?xml version="1.0" encoding="utf-8"?>
+<p:notes xmlns:a="http://schemas.openxmlformats.org/drawingml/2006/main" xmlns:r="http://schemas.openxmlformats.org/officeDocument/2006/relationships" xmlns:p="http://schemas.openxmlformats.org/presentationml/2006/main">
+  <p:cSld>
+    <p:spTree>
+      <p:nvGrpSpPr>
+        <p:cNvPr id="1" name=""/>
+        <p:cNvGrpSpPr/>
+        <p:nvPr/>
+      </p:nvGrpSpPr>
+      <p:grpSpPr>
+        <a:xfrm>
+          <a:off x="0" y="0"/>
+          <a:ext cx="0" cy="0"/>
+          <a:chOff x="0" y="0"/>
+          <a:chExt cx="0" cy="0"/>
+        </a:xfrm>
+      </p:grpSpPr>
+      <p:sp>
+        <p:nvSpPr>
+          <p:cNvPr id="2" name="Segnaposto immagine diapositiva 1"/>
+          <p:cNvSpPr>
+            <a:spLocks noGrp="1" noRot="1" noChangeAspect="1"/>
+          </p:cNvSpPr>
+          <p:nvPr>
+            <p:ph type="sldImg"/>
+          </p:nvPr>
+        </p:nvSpPr>
+        <p:spPr/>
+      </p:sp>
+      <p:sp>
+        <p:nvSpPr>
+          <p:cNvPr id="3" name="Segnaposto note 2"/>
+          <p:cNvSpPr>
+            <a:spLocks noGrp="1"/>
+          </p:cNvSpPr>
+          <p:nvPr>
+            <p:ph type="body" idx="1"/>
+          </p:nvPr>
+        </p:nvSpPr>
+        <p:spPr/>
+        <p:txBody>
+          <a:bodyPr/>
+          <a:lstStyle/>
+          <a:p>
+            <a:endParaRPr lang="en-US"/>
+          </a:p>
+        </p:txBody>
+      </p:sp>
+      <p:sp>
+        <p:nvSpPr>
+          <p:cNvPr id="4" name="Segnaposto numero diapositiva 3"/>
+          <p:cNvSpPr>
+            <a:spLocks noGrp="1"/>
+          </p:cNvSpPr>
+          <p:nvPr>
+            <p:ph type="sldNum" sz="quarter" idx="10"/>
+          </p:nvPr>
+        </p:nvSpPr>
+        <p:spPr/>
+        <p:txBody>
+          <a:bodyPr/>
+          <a:lstStyle/>
+          <a:p>
+            <a:fld id="{B185D4CE-7682-4590-9B5E-9BFF2B1C8718}" type="slidenum">
+              <a:rPr lang="en-US" smtClean="0"/>
+              <a:t>18</a:t>
+            </a:fld>
+            <a:endParaRPr lang="en-US"/>
+          </a:p>
+        </p:txBody>
+      </p:sp>
+    </p:spTree>
+    <p:extLst>
+      <p:ext uri="{BB962C8B-B14F-4D97-AF65-F5344CB8AC3E}">
+        <p14:creationId xmlns:p14="http://schemas.microsoft.com/office/powerpoint/2010/main" val="3880679040"/>
+      </p:ext>
+    </p:extLst>
+  </p:cSld>
+  <p:clrMapOvr>
+    <a:masterClrMapping/>
+  </p:clrMapOvr>
+</p:notes>
+</file>
+
+<file path=ppt/notesSlides/notesSlide19.xml><?xml version="1.0" encoding="utf-8"?>
+<p:notes xmlns:a="http://schemas.openxmlformats.org/drawingml/2006/main" xmlns:r="http://schemas.openxmlformats.org/officeDocument/2006/relationships" xmlns:p="http://schemas.openxmlformats.org/presentationml/2006/main">
+  <p:cSld>
+    <p:spTree>
+      <p:nvGrpSpPr>
+        <p:cNvPr id="1" name=""/>
+        <p:cNvGrpSpPr/>
+        <p:nvPr/>
+      </p:nvGrpSpPr>
+      <p:grpSpPr>
+        <a:xfrm>
+          <a:off x="0" y="0"/>
+          <a:ext cx="0" cy="0"/>
+          <a:chOff x="0" y="0"/>
+          <a:chExt cx="0" cy="0"/>
+        </a:xfrm>
+      </p:grpSpPr>
+      <p:sp>
+        <p:nvSpPr>
+          <p:cNvPr id="2" name="Segnaposto immagine diapositiva 1"/>
+          <p:cNvSpPr>
+            <a:spLocks noGrp="1" noRot="1" noChangeAspect="1"/>
+          </p:cNvSpPr>
+          <p:nvPr>
+            <p:ph type="sldImg"/>
+          </p:nvPr>
+        </p:nvSpPr>
+        <p:spPr/>
+      </p:sp>
+      <p:sp>
+        <p:nvSpPr>
+          <p:cNvPr id="3" name="Segnaposto note 2"/>
+          <p:cNvSpPr>
+            <a:spLocks noGrp="1"/>
+          </p:cNvSpPr>
+          <p:nvPr>
+            <p:ph type="body" idx="1"/>
+          </p:nvPr>
+        </p:nvSpPr>
+        <p:spPr/>
+        <p:txBody>
+          <a:bodyPr/>
+          <a:lstStyle/>
+          <a:p>
+            <a:endParaRPr lang="en-US"/>
+          </a:p>
+        </p:txBody>
+      </p:sp>
+      <p:sp>
+        <p:nvSpPr>
+          <p:cNvPr id="4" name="Segnaposto numero diapositiva 3"/>
+          <p:cNvSpPr>
+            <a:spLocks noGrp="1"/>
+          </p:cNvSpPr>
+          <p:nvPr>
+            <p:ph type="sldNum" sz="quarter" idx="10"/>
+          </p:nvPr>
+        </p:nvSpPr>
+        <p:spPr/>
+        <p:txBody>
+          <a:bodyPr/>
+          <a:lstStyle/>
+          <a:p>
+            <a:fld id="{B185D4CE-7682-4590-9B5E-9BFF2B1C8718}" type="slidenum">
+              <a:rPr lang="en-US" smtClean="0"/>
+              <a:t>19</a:t>
+            </a:fld>
+            <a:endParaRPr lang="en-US"/>
+          </a:p>
+        </p:txBody>
+      </p:sp>
+    </p:spTree>
+    <p:extLst>
+      <p:ext uri="{BB962C8B-B14F-4D97-AF65-F5344CB8AC3E}">
+        <p14:creationId xmlns:p14="http://schemas.microsoft.com/office/powerpoint/2010/main" val="521571492"/>
       </p:ext>
     </p:extLst>
   </p:cSld>
@@ -669,9 +1509,9 @@
           <a:bodyPr/>
           <a:lstStyle/>
           <a:p>
-            <a:fld id="{ED4280E9-C18D-4939-8AD7-63089B7BF38D}" type="slidenum">
+            <a:fld id="{B185D4CE-7682-4590-9B5E-9BFF2B1C8718}" type="slidenum">
               <a:rPr lang="en-US" smtClean="0"/>
-              <a:t>43</a:t>
+              <a:t>2</a:t>
             </a:fld>
             <a:endParaRPr lang="en-US"/>
           </a:p>
@@ -680,7 +1520,847 @@
     </p:spTree>
     <p:extLst>
       <p:ext uri="{BB962C8B-B14F-4D97-AF65-F5344CB8AC3E}">
-        <p14:creationId xmlns:p14="http://schemas.microsoft.com/office/powerpoint/2010/main" val="3113676772"/>
+        <p14:creationId xmlns:p14="http://schemas.microsoft.com/office/powerpoint/2010/main" val="4231529907"/>
+      </p:ext>
+    </p:extLst>
+  </p:cSld>
+  <p:clrMapOvr>
+    <a:masterClrMapping/>
+  </p:clrMapOvr>
+</p:notes>
+</file>
+
+<file path=ppt/notesSlides/notesSlide20.xml><?xml version="1.0" encoding="utf-8"?>
+<p:notes xmlns:a="http://schemas.openxmlformats.org/drawingml/2006/main" xmlns:r="http://schemas.openxmlformats.org/officeDocument/2006/relationships" xmlns:p="http://schemas.openxmlformats.org/presentationml/2006/main">
+  <p:cSld>
+    <p:spTree>
+      <p:nvGrpSpPr>
+        <p:cNvPr id="1" name=""/>
+        <p:cNvGrpSpPr/>
+        <p:nvPr/>
+      </p:nvGrpSpPr>
+      <p:grpSpPr>
+        <a:xfrm>
+          <a:off x="0" y="0"/>
+          <a:ext cx="0" cy="0"/>
+          <a:chOff x="0" y="0"/>
+          <a:chExt cx="0" cy="0"/>
+        </a:xfrm>
+      </p:grpSpPr>
+      <p:sp>
+        <p:nvSpPr>
+          <p:cNvPr id="2" name="Segnaposto immagine diapositiva 1"/>
+          <p:cNvSpPr>
+            <a:spLocks noGrp="1" noRot="1" noChangeAspect="1"/>
+          </p:cNvSpPr>
+          <p:nvPr>
+            <p:ph type="sldImg"/>
+          </p:nvPr>
+        </p:nvSpPr>
+        <p:spPr/>
+      </p:sp>
+      <p:sp>
+        <p:nvSpPr>
+          <p:cNvPr id="3" name="Segnaposto note 2"/>
+          <p:cNvSpPr>
+            <a:spLocks noGrp="1"/>
+          </p:cNvSpPr>
+          <p:nvPr>
+            <p:ph type="body" idx="1"/>
+          </p:nvPr>
+        </p:nvSpPr>
+        <p:spPr/>
+        <p:txBody>
+          <a:bodyPr/>
+          <a:lstStyle/>
+          <a:p>
+            <a:endParaRPr lang="en-US"/>
+          </a:p>
+        </p:txBody>
+      </p:sp>
+      <p:sp>
+        <p:nvSpPr>
+          <p:cNvPr id="4" name="Segnaposto numero diapositiva 3"/>
+          <p:cNvSpPr>
+            <a:spLocks noGrp="1"/>
+          </p:cNvSpPr>
+          <p:nvPr>
+            <p:ph type="sldNum" sz="quarter" idx="10"/>
+          </p:nvPr>
+        </p:nvSpPr>
+        <p:spPr/>
+        <p:txBody>
+          <a:bodyPr/>
+          <a:lstStyle/>
+          <a:p>
+            <a:fld id="{B185D4CE-7682-4590-9B5E-9BFF2B1C8718}" type="slidenum">
+              <a:rPr lang="en-US" smtClean="0"/>
+              <a:t>20</a:t>
+            </a:fld>
+            <a:endParaRPr lang="en-US"/>
+          </a:p>
+        </p:txBody>
+      </p:sp>
+    </p:spTree>
+    <p:extLst>
+      <p:ext uri="{BB962C8B-B14F-4D97-AF65-F5344CB8AC3E}">
+        <p14:creationId xmlns:p14="http://schemas.microsoft.com/office/powerpoint/2010/main" val="2275742209"/>
+      </p:ext>
+    </p:extLst>
+  </p:cSld>
+  <p:clrMapOvr>
+    <a:masterClrMapping/>
+  </p:clrMapOvr>
+</p:notes>
+</file>
+
+<file path=ppt/notesSlides/notesSlide21.xml><?xml version="1.0" encoding="utf-8"?>
+<p:notes xmlns:a="http://schemas.openxmlformats.org/drawingml/2006/main" xmlns:r="http://schemas.openxmlformats.org/officeDocument/2006/relationships" xmlns:p="http://schemas.openxmlformats.org/presentationml/2006/main">
+  <p:cSld>
+    <p:spTree>
+      <p:nvGrpSpPr>
+        <p:cNvPr id="1" name=""/>
+        <p:cNvGrpSpPr/>
+        <p:nvPr/>
+      </p:nvGrpSpPr>
+      <p:grpSpPr>
+        <a:xfrm>
+          <a:off x="0" y="0"/>
+          <a:ext cx="0" cy="0"/>
+          <a:chOff x="0" y="0"/>
+          <a:chExt cx="0" cy="0"/>
+        </a:xfrm>
+      </p:grpSpPr>
+      <p:sp>
+        <p:nvSpPr>
+          <p:cNvPr id="2" name="Segnaposto immagine diapositiva 1"/>
+          <p:cNvSpPr>
+            <a:spLocks noGrp="1" noRot="1" noChangeAspect="1"/>
+          </p:cNvSpPr>
+          <p:nvPr>
+            <p:ph type="sldImg"/>
+          </p:nvPr>
+        </p:nvSpPr>
+        <p:spPr/>
+      </p:sp>
+      <p:sp>
+        <p:nvSpPr>
+          <p:cNvPr id="3" name="Segnaposto note 2"/>
+          <p:cNvSpPr>
+            <a:spLocks noGrp="1"/>
+          </p:cNvSpPr>
+          <p:nvPr>
+            <p:ph type="body" idx="1"/>
+          </p:nvPr>
+        </p:nvSpPr>
+        <p:spPr/>
+        <p:txBody>
+          <a:bodyPr/>
+          <a:lstStyle/>
+          <a:p>
+            <a:endParaRPr lang="en-US"/>
+          </a:p>
+        </p:txBody>
+      </p:sp>
+      <p:sp>
+        <p:nvSpPr>
+          <p:cNvPr id="4" name="Segnaposto numero diapositiva 3"/>
+          <p:cNvSpPr>
+            <a:spLocks noGrp="1"/>
+          </p:cNvSpPr>
+          <p:nvPr>
+            <p:ph type="sldNum" sz="quarter" idx="10"/>
+          </p:nvPr>
+        </p:nvSpPr>
+        <p:spPr/>
+        <p:txBody>
+          <a:bodyPr/>
+          <a:lstStyle/>
+          <a:p>
+            <a:fld id="{B185D4CE-7682-4590-9B5E-9BFF2B1C8718}" type="slidenum">
+              <a:rPr lang="en-US" smtClean="0"/>
+              <a:t>21</a:t>
+            </a:fld>
+            <a:endParaRPr lang="en-US"/>
+          </a:p>
+        </p:txBody>
+      </p:sp>
+    </p:spTree>
+    <p:extLst>
+      <p:ext uri="{BB962C8B-B14F-4D97-AF65-F5344CB8AC3E}">
+        <p14:creationId xmlns:p14="http://schemas.microsoft.com/office/powerpoint/2010/main" val="1526202342"/>
+      </p:ext>
+    </p:extLst>
+  </p:cSld>
+  <p:clrMapOvr>
+    <a:masterClrMapping/>
+  </p:clrMapOvr>
+</p:notes>
+</file>
+
+<file path=ppt/notesSlides/notesSlide22.xml><?xml version="1.0" encoding="utf-8"?>
+<p:notes xmlns:a="http://schemas.openxmlformats.org/drawingml/2006/main" xmlns:r="http://schemas.openxmlformats.org/officeDocument/2006/relationships" xmlns:p="http://schemas.openxmlformats.org/presentationml/2006/main">
+  <p:cSld>
+    <p:spTree>
+      <p:nvGrpSpPr>
+        <p:cNvPr id="1" name=""/>
+        <p:cNvGrpSpPr/>
+        <p:nvPr/>
+      </p:nvGrpSpPr>
+      <p:grpSpPr>
+        <a:xfrm>
+          <a:off x="0" y="0"/>
+          <a:ext cx="0" cy="0"/>
+          <a:chOff x="0" y="0"/>
+          <a:chExt cx="0" cy="0"/>
+        </a:xfrm>
+      </p:grpSpPr>
+      <p:sp>
+        <p:nvSpPr>
+          <p:cNvPr id="2" name="Segnaposto immagine diapositiva 1"/>
+          <p:cNvSpPr>
+            <a:spLocks noGrp="1" noRot="1" noChangeAspect="1"/>
+          </p:cNvSpPr>
+          <p:nvPr>
+            <p:ph type="sldImg"/>
+          </p:nvPr>
+        </p:nvSpPr>
+        <p:spPr/>
+      </p:sp>
+      <p:sp>
+        <p:nvSpPr>
+          <p:cNvPr id="3" name="Segnaposto note 2"/>
+          <p:cNvSpPr>
+            <a:spLocks noGrp="1"/>
+          </p:cNvSpPr>
+          <p:nvPr>
+            <p:ph type="body" idx="1"/>
+          </p:nvPr>
+        </p:nvSpPr>
+        <p:spPr/>
+        <p:txBody>
+          <a:bodyPr/>
+          <a:lstStyle/>
+          <a:p>
+            <a:endParaRPr lang="en-US"/>
+          </a:p>
+        </p:txBody>
+      </p:sp>
+      <p:sp>
+        <p:nvSpPr>
+          <p:cNvPr id="4" name="Segnaposto numero diapositiva 3"/>
+          <p:cNvSpPr>
+            <a:spLocks noGrp="1"/>
+          </p:cNvSpPr>
+          <p:nvPr>
+            <p:ph type="sldNum" sz="quarter" idx="10"/>
+          </p:nvPr>
+        </p:nvSpPr>
+        <p:spPr/>
+        <p:txBody>
+          <a:bodyPr/>
+          <a:lstStyle/>
+          <a:p>
+            <a:fld id="{B185D4CE-7682-4590-9B5E-9BFF2B1C8718}" type="slidenum">
+              <a:rPr lang="en-US" smtClean="0"/>
+              <a:t>22</a:t>
+            </a:fld>
+            <a:endParaRPr lang="en-US"/>
+          </a:p>
+        </p:txBody>
+      </p:sp>
+    </p:spTree>
+    <p:extLst>
+      <p:ext uri="{BB962C8B-B14F-4D97-AF65-F5344CB8AC3E}">
+        <p14:creationId xmlns:p14="http://schemas.microsoft.com/office/powerpoint/2010/main" val="1133747307"/>
+      </p:ext>
+    </p:extLst>
+  </p:cSld>
+  <p:clrMapOvr>
+    <a:masterClrMapping/>
+  </p:clrMapOvr>
+</p:notes>
+</file>
+
+<file path=ppt/notesSlides/notesSlide23.xml><?xml version="1.0" encoding="utf-8"?>
+<p:notes xmlns:a="http://schemas.openxmlformats.org/drawingml/2006/main" xmlns:r="http://schemas.openxmlformats.org/officeDocument/2006/relationships" xmlns:p="http://schemas.openxmlformats.org/presentationml/2006/main">
+  <p:cSld>
+    <p:spTree>
+      <p:nvGrpSpPr>
+        <p:cNvPr id="1" name=""/>
+        <p:cNvGrpSpPr/>
+        <p:nvPr/>
+      </p:nvGrpSpPr>
+      <p:grpSpPr>
+        <a:xfrm>
+          <a:off x="0" y="0"/>
+          <a:ext cx="0" cy="0"/>
+          <a:chOff x="0" y="0"/>
+          <a:chExt cx="0" cy="0"/>
+        </a:xfrm>
+      </p:grpSpPr>
+      <p:sp>
+        <p:nvSpPr>
+          <p:cNvPr id="2" name="Segnaposto immagine diapositiva 1"/>
+          <p:cNvSpPr>
+            <a:spLocks noGrp="1" noRot="1" noChangeAspect="1"/>
+          </p:cNvSpPr>
+          <p:nvPr>
+            <p:ph type="sldImg"/>
+          </p:nvPr>
+        </p:nvSpPr>
+        <p:spPr/>
+      </p:sp>
+      <p:sp>
+        <p:nvSpPr>
+          <p:cNvPr id="3" name="Segnaposto note 2"/>
+          <p:cNvSpPr>
+            <a:spLocks noGrp="1"/>
+          </p:cNvSpPr>
+          <p:nvPr>
+            <p:ph type="body" idx="1"/>
+          </p:nvPr>
+        </p:nvSpPr>
+        <p:spPr/>
+        <p:txBody>
+          <a:bodyPr/>
+          <a:lstStyle/>
+          <a:p>
+            <a:endParaRPr lang="en-US"/>
+          </a:p>
+        </p:txBody>
+      </p:sp>
+      <p:sp>
+        <p:nvSpPr>
+          <p:cNvPr id="4" name="Segnaposto numero diapositiva 3"/>
+          <p:cNvSpPr>
+            <a:spLocks noGrp="1"/>
+          </p:cNvSpPr>
+          <p:nvPr>
+            <p:ph type="sldNum" sz="quarter" idx="10"/>
+          </p:nvPr>
+        </p:nvSpPr>
+        <p:spPr/>
+        <p:txBody>
+          <a:bodyPr/>
+          <a:lstStyle/>
+          <a:p>
+            <a:fld id="{B185D4CE-7682-4590-9B5E-9BFF2B1C8718}" type="slidenum">
+              <a:rPr lang="en-US" smtClean="0"/>
+              <a:t>23</a:t>
+            </a:fld>
+            <a:endParaRPr lang="en-US"/>
+          </a:p>
+        </p:txBody>
+      </p:sp>
+    </p:spTree>
+    <p:extLst>
+      <p:ext uri="{BB962C8B-B14F-4D97-AF65-F5344CB8AC3E}">
+        <p14:creationId xmlns:p14="http://schemas.microsoft.com/office/powerpoint/2010/main" val="1645111423"/>
+      </p:ext>
+    </p:extLst>
+  </p:cSld>
+  <p:clrMapOvr>
+    <a:masterClrMapping/>
+  </p:clrMapOvr>
+</p:notes>
+</file>
+
+<file path=ppt/notesSlides/notesSlide24.xml><?xml version="1.0" encoding="utf-8"?>
+<p:notes xmlns:a="http://schemas.openxmlformats.org/drawingml/2006/main" xmlns:r="http://schemas.openxmlformats.org/officeDocument/2006/relationships" xmlns:p="http://schemas.openxmlformats.org/presentationml/2006/main">
+  <p:cSld>
+    <p:spTree>
+      <p:nvGrpSpPr>
+        <p:cNvPr id="1" name=""/>
+        <p:cNvGrpSpPr/>
+        <p:nvPr/>
+      </p:nvGrpSpPr>
+      <p:grpSpPr>
+        <a:xfrm>
+          <a:off x="0" y="0"/>
+          <a:ext cx="0" cy="0"/>
+          <a:chOff x="0" y="0"/>
+          <a:chExt cx="0" cy="0"/>
+        </a:xfrm>
+      </p:grpSpPr>
+      <p:sp>
+        <p:nvSpPr>
+          <p:cNvPr id="2" name="Segnaposto immagine diapositiva 1"/>
+          <p:cNvSpPr>
+            <a:spLocks noGrp="1" noRot="1" noChangeAspect="1"/>
+          </p:cNvSpPr>
+          <p:nvPr>
+            <p:ph type="sldImg"/>
+          </p:nvPr>
+        </p:nvSpPr>
+        <p:spPr/>
+      </p:sp>
+      <p:sp>
+        <p:nvSpPr>
+          <p:cNvPr id="3" name="Segnaposto note 2"/>
+          <p:cNvSpPr>
+            <a:spLocks noGrp="1"/>
+          </p:cNvSpPr>
+          <p:nvPr>
+            <p:ph type="body" idx="1"/>
+          </p:nvPr>
+        </p:nvSpPr>
+        <p:spPr/>
+        <p:txBody>
+          <a:bodyPr/>
+          <a:lstStyle/>
+          <a:p>
+            <a:endParaRPr lang="en-US"/>
+          </a:p>
+        </p:txBody>
+      </p:sp>
+      <p:sp>
+        <p:nvSpPr>
+          <p:cNvPr id="4" name="Segnaposto numero diapositiva 3"/>
+          <p:cNvSpPr>
+            <a:spLocks noGrp="1"/>
+          </p:cNvSpPr>
+          <p:nvPr>
+            <p:ph type="sldNum" sz="quarter" idx="10"/>
+          </p:nvPr>
+        </p:nvSpPr>
+        <p:spPr/>
+        <p:txBody>
+          <a:bodyPr/>
+          <a:lstStyle/>
+          <a:p>
+            <a:fld id="{B185D4CE-7682-4590-9B5E-9BFF2B1C8718}" type="slidenum">
+              <a:rPr lang="en-US" smtClean="0"/>
+              <a:t>24</a:t>
+            </a:fld>
+            <a:endParaRPr lang="en-US"/>
+          </a:p>
+        </p:txBody>
+      </p:sp>
+    </p:spTree>
+    <p:extLst>
+      <p:ext uri="{BB962C8B-B14F-4D97-AF65-F5344CB8AC3E}">
+        <p14:creationId xmlns:p14="http://schemas.microsoft.com/office/powerpoint/2010/main" val="1603134050"/>
+      </p:ext>
+    </p:extLst>
+  </p:cSld>
+  <p:clrMapOvr>
+    <a:masterClrMapping/>
+  </p:clrMapOvr>
+</p:notes>
+</file>
+
+<file path=ppt/notesSlides/notesSlide25.xml><?xml version="1.0" encoding="utf-8"?>
+<p:notes xmlns:a="http://schemas.openxmlformats.org/drawingml/2006/main" xmlns:r="http://schemas.openxmlformats.org/officeDocument/2006/relationships" xmlns:p="http://schemas.openxmlformats.org/presentationml/2006/main">
+  <p:cSld>
+    <p:spTree>
+      <p:nvGrpSpPr>
+        <p:cNvPr id="1" name=""/>
+        <p:cNvGrpSpPr/>
+        <p:nvPr/>
+      </p:nvGrpSpPr>
+      <p:grpSpPr>
+        <a:xfrm>
+          <a:off x="0" y="0"/>
+          <a:ext cx="0" cy="0"/>
+          <a:chOff x="0" y="0"/>
+          <a:chExt cx="0" cy="0"/>
+        </a:xfrm>
+      </p:grpSpPr>
+      <p:sp>
+        <p:nvSpPr>
+          <p:cNvPr id="2" name="Segnaposto immagine diapositiva 1"/>
+          <p:cNvSpPr>
+            <a:spLocks noGrp="1" noRot="1" noChangeAspect="1"/>
+          </p:cNvSpPr>
+          <p:nvPr>
+            <p:ph type="sldImg"/>
+          </p:nvPr>
+        </p:nvSpPr>
+        <p:spPr/>
+      </p:sp>
+      <p:sp>
+        <p:nvSpPr>
+          <p:cNvPr id="3" name="Segnaposto note 2"/>
+          <p:cNvSpPr>
+            <a:spLocks noGrp="1"/>
+          </p:cNvSpPr>
+          <p:nvPr>
+            <p:ph type="body" idx="1"/>
+          </p:nvPr>
+        </p:nvSpPr>
+        <p:spPr/>
+        <p:txBody>
+          <a:bodyPr/>
+          <a:lstStyle/>
+          <a:p>
+            <a:endParaRPr lang="en-US"/>
+          </a:p>
+        </p:txBody>
+      </p:sp>
+      <p:sp>
+        <p:nvSpPr>
+          <p:cNvPr id="4" name="Segnaposto numero diapositiva 3"/>
+          <p:cNvSpPr>
+            <a:spLocks noGrp="1"/>
+          </p:cNvSpPr>
+          <p:nvPr>
+            <p:ph type="sldNum" sz="quarter" idx="10"/>
+          </p:nvPr>
+        </p:nvSpPr>
+        <p:spPr/>
+        <p:txBody>
+          <a:bodyPr/>
+          <a:lstStyle/>
+          <a:p>
+            <a:fld id="{B185D4CE-7682-4590-9B5E-9BFF2B1C8718}" type="slidenum">
+              <a:rPr lang="en-US" smtClean="0"/>
+              <a:t>25</a:t>
+            </a:fld>
+            <a:endParaRPr lang="en-US"/>
+          </a:p>
+        </p:txBody>
+      </p:sp>
+    </p:spTree>
+    <p:extLst>
+      <p:ext uri="{BB962C8B-B14F-4D97-AF65-F5344CB8AC3E}">
+        <p14:creationId xmlns:p14="http://schemas.microsoft.com/office/powerpoint/2010/main" val="1677305223"/>
+      </p:ext>
+    </p:extLst>
+  </p:cSld>
+  <p:clrMapOvr>
+    <a:masterClrMapping/>
+  </p:clrMapOvr>
+</p:notes>
+</file>
+
+<file path=ppt/notesSlides/notesSlide26.xml><?xml version="1.0" encoding="utf-8"?>
+<p:notes xmlns:a="http://schemas.openxmlformats.org/drawingml/2006/main" xmlns:r="http://schemas.openxmlformats.org/officeDocument/2006/relationships" xmlns:p="http://schemas.openxmlformats.org/presentationml/2006/main">
+  <p:cSld>
+    <p:spTree>
+      <p:nvGrpSpPr>
+        <p:cNvPr id="1" name=""/>
+        <p:cNvGrpSpPr/>
+        <p:nvPr/>
+      </p:nvGrpSpPr>
+      <p:grpSpPr>
+        <a:xfrm>
+          <a:off x="0" y="0"/>
+          <a:ext cx="0" cy="0"/>
+          <a:chOff x="0" y="0"/>
+          <a:chExt cx="0" cy="0"/>
+        </a:xfrm>
+      </p:grpSpPr>
+      <p:sp>
+        <p:nvSpPr>
+          <p:cNvPr id="2" name="Segnaposto immagine diapositiva 1"/>
+          <p:cNvSpPr>
+            <a:spLocks noGrp="1" noRot="1" noChangeAspect="1"/>
+          </p:cNvSpPr>
+          <p:nvPr>
+            <p:ph type="sldImg"/>
+          </p:nvPr>
+        </p:nvSpPr>
+        <p:spPr/>
+      </p:sp>
+      <p:sp>
+        <p:nvSpPr>
+          <p:cNvPr id="3" name="Segnaposto note 2"/>
+          <p:cNvSpPr>
+            <a:spLocks noGrp="1"/>
+          </p:cNvSpPr>
+          <p:nvPr>
+            <p:ph type="body" idx="1"/>
+          </p:nvPr>
+        </p:nvSpPr>
+        <p:spPr/>
+        <p:txBody>
+          <a:bodyPr/>
+          <a:lstStyle/>
+          <a:p>
+            <a:endParaRPr lang="en-US"/>
+          </a:p>
+        </p:txBody>
+      </p:sp>
+      <p:sp>
+        <p:nvSpPr>
+          <p:cNvPr id="4" name="Segnaposto numero diapositiva 3"/>
+          <p:cNvSpPr>
+            <a:spLocks noGrp="1"/>
+          </p:cNvSpPr>
+          <p:nvPr>
+            <p:ph type="sldNum" sz="quarter" idx="10"/>
+          </p:nvPr>
+        </p:nvSpPr>
+        <p:spPr/>
+        <p:txBody>
+          <a:bodyPr/>
+          <a:lstStyle/>
+          <a:p>
+            <a:fld id="{B185D4CE-7682-4590-9B5E-9BFF2B1C8718}" type="slidenum">
+              <a:rPr lang="en-US" smtClean="0"/>
+              <a:t>26</a:t>
+            </a:fld>
+            <a:endParaRPr lang="en-US"/>
+          </a:p>
+        </p:txBody>
+      </p:sp>
+    </p:spTree>
+    <p:extLst>
+      <p:ext uri="{BB962C8B-B14F-4D97-AF65-F5344CB8AC3E}">
+        <p14:creationId xmlns:p14="http://schemas.microsoft.com/office/powerpoint/2010/main" val="168157882"/>
+      </p:ext>
+    </p:extLst>
+  </p:cSld>
+  <p:clrMapOvr>
+    <a:masterClrMapping/>
+  </p:clrMapOvr>
+</p:notes>
+</file>
+
+<file path=ppt/notesSlides/notesSlide27.xml><?xml version="1.0" encoding="utf-8"?>
+<p:notes xmlns:a="http://schemas.openxmlformats.org/drawingml/2006/main" xmlns:r="http://schemas.openxmlformats.org/officeDocument/2006/relationships" xmlns:p="http://schemas.openxmlformats.org/presentationml/2006/main">
+  <p:cSld>
+    <p:spTree>
+      <p:nvGrpSpPr>
+        <p:cNvPr id="1" name=""/>
+        <p:cNvGrpSpPr/>
+        <p:nvPr/>
+      </p:nvGrpSpPr>
+      <p:grpSpPr>
+        <a:xfrm>
+          <a:off x="0" y="0"/>
+          <a:ext cx="0" cy="0"/>
+          <a:chOff x="0" y="0"/>
+          <a:chExt cx="0" cy="0"/>
+        </a:xfrm>
+      </p:grpSpPr>
+      <p:sp>
+        <p:nvSpPr>
+          <p:cNvPr id="2" name="Segnaposto immagine diapositiva 1"/>
+          <p:cNvSpPr>
+            <a:spLocks noGrp="1" noRot="1" noChangeAspect="1"/>
+          </p:cNvSpPr>
+          <p:nvPr>
+            <p:ph type="sldImg"/>
+          </p:nvPr>
+        </p:nvSpPr>
+        <p:spPr/>
+      </p:sp>
+      <p:sp>
+        <p:nvSpPr>
+          <p:cNvPr id="3" name="Segnaposto note 2"/>
+          <p:cNvSpPr>
+            <a:spLocks noGrp="1"/>
+          </p:cNvSpPr>
+          <p:nvPr>
+            <p:ph type="body" idx="1"/>
+          </p:nvPr>
+        </p:nvSpPr>
+        <p:spPr/>
+        <p:txBody>
+          <a:bodyPr/>
+          <a:lstStyle/>
+          <a:p>
+            <a:endParaRPr lang="en-US"/>
+          </a:p>
+        </p:txBody>
+      </p:sp>
+      <p:sp>
+        <p:nvSpPr>
+          <p:cNvPr id="4" name="Segnaposto numero diapositiva 3"/>
+          <p:cNvSpPr>
+            <a:spLocks noGrp="1"/>
+          </p:cNvSpPr>
+          <p:nvPr>
+            <p:ph type="sldNum" sz="quarter" idx="10"/>
+          </p:nvPr>
+        </p:nvSpPr>
+        <p:spPr/>
+        <p:txBody>
+          <a:bodyPr/>
+          <a:lstStyle/>
+          <a:p>
+            <a:fld id="{B185D4CE-7682-4590-9B5E-9BFF2B1C8718}" type="slidenum">
+              <a:rPr lang="en-US" smtClean="0"/>
+              <a:t>27</a:t>
+            </a:fld>
+            <a:endParaRPr lang="en-US"/>
+          </a:p>
+        </p:txBody>
+      </p:sp>
+    </p:spTree>
+    <p:extLst>
+      <p:ext uri="{BB962C8B-B14F-4D97-AF65-F5344CB8AC3E}">
+        <p14:creationId xmlns:p14="http://schemas.microsoft.com/office/powerpoint/2010/main" val="1099086070"/>
+      </p:ext>
+    </p:extLst>
+  </p:cSld>
+  <p:clrMapOvr>
+    <a:masterClrMapping/>
+  </p:clrMapOvr>
+</p:notes>
+</file>
+
+<file path=ppt/notesSlides/notesSlide28.xml><?xml version="1.0" encoding="utf-8"?>
+<p:notes xmlns:a="http://schemas.openxmlformats.org/drawingml/2006/main" xmlns:r="http://schemas.openxmlformats.org/officeDocument/2006/relationships" xmlns:p="http://schemas.openxmlformats.org/presentationml/2006/main">
+  <p:cSld>
+    <p:spTree>
+      <p:nvGrpSpPr>
+        <p:cNvPr id="1" name=""/>
+        <p:cNvGrpSpPr/>
+        <p:nvPr/>
+      </p:nvGrpSpPr>
+      <p:grpSpPr>
+        <a:xfrm>
+          <a:off x="0" y="0"/>
+          <a:ext cx="0" cy="0"/>
+          <a:chOff x="0" y="0"/>
+          <a:chExt cx="0" cy="0"/>
+        </a:xfrm>
+      </p:grpSpPr>
+      <p:sp>
+        <p:nvSpPr>
+          <p:cNvPr id="2" name="Segnaposto immagine diapositiva 1"/>
+          <p:cNvSpPr>
+            <a:spLocks noGrp="1" noRot="1" noChangeAspect="1"/>
+          </p:cNvSpPr>
+          <p:nvPr>
+            <p:ph type="sldImg"/>
+          </p:nvPr>
+        </p:nvSpPr>
+        <p:spPr/>
+      </p:sp>
+      <p:sp>
+        <p:nvSpPr>
+          <p:cNvPr id="3" name="Segnaposto note 2"/>
+          <p:cNvSpPr>
+            <a:spLocks noGrp="1"/>
+          </p:cNvSpPr>
+          <p:nvPr>
+            <p:ph type="body" idx="1"/>
+          </p:nvPr>
+        </p:nvSpPr>
+        <p:spPr/>
+        <p:txBody>
+          <a:bodyPr/>
+          <a:lstStyle/>
+          <a:p>
+            <a:endParaRPr lang="en-US"/>
+          </a:p>
+        </p:txBody>
+      </p:sp>
+      <p:sp>
+        <p:nvSpPr>
+          <p:cNvPr id="4" name="Segnaposto numero diapositiva 3"/>
+          <p:cNvSpPr>
+            <a:spLocks noGrp="1"/>
+          </p:cNvSpPr>
+          <p:nvPr>
+            <p:ph type="sldNum" sz="quarter" idx="10"/>
+          </p:nvPr>
+        </p:nvSpPr>
+        <p:spPr/>
+        <p:txBody>
+          <a:bodyPr/>
+          <a:lstStyle/>
+          <a:p>
+            <a:fld id="{B185D4CE-7682-4590-9B5E-9BFF2B1C8718}" type="slidenum">
+              <a:rPr lang="en-US" smtClean="0"/>
+              <a:t>28</a:t>
+            </a:fld>
+            <a:endParaRPr lang="en-US"/>
+          </a:p>
+        </p:txBody>
+      </p:sp>
+    </p:spTree>
+    <p:extLst>
+      <p:ext uri="{BB962C8B-B14F-4D97-AF65-F5344CB8AC3E}">
+        <p14:creationId xmlns:p14="http://schemas.microsoft.com/office/powerpoint/2010/main" val="3638071630"/>
+      </p:ext>
+    </p:extLst>
+  </p:cSld>
+  <p:clrMapOvr>
+    <a:masterClrMapping/>
+  </p:clrMapOvr>
+</p:notes>
+</file>
+
+<file path=ppt/notesSlides/notesSlide29.xml><?xml version="1.0" encoding="utf-8"?>
+<p:notes xmlns:a="http://schemas.openxmlformats.org/drawingml/2006/main" xmlns:r="http://schemas.openxmlformats.org/officeDocument/2006/relationships" xmlns:p="http://schemas.openxmlformats.org/presentationml/2006/main">
+  <p:cSld>
+    <p:spTree>
+      <p:nvGrpSpPr>
+        <p:cNvPr id="1" name=""/>
+        <p:cNvGrpSpPr/>
+        <p:nvPr/>
+      </p:nvGrpSpPr>
+      <p:grpSpPr>
+        <a:xfrm>
+          <a:off x="0" y="0"/>
+          <a:ext cx="0" cy="0"/>
+          <a:chOff x="0" y="0"/>
+          <a:chExt cx="0" cy="0"/>
+        </a:xfrm>
+      </p:grpSpPr>
+      <p:sp>
+        <p:nvSpPr>
+          <p:cNvPr id="2" name="Segnaposto immagine diapositiva 1"/>
+          <p:cNvSpPr>
+            <a:spLocks noGrp="1" noRot="1" noChangeAspect="1"/>
+          </p:cNvSpPr>
+          <p:nvPr>
+            <p:ph type="sldImg"/>
+          </p:nvPr>
+        </p:nvSpPr>
+        <p:spPr/>
+      </p:sp>
+      <p:sp>
+        <p:nvSpPr>
+          <p:cNvPr id="3" name="Segnaposto note 2"/>
+          <p:cNvSpPr>
+            <a:spLocks noGrp="1"/>
+          </p:cNvSpPr>
+          <p:nvPr>
+            <p:ph type="body" idx="1"/>
+          </p:nvPr>
+        </p:nvSpPr>
+        <p:spPr/>
+        <p:txBody>
+          <a:bodyPr/>
+          <a:lstStyle/>
+          <a:p>
+            <a:endParaRPr lang="en-US"/>
+          </a:p>
+        </p:txBody>
+      </p:sp>
+      <p:sp>
+        <p:nvSpPr>
+          <p:cNvPr id="4" name="Segnaposto numero diapositiva 3"/>
+          <p:cNvSpPr>
+            <a:spLocks noGrp="1"/>
+          </p:cNvSpPr>
+          <p:nvPr>
+            <p:ph type="sldNum" sz="quarter" idx="10"/>
+          </p:nvPr>
+        </p:nvSpPr>
+        <p:spPr/>
+        <p:txBody>
+          <a:bodyPr/>
+          <a:lstStyle/>
+          <a:p>
+            <a:fld id="{B185D4CE-7682-4590-9B5E-9BFF2B1C8718}" type="slidenum">
+              <a:rPr lang="en-US" smtClean="0"/>
+              <a:t>29</a:t>
+            </a:fld>
+            <a:endParaRPr lang="en-US"/>
+          </a:p>
+        </p:txBody>
+      </p:sp>
+    </p:spTree>
+    <p:extLst>
+      <p:ext uri="{BB962C8B-B14F-4D97-AF65-F5344CB8AC3E}">
+        <p14:creationId xmlns:p14="http://schemas.microsoft.com/office/powerpoint/2010/main" val="2098172857"/>
       </p:ext>
     </p:extLst>
   </p:cSld>
@@ -753,9 +2433,9 @@
           <a:bodyPr/>
           <a:lstStyle/>
           <a:p>
-            <a:fld id="{ED4280E9-C18D-4939-8AD7-63089B7BF38D}" type="slidenum">
+            <a:fld id="{B185D4CE-7682-4590-9B5E-9BFF2B1C8718}" type="slidenum">
               <a:rPr lang="en-US" smtClean="0"/>
-              <a:t>44</a:t>
+              <a:t>3</a:t>
             </a:fld>
             <a:endParaRPr lang="en-US"/>
           </a:p>
@@ -764,7 +2444,847 @@
     </p:spTree>
     <p:extLst>
       <p:ext uri="{BB962C8B-B14F-4D97-AF65-F5344CB8AC3E}">
-        <p14:creationId xmlns:p14="http://schemas.microsoft.com/office/powerpoint/2010/main" val="1396044474"/>
+        <p14:creationId xmlns:p14="http://schemas.microsoft.com/office/powerpoint/2010/main" val="3027452369"/>
+      </p:ext>
+    </p:extLst>
+  </p:cSld>
+  <p:clrMapOvr>
+    <a:masterClrMapping/>
+  </p:clrMapOvr>
+</p:notes>
+</file>
+
+<file path=ppt/notesSlides/notesSlide30.xml><?xml version="1.0" encoding="utf-8"?>
+<p:notes xmlns:a="http://schemas.openxmlformats.org/drawingml/2006/main" xmlns:r="http://schemas.openxmlformats.org/officeDocument/2006/relationships" xmlns:p="http://schemas.openxmlformats.org/presentationml/2006/main">
+  <p:cSld>
+    <p:spTree>
+      <p:nvGrpSpPr>
+        <p:cNvPr id="1" name=""/>
+        <p:cNvGrpSpPr/>
+        <p:nvPr/>
+      </p:nvGrpSpPr>
+      <p:grpSpPr>
+        <a:xfrm>
+          <a:off x="0" y="0"/>
+          <a:ext cx="0" cy="0"/>
+          <a:chOff x="0" y="0"/>
+          <a:chExt cx="0" cy="0"/>
+        </a:xfrm>
+      </p:grpSpPr>
+      <p:sp>
+        <p:nvSpPr>
+          <p:cNvPr id="2" name="Segnaposto immagine diapositiva 1"/>
+          <p:cNvSpPr>
+            <a:spLocks noGrp="1" noRot="1" noChangeAspect="1"/>
+          </p:cNvSpPr>
+          <p:nvPr>
+            <p:ph type="sldImg"/>
+          </p:nvPr>
+        </p:nvSpPr>
+        <p:spPr/>
+      </p:sp>
+      <p:sp>
+        <p:nvSpPr>
+          <p:cNvPr id="3" name="Segnaposto note 2"/>
+          <p:cNvSpPr>
+            <a:spLocks noGrp="1"/>
+          </p:cNvSpPr>
+          <p:nvPr>
+            <p:ph type="body" idx="1"/>
+          </p:nvPr>
+        </p:nvSpPr>
+        <p:spPr/>
+        <p:txBody>
+          <a:bodyPr/>
+          <a:lstStyle/>
+          <a:p>
+            <a:endParaRPr lang="en-US"/>
+          </a:p>
+        </p:txBody>
+      </p:sp>
+      <p:sp>
+        <p:nvSpPr>
+          <p:cNvPr id="4" name="Segnaposto numero diapositiva 3"/>
+          <p:cNvSpPr>
+            <a:spLocks noGrp="1"/>
+          </p:cNvSpPr>
+          <p:nvPr>
+            <p:ph type="sldNum" sz="quarter" idx="10"/>
+          </p:nvPr>
+        </p:nvSpPr>
+        <p:spPr/>
+        <p:txBody>
+          <a:bodyPr/>
+          <a:lstStyle/>
+          <a:p>
+            <a:fld id="{B185D4CE-7682-4590-9B5E-9BFF2B1C8718}" type="slidenum">
+              <a:rPr lang="en-US" smtClean="0"/>
+              <a:t>30</a:t>
+            </a:fld>
+            <a:endParaRPr lang="en-US"/>
+          </a:p>
+        </p:txBody>
+      </p:sp>
+    </p:spTree>
+    <p:extLst>
+      <p:ext uri="{BB962C8B-B14F-4D97-AF65-F5344CB8AC3E}">
+        <p14:creationId xmlns:p14="http://schemas.microsoft.com/office/powerpoint/2010/main" val="2678752123"/>
+      </p:ext>
+    </p:extLst>
+  </p:cSld>
+  <p:clrMapOvr>
+    <a:masterClrMapping/>
+  </p:clrMapOvr>
+</p:notes>
+</file>
+
+<file path=ppt/notesSlides/notesSlide31.xml><?xml version="1.0" encoding="utf-8"?>
+<p:notes xmlns:a="http://schemas.openxmlformats.org/drawingml/2006/main" xmlns:r="http://schemas.openxmlformats.org/officeDocument/2006/relationships" xmlns:p="http://schemas.openxmlformats.org/presentationml/2006/main">
+  <p:cSld>
+    <p:spTree>
+      <p:nvGrpSpPr>
+        <p:cNvPr id="1" name=""/>
+        <p:cNvGrpSpPr/>
+        <p:nvPr/>
+      </p:nvGrpSpPr>
+      <p:grpSpPr>
+        <a:xfrm>
+          <a:off x="0" y="0"/>
+          <a:ext cx="0" cy="0"/>
+          <a:chOff x="0" y="0"/>
+          <a:chExt cx="0" cy="0"/>
+        </a:xfrm>
+      </p:grpSpPr>
+      <p:sp>
+        <p:nvSpPr>
+          <p:cNvPr id="2" name="Segnaposto immagine diapositiva 1"/>
+          <p:cNvSpPr>
+            <a:spLocks noGrp="1" noRot="1" noChangeAspect="1"/>
+          </p:cNvSpPr>
+          <p:nvPr>
+            <p:ph type="sldImg"/>
+          </p:nvPr>
+        </p:nvSpPr>
+        <p:spPr/>
+      </p:sp>
+      <p:sp>
+        <p:nvSpPr>
+          <p:cNvPr id="3" name="Segnaposto note 2"/>
+          <p:cNvSpPr>
+            <a:spLocks noGrp="1"/>
+          </p:cNvSpPr>
+          <p:nvPr>
+            <p:ph type="body" idx="1"/>
+          </p:nvPr>
+        </p:nvSpPr>
+        <p:spPr/>
+        <p:txBody>
+          <a:bodyPr/>
+          <a:lstStyle/>
+          <a:p>
+            <a:endParaRPr lang="en-US"/>
+          </a:p>
+        </p:txBody>
+      </p:sp>
+      <p:sp>
+        <p:nvSpPr>
+          <p:cNvPr id="4" name="Segnaposto numero diapositiva 3"/>
+          <p:cNvSpPr>
+            <a:spLocks noGrp="1"/>
+          </p:cNvSpPr>
+          <p:nvPr>
+            <p:ph type="sldNum" sz="quarter" idx="10"/>
+          </p:nvPr>
+        </p:nvSpPr>
+        <p:spPr/>
+        <p:txBody>
+          <a:bodyPr/>
+          <a:lstStyle/>
+          <a:p>
+            <a:fld id="{B185D4CE-7682-4590-9B5E-9BFF2B1C8718}" type="slidenum">
+              <a:rPr lang="en-US" smtClean="0"/>
+              <a:t>31</a:t>
+            </a:fld>
+            <a:endParaRPr lang="en-US"/>
+          </a:p>
+        </p:txBody>
+      </p:sp>
+    </p:spTree>
+    <p:extLst>
+      <p:ext uri="{BB962C8B-B14F-4D97-AF65-F5344CB8AC3E}">
+        <p14:creationId xmlns:p14="http://schemas.microsoft.com/office/powerpoint/2010/main" val="1571786830"/>
+      </p:ext>
+    </p:extLst>
+  </p:cSld>
+  <p:clrMapOvr>
+    <a:masterClrMapping/>
+  </p:clrMapOvr>
+</p:notes>
+</file>
+
+<file path=ppt/notesSlides/notesSlide32.xml><?xml version="1.0" encoding="utf-8"?>
+<p:notes xmlns:a="http://schemas.openxmlformats.org/drawingml/2006/main" xmlns:r="http://schemas.openxmlformats.org/officeDocument/2006/relationships" xmlns:p="http://schemas.openxmlformats.org/presentationml/2006/main">
+  <p:cSld>
+    <p:spTree>
+      <p:nvGrpSpPr>
+        <p:cNvPr id="1" name=""/>
+        <p:cNvGrpSpPr/>
+        <p:nvPr/>
+      </p:nvGrpSpPr>
+      <p:grpSpPr>
+        <a:xfrm>
+          <a:off x="0" y="0"/>
+          <a:ext cx="0" cy="0"/>
+          <a:chOff x="0" y="0"/>
+          <a:chExt cx="0" cy="0"/>
+        </a:xfrm>
+      </p:grpSpPr>
+      <p:sp>
+        <p:nvSpPr>
+          <p:cNvPr id="2" name="Segnaposto immagine diapositiva 1"/>
+          <p:cNvSpPr>
+            <a:spLocks noGrp="1" noRot="1" noChangeAspect="1"/>
+          </p:cNvSpPr>
+          <p:nvPr>
+            <p:ph type="sldImg"/>
+          </p:nvPr>
+        </p:nvSpPr>
+        <p:spPr/>
+      </p:sp>
+      <p:sp>
+        <p:nvSpPr>
+          <p:cNvPr id="3" name="Segnaposto note 2"/>
+          <p:cNvSpPr>
+            <a:spLocks noGrp="1"/>
+          </p:cNvSpPr>
+          <p:nvPr>
+            <p:ph type="body" idx="1"/>
+          </p:nvPr>
+        </p:nvSpPr>
+        <p:spPr/>
+        <p:txBody>
+          <a:bodyPr/>
+          <a:lstStyle/>
+          <a:p>
+            <a:endParaRPr lang="en-US"/>
+          </a:p>
+        </p:txBody>
+      </p:sp>
+      <p:sp>
+        <p:nvSpPr>
+          <p:cNvPr id="4" name="Segnaposto numero diapositiva 3"/>
+          <p:cNvSpPr>
+            <a:spLocks noGrp="1"/>
+          </p:cNvSpPr>
+          <p:nvPr>
+            <p:ph type="sldNum" sz="quarter" idx="10"/>
+          </p:nvPr>
+        </p:nvSpPr>
+        <p:spPr/>
+        <p:txBody>
+          <a:bodyPr/>
+          <a:lstStyle/>
+          <a:p>
+            <a:fld id="{B185D4CE-7682-4590-9B5E-9BFF2B1C8718}" type="slidenum">
+              <a:rPr lang="en-US" smtClean="0"/>
+              <a:t>32</a:t>
+            </a:fld>
+            <a:endParaRPr lang="en-US"/>
+          </a:p>
+        </p:txBody>
+      </p:sp>
+    </p:spTree>
+    <p:extLst>
+      <p:ext uri="{BB962C8B-B14F-4D97-AF65-F5344CB8AC3E}">
+        <p14:creationId xmlns:p14="http://schemas.microsoft.com/office/powerpoint/2010/main" val="124062245"/>
+      </p:ext>
+    </p:extLst>
+  </p:cSld>
+  <p:clrMapOvr>
+    <a:masterClrMapping/>
+  </p:clrMapOvr>
+</p:notes>
+</file>
+
+<file path=ppt/notesSlides/notesSlide33.xml><?xml version="1.0" encoding="utf-8"?>
+<p:notes xmlns:a="http://schemas.openxmlformats.org/drawingml/2006/main" xmlns:r="http://schemas.openxmlformats.org/officeDocument/2006/relationships" xmlns:p="http://schemas.openxmlformats.org/presentationml/2006/main">
+  <p:cSld>
+    <p:spTree>
+      <p:nvGrpSpPr>
+        <p:cNvPr id="1" name=""/>
+        <p:cNvGrpSpPr/>
+        <p:nvPr/>
+      </p:nvGrpSpPr>
+      <p:grpSpPr>
+        <a:xfrm>
+          <a:off x="0" y="0"/>
+          <a:ext cx="0" cy="0"/>
+          <a:chOff x="0" y="0"/>
+          <a:chExt cx="0" cy="0"/>
+        </a:xfrm>
+      </p:grpSpPr>
+      <p:sp>
+        <p:nvSpPr>
+          <p:cNvPr id="2" name="Segnaposto immagine diapositiva 1"/>
+          <p:cNvSpPr>
+            <a:spLocks noGrp="1" noRot="1" noChangeAspect="1"/>
+          </p:cNvSpPr>
+          <p:nvPr>
+            <p:ph type="sldImg"/>
+          </p:nvPr>
+        </p:nvSpPr>
+        <p:spPr/>
+      </p:sp>
+      <p:sp>
+        <p:nvSpPr>
+          <p:cNvPr id="3" name="Segnaposto note 2"/>
+          <p:cNvSpPr>
+            <a:spLocks noGrp="1"/>
+          </p:cNvSpPr>
+          <p:nvPr>
+            <p:ph type="body" idx="1"/>
+          </p:nvPr>
+        </p:nvSpPr>
+        <p:spPr/>
+        <p:txBody>
+          <a:bodyPr/>
+          <a:lstStyle/>
+          <a:p>
+            <a:endParaRPr lang="en-US"/>
+          </a:p>
+        </p:txBody>
+      </p:sp>
+      <p:sp>
+        <p:nvSpPr>
+          <p:cNvPr id="4" name="Segnaposto numero diapositiva 3"/>
+          <p:cNvSpPr>
+            <a:spLocks noGrp="1"/>
+          </p:cNvSpPr>
+          <p:nvPr>
+            <p:ph type="sldNum" sz="quarter" idx="10"/>
+          </p:nvPr>
+        </p:nvSpPr>
+        <p:spPr/>
+        <p:txBody>
+          <a:bodyPr/>
+          <a:lstStyle/>
+          <a:p>
+            <a:fld id="{B185D4CE-7682-4590-9B5E-9BFF2B1C8718}" type="slidenum">
+              <a:rPr lang="en-US" smtClean="0"/>
+              <a:t>33</a:t>
+            </a:fld>
+            <a:endParaRPr lang="en-US"/>
+          </a:p>
+        </p:txBody>
+      </p:sp>
+    </p:spTree>
+    <p:extLst>
+      <p:ext uri="{BB962C8B-B14F-4D97-AF65-F5344CB8AC3E}">
+        <p14:creationId xmlns:p14="http://schemas.microsoft.com/office/powerpoint/2010/main" val="43559358"/>
+      </p:ext>
+    </p:extLst>
+  </p:cSld>
+  <p:clrMapOvr>
+    <a:masterClrMapping/>
+  </p:clrMapOvr>
+</p:notes>
+</file>
+
+<file path=ppt/notesSlides/notesSlide34.xml><?xml version="1.0" encoding="utf-8"?>
+<p:notes xmlns:a="http://schemas.openxmlformats.org/drawingml/2006/main" xmlns:r="http://schemas.openxmlformats.org/officeDocument/2006/relationships" xmlns:p="http://schemas.openxmlformats.org/presentationml/2006/main">
+  <p:cSld>
+    <p:spTree>
+      <p:nvGrpSpPr>
+        <p:cNvPr id="1" name=""/>
+        <p:cNvGrpSpPr/>
+        <p:nvPr/>
+      </p:nvGrpSpPr>
+      <p:grpSpPr>
+        <a:xfrm>
+          <a:off x="0" y="0"/>
+          <a:ext cx="0" cy="0"/>
+          <a:chOff x="0" y="0"/>
+          <a:chExt cx="0" cy="0"/>
+        </a:xfrm>
+      </p:grpSpPr>
+      <p:sp>
+        <p:nvSpPr>
+          <p:cNvPr id="2" name="Segnaposto immagine diapositiva 1"/>
+          <p:cNvSpPr>
+            <a:spLocks noGrp="1" noRot="1" noChangeAspect="1"/>
+          </p:cNvSpPr>
+          <p:nvPr>
+            <p:ph type="sldImg"/>
+          </p:nvPr>
+        </p:nvSpPr>
+        <p:spPr/>
+      </p:sp>
+      <p:sp>
+        <p:nvSpPr>
+          <p:cNvPr id="3" name="Segnaposto note 2"/>
+          <p:cNvSpPr>
+            <a:spLocks noGrp="1"/>
+          </p:cNvSpPr>
+          <p:nvPr>
+            <p:ph type="body" idx="1"/>
+          </p:nvPr>
+        </p:nvSpPr>
+        <p:spPr/>
+        <p:txBody>
+          <a:bodyPr/>
+          <a:lstStyle/>
+          <a:p>
+            <a:endParaRPr lang="en-US"/>
+          </a:p>
+        </p:txBody>
+      </p:sp>
+      <p:sp>
+        <p:nvSpPr>
+          <p:cNvPr id="4" name="Segnaposto numero diapositiva 3"/>
+          <p:cNvSpPr>
+            <a:spLocks noGrp="1"/>
+          </p:cNvSpPr>
+          <p:nvPr>
+            <p:ph type="sldNum" sz="quarter" idx="10"/>
+          </p:nvPr>
+        </p:nvSpPr>
+        <p:spPr/>
+        <p:txBody>
+          <a:bodyPr/>
+          <a:lstStyle/>
+          <a:p>
+            <a:fld id="{B185D4CE-7682-4590-9B5E-9BFF2B1C8718}" type="slidenum">
+              <a:rPr lang="en-US" smtClean="0"/>
+              <a:t>34</a:t>
+            </a:fld>
+            <a:endParaRPr lang="en-US"/>
+          </a:p>
+        </p:txBody>
+      </p:sp>
+    </p:spTree>
+    <p:extLst>
+      <p:ext uri="{BB962C8B-B14F-4D97-AF65-F5344CB8AC3E}">
+        <p14:creationId xmlns:p14="http://schemas.microsoft.com/office/powerpoint/2010/main" val="1053439944"/>
+      </p:ext>
+    </p:extLst>
+  </p:cSld>
+  <p:clrMapOvr>
+    <a:masterClrMapping/>
+  </p:clrMapOvr>
+</p:notes>
+</file>
+
+<file path=ppt/notesSlides/notesSlide35.xml><?xml version="1.0" encoding="utf-8"?>
+<p:notes xmlns:a="http://schemas.openxmlformats.org/drawingml/2006/main" xmlns:r="http://schemas.openxmlformats.org/officeDocument/2006/relationships" xmlns:p="http://schemas.openxmlformats.org/presentationml/2006/main">
+  <p:cSld>
+    <p:spTree>
+      <p:nvGrpSpPr>
+        <p:cNvPr id="1" name=""/>
+        <p:cNvGrpSpPr/>
+        <p:nvPr/>
+      </p:nvGrpSpPr>
+      <p:grpSpPr>
+        <a:xfrm>
+          <a:off x="0" y="0"/>
+          <a:ext cx="0" cy="0"/>
+          <a:chOff x="0" y="0"/>
+          <a:chExt cx="0" cy="0"/>
+        </a:xfrm>
+      </p:grpSpPr>
+      <p:sp>
+        <p:nvSpPr>
+          <p:cNvPr id="2" name="Segnaposto immagine diapositiva 1"/>
+          <p:cNvSpPr>
+            <a:spLocks noGrp="1" noRot="1" noChangeAspect="1"/>
+          </p:cNvSpPr>
+          <p:nvPr>
+            <p:ph type="sldImg"/>
+          </p:nvPr>
+        </p:nvSpPr>
+        <p:spPr/>
+      </p:sp>
+      <p:sp>
+        <p:nvSpPr>
+          <p:cNvPr id="3" name="Segnaposto note 2"/>
+          <p:cNvSpPr>
+            <a:spLocks noGrp="1"/>
+          </p:cNvSpPr>
+          <p:nvPr>
+            <p:ph type="body" idx="1"/>
+          </p:nvPr>
+        </p:nvSpPr>
+        <p:spPr/>
+        <p:txBody>
+          <a:bodyPr/>
+          <a:lstStyle/>
+          <a:p>
+            <a:endParaRPr lang="en-US"/>
+          </a:p>
+        </p:txBody>
+      </p:sp>
+      <p:sp>
+        <p:nvSpPr>
+          <p:cNvPr id="4" name="Segnaposto numero diapositiva 3"/>
+          <p:cNvSpPr>
+            <a:spLocks noGrp="1"/>
+          </p:cNvSpPr>
+          <p:nvPr>
+            <p:ph type="sldNum" sz="quarter" idx="10"/>
+          </p:nvPr>
+        </p:nvSpPr>
+        <p:spPr/>
+        <p:txBody>
+          <a:bodyPr/>
+          <a:lstStyle/>
+          <a:p>
+            <a:fld id="{B185D4CE-7682-4590-9B5E-9BFF2B1C8718}" type="slidenum">
+              <a:rPr lang="en-US" smtClean="0"/>
+              <a:t>35</a:t>
+            </a:fld>
+            <a:endParaRPr lang="en-US"/>
+          </a:p>
+        </p:txBody>
+      </p:sp>
+    </p:spTree>
+    <p:extLst>
+      <p:ext uri="{BB962C8B-B14F-4D97-AF65-F5344CB8AC3E}">
+        <p14:creationId xmlns:p14="http://schemas.microsoft.com/office/powerpoint/2010/main" val="1300331416"/>
+      </p:ext>
+    </p:extLst>
+  </p:cSld>
+  <p:clrMapOvr>
+    <a:masterClrMapping/>
+  </p:clrMapOvr>
+</p:notes>
+</file>
+
+<file path=ppt/notesSlides/notesSlide36.xml><?xml version="1.0" encoding="utf-8"?>
+<p:notes xmlns:a="http://schemas.openxmlformats.org/drawingml/2006/main" xmlns:r="http://schemas.openxmlformats.org/officeDocument/2006/relationships" xmlns:p="http://schemas.openxmlformats.org/presentationml/2006/main">
+  <p:cSld>
+    <p:spTree>
+      <p:nvGrpSpPr>
+        <p:cNvPr id="1" name=""/>
+        <p:cNvGrpSpPr/>
+        <p:nvPr/>
+      </p:nvGrpSpPr>
+      <p:grpSpPr>
+        <a:xfrm>
+          <a:off x="0" y="0"/>
+          <a:ext cx="0" cy="0"/>
+          <a:chOff x="0" y="0"/>
+          <a:chExt cx="0" cy="0"/>
+        </a:xfrm>
+      </p:grpSpPr>
+      <p:sp>
+        <p:nvSpPr>
+          <p:cNvPr id="2" name="Segnaposto immagine diapositiva 1"/>
+          <p:cNvSpPr>
+            <a:spLocks noGrp="1" noRot="1" noChangeAspect="1"/>
+          </p:cNvSpPr>
+          <p:nvPr>
+            <p:ph type="sldImg"/>
+          </p:nvPr>
+        </p:nvSpPr>
+        <p:spPr/>
+      </p:sp>
+      <p:sp>
+        <p:nvSpPr>
+          <p:cNvPr id="3" name="Segnaposto note 2"/>
+          <p:cNvSpPr>
+            <a:spLocks noGrp="1"/>
+          </p:cNvSpPr>
+          <p:nvPr>
+            <p:ph type="body" idx="1"/>
+          </p:nvPr>
+        </p:nvSpPr>
+        <p:spPr/>
+        <p:txBody>
+          <a:bodyPr/>
+          <a:lstStyle/>
+          <a:p>
+            <a:endParaRPr lang="en-US"/>
+          </a:p>
+        </p:txBody>
+      </p:sp>
+      <p:sp>
+        <p:nvSpPr>
+          <p:cNvPr id="4" name="Segnaposto numero diapositiva 3"/>
+          <p:cNvSpPr>
+            <a:spLocks noGrp="1"/>
+          </p:cNvSpPr>
+          <p:nvPr>
+            <p:ph type="sldNum" sz="quarter" idx="10"/>
+          </p:nvPr>
+        </p:nvSpPr>
+        <p:spPr/>
+        <p:txBody>
+          <a:bodyPr/>
+          <a:lstStyle/>
+          <a:p>
+            <a:fld id="{B185D4CE-7682-4590-9B5E-9BFF2B1C8718}" type="slidenum">
+              <a:rPr lang="en-US" smtClean="0"/>
+              <a:t>36</a:t>
+            </a:fld>
+            <a:endParaRPr lang="en-US"/>
+          </a:p>
+        </p:txBody>
+      </p:sp>
+    </p:spTree>
+    <p:extLst>
+      <p:ext uri="{BB962C8B-B14F-4D97-AF65-F5344CB8AC3E}">
+        <p14:creationId xmlns:p14="http://schemas.microsoft.com/office/powerpoint/2010/main" val="33742315"/>
+      </p:ext>
+    </p:extLst>
+  </p:cSld>
+  <p:clrMapOvr>
+    <a:masterClrMapping/>
+  </p:clrMapOvr>
+</p:notes>
+</file>
+
+<file path=ppt/notesSlides/notesSlide37.xml><?xml version="1.0" encoding="utf-8"?>
+<p:notes xmlns:a="http://schemas.openxmlformats.org/drawingml/2006/main" xmlns:r="http://schemas.openxmlformats.org/officeDocument/2006/relationships" xmlns:p="http://schemas.openxmlformats.org/presentationml/2006/main">
+  <p:cSld>
+    <p:spTree>
+      <p:nvGrpSpPr>
+        <p:cNvPr id="1" name=""/>
+        <p:cNvGrpSpPr/>
+        <p:nvPr/>
+      </p:nvGrpSpPr>
+      <p:grpSpPr>
+        <a:xfrm>
+          <a:off x="0" y="0"/>
+          <a:ext cx="0" cy="0"/>
+          <a:chOff x="0" y="0"/>
+          <a:chExt cx="0" cy="0"/>
+        </a:xfrm>
+      </p:grpSpPr>
+      <p:sp>
+        <p:nvSpPr>
+          <p:cNvPr id="2" name="Segnaposto immagine diapositiva 1"/>
+          <p:cNvSpPr>
+            <a:spLocks noGrp="1" noRot="1" noChangeAspect="1"/>
+          </p:cNvSpPr>
+          <p:nvPr>
+            <p:ph type="sldImg"/>
+          </p:nvPr>
+        </p:nvSpPr>
+        <p:spPr/>
+      </p:sp>
+      <p:sp>
+        <p:nvSpPr>
+          <p:cNvPr id="3" name="Segnaposto note 2"/>
+          <p:cNvSpPr>
+            <a:spLocks noGrp="1"/>
+          </p:cNvSpPr>
+          <p:nvPr>
+            <p:ph type="body" idx="1"/>
+          </p:nvPr>
+        </p:nvSpPr>
+        <p:spPr/>
+        <p:txBody>
+          <a:bodyPr/>
+          <a:lstStyle/>
+          <a:p>
+            <a:endParaRPr lang="en-US"/>
+          </a:p>
+        </p:txBody>
+      </p:sp>
+      <p:sp>
+        <p:nvSpPr>
+          <p:cNvPr id="4" name="Segnaposto numero diapositiva 3"/>
+          <p:cNvSpPr>
+            <a:spLocks noGrp="1"/>
+          </p:cNvSpPr>
+          <p:nvPr>
+            <p:ph type="sldNum" sz="quarter" idx="10"/>
+          </p:nvPr>
+        </p:nvSpPr>
+        <p:spPr/>
+        <p:txBody>
+          <a:bodyPr/>
+          <a:lstStyle/>
+          <a:p>
+            <a:fld id="{B185D4CE-7682-4590-9B5E-9BFF2B1C8718}" type="slidenum">
+              <a:rPr lang="en-US" smtClean="0"/>
+              <a:t>37</a:t>
+            </a:fld>
+            <a:endParaRPr lang="en-US"/>
+          </a:p>
+        </p:txBody>
+      </p:sp>
+    </p:spTree>
+    <p:extLst>
+      <p:ext uri="{BB962C8B-B14F-4D97-AF65-F5344CB8AC3E}">
+        <p14:creationId xmlns:p14="http://schemas.microsoft.com/office/powerpoint/2010/main" val="521506023"/>
+      </p:ext>
+    </p:extLst>
+  </p:cSld>
+  <p:clrMapOvr>
+    <a:masterClrMapping/>
+  </p:clrMapOvr>
+</p:notes>
+</file>
+
+<file path=ppt/notesSlides/notesSlide38.xml><?xml version="1.0" encoding="utf-8"?>
+<p:notes xmlns:a="http://schemas.openxmlformats.org/drawingml/2006/main" xmlns:r="http://schemas.openxmlformats.org/officeDocument/2006/relationships" xmlns:p="http://schemas.openxmlformats.org/presentationml/2006/main">
+  <p:cSld>
+    <p:spTree>
+      <p:nvGrpSpPr>
+        <p:cNvPr id="1" name=""/>
+        <p:cNvGrpSpPr/>
+        <p:nvPr/>
+      </p:nvGrpSpPr>
+      <p:grpSpPr>
+        <a:xfrm>
+          <a:off x="0" y="0"/>
+          <a:ext cx="0" cy="0"/>
+          <a:chOff x="0" y="0"/>
+          <a:chExt cx="0" cy="0"/>
+        </a:xfrm>
+      </p:grpSpPr>
+      <p:sp>
+        <p:nvSpPr>
+          <p:cNvPr id="2" name="Segnaposto immagine diapositiva 1"/>
+          <p:cNvSpPr>
+            <a:spLocks noGrp="1" noRot="1" noChangeAspect="1"/>
+          </p:cNvSpPr>
+          <p:nvPr>
+            <p:ph type="sldImg"/>
+          </p:nvPr>
+        </p:nvSpPr>
+        <p:spPr/>
+      </p:sp>
+      <p:sp>
+        <p:nvSpPr>
+          <p:cNvPr id="3" name="Segnaposto note 2"/>
+          <p:cNvSpPr>
+            <a:spLocks noGrp="1"/>
+          </p:cNvSpPr>
+          <p:nvPr>
+            <p:ph type="body" idx="1"/>
+          </p:nvPr>
+        </p:nvSpPr>
+        <p:spPr/>
+        <p:txBody>
+          <a:bodyPr/>
+          <a:lstStyle/>
+          <a:p>
+            <a:endParaRPr lang="en-US"/>
+          </a:p>
+        </p:txBody>
+      </p:sp>
+      <p:sp>
+        <p:nvSpPr>
+          <p:cNvPr id="4" name="Segnaposto numero diapositiva 3"/>
+          <p:cNvSpPr>
+            <a:spLocks noGrp="1"/>
+          </p:cNvSpPr>
+          <p:nvPr>
+            <p:ph type="sldNum" sz="quarter" idx="10"/>
+          </p:nvPr>
+        </p:nvSpPr>
+        <p:spPr/>
+        <p:txBody>
+          <a:bodyPr/>
+          <a:lstStyle/>
+          <a:p>
+            <a:fld id="{B185D4CE-7682-4590-9B5E-9BFF2B1C8718}" type="slidenum">
+              <a:rPr lang="en-US" smtClean="0"/>
+              <a:t>38</a:t>
+            </a:fld>
+            <a:endParaRPr lang="en-US"/>
+          </a:p>
+        </p:txBody>
+      </p:sp>
+    </p:spTree>
+    <p:extLst>
+      <p:ext uri="{BB962C8B-B14F-4D97-AF65-F5344CB8AC3E}">
+        <p14:creationId xmlns:p14="http://schemas.microsoft.com/office/powerpoint/2010/main" val="4190186875"/>
+      </p:ext>
+    </p:extLst>
+  </p:cSld>
+  <p:clrMapOvr>
+    <a:masterClrMapping/>
+  </p:clrMapOvr>
+</p:notes>
+</file>
+
+<file path=ppt/notesSlides/notesSlide39.xml><?xml version="1.0" encoding="utf-8"?>
+<p:notes xmlns:a="http://schemas.openxmlformats.org/drawingml/2006/main" xmlns:r="http://schemas.openxmlformats.org/officeDocument/2006/relationships" xmlns:p="http://schemas.openxmlformats.org/presentationml/2006/main">
+  <p:cSld>
+    <p:spTree>
+      <p:nvGrpSpPr>
+        <p:cNvPr id="1" name=""/>
+        <p:cNvGrpSpPr/>
+        <p:nvPr/>
+      </p:nvGrpSpPr>
+      <p:grpSpPr>
+        <a:xfrm>
+          <a:off x="0" y="0"/>
+          <a:ext cx="0" cy="0"/>
+          <a:chOff x="0" y="0"/>
+          <a:chExt cx="0" cy="0"/>
+        </a:xfrm>
+      </p:grpSpPr>
+      <p:sp>
+        <p:nvSpPr>
+          <p:cNvPr id="2" name="Segnaposto immagine diapositiva 1"/>
+          <p:cNvSpPr>
+            <a:spLocks noGrp="1" noRot="1" noChangeAspect="1"/>
+          </p:cNvSpPr>
+          <p:nvPr>
+            <p:ph type="sldImg"/>
+          </p:nvPr>
+        </p:nvSpPr>
+        <p:spPr/>
+      </p:sp>
+      <p:sp>
+        <p:nvSpPr>
+          <p:cNvPr id="3" name="Segnaposto note 2"/>
+          <p:cNvSpPr>
+            <a:spLocks noGrp="1"/>
+          </p:cNvSpPr>
+          <p:nvPr>
+            <p:ph type="body" idx="1"/>
+          </p:nvPr>
+        </p:nvSpPr>
+        <p:spPr/>
+        <p:txBody>
+          <a:bodyPr/>
+          <a:lstStyle/>
+          <a:p>
+            <a:endParaRPr lang="en-US"/>
+          </a:p>
+        </p:txBody>
+      </p:sp>
+      <p:sp>
+        <p:nvSpPr>
+          <p:cNvPr id="4" name="Segnaposto numero diapositiva 3"/>
+          <p:cNvSpPr>
+            <a:spLocks noGrp="1"/>
+          </p:cNvSpPr>
+          <p:nvPr>
+            <p:ph type="sldNum" sz="quarter" idx="10"/>
+          </p:nvPr>
+        </p:nvSpPr>
+        <p:spPr/>
+        <p:txBody>
+          <a:bodyPr/>
+          <a:lstStyle/>
+          <a:p>
+            <a:fld id="{B185D4CE-7682-4590-9B5E-9BFF2B1C8718}" type="slidenum">
+              <a:rPr lang="en-US" smtClean="0"/>
+              <a:t>39</a:t>
+            </a:fld>
+            <a:endParaRPr lang="en-US"/>
+          </a:p>
+        </p:txBody>
+      </p:sp>
+    </p:spTree>
+    <p:extLst>
+      <p:ext uri="{BB962C8B-B14F-4D97-AF65-F5344CB8AC3E}">
+        <p14:creationId xmlns:p14="http://schemas.microsoft.com/office/powerpoint/2010/main" val="2602857209"/>
       </p:ext>
     </p:extLst>
   </p:cSld>
@@ -837,6 +3357,510 @@
           <a:bodyPr/>
           <a:lstStyle/>
           <a:p>
+            <a:fld id="{B185D4CE-7682-4590-9B5E-9BFF2B1C8718}" type="slidenum">
+              <a:rPr lang="en-US" smtClean="0"/>
+              <a:t>4</a:t>
+            </a:fld>
+            <a:endParaRPr lang="en-US"/>
+          </a:p>
+        </p:txBody>
+      </p:sp>
+    </p:spTree>
+    <p:extLst>
+      <p:ext uri="{BB962C8B-B14F-4D97-AF65-F5344CB8AC3E}">
+        <p14:creationId xmlns:p14="http://schemas.microsoft.com/office/powerpoint/2010/main" val="3993278519"/>
+      </p:ext>
+    </p:extLst>
+  </p:cSld>
+  <p:clrMapOvr>
+    <a:masterClrMapping/>
+  </p:clrMapOvr>
+</p:notes>
+</file>
+
+<file path=ppt/notesSlides/notesSlide40.xml><?xml version="1.0" encoding="utf-8"?>
+<p:notes xmlns:a="http://schemas.openxmlformats.org/drawingml/2006/main" xmlns:r="http://schemas.openxmlformats.org/officeDocument/2006/relationships" xmlns:p="http://schemas.openxmlformats.org/presentationml/2006/main">
+  <p:cSld>
+    <p:spTree>
+      <p:nvGrpSpPr>
+        <p:cNvPr id="1" name=""/>
+        <p:cNvGrpSpPr/>
+        <p:nvPr/>
+      </p:nvGrpSpPr>
+      <p:grpSpPr>
+        <a:xfrm>
+          <a:off x="0" y="0"/>
+          <a:ext cx="0" cy="0"/>
+          <a:chOff x="0" y="0"/>
+          <a:chExt cx="0" cy="0"/>
+        </a:xfrm>
+      </p:grpSpPr>
+      <p:sp>
+        <p:nvSpPr>
+          <p:cNvPr id="2" name="Segnaposto immagine diapositiva 1"/>
+          <p:cNvSpPr>
+            <a:spLocks noGrp="1" noRot="1" noChangeAspect="1"/>
+          </p:cNvSpPr>
+          <p:nvPr>
+            <p:ph type="sldImg"/>
+          </p:nvPr>
+        </p:nvSpPr>
+        <p:spPr/>
+      </p:sp>
+      <p:sp>
+        <p:nvSpPr>
+          <p:cNvPr id="3" name="Segnaposto note 2"/>
+          <p:cNvSpPr>
+            <a:spLocks noGrp="1"/>
+          </p:cNvSpPr>
+          <p:nvPr>
+            <p:ph type="body" idx="1"/>
+          </p:nvPr>
+        </p:nvSpPr>
+        <p:spPr/>
+        <p:txBody>
+          <a:bodyPr/>
+          <a:lstStyle/>
+          <a:p>
+            <a:endParaRPr lang="en-US"/>
+          </a:p>
+        </p:txBody>
+      </p:sp>
+      <p:sp>
+        <p:nvSpPr>
+          <p:cNvPr id="4" name="Segnaposto numero diapositiva 3"/>
+          <p:cNvSpPr>
+            <a:spLocks noGrp="1"/>
+          </p:cNvSpPr>
+          <p:nvPr>
+            <p:ph type="sldNum" sz="quarter" idx="10"/>
+          </p:nvPr>
+        </p:nvSpPr>
+        <p:spPr/>
+        <p:txBody>
+          <a:bodyPr/>
+          <a:lstStyle/>
+          <a:p>
+            <a:fld id="{B185D4CE-7682-4590-9B5E-9BFF2B1C8718}" type="slidenum">
+              <a:rPr lang="en-US" smtClean="0"/>
+              <a:t>40</a:t>
+            </a:fld>
+            <a:endParaRPr lang="en-US"/>
+          </a:p>
+        </p:txBody>
+      </p:sp>
+    </p:spTree>
+    <p:extLst>
+      <p:ext uri="{BB962C8B-B14F-4D97-AF65-F5344CB8AC3E}">
+        <p14:creationId xmlns:p14="http://schemas.microsoft.com/office/powerpoint/2010/main" val="1716458536"/>
+      </p:ext>
+    </p:extLst>
+  </p:cSld>
+  <p:clrMapOvr>
+    <a:masterClrMapping/>
+  </p:clrMapOvr>
+</p:notes>
+</file>
+
+<file path=ppt/notesSlides/notesSlide41.xml><?xml version="1.0" encoding="utf-8"?>
+<p:notes xmlns:a="http://schemas.openxmlformats.org/drawingml/2006/main" xmlns:r="http://schemas.openxmlformats.org/officeDocument/2006/relationships" xmlns:p="http://schemas.openxmlformats.org/presentationml/2006/main">
+  <p:cSld>
+    <p:spTree>
+      <p:nvGrpSpPr>
+        <p:cNvPr id="1" name=""/>
+        <p:cNvGrpSpPr/>
+        <p:nvPr/>
+      </p:nvGrpSpPr>
+      <p:grpSpPr>
+        <a:xfrm>
+          <a:off x="0" y="0"/>
+          <a:ext cx="0" cy="0"/>
+          <a:chOff x="0" y="0"/>
+          <a:chExt cx="0" cy="0"/>
+        </a:xfrm>
+      </p:grpSpPr>
+      <p:sp>
+        <p:nvSpPr>
+          <p:cNvPr id="2" name="Segnaposto immagine diapositiva 1"/>
+          <p:cNvSpPr>
+            <a:spLocks noGrp="1" noRot="1" noChangeAspect="1"/>
+          </p:cNvSpPr>
+          <p:nvPr>
+            <p:ph type="sldImg"/>
+          </p:nvPr>
+        </p:nvSpPr>
+        <p:spPr/>
+      </p:sp>
+      <p:sp>
+        <p:nvSpPr>
+          <p:cNvPr id="3" name="Segnaposto note 2"/>
+          <p:cNvSpPr>
+            <a:spLocks noGrp="1"/>
+          </p:cNvSpPr>
+          <p:nvPr>
+            <p:ph type="body" idx="1"/>
+          </p:nvPr>
+        </p:nvSpPr>
+        <p:spPr/>
+        <p:txBody>
+          <a:bodyPr/>
+          <a:lstStyle/>
+          <a:p>
+            <a:endParaRPr lang="en-US"/>
+          </a:p>
+        </p:txBody>
+      </p:sp>
+      <p:sp>
+        <p:nvSpPr>
+          <p:cNvPr id="4" name="Segnaposto numero diapositiva 3"/>
+          <p:cNvSpPr>
+            <a:spLocks noGrp="1"/>
+          </p:cNvSpPr>
+          <p:nvPr>
+            <p:ph type="sldNum" sz="quarter" idx="10"/>
+          </p:nvPr>
+        </p:nvSpPr>
+        <p:spPr/>
+        <p:txBody>
+          <a:bodyPr/>
+          <a:lstStyle/>
+          <a:p>
+            <a:fld id="{B185D4CE-7682-4590-9B5E-9BFF2B1C8718}" type="slidenum">
+              <a:rPr lang="en-US" smtClean="0"/>
+              <a:t>41</a:t>
+            </a:fld>
+            <a:endParaRPr lang="en-US"/>
+          </a:p>
+        </p:txBody>
+      </p:sp>
+    </p:spTree>
+    <p:extLst>
+      <p:ext uri="{BB962C8B-B14F-4D97-AF65-F5344CB8AC3E}">
+        <p14:creationId xmlns:p14="http://schemas.microsoft.com/office/powerpoint/2010/main" val="244749439"/>
+      </p:ext>
+    </p:extLst>
+  </p:cSld>
+  <p:clrMapOvr>
+    <a:masterClrMapping/>
+  </p:clrMapOvr>
+</p:notes>
+</file>
+
+<file path=ppt/notesSlides/notesSlide42.xml><?xml version="1.0" encoding="utf-8"?>
+<p:notes xmlns:a="http://schemas.openxmlformats.org/drawingml/2006/main" xmlns:r="http://schemas.openxmlformats.org/officeDocument/2006/relationships" xmlns:p="http://schemas.openxmlformats.org/presentationml/2006/main">
+  <p:cSld>
+    <p:spTree>
+      <p:nvGrpSpPr>
+        <p:cNvPr id="1" name=""/>
+        <p:cNvGrpSpPr/>
+        <p:nvPr/>
+      </p:nvGrpSpPr>
+      <p:grpSpPr>
+        <a:xfrm>
+          <a:off x="0" y="0"/>
+          <a:ext cx="0" cy="0"/>
+          <a:chOff x="0" y="0"/>
+          <a:chExt cx="0" cy="0"/>
+        </a:xfrm>
+      </p:grpSpPr>
+      <p:sp>
+        <p:nvSpPr>
+          <p:cNvPr id="2" name="Segnaposto immagine diapositiva 1"/>
+          <p:cNvSpPr>
+            <a:spLocks noGrp="1" noRot="1" noChangeAspect="1"/>
+          </p:cNvSpPr>
+          <p:nvPr>
+            <p:ph type="sldImg"/>
+          </p:nvPr>
+        </p:nvSpPr>
+        <p:spPr/>
+      </p:sp>
+      <p:sp>
+        <p:nvSpPr>
+          <p:cNvPr id="3" name="Segnaposto note 2"/>
+          <p:cNvSpPr>
+            <a:spLocks noGrp="1"/>
+          </p:cNvSpPr>
+          <p:nvPr>
+            <p:ph type="body" idx="1"/>
+          </p:nvPr>
+        </p:nvSpPr>
+        <p:spPr/>
+        <p:txBody>
+          <a:bodyPr/>
+          <a:lstStyle/>
+          <a:p>
+            <a:endParaRPr lang="en-US"/>
+          </a:p>
+        </p:txBody>
+      </p:sp>
+      <p:sp>
+        <p:nvSpPr>
+          <p:cNvPr id="4" name="Segnaposto numero diapositiva 3"/>
+          <p:cNvSpPr>
+            <a:spLocks noGrp="1"/>
+          </p:cNvSpPr>
+          <p:nvPr>
+            <p:ph type="sldNum" sz="quarter" idx="10"/>
+          </p:nvPr>
+        </p:nvSpPr>
+        <p:spPr/>
+        <p:txBody>
+          <a:bodyPr/>
+          <a:lstStyle/>
+          <a:p>
+            <a:fld id="{ED4280E9-C18D-4939-8AD7-63089B7BF38D}" type="slidenum">
+              <a:rPr lang="en-US" smtClean="0"/>
+              <a:t>42</a:t>
+            </a:fld>
+            <a:endParaRPr lang="en-US"/>
+          </a:p>
+        </p:txBody>
+      </p:sp>
+    </p:spTree>
+    <p:extLst>
+      <p:ext uri="{BB962C8B-B14F-4D97-AF65-F5344CB8AC3E}">
+        <p14:creationId xmlns:p14="http://schemas.microsoft.com/office/powerpoint/2010/main" val="520985646"/>
+      </p:ext>
+    </p:extLst>
+  </p:cSld>
+  <p:clrMapOvr>
+    <a:masterClrMapping/>
+  </p:clrMapOvr>
+</p:notes>
+</file>
+
+<file path=ppt/notesSlides/notesSlide43.xml><?xml version="1.0" encoding="utf-8"?>
+<p:notes xmlns:a="http://schemas.openxmlformats.org/drawingml/2006/main" xmlns:r="http://schemas.openxmlformats.org/officeDocument/2006/relationships" xmlns:p="http://schemas.openxmlformats.org/presentationml/2006/main">
+  <p:cSld>
+    <p:spTree>
+      <p:nvGrpSpPr>
+        <p:cNvPr id="1" name=""/>
+        <p:cNvGrpSpPr/>
+        <p:nvPr/>
+      </p:nvGrpSpPr>
+      <p:grpSpPr>
+        <a:xfrm>
+          <a:off x="0" y="0"/>
+          <a:ext cx="0" cy="0"/>
+          <a:chOff x="0" y="0"/>
+          <a:chExt cx="0" cy="0"/>
+        </a:xfrm>
+      </p:grpSpPr>
+      <p:sp>
+        <p:nvSpPr>
+          <p:cNvPr id="2" name="Segnaposto immagine diapositiva 1"/>
+          <p:cNvSpPr>
+            <a:spLocks noGrp="1" noRot="1" noChangeAspect="1"/>
+          </p:cNvSpPr>
+          <p:nvPr>
+            <p:ph type="sldImg"/>
+          </p:nvPr>
+        </p:nvSpPr>
+        <p:spPr/>
+      </p:sp>
+      <p:sp>
+        <p:nvSpPr>
+          <p:cNvPr id="3" name="Segnaposto note 2"/>
+          <p:cNvSpPr>
+            <a:spLocks noGrp="1"/>
+          </p:cNvSpPr>
+          <p:nvPr>
+            <p:ph type="body" idx="1"/>
+          </p:nvPr>
+        </p:nvSpPr>
+        <p:spPr/>
+        <p:txBody>
+          <a:bodyPr/>
+          <a:lstStyle/>
+          <a:p>
+            <a:endParaRPr lang="en-US"/>
+          </a:p>
+        </p:txBody>
+      </p:sp>
+      <p:sp>
+        <p:nvSpPr>
+          <p:cNvPr id="4" name="Segnaposto numero diapositiva 3"/>
+          <p:cNvSpPr>
+            <a:spLocks noGrp="1"/>
+          </p:cNvSpPr>
+          <p:nvPr>
+            <p:ph type="sldNum" sz="quarter" idx="10"/>
+          </p:nvPr>
+        </p:nvSpPr>
+        <p:spPr/>
+        <p:txBody>
+          <a:bodyPr/>
+          <a:lstStyle/>
+          <a:p>
+            <a:fld id="{ED4280E9-C18D-4939-8AD7-63089B7BF38D}" type="slidenum">
+              <a:rPr lang="en-US" smtClean="0"/>
+              <a:t>43</a:t>
+            </a:fld>
+            <a:endParaRPr lang="en-US"/>
+          </a:p>
+        </p:txBody>
+      </p:sp>
+    </p:spTree>
+    <p:extLst>
+      <p:ext uri="{BB962C8B-B14F-4D97-AF65-F5344CB8AC3E}">
+        <p14:creationId xmlns:p14="http://schemas.microsoft.com/office/powerpoint/2010/main" val="3113676772"/>
+      </p:ext>
+    </p:extLst>
+  </p:cSld>
+  <p:clrMapOvr>
+    <a:masterClrMapping/>
+  </p:clrMapOvr>
+</p:notes>
+</file>
+
+<file path=ppt/notesSlides/notesSlide44.xml><?xml version="1.0" encoding="utf-8"?>
+<p:notes xmlns:a="http://schemas.openxmlformats.org/drawingml/2006/main" xmlns:r="http://schemas.openxmlformats.org/officeDocument/2006/relationships" xmlns:p="http://schemas.openxmlformats.org/presentationml/2006/main">
+  <p:cSld>
+    <p:spTree>
+      <p:nvGrpSpPr>
+        <p:cNvPr id="1" name=""/>
+        <p:cNvGrpSpPr/>
+        <p:nvPr/>
+      </p:nvGrpSpPr>
+      <p:grpSpPr>
+        <a:xfrm>
+          <a:off x="0" y="0"/>
+          <a:ext cx="0" cy="0"/>
+          <a:chOff x="0" y="0"/>
+          <a:chExt cx="0" cy="0"/>
+        </a:xfrm>
+      </p:grpSpPr>
+      <p:sp>
+        <p:nvSpPr>
+          <p:cNvPr id="2" name="Segnaposto immagine diapositiva 1"/>
+          <p:cNvSpPr>
+            <a:spLocks noGrp="1" noRot="1" noChangeAspect="1"/>
+          </p:cNvSpPr>
+          <p:nvPr>
+            <p:ph type="sldImg"/>
+          </p:nvPr>
+        </p:nvSpPr>
+        <p:spPr/>
+      </p:sp>
+      <p:sp>
+        <p:nvSpPr>
+          <p:cNvPr id="3" name="Segnaposto note 2"/>
+          <p:cNvSpPr>
+            <a:spLocks noGrp="1"/>
+          </p:cNvSpPr>
+          <p:nvPr>
+            <p:ph type="body" idx="1"/>
+          </p:nvPr>
+        </p:nvSpPr>
+        <p:spPr/>
+        <p:txBody>
+          <a:bodyPr/>
+          <a:lstStyle/>
+          <a:p>
+            <a:endParaRPr lang="en-US"/>
+          </a:p>
+        </p:txBody>
+      </p:sp>
+      <p:sp>
+        <p:nvSpPr>
+          <p:cNvPr id="4" name="Segnaposto numero diapositiva 3"/>
+          <p:cNvSpPr>
+            <a:spLocks noGrp="1"/>
+          </p:cNvSpPr>
+          <p:nvPr>
+            <p:ph type="sldNum" sz="quarter" idx="10"/>
+          </p:nvPr>
+        </p:nvSpPr>
+        <p:spPr/>
+        <p:txBody>
+          <a:bodyPr/>
+          <a:lstStyle/>
+          <a:p>
+            <a:fld id="{ED4280E9-C18D-4939-8AD7-63089B7BF38D}" type="slidenum">
+              <a:rPr lang="en-US" smtClean="0"/>
+              <a:t>44</a:t>
+            </a:fld>
+            <a:endParaRPr lang="en-US"/>
+          </a:p>
+        </p:txBody>
+      </p:sp>
+    </p:spTree>
+    <p:extLst>
+      <p:ext uri="{BB962C8B-B14F-4D97-AF65-F5344CB8AC3E}">
+        <p14:creationId xmlns:p14="http://schemas.microsoft.com/office/powerpoint/2010/main" val="1396044474"/>
+      </p:ext>
+    </p:extLst>
+  </p:cSld>
+  <p:clrMapOvr>
+    <a:masterClrMapping/>
+  </p:clrMapOvr>
+</p:notes>
+</file>
+
+<file path=ppt/notesSlides/notesSlide45.xml><?xml version="1.0" encoding="utf-8"?>
+<p:notes xmlns:a="http://schemas.openxmlformats.org/drawingml/2006/main" xmlns:r="http://schemas.openxmlformats.org/officeDocument/2006/relationships" xmlns:p="http://schemas.openxmlformats.org/presentationml/2006/main">
+  <p:cSld>
+    <p:spTree>
+      <p:nvGrpSpPr>
+        <p:cNvPr id="1" name=""/>
+        <p:cNvGrpSpPr/>
+        <p:nvPr/>
+      </p:nvGrpSpPr>
+      <p:grpSpPr>
+        <a:xfrm>
+          <a:off x="0" y="0"/>
+          <a:ext cx="0" cy="0"/>
+          <a:chOff x="0" y="0"/>
+          <a:chExt cx="0" cy="0"/>
+        </a:xfrm>
+      </p:grpSpPr>
+      <p:sp>
+        <p:nvSpPr>
+          <p:cNvPr id="2" name="Segnaposto immagine diapositiva 1"/>
+          <p:cNvSpPr>
+            <a:spLocks noGrp="1" noRot="1" noChangeAspect="1"/>
+          </p:cNvSpPr>
+          <p:nvPr>
+            <p:ph type="sldImg"/>
+          </p:nvPr>
+        </p:nvSpPr>
+        <p:spPr/>
+      </p:sp>
+      <p:sp>
+        <p:nvSpPr>
+          <p:cNvPr id="3" name="Segnaposto note 2"/>
+          <p:cNvSpPr>
+            <a:spLocks noGrp="1"/>
+          </p:cNvSpPr>
+          <p:nvPr>
+            <p:ph type="body" idx="1"/>
+          </p:nvPr>
+        </p:nvSpPr>
+        <p:spPr/>
+        <p:txBody>
+          <a:bodyPr/>
+          <a:lstStyle/>
+          <a:p>
+            <a:endParaRPr lang="en-US"/>
+          </a:p>
+        </p:txBody>
+      </p:sp>
+      <p:sp>
+        <p:nvSpPr>
+          <p:cNvPr id="4" name="Segnaposto numero diapositiva 3"/>
+          <p:cNvSpPr>
+            <a:spLocks noGrp="1"/>
+          </p:cNvSpPr>
+          <p:nvPr>
+            <p:ph type="sldNum" sz="quarter" idx="10"/>
+          </p:nvPr>
+        </p:nvSpPr>
+        <p:spPr/>
+        <p:txBody>
+          <a:bodyPr/>
+          <a:lstStyle/>
+          <a:p>
             <a:fld id="{ED4280E9-C18D-4939-8AD7-63089B7BF38D}" type="slidenum">
               <a:rPr lang="en-US" smtClean="0"/>
               <a:t>45</a:t>
@@ -849,6 +3873,342 @@
     <p:extLst>
       <p:ext uri="{BB962C8B-B14F-4D97-AF65-F5344CB8AC3E}">
         <p14:creationId xmlns:p14="http://schemas.microsoft.com/office/powerpoint/2010/main" val="1807101944"/>
+      </p:ext>
+    </p:extLst>
+  </p:cSld>
+  <p:clrMapOvr>
+    <a:masterClrMapping/>
+  </p:clrMapOvr>
+</p:notes>
+</file>
+
+<file path=ppt/notesSlides/notesSlide46.xml><?xml version="1.0" encoding="utf-8"?>
+<p:notes xmlns:a="http://schemas.openxmlformats.org/drawingml/2006/main" xmlns:r="http://schemas.openxmlformats.org/officeDocument/2006/relationships" xmlns:p="http://schemas.openxmlformats.org/presentationml/2006/main">
+  <p:cSld>
+    <p:spTree>
+      <p:nvGrpSpPr>
+        <p:cNvPr id="1" name=""/>
+        <p:cNvGrpSpPr/>
+        <p:nvPr/>
+      </p:nvGrpSpPr>
+      <p:grpSpPr>
+        <a:xfrm>
+          <a:off x="0" y="0"/>
+          <a:ext cx="0" cy="0"/>
+          <a:chOff x="0" y="0"/>
+          <a:chExt cx="0" cy="0"/>
+        </a:xfrm>
+      </p:grpSpPr>
+      <p:sp>
+        <p:nvSpPr>
+          <p:cNvPr id="2" name="Segnaposto immagine diapositiva 1"/>
+          <p:cNvSpPr>
+            <a:spLocks noGrp="1" noRot="1" noChangeAspect="1"/>
+          </p:cNvSpPr>
+          <p:nvPr>
+            <p:ph type="sldImg"/>
+          </p:nvPr>
+        </p:nvSpPr>
+        <p:spPr/>
+      </p:sp>
+      <p:sp>
+        <p:nvSpPr>
+          <p:cNvPr id="3" name="Segnaposto note 2"/>
+          <p:cNvSpPr>
+            <a:spLocks noGrp="1"/>
+          </p:cNvSpPr>
+          <p:nvPr>
+            <p:ph type="body" idx="1"/>
+          </p:nvPr>
+        </p:nvSpPr>
+        <p:spPr/>
+        <p:txBody>
+          <a:bodyPr/>
+          <a:lstStyle/>
+          <a:p>
+            <a:endParaRPr lang="en-US"/>
+          </a:p>
+        </p:txBody>
+      </p:sp>
+      <p:sp>
+        <p:nvSpPr>
+          <p:cNvPr id="4" name="Segnaposto numero diapositiva 3"/>
+          <p:cNvSpPr>
+            <a:spLocks noGrp="1"/>
+          </p:cNvSpPr>
+          <p:nvPr>
+            <p:ph type="sldNum" sz="quarter" idx="10"/>
+          </p:nvPr>
+        </p:nvSpPr>
+        <p:spPr/>
+        <p:txBody>
+          <a:bodyPr/>
+          <a:lstStyle/>
+          <a:p>
+            <a:fld id="{ED4280E9-C18D-4939-8AD7-63089B7BF38D}" type="slidenum">
+              <a:rPr lang="en-US" smtClean="0"/>
+              <a:t>46</a:t>
+            </a:fld>
+            <a:endParaRPr lang="en-US"/>
+          </a:p>
+        </p:txBody>
+      </p:sp>
+    </p:spTree>
+    <p:extLst>
+      <p:ext uri="{BB962C8B-B14F-4D97-AF65-F5344CB8AC3E}">
+        <p14:creationId xmlns:p14="http://schemas.microsoft.com/office/powerpoint/2010/main" val="3152206139"/>
+      </p:ext>
+    </p:extLst>
+  </p:cSld>
+  <p:clrMapOvr>
+    <a:masterClrMapping/>
+  </p:clrMapOvr>
+</p:notes>
+</file>
+
+<file path=ppt/notesSlides/notesSlide47.xml><?xml version="1.0" encoding="utf-8"?>
+<p:notes xmlns:a="http://schemas.openxmlformats.org/drawingml/2006/main" xmlns:r="http://schemas.openxmlformats.org/officeDocument/2006/relationships" xmlns:p="http://schemas.openxmlformats.org/presentationml/2006/main">
+  <p:cSld>
+    <p:spTree>
+      <p:nvGrpSpPr>
+        <p:cNvPr id="1" name=""/>
+        <p:cNvGrpSpPr/>
+        <p:nvPr/>
+      </p:nvGrpSpPr>
+      <p:grpSpPr>
+        <a:xfrm>
+          <a:off x="0" y="0"/>
+          <a:ext cx="0" cy="0"/>
+          <a:chOff x="0" y="0"/>
+          <a:chExt cx="0" cy="0"/>
+        </a:xfrm>
+      </p:grpSpPr>
+      <p:sp>
+        <p:nvSpPr>
+          <p:cNvPr id="2" name="Segnaposto immagine diapositiva 1"/>
+          <p:cNvSpPr>
+            <a:spLocks noGrp="1" noRot="1" noChangeAspect="1"/>
+          </p:cNvSpPr>
+          <p:nvPr>
+            <p:ph type="sldImg"/>
+          </p:nvPr>
+        </p:nvSpPr>
+        <p:spPr/>
+      </p:sp>
+      <p:sp>
+        <p:nvSpPr>
+          <p:cNvPr id="3" name="Segnaposto note 2"/>
+          <p:cNvSpPr>
+            <a:spLocks noGrp="1"/>
+          </p:cNvSpPr>
+          <p:nvPr>
+            <p:ph type="body" idx="1"/>
+          </p:nvPr>
+        </p:nvSpPr>
+        <p:spPr/>
+        <p:txBody>
+          <a:bodyPr/>
+          <a:lstStyle/>
+          <a:p>
+            <a:endParaRPr lang="en-US"/>
+          </a:p>
+        </p:txBody>
+      </p:sp>
+      <p:sp>
+        <p:nvSpPr>
+          <p:cNvPr id="4" name="Segnaposto numero diapositiva 3"/>
+          <p:cNvSpPr>
+            <a:spLocks noGrp="1"/>
+          </p:cNvSpPr>
+          <p:nvPr>
+            <p:ph type="sldNum" sz="quarter" idx="10"/>
+          </p:nvPr>
+        </p:nvSpPr>
+        <p:spPr/>
+        <p:txBody>
+          <a:bodyPr/>
+          <a:lstStyle/>
+          <a:p>
+            <a:fld id="{ED4280E9-C18D-4939-8AD7-63089B7BF38D}" type="slidenum">
+              <a:rPr lang="en-US" smtClean="0"/>
+              <a:t>47</a:t>
+            </a:fld>
+            <a:endParaRPr lang="en-US"/>
+          </a:p>
+        </p:txBody>
+      </p:sp>
+    </p:spTree>
+    <p:extLst>
+      <p:ext uri="{BB962C8B-B14F-4D97-AF65-F5344CB8AC3E}">
+        <p14:creationId xmlns:p14="http://schemas.microsoft.com/office/powerpoint/2010/main" val="4187271045"/>
+      </p:ext>
+    </p:extLst>
+  </p:cSld>
+  <p:clrMapOvr>
+    <a:masterClrMapping/>
+  </p:clrMapOvr>
+</p:notes>
+</file>
+
+<file path=ppt/notesSlides/notesSlide48.xml><?xml version="1.0" encoding="utf-8"?>
+<p:notes xmlns:a="http://schemas.openxmlformats.org/drawingml/2006/main" xmlns:r="http://schemas.openxmlformats.org/officeDocument/2006/relationships" xmlns:p="http://schemas.openxmlformats.org/presentationml/2006/main">
+  <p:cSld>
+    <p:spTree>
+      <p:nvGrpSpPr>
+        <p:cNvPr id="1" name=""/>
+        <p:cNvGrpSpPr/>
+        <p:nvPr/>
+      </p:nvGrpSpPr>
+      <p:grpSpPr>
+        <a:xfrm>
+          <a:off x="0" y="0"/>
+          <a:ext cx="0" cy="0"/>
+          <a:chOff x="0" y="0"/>
+          <a:chExt cx="0" cy="0"/>
+        </a:xfrm>
+      </p:grpSpPr>
+      <p:sp>
+        <p:nvSpPr>
+          <p:cNvPr id="2" name="Segnaposto immagine diapositiva 1"/>
+          <p:cNvSpPr>
+            <a:spLocks noGrp="1" noRot="1" noChangeAspect="1"/>
+          </p:cNvSpPr>
+          <p:nvPr>
+            <p:ph type="sldImg"/>
+          </p:nvPr>
+        </p:nvSpPr>
+        <p:spPr/>
+      </p:sp>
+      <p:sp>
+        <p:nvSpPr>
+          <p:cNvPr id="3" name="Segnaposto note 2"/>
+          <p:cNvSpPr>
+            <a:spLocks noGrp="1"/>
+          </p:cNvSpPr>
+          <p:nvPr>
+            <p:ph type="body" idx="1"/>
+          </p:nvPr>
+        </p:nvSpPr>
+        <p:spPr/>
+        <p:txBody>
+          <a:bodyPr/>
+          <a:lstStyle/>
+          <a:p>
+            <a:endParaRPr lang="en-US"/>
+          </a:p>
+        </p:txBody>
+      </p:sp>
+      <p:sp>
+        <p:nvSpPr>
+          <p:cNvPr id="4" name="Segnaposto numero diapositiva 3"/>
+          <p:cNvSpPr>
+            <a:spLocks noGrp="1"/>
+          </p:cNvSpPr>
+          <p:nvPr>
+            <p:ph type="sldNum" sz="quarter" idx="10"/>
+          </p:nvPr>
+        </p:nvSpPr>
+        <p:spPr/>
+        <p:txBody>
+          <a:bodyPr/>
+          <a:lstStyle/>
+          <a:p>
+            <a:fld id="{B185D4CE-7682-4590-9B5E-9BFF2B1C8718}" type="slidenum">
+              <a:rPr lang="en-US" smtClean="0"/>
+              <a:t>48</a:t>
+            </a:fld>
+            <a:endParaRPr lang="en-US"/>
+          </a:p>
+        </p:txBody>
+      </p:sp>
+    </p:spTree>
+    <p:extLst>
+      <p:ext uri="{BB962C8B-B14F-4D97-AF65-F5344CB8AC3E}">
+        <p14:creationId xmlns:p14="http://schemas.microsoft.com/office/powerpoint/2010/main" val="2158366529"/>
+      </p:ext>
+    </p:extLst>
+  </p:cSld>
+  <p:clrMapOvr>
+    <a:masterClrMapping/>
+  </p:clrMapOvr>
+</p:notes>
+</file>
+
+<file path=ppt/notesSlides/notesSlide49.xml><?xml version="1.0" encoding="utf-8"?>
+<p:notes xmlns:a="http://schemas.openxmlformats.org/drawingml/2006/main" xmlns:r="http://schemas.openxmlformats.org/officeDocument/2006/relationships" xmlns:p="http://schemas.openxmlformats.org/presentationml/2006/main">
+  <p:cSld>
+    <p:spTree>
+      <p:nvGrpSpPr>
+        <p:cNvPr id="1" name=""/>
+        <p:cNvGrpSpPr/>
+        <p:nvPr/>
+      </p:nvGrpSpPr>
+      <p:grpSpPr>
+        <a:xfrm>
+          <a:off x="0" y="0"/>
+          <a:ext cx="0" cy="0"/>
+          <a:chOff x="0" y="0"/>
+          <a:chExt cx="0" cy="0"/>
+        </a:xfrm>
+      </p:grpSpPr>
+      <p:sp>
+        <p:nvSpPr>
+          <p:cNvPr id="2" name="Segnaposto immagine diapositiva 1"/>
+          <p:cNvSpPr>
+            <a:spLocks noGrp="1" noRot="1" noChangeAspect="1"/>
+          </p:cNvSpPr>
+          <p:nvPr>
+            <p:ph type="sldImg"/>
+          </p:nvPr>
+        </p:nvSpPr>
+        <p:spPr/>
+      </p:sp>
+      <p:sp>
+        <p:nvSpPr>
+          <p:cNvPr id="3" name="Segnaposto note 2"/>
+          <p:cNvSpPr>
+            <a:spLocks noGrp="1"/>
+          </p:cNvSpPr>
+          <p:nvPr>
+            <p:ph type="body" idx="1"/>
+          </p:nvPr>
+        </p:nvSpPr>
+        <p:spPr/>
+        <p:txBody>
+          <a:bodyPr/>
+          <a:lstStyle/>
+          <a:p>
+            <a:endParaRPr lang="en-US"/>
+          </a:p>
+        </p:txBody>
+      </p:sp>
+      <p:sp>
+        <p:nvSpPr>
+          <p:cNvPr id="4" name="Segnaposto numero diapositiva 3"/>
+          <p:cNvSpPr>
+            <a:spLocks noGrp="1"/>
+          </p:cNvSpPr>
+          <p:nvPr>
+            <p:ph type="sldNum" sz="quarter" idx="10"/>
+          </p:nvPr>
+        </p:nvSpPr>
+        <p:spPr/>
+        <p:txBody>
+          <a:bodyPr/>
+          <a:lstStyle/>
+          <a:p>
+            <a:fld id="{B185D4CE-7682-4590-9B5E-9BFF2B1C8718}" type="slidenum">
+              <a:rPr lang="en-US" smtClean="0"/>
+              <a:t>49</a:t>
+            </a:fld>
+            <a:endParaRPr lang="en-US"/>
+          </a:p>
+        </p:txBody>
+      </p:sp>
+    </p:spTree>
+    <p:extLst>
+      <p:ext uri="{BB962C8B-B14F-4D97-AF65-F5344CB8AC3E}">
+        <p14:creationId xmlns:p14="http://schemas.microsoft.com/office/powerpoint/2010/main" val="3260354585"/>
       </p:ext>
     </p:extLst>
   </p:cSld>
@@ -921,9 +4281,9 @@
           <a:bodyPr/>
           <a:lstStyle/>
           <a:p>
-            <a:fld id="{ED4280E9-C18D-4939-8AD7-63089B7BF38D}" type="slidenum">
+            <a:fld id="{B185D4CE-7682-4590-9B5E-9BFF2B1C8718}" type="slidenum">
               <a:rPr lang="en-US" smtClean="0"/>
-              <a:t>46</a:t>
+              <a:t>5</a:t>
             </a:fld>
             <a:endParaRPr lang="en-US"/>
           </a:p>
@@ -932,7 +4292,763 @@
     </p:spTree>
     <p:extLst>
       <p:ext uri="{BB962C8B-B14F-4D97-AF65-F5344CB8AC3E}">
-        <p14:creationId xmlns:p14="http://schemas.microsoft.com/office/powerpoint/2010/main" val="3152206139"/>
+        <p14:creationId xmlns:p14="http://schemas.microsoft.com/office/powerpoint/2010/main" val="296135094"/>
+      </p:ext>
+    </p:extLst>
+  </p:cSld>
+  <p:clrMapOvr>
+    <a:masterClrMapping/>
+  </p:clrMapOvr>
+</p:notes>
+</file>
+
+<file path=ppt/notesSlides/notesSlide50.xml><?xml version="1.0" encoding="utf-8"?>
+<p:notes xmlns:a="http://schemas.openxmlformats.org/drawingml/2006/main" xmlns:r="http://schemas.openxmlformats.org/officeDocument/2006/relationships" xmlns:p="http://schemas.openxmlformats.org/presentationml/2006/main">
+  <p:cSld>
+    <p:spTree>
+      <p:nvGrpSpPr>
+        <p:cNvPr id="1" name=""/>
+        <p:cNvGrpSpPr/>
+        <p:nvPr/>
+      </p:nvGrpSpPr>
+      <p:grpSpPr>
+        <a:xfrm>
+          <a:off x="0" y="0"/>
+          <a:ext cx="0" cy="0"/>
+          <a:chOff x="0" y="0"/>
+          <a:chExt cx="0" cy="0"/>
+        </a:xfrm>
+      </p:grpSpPr>
+      <p:sp>
+        <p:nvSpPr>
+          <p:cNvPr id="2" name="Segnaposto immagine diapositiva 1"/>
+          <p:cNvSpPr>
+            <a:spLocks noGrp="1" noRot="1" noChangeAspect="1"/>
+          </p:cNvSpPr>
+          <p:nvPr>
+            <p:ph type="sldImg"/>
+          </p:nvPr>
+        </p:nvSpPr>
+        <p:spPr/>
+      </p:sp>
+      <p:sp>
+        <p:nvSpPr>
+          <p:cNvPr id="3" name="Segnaposto note 2"/>
+          <p:cNvSpPr>
+            <a:spLocks noGrp="1"/>
+          </p:cNvSpPr>
+          <p:nvPr>
+            <p:ph type="body" idx="1"/>
+          </p:nvPr>
+        </p:nvSpPr>
+        <p:spPr/>
+        <p:txBody>
+          <a:bodyPr/>
+          <a:lstStyle/>
+          <a:p>
+            <a:endParaRPr lang="en-US"/>
+          </a:p>
+        </p:txBody>
+      </p:sp>
+      <p:sp>
+        <p:nvSpPr>
+          <p:cNvPr id="4" name="Segnaposto numero diapositiva 3"/>
+          <p:cNvSpPr>
+            <a:spLocks noGrp="1"/>
+          </p:cNvSpPr>
+          <p:nvPr>
+            <p:ph type="sldNum" sz="quarter" idx="10"/>
+          </p:nvPr>
+        </p:nvSpPr>
+        <p:spPr/>
+        <p:txBody>
+          <a:bodyPr/>
+          <a:lstStyle/>
+          <a:p>
+            <a:fld id="{B185D4CE-7682-4590-9B5E-9BFF2B1C8718}" type="slidenum">
+              <a:rPr lang="en-US" smtClean="0"/>
+              <a:t>50</a:t>
+            </a:fld>
+            <a:endParaRPr lang="en-US"/>
+          </a:p>
+        </p:txBody>
+      </p:sp>
+    </p:spTree>
+    <p:extLst>
+      <p:ext uri="{BB962C8B-B14F-4D97-AF65-F5344CB8AC3E}">
+        <p14:creationId xmlns:p14="http://schemas.microsoft.com/office/powerpoint/2010/main" val="1959439677"/>
+      </p:ext>
+    </p:extLst>
+  </p:cSld>
+  <p:clrMapOvr>
+    <a:masterClrMapping/>
+  </p:clrMapOvr>
+</p:notes>
+</file>
+
+<file path=ppt/notesSlides/notesSlide51.xml><?xml version="1.0" encoding="utf-8"?>
+<p:notes xmlns:a="http://schemas.openxmlformats.org/drawingml/2006/main" xmlns:r="http://schemas.openxmlformats.org/officeDocument/2006/relationships" xmlns:p="http://schemas.openxmlformats.org/presentationml/2006/main">
+  <p:cSld>
+    <p:spTree>
+      <p:nvGrpSpPr>
+        <p:cNvPr id="1" name=""/>
+        <p:cNvGrpSpPr/>
+        <p:nvPr/>
+      </p:nvGrpSpPr>
+      <p:grpSpPr>
+        <a:xfrm>
+          <a:off x="0" y="0"/>
+          <a:ext cx="0" cy="0"/>
+          <a:chOff x="0" y="0"/>
+          <a:chExt cx="0" cy="0"/>
+        </a:xfrm>
+      </p:grpSpPr>
+      <p:sp>
+        <p:nvSpPr>
+          <p:cNvPr id="2" name="Segnaposto immagine diapositiva 1"/>
+          <p:cNvSpPr>
+            <a:spLocks noGrp="1" noRot="1" noChangeAspect="1"/>
+          </p:cNvSpPr>
+          <p:nvPr>
+            <p:ph type="sldImg"/>
+          </p:nvPr>
+        </p:nvSpPr>
+        <p:spPr/>
+      </p:sp>
+      <p:sp>
+        <p:nvSpPr>
+          <p:cNvPr id="3" name="Segnaposto note 2"/>
+          <p:cNvSpPr>
+            <a:spLocks noGrp="1"/>
+          </p:cNvSpPr>
+          <p:nvPr>
+            <p:ph type="body" idx="1"/>
+          </p:nvPr>
+        </p:nvSpPr>
+        <p:spPr/>
+        <p:txBody>
+          <a:bodyPr/>
+          <a:lstStyle/>
+          <a:p>
+            <a:endParaRPr lang="en-US"/>
+          </a:p>
+        </p:txBody>
+      </p:sp>
+      <p:sp>
+        <p:nvSpPr>
+          <p:cNvPr id="4" name="Segnaposto numero diapositiva 3"/>
+          <p:cNvSpPr>
+            <a:spLocks noGrp="1"/>
+          </p:cNvSpPr>
+          <p:nvPr>
+            <p:ph type="sldNum" sz="quarter" idx="10"/>
+          </p:nvPr>
+        </p:nvSpPr>
+        <p:spPr/>
+        <p:txBody>
+          <a:bodyPr/>
+          <a:lstStyle/>
+          <a:p>
+            <a:fld id="{B185D4CE-7682-4590-9B5E-9BFF2B1C8718}" type="slidenum">
+              <a:rPr lang="en-US" smtClean="0"/>
+              <a:t>51</a:t>
+            </a:fld>
+            <a:endParaRPr lang="en-US"/>
+          </a:p>
+        </p:txBody>
+      </p:sp>
+    </p:spTree>
+    <p:extLst>
+      <p:ext uri="{BB962C8B-B14F-4D97-AF65-F5344CB8AC3E}">
+        <p14:creationId xmlns:p14="http://schemas.microsoft.com/office/powerpoint/2010/main" val="667028456"/>
+      </p:ext>
+    </p:extLst>
+  </p:cSld>
+  <p:clrMapOvr>
+    <a:masterClrMapping/>
+  </p:clrMapOvr>
+</p:notes>
+</file>
+
+<file path=ppt/notesSlides/notesSlide52.xml><?xml version="1.0" encoding="utf-8"?>
+<p:notes xmlns:a="http://schemas.openxmlformats.org/drawingml/2006/main" xmlns:r="http://schemas.openxmlformats.org/officeDocument/2006/relationships" xmlns:p="http://schemas.openxmlformats.org/presentationml/2006/main">
+  <p:cSld>
+    <p:spTree>
+      <p:nvGrpSpPr>
+        <p:cNvPr id="1" name=""/>
+        <p:cNvGrpSpPr/>
+        <p:nvPr/>
+      </p:nvGrpSpPr>
+      <p:grpSpPr>
+        <a:xfrm>
+          <a:off x="0" y="0"/>
+          <a:ext cx="0" cy="0"/>
+          <a:chOff x="0" y="0"/>
+          <a:chExt cx="0" cy="0"/>
+        </a:xfrm>
+      </p:grpSpPr>
+      <p:sp>
+        <p:nvSpPr>
+          <p:cNvPr id="2" name="Segnaposto immagine diapositiva 1"/>
+          <p:cNvSpPr>
+            <a:spLocks noGrp="1" noRot="1" noChangeAspect="1"/>
+          </p:cNvSpPr>
+          <p:nvPr>
+            <p:ph type="sldImg"/>
+          </p:nvPr>
+        </p:nvSpPr>
+        <p:spPr/>
+      </p:sp>
+      <p:sp>
+        <p:nvSpPr>
+          <p:cNvPr id="3" name="Segnaposto note 2"/>
+          <p:cNvSpPr>
+            <a:spLocks noGrp="1"/>
+          </p:cNvSpPr>
+          <p:nvPr>
+            <p:ph type="body" idx="1"/>
+          </p:nvPr>
+        </p:nvSpPr>
+        <p:spPr/>
+        <p:txBody>
+          <a:bodyPr/>
+          <a:lstStyle/>
+          <a:p>
+            <a:endParaRPr lang="en-US"/>
+          </a:p>
+        </p:txBody>
+      </p:sp>
+      <p:sp>
+        <p:nvSpPr>
+          <p:cNvPr id="4" name="Segnaposto numero diapositiva 3"/>
+          <p:cNvSpPr>
+            <a:spLocks noGrp="1"/>
+          </p:cNvSpPr>
+          <p:nvPr>
+            <p:ph type="sldNum" sz="quarter" idx="10"/>
+          </p:nvPr>
+        </p:nvSpPr>
+        <p:spPr/>
+        <p:txBody>
+          <a:bodyPr/>
+          <a:lstStyle/>
+          <a:p>
+            <a:fld id="{B185D4CE-7682-4590-9B5E-9BFF2B1C8718}" type="slidenum">
+              <a:rPr lang="en-US" smtClean="0"/>
+              <a:t>52</a:t>
+            </a:fld>
+            <a:endParaRPr lang="en-US"/>
+          </a:p>
+        </p:txBody>
+      </p:sp>
+    </p:spTree>
+    <p:extLst>
+      <p:ext uri="{BB962C8B-B14F-4D97-AF65-F5344CB8AC3E}">
+        <p14:creationId xmlns:p14="http://schemas.microsoft.com/office/powerpoint/2010/main" val="1901813307"/>
+      </p:ext>
+    </p:extLst>
+  </p:cSld>
+  <p:clrMapOvr>
+    <a:masterClrMapping/>
+  </p:clrMapOvr>
+</p:notes>
+</file>
+
+<file path=ppt/notesSlides/notesSlide53.xml><?xml version="1.0" encoding="utf-8"?>
+<p:notes xmlns:a="http://schemas.openxmlformats.org/drawingml/2006/main" xmlns:r="http://schemas.openxmlformats.org/officeDocument/2006/relationships" xmlns:p="http://schemas.openxmlformats.org/presentationml/2006/main">
+  <p:cSld>
+    <p:spTree>
+      <p:nvGrpSpPr>
+        <p:cNvPr id="1" name=""/>
+        <p:cNvGrpSpPr/>
+        <p:nvPr/>
+      </p:nvGrpSpPr>
+      <p:grpSpPr>
+        <a:xfrm>
+          <a:off x="0" y="0"/>
+          <a:ext cx="0" cy="0"/>
+          <a:chOff x="0" y="0"/>
+          <a:chExt cx="0" cy="0"/>
+        </a:xfrm>
+      </p:grpSpPr>
+      <p:sp>
+        <p:nvSpPr>
+          <p:cNvPr id="2" name="Segnaposto immagine diapositiva 1"/>
+          <p:cNvSpPr>
+            <a:spLocks noGrp="1" noRot="1" noChangeAspect="1"/>
+          </p:cNvSpPr>
+          <p:nvPr>
+            <p:ph type="sldImg"/>
+          </p:nvPr>
+        </p:nvSpPr>
+        <p:spPr/>
+      </p:sp>
+      <p:sp>
+        <p:nvSpPr>
+          <p:cNvPr id="3" name="Segnaposto note 2"/>
+          <p:cNvSpPr>
+            <a:spLocks noGrp="1"/>
+          </p:cNvSpPr>
+          <p:nvPr>
+            <p:ph type="body" idx="1"/>
+          </p:nvPr>
+        </p:nvSpPr>
+        <p:spPr/>
+        <p:txBody>
+          <a:bodyPr/>
+          <a:lstStyle/>
+          <a:p>
+            <a:endParaRPr lang="en-US"/>
+          </a:p>
+        </p:txBody>
+      </p:sp>
+      <p:sp>
+        <p:nvSpPr>
+          <p:cNvPr id="4" name="Segnaposto numero diapositiva 3"/>
+          <p:cNvSpPr>
+            <a:spLocks noGrp="1"/>
+          </p:cNvSpPr>
+          <p:nvPr>
+            <p:ph type="sldNum" sz="quarter" idx="10"/>
+          </p:nvPr>
+        </p:nvSpPr>
+        <p:spPr/>
+        <p:txBody>
+          <a:bodyPr/>
+          <a:lstStyle/>
+          <a:p>
+            <a:fld id="{B185D4CE-7682-4590-9B5E-9BFF2B1C8718}" type="slidenum">
+              <a:rPr lang="en-US" smtClean="0"/>
+              <a:t>53</a:t>
+            </a:fld>
+            <a:endParaRPr lang="en-US"/>
+          </a:p>
+        </p:txBody>
+      </p:sp>
+    </p:spTree>
+    <p:extLst>
+      <p:ext uri="{BB962C8B-B14F-4D97-AF65-F5344CB8AC3E}">
+        <p14:creationId xmlns:p14="http://schemas.microsoft.com/office/powerpoint/2010/main" val="4087116934"/>
+      </p:ext>
+    </p:extLst>
+  </p:cSld>
+  <p:clrMapOvr>
+    <a:masterClrMapping/>
+  </p:clrMapOvr>
+</p:notes>
+</file>
+
+<file path=ppt/notesSlides/notesSlide54.xml><?xml version="1.0" encoding="utf-8"?>
+<p:notes xmlns:a="http://schemas.openxmlformats.org/drawingml/2006/main" xmlns:r="http://schemas.openxmlformats.org/officeDocument/2006/relationships" xmlns:p="http://schemas.openxmlformats.org/presentationml/2006/main">
+  <p:cSld>
+    <p:spTree>
+      <p:nvGrpSpPr>
+        <p:cNvPr id="1" name=""/>
+        <p:cNvGrpSpPr/>
+        <p:nvPr/>
+      </p:nvGrpSpPr>
+      <p:grpSpPr>
+        <a:xfrm>
+          <a:off x="0" y="0"/>
+          <a:ext cx="0" cy="0"/>
+          <a:chOff x="0" y="0"/>
+          <a:chExt cx="0" cy="0"/>
+        </a:xfrm>
+      </p:grpSpPr>
+      <p:sp>
+        <p:nvSpPr>
+          <p:cNvPr id="2" name="Segnaposto immagine diapositiva 1"/>
+          <p:cNvSpPr>
+            <a:spLocks noGrp="1" noRot="1" noChangeAspect="1"/>
+          </p:cNvSpPr>
+          <p:nvPr>
+            <p:ph type="sldImg"/>
+          </p:nvPr>
+        </p:nvSpPr>
+        <p:spPr/>
+      </p:sp>
+      <p:sp>
+        <p:nvSpPr>
+          <p:cNvPr id="3" name="Segnaposto note 2"/>
+          <p:cNvSpPr>
+            <a:spLocks noGrp="1"/>
+          </p:cNvSpPr>
+          <p:nvPr>
+            <p:ph type="body" idx="1"/>
+          </p:nvPr>
+        </p:nvSpPr>
+        <p:spPr/>
+        <p:txBody>
+          <a:bodyPr/>
+          <a:lstStyle/>
+          <a:p>
+            <a:endParaRPr lang="en-US"/>
+          </a:p>
+        </p:txBody>
+      </p:sp>
+      <p:sp>
+        <p:nvSpPr>
+          <p:cNvPr id="4" name="Segnaposto numero diapositiva 3"/>
+          <p:cNvSpPr>
+            <a:spLocks noGrp="1"/>
+          </p:cNvSpPr>
+          <p:nvPr>
+            <p:ph type="sldNum" sz="quarter" idx="10"/>
+          </p:nvPr>
+        </p:nvSpPr>
+        <p:spPr/>
+        <p:txBody>
+          <a:bodyPr/>
+          <a:lstStyle/>
+          <a:p>
+            <a:fld id="{B185D4CE-7682-4590-9B5E-9BFF2B1C8718}" type="slidenum">
+              <a:rPr lang="en-US" smtClean="0"/>
+              <a:t>54</a:t>
+            </a:fld>
+            <a:endParaRPr lang="en-US"/>
+          </a:p>
+        </p:txBody>
+      </p:sp>
+    </p:spTree>
+    <p:extLst>
+      <p:ext uri="{BB962C8B-B14F-4D97-AF65-F5344CB8AC3E}">
+        <p14:creationId xmlns:p14="http://schemas.microsoft.com/office/powerpoint/2010/main" val="2152253759"/>
+      </p:ext>
+    </p:extLst>
+  </p:cSld>
+  <p:clrMapOvr>
+    <a:masterClrMapping/>
+  </p:clrMapOvr>
+</p:notes>
+</file>
+
+<file path=ppt/notesSlides/notesSlide55.xml><?xml version="1.0" encoding="utf-8"?>
+<p:notes xmlns:a="http://schemas.openxmlformats.org/drawingml/2006/main" xmlns:r="http://schemas.openxmlformats.org/officeDocument/2006/relationships" xmlns:p="http://schemas.openxmlformats.org/presentationml/2006/main">
+  <p:cSld>
+    <p:spTree>
+      <p:nvGrpSpPr>
+        <p:cNvPr id="1" name=""/>
+        <p:cNvGrpSpPr/>
+        <p:nvPr/>
+      </p:nvGrpSpPr>
+      <p:grpSpPr>
+        <a:xfrm>
+          <a:off x="0" y="0"/>
+          <a:ext cx="0" cy="0"/>
+          <a:chOff x="0" y="0"/>
+          <a:chExt cx="0" cy="0"/>
+        </a:xfrm>
+      </p:grpSpPr>
+      <p:sp>
+        <p:nvSpPr>
+          <p:cNvPr id="2" name="Segnaposto immagine diapositiva 1"/>
+          <p:cNvSpPr>
+            <a:spLocks noGrp="1" noRot="1" noChangeAspect="1"/>
+          </p:cNvSpPr>
+          <p:nvPr>
+            <p:ph type="sldImg"/>
+          </p:nvPr>
+        </p:nvSpPr>
+        <p:spPr/>
+      </p:sp>
+      <p:sp>
+        <p:nvSpPr>
+          <p:cNvPr id="3" name="Segnaposto note 2"/>
+          <p:cNvSpPr>
+            <a:spLocks noGrp="1"/>
+          </p:cNvSpPr>
+          <p:nvPr>
+            <p:ph type="body" idx="1"/>
+          </p:nvPr>
+        </p:nvSpPr>
+        <p:spPr/>
+        <p:txBody>
+          <a:bodyPr/>
+          <a:lstStyle/>
+          <a:p>
+            <a:endParaRPr lang="en-US"/>
+          </a:p>
+        </p:txBody>
+      </p:sp>
+      <p:sp>
+        <p:nvSpPr>
+          <p:cNvPr id="4" name="Segnaposto numero diapositiva 3"/>
+          <p:cNvSpPr>
+            <a:spLocks noGrp="1"/>
+          </p:cNvSpPr>
+          <p:nvPr>
+            <p:ph type="sldNum" sz="quarter" idx="10"/>
+          </p:nvPr>
+        </p:nvSpPr>
+        <p:spPr/>
+        <p:txBody>
+          <a:bodyPr/>
+          <a:lstStyle/>
+          <a:p>
+            <a:fld id="{B185D4CE-7682-4590-9B5E-9BFF2B1C8718}" type="slidenum">
+              <a:rPr lang="en-US" smtClean="0"/>
+              <a:t>55</a:t>
+            </a:fld>
+            <a:endParaRPr lang="en-US"/>
+          </a:p>
+        </p:txBody>
+      </p:sp>
+    </p:spTree>
+    <p:extLst>
+      <p:ext uri="{BB962C8B-B14F-4D97-AF65-F5344CB8AC3E}">
+        <p14:creationId xmlns:p14="http://schemas.microsoft.com/office/powerpoint/2010/main" val="2160831848"/>
+      </p:ext>
+    </p:extLst>
+  </p:cSld>
+  <p:clrMapOvr>
+    <a:masterClrMapping/>
+  </p:clrMapOvr>
+</p:notes>
+</file>
+
+<file path=ppt/notesSlides/notesSlide56.xml><?xml version="1.0" encoding="utf-8"?>
+<p:notes xmlns:a="http://schemas.openxmlformats.org/drawingml/2006/main" xmlns:r="http://schemas.openxmlformats.org/officeDocument/2006/relationships" xmlns:p="http://schemas.openxmlformats.org/presentationml/2006/main">
+  <p:cSld>
+    <p:spTree>
+      <p:nvGrpSpPr>
+        <p:cNvPr id="1" name=""/>
+        <p:cNvGrpSpPr/>
+        <p:nvPr/>
+      </p:nvGrpSpPr>
+      <p:grpSpPr>
+        <a:xfrm>
+          <a:off x="0" y="0"/>
+          <a:ext cx="0" cy="0"/>
+          <a:chOff x="0" y="0"/>
+          <a:chExt cx="0" cy="0"/>
+        </a:xfrm>
+      </p:grpSpPr>
+      <p:sp>
+        <p:nvSpPr>
+          <p:cNvPr id="2" name="Segnaposto immagine diapositiva 1"/>
+          <p:cNvSpPr>
+            <a:spLocks noGrp="1" noRot="1" noChangeAspect="1"/>
+          </p:cNvSpPr>
+          <p:nvPr>
+            <p:ph type="sldImg"/>
+          </p:nvPr>
+        </p:nvSpPr>
+        <p:spPr/>
+      </p:sp>
+      <p:sp>
+        <p:nvSpPr>
+          <p:cNvPr id="3" name="Segnaposto note 2"/>
+          <p:cNvSpPr>
+            <a:spLocks noGrp="1"/>
+          </p:cNvSpPr>
+          <p:nvPr>
+            <p:ph type="body" idx="1"/>
+          </p:nvPr>
+        </p:nvSpPr>
+        <p:spPr/>
+        <p:txBody>
+          <a:bodyPr/>
+          <a:lstStyle/>
+          <a:p>
+            <a:endParaRPr lang="en-US"/>
+          </a:p>
+        </p:txBody>
+      </p:sp>
+      <p:sp>
+        <p:nvSpPr>
+          <p:cNvPr id="4" name="Segnaposto numero diapositiva 3"/>
+          <p:cNvSpPr>
+            <a:spLocks noGrp="1"/>
+          </p:cNvSpPr>
+          <p:nvPr>
+            <p:ph type="sldNum" sz="quarter" idx="10"/>
+          </p:nvPr>
+        </p:nvSpPr>
+        <p:spPr/>
+        <p:txBody>
+          <a:bodyPr/>
+          <a:lstStyle/>
+          <a:p>
+            <a:fld id="{B185D4CE-7682-4590-9B5E-9BFF2B1C8718}" type="slidenum">
+              <a:rPr lang="en-US" smtClean="0"/>
+              <a:t>56</a:t>
+            </a:fld>
+            <a:endParaRPr lang="en-US"/>
+          </a:p>
+        </p:txBody>
+      </p:sp>
+    </p:spTree>
+    <p:extLst>
+      <p:ext uri="{BB962C8B-B14F-4D97-AF65-F5344CB8AC3E}">
+        <p14:creationId xmlns:p14="http://schemas.microsoft.com/office/powerpoint/2010/main" val="3930959465"/>
+      </p:ext>
+    </p:extLst>
+  </p:cSld>
+  <p:clrMapOvr>
+    <a:masterClrMapping/>
+  </p:clrMapOvr>
+</p:notes>
+</file>
+
+<file path=ppt/notesSlides/notesSlide57.xml><?xml version="1.0" encoding="utf-8"?>
+<p:notes xmlns:a="http://schemas.openxmlformats.org/drawingml/2006/main" xmlns:r="http://schemas.openxmlformats.org/officeDocument/2006/relationships" xmlns:p="http://schemas.openxmlformats.org/presentationml/2006/main">
+  <p:cSld>
+    <p:spTree>
+      <p:nvGrpSpPr>
+        <p:cNvPr id="1" name=""/>
+        <p:cNvGrpSpPr/>
+        <p:nvPr/>
+      </p:nvGrpSpPr>
+      <p:grpSpPr>
+        <a:xfrm>
+          <a:off x="0" y="0"/>
+          <a:ext cx="0" cy="0"/>
+          <a:chOff x="0" y="0"/>
+          <a:chExt cx="0" cy="0"/>
+        </a:xfrm>
+      </p:grpSpPr>
+      <p:sp>
+        <p:nvSpPr>
+          <p:cNvPr id="2" name="Segnaposto immagine diapositiva 1"/>
+          <p:cNvSpPr>
+            <a:spLocks noGrp="1" noRot="1" noChangeAspect="1"/>
+          </p:cNvSpPr>
+          <p:nvPr>
+            <p:ph type="sldImg"/>
+          </p:nvPr>
+        </p:nvSpPr>
+        <p:spPr/>
+      </p:sp>
+      <p:sp>
+        <p:nvSpPr>
+          <p:cNvPr id="3" name="Segnaposto note 2"/>
+          <p:cNvSpPr>
+            <a:spLocks noGrp="1"/>
+          </p:cNvSpPr>
+          <p:nvPr>
+            <p:ph type="body" idx="1"/>
+          </p:nvPr>
+        </p:nvSpPr>
+        <p:spPr/>
+        <p:txBody>
+          <a:bodyPr/>
+          <a:lstStyle/>
+          <a:p>
+            <a:endParaRPr lang="en-US"/>
+          </a:p>
+        </p:txBody>
+      </p:sp>
+      <p:sp>
+        <p:nvSpPr>
+          <p:cNvPr id="4" name="Segnaposto numero diapositiva 3"/>
+          <p:cNvSpPr>
+            <a:spLocks noGrp="1"/>
+          </p:cNvSpPr>
+          <p:nvPr>
+            <p:ph type="sldNum" sz="quarter" idx="10"/>
+          </p:nvPr>
+        </p:nvSpPr>
+        <p:spPr/>
+        <p:txBody>
+          <a:bodyPr/>
+          <a:lstStyle/>
+          <a:p>
+            <a:fld id="{B185D4CE-7682-4590-9B5E-9BFF2B1C8718}" type="slidenum">
+              <a:rPr lang="en-US" smtClean="0"/>
+              <a:t>57</a:t>
+            </a:fld>
+            <a:endParaRPr lang="en-US"/>
+          </a:p>
+        </p:txBody>
+      </p:sp>
+    </p:spTree>
+    <p:extLst>
+      <p:ext uri="{BB962C8B-B14F-4D97-AF65-F5344CB8AC3E}">
+        <p14:creationId xmlns:p14="http://schemas.microsoft.com/office/powerpoint/2010/main" val="1955719023"/>
+      </p:ext>
+    </p:extLst>
+  </p:cSld>
+  <p:clrMapOvr>
+    <a:masterClrMapping/>
+  </p:clrMapOvr>
+</p:notes>
+</file>
+
+<file path=ppt/notesSlides/notesSlide58.xml><?xml version="1.0" encoding="utf-8"?>
+<p:notes xmlns:a="http://schemas.openxmlformats.org/drawingml/2006/main" xmlns:r="http://schemas.openxmlformats.org/officeDocument/2006/relationships" xmlns:p="http://schemas.openxmlformats.org/presentationml/2006/main">
+  <p:cSld>
+    <p:spTree>
+      <p:nvGrpSpPr>
+        <p:cNvPr id="1" name=""/>
+        <p:cNvGrpSpPr/>
+        <p:nvPr/>
+      </p:nvGrpSpPr>
+      <p:grpSpPr>
+        <a:xfrm>
+          <a:off x="0" y="0"/>
+          <a:ext cx="0" cy="0"/>
+          <a:chOff x="0" y="0"/>
+          <a:chExt cx="0" cy="0"/>
+        </a:xfrm>
+      </p:grpSpPr>
+      <p:sp>
+        <p:nvSpPr>
+          <p:cNvPr id="2" name="Segnaposto immagine diapositiva 1"/>
+          <p:cNvSpPr>
+            <a:spLocks noGrp="1" noRot="1" noChangeAspect="1"/>
+          </p:cNvSpPr>
+          <p:nvPr>
+            <p:ph type="sldImg"/>
+          </p:nvPr>
+        </p:nvSpPr>
+        <p:spPr/>
+      </p:sp>
+      <p:sp>
+        <p:nvSpPr>
+          <p:cNvPr id="3" name="Segnaposto note 2"/>
+          <p:cNvSpPr>
+            <a:spLocks noGrp="1"/>
+          </p:cNvSpPr>
+          <p:nvPr>
+            <p:ph type="body" idx="1"/>
+          </p:nvPr>
+        </p:nvSpPr>
+        <p:spPr/>
+        <p:txBody>
+          <a:bodyPr/>
+          <a:lstStyle/>
+          <a:p>
+            <a:endParaRPr lang="en-US"/>
+          </a:p>
+        </p:txBody>
+      </p:sp>
+      <p:sp>
+        <p:nvSpPr>
+          <p:cNvPr id="4" name="Segnaposto numero diapositiva 3"/>
+          <p:cNvSpPr>
+            <a:spLocks noGrp="1"/>
+          </p:cNvSpPr>
+          <p:nvPr>
+            <p:ph type="sldNum" sz="quarter" idx="10"/>
+          </p:nvPr>
+        </p:nvSpPr>
+        <p:spPr/>
+        <p:txBody>
+          <a:bodyPr/>
+          <a:lstStyle/>
+          <a:p>
+            <a:fld id="{B185D4CE-7682-4590-9B5E-9BFF2B1C8718}" type="slidenum">
+              <a:rPr lang="en-US" smtClean="0"/>
+              <a:t>58</a:t>
+            </a:fld>
+            <a:endParaRPr lang="en-US"/>
+          </a:p>
+        </p:txBody>
+      </p:sp>
+    </p:spTree>
+    <p:extLst>
+      <p:ext uri="{BB962C8B-B14F-4D97-AF65-F5344CB8AC3E}">
+        <p14:creationId xmlns:p14="http://schemas.microsoft.com/office/powerpoint/2010/main" val="1480398030"/>
       </p:ext>
     </p:extLst>
   </p:cSld>
@@ -1005,9 +5121,9 @@
           <a:bodyPr/>
           <a:lstStyle/>
           <a:p>
-            <a:fld id="{ED4280E9-C18D-4939-8AD7-63089B7BF38D}" type="slidenum">
+            <a:fld id="{B185D4CE-7682-4590-9B5E-9BFF2B1C8718}" type="slidenum">
               <a:rPr lang="en-US" smtClean="0"/>
-              <a:t>47</a:t>
+              <a:t>6</a:t>
             </a:fld>
             <a:endParaRPr lang="en-US"/>
           </a:p>
@@ -1016,7 +5132,259 @@
     </p:spTree>
     <p:extLst>
       <p:ext uri="{BB962C8B-B14F-4D97-AF65-F5344CB8AC3E}">
-        <p14:creationId xmlns:p14="http://schemas.microsoft.com/office/powerpoint/2010/main" val="4187271045"/>
+        <p14:creationId xmlns:p14="http://schemas.microsoft.com/office/powerpoint/2010/main" val="4146272443"/>
+      </p:ext>
+    </p:extLst>
+  </p:cSld>
+  <p:clrMapOvr>
+    <a:masterClrMapping/>
+  </p:clrMapOvr>
+</p:notes>
+</file>
+
+<file path=ppt/notesSlides/notesSlide7.xml><?xml version="1.0" encoding="utf-8"?>
+<p:notes xmlns:a="http://schemas.openxmlformats.org/drawingml/2006/main" xmlns:r="http://schemas.openxmlformats.org/officeDocument/2006/relationships" xmlns:p="http://schemas.openxmlformats.org/presentationml/2006/main">
+  <p:cSld>
+    <p:spTree>
+      <p:nvGrpSpPr>
+        <p:cNvPr id="1" name=""/>
+        <p:cNvGrpSpPr/>
+        <p:nvPr/>
+      </p:nvGrpSpPr>
+      <p:grpSpPr>
+        <a:xfrm>
+          <a:off x="0" y="0"/>
+          <a:ext cx="0" cy="0"/>
+          <a:chOff x="0" y="0"/>
+          <a:chExt cx="0" cy="0"/>
+        </a:xfrm>
+      </p:grpSpPr>
+      <p:sp>
+        <p:nvSpPr>
+          <p:cNvPr id="2" name="Segnaposto immagine diapositiva 1"/>
+          <p:cNvSpPr>
+            <a:spLocks noGrp="1" noRot="1" noChangeAspect="1"/>
+          </p:cNvSpPr>
+          <p:nvPr>
+            <p:ph type="sldImg"/>
+          </p:nvPr>
+        </p:nvSpPr>
+        <p:spPr/>
+      </p:sp>
+      <p:sp>
+        <p:nvSpPr>
+          <p:cNvPr id="3" name="Segnaposto note 2"/>
+          <p:cNvSpPr>
+            <a:spLocks noGrp="1"/>
+          </p:cNvSpPr>
+          <p:nvPr>
+            <p:ph type="body" idx="1"/>
+          </p:nvPr>
+        </p:nvSpPr>
+        <p:spPr/>
+        <p:txBody>
+          <a:bodyPr/>
+          <a:lstStyle/>
+          <a:p>
+            <a:endParaRPr lang="en-US"/>
+          </a:p>
+        </p:txBody>
+      </p:sp>
+      <p:sp>
+        <p:nvSpPr>
+          <p:cNvPr id="4" name="Segnaposto numero diapositiva 3"/>
+          <p:cNvSpPr>
+            <a:spLocks noGrp="1"/>
+          </p:cNvSpPr>
+          <p:nvPr>
+            <p:ph type="sldNum" sz="quarter" idx="10"/>
+          </p:nvPr>
+        </p:nvSpPr>
+        <p:spPr/>
+        <p:txBody>
+          <a:bodyPr/>
+          <a:lstStyle/>
+          <a:p>
+            <a:fld id="{B185D4CE-7682-4590-9B5E-9BFF2B1C8718}" type="slidenum">
+              <a:rPr lang="en-US" smtClean="0"/>
+              <a:t>7</a:t>
+            </a:fld>
+            <a:endParaRPr lang="en-US"/>
+          </a:p>
+        </p:txBody>
+      </p:sp>
+    </p:spTree>
+    <p:extLst>
+      <p:ext uri="{BB962C8B-B14F-4D97-AF65-F5344CB8AC3E}">
+        <p14:creationId xmlns:p14="http://schemas.microsoft.com/office/powerpoint/2010/main" val="1376985391"/>
+      </p:ext>
+    </p:extLst>
+  </p:cSld>
+  <p:clrMapOvr>
+    <a:masterClrMapping/>
+  </p:clrMapOvr>
+</p:notes>
+</file>
+
+<file path=ppt/notesSlides/notesSlide8.xml><?xml version="1.0" encoding="utf-8"?>
+<p:notes xmlns:a="http://schemas.openxmlformats.org/drawingml/2006/main" xmlns:r="http://schemas.openxmlformats.org/officeDocument/2006/relationships" xmlns:p="http://schemas.openxmlformats.org/presentationml/2006/main">
+  <p:cSld>
+    <p:spTree>
+      <p:nvGrpSpPr>
+        <p:cNvPr id="1" name=""/>
+        <p:cNvGrpSpPr/>
+        <p:nvPr/>
+      </p:nvGrpSpPr>
+      <p:grpSpPr>
+        <a:xfrm>
+          <a:off x="0" y="0"/>
+          <a:ext cx="0" cy="0"/>
+          <a:chOff x="0" y="0"/>
+          <a:chExt cx="0" cy="0"/>
+        </a:xfrm>
+      </p:grpSpPr>
+      <p:sp>
+        <p:nvSpPr>
+          <p:cNvPr id="2" name="Segnaposto immagine diapositiva 1"/>
+          <p:cNvSpPr>
+            <a:spLocks noGrp="1" noRot="1" noChangeAspect="1"/>
+          </p:cNvSpPr>
+          <p:nvPr>
+            <p:ph type="sldImg"/>
+          </p:nvPr>
+        </p:nvSpPr>
+        <p:spPr/>
+      </p:sp>
+      <p:sp>
+        <p:nvSpPr>
+          <p:cNvPr id="3" name="Segnaposto note 2"/>
+          <p:cNvSpPr>
+            <a:spLocks noGrp="1"/>
+          </p:cNvSpPr>
+          <p:nvPr>
+            <p:ph type="body" idx="1"/>
+          </p:nvPr>
+        </p:nvSpPr>
+        <p:spPr/>
+        <p:txBody>
+          <a:bodyPr/>
+          <a:lstStyle/>
+          <a:p>
+            <a:endParaRPr lang="en-US"/>
+          </a:p>
+        </p:txBody>
+      </p:sp>
+      <p:sp>
+        <p:nvSpPr>
+          <p:cNvPr id="4" name="Segnaposto numero diapositiva 3"/>
+          <p:cNvSpPr>
+            <a:spLocks noGrp="1"/>
+          </p:cNvSpPr>
+          <p:nvPr>
+            <p:ph type="sldNum" sz="quarter" idx="10"/>
+          </p:nvPr>
+        </p:nvSpPr>
+        <p:spPr/>
+        <p:txBody>
+          <a:bodyPr/>
+          <a:lstStyle/>
+          <a:p>
+            <a:fld id="{B185D4CE-7682-4590-9B5E-9BFF2B1C8718}" type="slidenum">
+              <a:rPr lang="en-US" smtClean="0"/>
+              <a:t>8</a:t>
+            </a:fld>
+            <a:endParaRPr lang="en-US"/>
+          </a:p>
+        </p:txBody>
+      </p:sp>
+    </p:spTree>
+    <p:extLst>
+      <p:ext uri="{BB962C8B-B14F-4D97-AF65-F5344CB8AC3E}">
+        <p14:creationId xmlns:p14="http://schemas.microsoft.com/office/powerpoint/2010/main" val="861565784"/>
+      </p:ext>
+    </p:extLst>
+  </p:cSld>
+  <p:clrMapOvr>
+    <a:masterClrMapping/>
+  </p:clrMapOvr>
+</p:notes>
+</file>
+
+<file path=ppt/notesSlides/notesSlide9.xml><?xml version="1.0" encoding="utf-8"?>
+<p:notes xmlns:a="http://schemas.openxmlformats.org/drawingml/2006/main" xmlns:r="http://schemas.openxmlformats.org/officeDocument/2006/relationships" xmlns:p="http://schemas.openxmlformats.org/presentationml/2006/main">
+  <p:cSld>
+    <p:spTree>
+      <p:nvGrpSpPr>
+        <p:cNvPr id="1" name=""/>
+        <p:cNvGrpSpPr/>
+        <p:nvPr/>
+      </p:nvGrpSpPr>
+      <p:grpSpPr>
+        <a:xfrm>
+          <a:off x="0" y="0"/>
+          <a:ext cx="0" cy="0"/>
+          <a:chOff x="0" y="0"/>
+          <a:chExt cx="0" cy="0"/>
+        </a:xfrm>
+      </p:grpSpPr>
+      <p:sp>
+        <p:nvSpPr>
+          <p:cNvPr id="2" name="Segnaposto immagine diapositiva 1"/>
+          <p:cNvSpPr>
+            <a:spLocks noGrp="1" noRot="1" noChangeAspect="1"/>
+          </p:cNvSpPr>
+          <p:nvPr>
+            <p:ph type="sldImg"/>
+          </p:nvPr>
+        </p:nvSpPr>
+        <p:spPr/>
+      </p:sp>
+      <p:sp>
+        <p:nvSpPr>
+          <p:cNvPr id="3" name="Segnaposto note 2"/>
+          <p:cNvSpPr>
+            <a:spLocks noGrp="1"/>
+          </p:cNvSpPr>
+          <p:nvPr>
+            <p:ph type="body" idx="1"/>
+          </p:nvPr>
+        </p:nvSpPr>
+        <p:spPr/>
+        <p:txBody>
+          <a:bodyPr/>
+          <a:lstStyle/>
+          <a:p>
+            <a:endParaRPr lang="en-US"/>
+          </a:p>
+        </p:txBody>
+      </p:sp>
+      <p:sp>
+        <p:nvSpPr>
+          <p:cNvPr id="4" name="Segnaposto numero diapositiva 3"/>
+          <p:cNvSpPr>
+            <a:spLocks noGrp="1"/>
+          </p:cNvSpPr>
+          <p:nvPr>
+            <p:ph type="sldNum" sz="quarter" idx="10"/>
+          </p:nvPr>
+        </p:nvSpPr>
+        <p:spPr/>
+        <p:txBody>
+          <a:bodyPr/>
+          <a:lstStyle/>
+          <a:p>
+            <a:fld id="{B185D4CE-7682-4590-9B5E-9BFF2B1C8718}" type="slidenum">
+              <a:rPr lang="en-US" smtClean="0"/>
+              <a:t>9</a:t>
+            </a:fld>
+            <a:endParaRPr lang="en-US"/>
+          </a:p>
+        </p:txBody>
+      </p:sp>
+    </p:spTree>
+    <p:extLst>
+      <p:ext uri="{BB962C8B-B14F-4D97-AF65-F5344CB8AC3E}">
+        <p14:creationId xmlns:p14="http://schemas.microsoft.com/office/powerpoint/2010/main" val="4153881549"/>
       </p:ext>
     </p:extLst>
   </p:cSld>
@@ -14790,7 +19158,7 @@
           <p:nvPr/>
         </p:nvPicPr>
         <p:blipFill>
-          <a:blip r:embed="rId2">
+          <a:blip r:embed="rId3">
             <a:extLst>
               <a:ext uri="{28A0092B-C50C-407E-A947-70E740481C1C}">
                 <a14:useLocalDpi xmlns:a14="http://schemas.microsoft.com/office/drawing/2010/main" val="0"/>
@@ -14878,6 +19246,94 @@
         <p:spPr>
           <a:xfrm>
             <a:off x="1154953" y="973668"/>
+            <a:ext cx="9256373" cy="706964"/>
+          </a:xfrm>
+        </p:spPr>
+        <p:txBody>
+          <a:bodyPr/>
+          <a:lstStyle/>
+          <a:p>
+            <a:r>
+              <a:rPr lang="it-IT" dirty="0" smtClean="0"/>
+              <a:t>User Interface – Administrator Login</a:t>
+            </a:r>
+            <a:endParaRPr lang="en-US" dirty="0"/>
+          </a:p>
+        </p:txBody>
+      </p:sp>
+      <p:pic>
+        <p:nvPicPr>
+          <p:cNvPr id="3" name="Immagine 2"/>
+          <p:cNvPicPr>
+            <a:picLocks noChangeAspect="1"/>
+          </p:cNvPicPr>
+          <p:nvPr/>
+        </p:nvPicPr>
+        <p:blipFill>
+          <a:blip r:embed="rId3">
+            <a:extLst>
+              <a:ext uri="{28A0092B-C50C-407E-A947-70E740481C1C}">
+                <a14:useLocalDpi xmlns:a14="http://schemas.microsoft.com/office/drawing/2010/main" val="0"/>
+              </a:ext>
+            </a:extLst>
+          </a:blip>
+          <a:stretch>
+            <a:fillRect/>
+          </a:stretch>
+        </p:blipFill>
+        <p:spPr>
+          <a:xfrm>
+            <a:off x="1995729" y="2401288"/>
+            <a:ext cx="7574820" cy="4302381"/>
+          </a:xfrm>
+          <a:prstGeom prst="rect">
+            <a:avLst/>
+          </a:prstGeom>
+        </p:spPr>
+      </p:pic>
+    </p:spTree>
+    <p:extLst>
+      <p:ext uri="{BB962C8B-B14F-4D97-AF65-F5344CB8AC3E}">
+        <p14:creationId xmlns:p14="http://schemas.microsoft.com/office/powerpoint/2010/main" val="1156462577"/>
+      </p:ext>
+    </p:extLst>
+  </p:cSld>
+  <p:clrMapOvr>
+    <a:masterClrMapping/>
+  </p:clrMapOvr>
+</p:sld>
+</file>
+
+<file path=ppt/slides/slide12.xml><?xml version="1.0" encoding="utf-8"?>
+<p:sld xmlns:a="http://schemas.openxmlformats.org/drawingml/2006/main" xmlns:r="http://schemas.openxmlformats.org/officeDocument/2006/relationships" xmlns:p="http://schemas.openxmlformats.org/presentationml/2006/main">
+  <p:cSld>
+    <p:spTree>
+      <p:nvGrpSpPr>
+        <p:cNvPr id="1" name=""/>
+        <p:cNvGrpSpPr/>
+        <p:nvPr/>
+      </p:nvGrpSpPr>
+      <p:grpSpPr>
+        <a:xfrm>
+          <a:off x="0" y="0"/>
+          <a:ext cx="0" cy="0"/>
+          <a:chOff x="0" y="0"/>
+          <a:chExt cx="0" cy="0"/>
+        </a:xfrm>
+      </p:grpSpPr>
+      <p:sp>
+        <p:nvSpPr>
+          <p:cNvPr id="2" name="Titolo 1"/>
+          <p:cNvSpPr>
+            <a:spLocks noGrp="1"/>
+          </p:cNvSpPr>
+          <p:nvPr>
+            <p:ph type="title"/>
+          </p:nvPr>
+        </p:nvSpPr>
+        <p:spPr>
+          <a:xfrm>
+            <a:off x="1154953" y="973668"/>
             <a:ext cx="9400752" cy="706964"/>
           </a:xfrm>
         </p:spPr>
@@ -14910,7 +19366,7 @@
           <p:nvPr/>
         </p:nvPicPr>
         <p:blipFill>
-          <a:blip r:embed="rId2">
+          <a:blip r:embed="rId3">
             <a:extLst>
               <a:ext uri="{28A0092B-C50C-407E-A947-70E740481C1C}">
                 <a14:useLocalDpi xmlns:a14="http://schemas.microsoft.com/office/drawing/2010/main" val="0"/>
@@ -14968,7 +19424,7 @@
 </p:sld>
 </file>
 
-<file path=ppt/slides/slide12.xml><?xml version="1.0" encoding="utf-8"?>
+<file path=ppt/slides/slide13.xml><?xml version="1.0" encoding="utf-8"?>
 <p:sld xmlns:a="http://schemas.openxmlformats.org/drawingml/2006/main" xmlns:r="http://schemas.openxmlformats.org/officeDocument/2006/relationships" xmlns:p="http://schemas.openxmlformats.org/presentationml/2006/main">
   <p:cSld>
     <p:spTree>
@@ -15029,7 +19485,7 @@
           <p:nvPr/>
         </p:nvPicPr>
         <p:blipFill>
-          <a:blip r:embed="rId2">
+          <a:blip r:embed="rId3">
             <a:extLst>
               <a:ext uri="{28A0092B-C50C-407E-A947-70E740481C1C}">
                 <a14:useLocalDpi xmlns:a14="http://schemas.microsoft.com/office/drawing/2010/main" val="0"/>
@@ -15087,7 +19543,7 @@
 </p:sld>
 </file>
 
-<file path=ppt/slides/slide13.xml><?xml version="1.0" encoding="utf-8"?>
+<file path=ppt/slides/slide14.xml><?xml version="1.0" encoding="utf-8"?>
 <p:sld xmlns:a="http://schemas.openxmlformats.org/drawingml/2006/main" xmlns:r="http://schemas.openxmlformats.org/officeDocument/2006/relationships" xmlns:p="http://schemas.openxmlformats.org/presentationml/2006/main">
   <p:cSld>
     <p:spTree>
@@ -15144,7 +19600,7 @@
           <p:nvPr/>
         </p:nvPicPr>
         <p:blipFill>
-          <a:blip r:embed="rId2">
+          <a:blip r:embed="rId3">
             <a:extLst>
               <a:ext uri="{28A0092B-C50C-407E-A947-70E740481C1C}">
                 <a14:useLocalDpi xmlns:a14="http://schemas.microsoft.com/office/drawing/2010/main" val="0"/>
@@ -15202,7 +19658,7 @@
 </p:sld>
 </file>
 
-<file path=ppt/slides/slide14.xml><?xml version="1.0" encoding="utf-8"?>
+<file path=ppt/slides/slide15.xml><?xml version="1.0" encoding="utf-8"?>
 <p:sld xmlns:a="http://schemas.openxmlformats.org/drawingml/2006/main" xmlns:r="http://schemas.openxmlformats.org/officeDocument/2006/relationships" xmlns:p="http://schemas.openxmlformats.org/presentationml/2006/main">
   <p:cSld>
     <p:spTree>
@@ -15259,7 +19715,7 @@
           <p:nvPr/>
         </p:nvPicPr>
         <p:blipFill>
-          <a:blip r:embed="rId2">
+          <a:blip r:embed="rId3">
             <a:extLst>
               <a:ext uri="{28A0092B-C50C-407E-A947-70E740481C1C}">
                 <a14:useLocalDpi xmlns:a14="http://schemas.microsoft.com/office/drawing/2010/main" val="0"/>
@@ -15317,7 +19773,7 @@
 </p:sld>
 </file>
 
-<file path=ppt/slides/slide15.xml><?xml version="1.0" encoding="utf-8"?>
+<file path=ppt/slides/slide16.xml><?xml version="1.0" encoding="utf-8"?>
 <p:sld xmlns:a="http://schemas.openxmlformats.org/drawingml/2006/main" xmlns:r="http://schemas.openxmlformats.org/officeDocument/2006/relationships" xmlns:p="http://schemas.openxmlformats.org/presentationml/2006/main">
   <p:cSld>
     <p:spTree>
@@ -15378,7 +19834,7 @@
           <p:nvPr/>
         </p:nvPicPr>
         <p:blipFill>
-          <a:blip r:embed="rId2">
+          <a:blip r:embed="rId3">
             <a:extLst>
               <a:ext uri="{28A0092B-C50C-407E-A947-70E740481C1C}">
                 <a14:useLocalDpi xmlns:a14="http://schemas.microsoft.com/office/drawing/2010/main" val="0"/>
@@ -15403,110 +19859,6 @@
     <p:extLst>
       <p:ext uri="{BB962C8B-B14F-4D97-AF65-F5344CB8AC3E}">
         <p14:creationId xmlns:p14="http://schemas.microsoft.com/office/powerpoint/2010/main" val="3074439896"/>
-      </p:ext>
-    </p:extLst>
-  </p:cSld>
-  <p:clrMapOvr>
-    <a:masterClrMapping/>
-  </p:clrMapOvr>
-</p:sld>
-</file>
-
-<file path=ppt/slides/slide16.xml><?xml version="1.0" encoding="utf-8"?>
-<p:sld xmlns:a="http://schemas.openxmlformats.org/drawingml/2006/main" xmlns:r="http://schemas.openxmlformats.org/officeDocument/2006/relationships" xmlns:p="http://schemas.openxmlformats.org/presentationml/2006/main">
-  <p:cSld>
-    <p:spTree>
-      <p:nvGrpSpPr>
-        <p:cNvPr id="1" name=""/>
-        <p:cNvGrpSpPr/>
-        <p:nvPr/>
-      </p:nvGrpSpPr>
-      <p:grpSpPr>
-        <a:xfrm>
-          <a:off x="0" y="0"/>
-          <a:ext cx="0" cy="0"/>
-          <a:chOff x="0" y="0"/>
-          <a:chExt cx="0" cy="0"/>
-        </a:xfrm>
-      </p:grpSpPr>
-      <p:sp>
-        <p:nvSpPr>
-          <p:cNvPr id="2" name="Titolo 1"/>
-          <p:cNvSpPr>
-            <a:spLocks noGrp="1"/>
-          </p:cNvSpPr>
-          <p:nvPr>
-            <p:ph type="title"/>
-          </p:nvPr>
-        </p:nvSpPr>
-        <p:spPr>
-          <a:xfrm>
-            <a:off x="1154953" y="973668"/>
-            <a:ext cx="10345069" cy="706964"/>
-          </a:xfrm>
-        </p:spPr>
-        <p:txBody>
-          <a:bodyPr/>
-          <a:lstStyle/>
-          <a:p>
-            <a:r>
-              <a:rPr lang="it-IT" dirty="0" smtClean="0"/>
-              <a:t>User Interface – </a:t>
-            </a:r>
-            <a:r>
-              <a:rPr lang="it-IT" dirty="0" err="1" smtClean="0"/>
-              <a:t>Driver’s</a:t>
-            </a:r>
-            <a:r>
-              <a:rPr lang="it-IT" dirty="0" smtClean="0"/>
-              <a:t> Active </a:t>
-            </a:r>
-            <a:r>
-              <a:rPr lang="it-IT" dirty="0" err="1" smtClean="0"/>
-              <a:t>Request</a:t>
-            </a:r>
-            <a:r>
-              <a:rPr lang="it-IT" dirty="0" smtClean="0"/>
-              <a:t> Page</a:t>
-            </a:r>
-            <a:endParaRPr lang="en-US" dirty="0"/>
-          </a:p>
-        </p:txBody>
-      </p:sp>
-      <p:pic>
-        <p:nvPicPr>
-          <p:cNvPr id="3" name="Immagine 2"/>
-          <p:cNvPicPr>
-            <a:picLocks noChangeAspect="1"/>
-          </p:cNvPicPr>
-          <p:nvPr/>
-        </p:nvPicPr>
-        <p:blipFill>
-          <a:blip r:embed="rId2">
-            <a:extLst>
-              <a:ext uri="{28A0092B-C50C-407E-A947-70E740481C1C}">
-                <a14:useLocalDpi xmlns:a14="http://schemas.microsoft.com/office/drawing/2010/main" val="0"/>
-              </a:ext>
-            </a:extLst>
-          </a:blip>
-          <a:stretch>
-            <a:fillRect/>
-          </a:stretch>
-        </p:blipFill>
-        <p:spPr>
-          <a:xfrm>
-            <a:off x="3999337" y="2290046"/>
-            <a:ext cx="3072643" cy="4567954"/>
-          </a:xfrm>
-          <a:prstGeom prst="rect">
-            <a:avLst/>
-          </a:prstGeom>
-        </p:spPr>
-      </p:pic>
-    </p:spTree>
-    <p:extLst>
-      <p:ext uri="{BB962C8B-B14F-4D97-AF65-F5344CB8AC3E}">
-        <p14:creationId xmlns:p14="http://schemas.microsoft.com/office/powerpoint/2010/main" val="3340120885"/>
       </p:ext>
     </p:extLst>
   </p:cSld>
@@ -15546,6 +19898,110 @@
         <p:spPr>
           <a:xfrm>
             <a:off x="1154953" y="973668"/>
+            <a:ext cx="10345069" cy="706964"/>
+          </a:xfrm>
+        </p:spPr>
+        <p:txBody>
+          <a:bodyPr/>
+          <a:lstStyle/>
+          <a:p>
+            <a:r>
+              <a:rPr lang="it-IT" dirty="0" smtClean="0"/>
+              <a:t>User Interface – </a:t>
+            </a:r>
+            <a:r>
+              <a:rPr lang="it-IT" dirty="0" err="1" smtClean="0"/>
+              <a:t>Driver’s</a:t>
+            </a:r>
+            <a:r>
+              <a:rPr lang="it-IT" dirty="0" smtClean="0"/>
+              <a:t> Active </a:t>
+            </a:r>
+            <a:r>
+              <a:rPr lang="it-IT" dirty="0" err="1" smtClean="0"/>
+              <a:t>Request</a:t>
+            </a:r>
+            <a:r>
+              <a:rPr lang="it-IT" dirty="0" smtClean="0"/>
+              <a:t> Page</a:t>
+            </a:r>
+            <a:endParaRPr lang="en-US" dirty="0"/>
+          </a:p>
+        </p:txBody>
+      </p:sp>
+      <p:pic>
+        <p:nvPicPr>
+          <p:cNvPr id="3" name="Immagine 2"/>
+          <p:cNvPicPr>
+            <a:picLocks noChangeAspect="1"/>
+          </p:cNvPicPr>
+          <p:nvPr/>
+        </p:nvPicPr>
+        <p:blipFill>
+          <a:blip r:embed="rId3">
+            <a:extLst>
+              <a:ext uri="{28A0092B-C50C-407E-A947-70E740481C1C}">
+                <a14:useLocalDpi xmlns:a14="http://schemas.microsoft.com/office/drawing/2010/main" val="0"/>
+              </a:ext>
+            </a:extLst>
+          </a:blip>
+          <a:stretch>
+            <a:fillRect/>
+          </a:stretch>
+        </p:blipFill>
+        <p:spPr>
+          <a:xfrm>
+            <a:off x="3999337" y="2290046"/>
+            <a:ext cx="3072643" cy="4567954"/>
+          </a:xfrm>
+          <a:prstGeom prst="rect">
+            <a:avLst/>
+          </a:prstGeom>
+        </p:spPr>
+      </p:pic>
+    </p:spTree>
+    <p:extLst>
+      <p:ext uri="{BB962C8B-B14F-4D97-AF65-F5344CB8AC3E}">
+        <p14:creationId xmlns:p14="http://schemas.microsoft.com/office/powerpoint/2010/main" val="3340120885"/>
+      </p:ext>
+    </p:extLst>
+  </p:cSld>
+  <p:clrMapOvr>
+    <a:masterClrMapping/>
+  </p:clrMapOvr>
+</p:sld>
+</file>
+
+<file path=ppt/slides/slide18.xml><?xml version="1.0" encoding="utf-8"?>
+<p:sld xmlns:a="http://schemas.openxmlformats.org/drawingml/2006/main" xmlns:r="http://schemas.openxmlformats.org/officeDocument/2006/relationships" xmlns:p="http://schemas.openxmlformats.org/presentationml/2006/main">
+  <p:cSld>
+    <p:spTree>
+      <p:nvGrpSpPr>
+        <p:cNvPr id="1" name=""/>
+        <p:cNvGrpSpPr/>
+        <p:nvPr/>
+      </p:nvGrpSpPr>
+      <p:grpSpPr>
+        <a:xfrm>
+          <a:off x="0" y="0"/>
+          <a:ext cx="0" cy="0"/>
+          <a:chOff x="0" y="0"/>
+          <a:chExt cx="0" cy="0"/>
+        </a:xfrm>
+      </p:grpSpPr>
+      <p:sp>
+        <p:nvSpPr>
+          <p:cNvPr id="2" name="Titolo 1"/>
+          <p:cNvSpPr>
+            <a:spLocks noGrp="1"/>
+          </p:cNvSpPr>
+          <p:nvPr>
+            <p:ph type="title"/>
+          </p:nvPr>
+        </p:nvSpPr>
+        <p:spPr>
+          <a:xfrm>
+            <a:off x="1154953" y="973668"/>
             <a:ext cx="9256373" cy="706964"/>
           </a:xfrm>
         </p:spPr>
@@ -15578,7 +20034,7 @@
           <p:nvPr/>
         </p:nvPicPr>
         <p:blipFill>
-          <a:blip r:embed="rId2">
+          <a:blip r:embed="rId3">
             <a:extLst>
               <a:ext uri="{28A0092B-C50C-407E-A947-70E740481C1C}">
                 <a14:useLocalDpi xmlns:a14="http://schemas.microsoft.com/office/drawing/2010/main" val="0"/>
@@ -15627,94 +20083,6 @@
     <p:extLst>
       <p:ext uri="{BB962C8B-B14F-4D97-AF65-F5344CB8AC3E}">
         <p14:creationId xmlns:p14="http://schemas.microsoft.com/office/powerpoint/2010/main" val="4006675132"/>
-      </p:ext>
-    </p:extLst>
-  </p:cSld>
-  <p:clrMapOvr>
-    <a:masterClrMapping/>
-  </p:clrMapOvr>
-</p:sld>
-</file>
-
-<file path=ppt/slides/slide18.xml><?xml version="1.0" encoding="utf-8"?>
-<p:sld xmlns:a="http://schemas.openxmlformats.org/drawingml/2006/main" xmlns:r="http://schemas.openxmlformats.org/officeDocument/2006/relationships" xmlns:p="http://schemas.openxmlformats.org/presentationml/2006/main">
-  <p:cSld>
-    <p:spTree>
-      <p:nvGrpSpPr>
-        <p:cNvPr id="1" name=""/>
-        <p:cNvGrpSpPr/>
-        <p:nvPr/>
-      </p:nvGrpSpPr>
-      <p:grpSpPr>
-        <a:xfrm>
-          <a:off x="0" y="0"/>
-          <a:ext cx="0" cy="0"/>
-          <a:chOff x="0" y="0"/>
-          <a:chExt cx="0" cy="0"/>
-        </a:xfrm>
-      </p:grpSpPr>
-      <p:sp>
-        <p:nvSpPr>
-          <p:cNvPr id="2" name="Titolo 1"/>
-          <p:cNvSpPr>
-            <a:spLocks noGrp="1"/>
-          </p:cNvSpPr>
-          <p:nvPr>
-            <p:ph type="title"/>
-          </p:nvPr>
-        </p:nvSpPr>
-        <p:spPr>
-          <a:xfrm>
-            <a:off x="1154953" y="973668"/>
-            <a:ext cx="9256373" cy="706964"/>
-          </a:xfrm>
-        </p:spPr>
-        <p:txBody>
-          <a:bodyPr/>
-          <a:lstStyle/>
-          <a:p>
-            <a:r>
-              <a:rPr lang="it-IT" dirty="0" smtClean="0"/>
-              <a:t>User Interface – Administrator Login</a:t>
-            </a:r>
-            <a:endParaRPr lang="en-US" dirty="0"/>
-          </a:p>
-        </p:txBody>
-      </p:sp>
-      <p:pic>
-        <p:nvPicPr>
-          <p:cNvPr id="3" name="Immagine 2"/>
-          <p:cNvPicPr>
-            <a:picLocks noChangeAspect="1"/>
-          </p:cNvPicPr>
-          <p:nvPr/>
-        </p:nvPicPr>
-        <p:blipFill>
-          <a:blip r:embed="rId2">
-            <a:extLst>
-              <a:ext uri="{28A0092B-C50C-407E-A947-70E740481C1C}">
-                <a14:useLocalDpi xmlns:a14="http://schemas.microsoft.com/office/drawing/2010/main" val="0"/>
-              </a:ext>
-            </a:extLst>
-          </a:blip>
-          <a:stretch>
-            <a:fillRect/>
-          </a:stretch>
-        </p:blipFill>
-        <p:spPr>
-          <a:xfrm>
-            <a:off x="1995729" y="2401288"/>
-            <a:ext cx="7574820" cy="4302381"/>
-          </a:xfrm>
-          <a:prstGeom prst="rect">
-            <a:avLst/>
-          </a:prstGeom>
-        </p:spPr>
-      </p:pic>
-    </p:spTree>
-    <p:extLst>
-      <p:ext uri="{BB962C8B-B14F-4D97-AF65-F5344CB8AC3E}">
-        <p14:creationId xmlns:p14="http://schemas.microsoft.com/office/powerpoint/2010/main" val="51846586"/>
       </p:ext>
     </p:extLst>
   </p:cSld>
@@ -16093,13 +20461,8 @@
             <a:pPr lvl="1"/>
             <a:r>
               <a:rPr lang="en-US" dirty="0" smtClean="0"/>
-              <a:t>Update </a:t>
-            </a:r>
-            <a:r>
-              <a:rPr lang="en-US" dirty="0" smtClean="0"/>
-              <a:t>the status</a:t>
-            </a:r>
-            <a:endParaRPr lang="en-US" dirty="0" smtClean="0"/>
+              <a:t>Update the status</a:t>
+            </a:r>
           </a:p>
           <a:p>
             <a:pPr lvl="1"/>
@@ -16287,11 +20650,7 @@
             <a:pPr lvl="1"/>
             <a:r>
               <a:rPr lang="en-US" dirty="0" smtClean="0"/>
-              <a:t>Insert </a:t>
-            </a:r>
-            <a:r>
-              <a:rPr lang="en-US" dirty="0" smtClean="0"/>
-              <a:t>in the </a:t>
+              <a:t>Insert in the </a:t>
             </a:r>
             <a:r>
               <a:rPr lang="en-US" dirty="0"/>
@@ -16468,8 +20827,20 @@
             </a:r>
             <a:r>
               <a:rPr lang="en-US" dirty="0"/>
-              <a:t>the user level (can be driver, call center operator) </a:t>
-            </a:r>
+              <a:t>the user level (can be driver, call center operator</a:t>
+            </a:r>
+            <a:r>
+              <a:rPr lang="en-US" dirty="0" smtClean="0"/>
+              <a:t>)</a:t>
+            </a:r>
+          </a:p>
+          <a:p>
+            <a:pPr lvl="1"/>
+            <a:r>
+              <a:rPr lang="it-IT" dirty="0" err="1" smtClean="0"/>
+              <a:t>Logout</a:t>
+            </a:r>
+            <a:endParaRPr lang="en-US" dirty="0"/>
           </a:p>
           <a:p>
             <a:pPr lvl="1"/>
@@ -16642,11 +21013,7 @@
             </a:r>
             <a:r>
               <a:rPr lang="en-US" dirty="0" smtClean="0"/>
-              <a:t>a </a:t>
-            </a:r>
-            <a:r>
-              <a:rPr lang="en-US" dirty="0" smtClean="0"/>
-              <a:t>request, </a:t>
+              <a:t>a request, </a:t>
             </a:r>
             <a:r>
               <a:rPr lang="en-US" dirty="0"/>
@@ -16806,11 +21173,57 @@
             </a:r>
             <a:r>
               <a:rPr lang="en-US" dirty="0" smtClean="0"/>
-              <a:t>simultaneously at least </a:t>
+              <a:t>simultaneously at </a:t>
+            </a:r>
+            <a:r>
+              <a:rPr lang="en-US" dirty="0" smtClean="0"/>
+              <a:t>least:</a:t>
+            </a:r>
+          </a:p>
+          <a:p>
+            <a:pPr lvl="1"/>
+            <a:r>
+              <a:rPr lang="en-US" dirty="0" smtClean="0"/>
+              <a:t>1600 </a:t>
             </a:r>
             <a:r>
               <a:rPr lang="en-US" dirty="0"/>
-              <a:t>1600 taxi drivers, 50 call center operators and 110 passengers with </a:t>
+              <a:t>taxi </a:t>
+            </a:r>
+            <a:r>
+              <a:rPr lang="en-US" dirty="0" smtClean="0"/>
+              <a:t>drivers</a:t>
+            </a:r>
+          </a:p>
+          <a:p>
+            <a:pPr lvl="1"/>
+            <a:r>
+              <a:rPr lang="en-US" dirty="0" smtClean="0"/>
+              <a:t>50 </a:t>
+            </a:r>
+            <a:r>
+              <a:rPr lang="en-US" dirty="0"/>
+              <a:t>call center </a:t>
+            </a:r>
+            <a:r>
+              <a:rPr lang="en-US" dirty="0" smtClean="0"/>
+              <a:t>operators</a:t>
+            </a:r>
+          </a:p>
+          <a:p>
+            <a:pPr lvl="1"/>
+            <a:r>
+              <a:rPr lang="en-US" dirty="0" smtClean="0"/>
+              <a:t>110 passengers</a:t>
+            </a:r>
+          </a:p>
+          <a:p>
+            <a:pPr marL="457200" lvl="1" indent="0">
+              <a:buNone/>
+            </a:pPr>
+            <a:r>
+              <a:rPr lang="en-US" dirty="0" smtClean="0"/>
+              <a:t>With </a:t>
             </a:r>
             <a:r>
               <a:rPr lang="en-US" dirty="0" smtClean="0"/>
@@ -16921,13 +21334,8 @@
             </a:r>
             <a:r>
               <a:rPr lang="it-IT" dirty="0" smtClean="0"/>
-              <a:t>: </a:t>
-            </a:r>
-            <a:r>
-              <a:rPr lang="it-IT" dirty="0" smtClean="0"/>
-              <a:t>24/7.</a:t>
-            </a:r>
-            <a:endParaRPr lang="it-IT" dirty="0" smtClean="0"/>
+              <a:t>: 24/7.</a:t>
+            </a:r>
           </a:p>
           <a:p>
             <a:pPr lvl="1"/>
@@ -17311,7 +21719,7 @@
           <p:nvPr/>
         </p:nvPicPr>
         <p:blipFill>
-          <a:blip r:embed="rId2">
+          <a:blip r:embed="rId3">
             <a:extLst>
               <a:ext uri="{28A0092B-C50C-407E-A947-70E740481C1C}">
                 <a14:useLocalDpi xmlns:a14="http://schemas.microsoft.com/office/drawing/2010/main" val="0"/>
@@ -17405,7 +21813,7 @@
           <p:nvPr/>
         </p:nvPicPr>
         <p:blipFill>
-          <a:blip r:embed="rId2">
+          <a:blip r:embed="rId3">
             <a:extLst>
               <a:ext uri="{28A0092B-C50C-407E-A947-70E740481C1C}">
                 <a14:useLocalDpi xmlns:a14="http://schemas.microsoft.com/office/drawing/2010/main" val="0"/>
@@ -17507,7 +21915,7 @@
           <p:nvPr/>
         </p:nvPicPr>
         <p:blipFill>
-          <a:blip r:embed="rId2">
+          <a:blip r:embed="rId3">
             <a:extLst>
               <a:ext uri="{28A0092B-C50C-407E-A947-70E740481C1C}">
                 <a14:useLocalDpi xmlns:a14="http://schemas.microsoft.com/office/drawing/2010/main" val="0"/>
@@ -17552,6 +21960,79 @@
           </a:extLst>
         </p:spPr>
       </p:pic>
+      <p:sp>
+        <p:nvSpPr>
+          <p:cNvPr id="5" name="CasellaDiTesto 4"/>
+          <p:cNvSpPr txBox="1"/>
+          <p:nvPr/>
+        </p:nvSpPr>
+        <p:spPr>
+          <a:xfrm>
+            <a:off x="3261362" y="6474940"/>
+            <a:ext cx="5581977" cy="307777"/>
+          </a:xfrm>
+          <a:prstGeom prst="rect">
+            <a:avLst/>
+          </a:prstGeom>
+          <a:noFill/>
+        </p:spPr>
+        <p:txBody>
+          <a:bodyPr wrap="none" rtlCol="0">
+            <a:spAutoFit/>
+          </a:bodyPr>
+          <a:lstStyle/>
+          <a:p>
+            <a:r>
+              <a:rPr lang="it-IT" sz="1400" i="1" dirty="0" err="1" smtClean="0"/>
+              <a:t>Alloy</a:t>
+            </a:r>
+            <a:r>
+              <a:rPr lang="it-IT" sz="1400" i="1" dirty="0" smtClean="0"/>
+              <a:t> code </a:t>
+            </a:r>
+            <a:r>
+              <a:rPr lang="it-IT" sz="1400" i="1" dirty="0" err="1" smtClean="0"/>
+              <a:t>is</a:t>
+            </a:r>
+            <a:r>
+              <a:rPr lang="it-IT" sz="1400" i="1" dirty="0" smtClean="0"/>
+              <a:t> </a:t>
+            </a:r>
+            <a:r>
+              <a:rPr lang="it-IT" sz="1400" i="1" dirty="0" err="1" smtClean="0"/>
+              <a:t>available</a:t>
+            </a:r>
+            <a:r>
+              <a:rPr lang="it-IT" sz="1400" i="1" dirty="0" smtClean="0"/>
+              <a:t> in the </a:t>
+            </a:r>
+            <a:r>
+              <a:rPr lang="it-IT" sz="1400" i="1" dirty="0" err="1" smtClean="0"/>
+              <a:t>documentation</a:t>
+            </a:r>
+            <a:r>
+              <a:rPr lang="it-IT" sz="1400" i="1" dirty="0" smtClean="0"/>
+              <a:t>, with </a:t>
+            </a:r>
+            <a:r>
+              <a:rPr lang="it-IT" sz="1400" i="1" dirty="0" err="1" smtClean="0"/>
+              <a:t>tests</a:t>
+            </a:r>
+            <a:r>
+              <a:rPr lang="it-IT" sz="1400" i="1" dirty="0" smtClean="0"/>
+              <a:t> </a:t>
+            </a:r>
+            <a:r>
+              <a:rPr lang="it-IT" sz="1400" i="1" dirty="0" err="1" smtClean="0"/>
+              <a:t>results</a:t>
+            </a:r>
+            <a:r>
+              <a:rPr lang="it-IT" sz="1400" i="1" dirty="0" smtClean="0"/>
+              <a:t>.</a:t>
+            </a:r>
+          </a:p>
+        </p:txBody>
+      </p:sp>
     </p:spTree>
     <p:extLst>
       <p:ext uri="{BB962C8B-B14F-4D97-AF65-F5344CB8AC3E}">
@@ -17918,11 +22399,7 @@
             </a:r>
             <a:r>
               <a:rPr lang="it-IT" dirty="0" smtClean="0"/>
-              <a:t> of </a:t>
-            </a:r>
-            <a:r>
-              <a:rPr lang="it-IT" dirty="0" smtClean="0"/>
-              <a:t>future </a:t>
+              <a:t> of future </a:t>
             </a:r>
             <a:r>
               <a:rPr lang="it-IT" dirty="0" err="1" smtClean="0"/>
@@ -18179,7 +22656,7 @@
           <p:nvPr/>
         </p:nvPicPr>
         <p:blipFill>
-          <a:blip r:embed="rId2"/>
+          <a:blip r:embed="rId3"/>
           <a:stretch>
             <a:fillRect/>
           </a:stretch>
@@ -18967,7 +23444,7 @@
           <p:nvPr/>
         </p:nvPicPr>
         <p:blipFill>
-          <a:blip r:embed="rId2">
+          <a:blip r:embed="rId3">
             <a:extLst>
               <a:ext uri="{28A0092B-C50C-407E-A947-70E740481C1C}">
                 <a14:useLocalDpi xmlns:a14="http://schemas.microsoft.com/office/drawing/2010/main" val="0"/>
@@ -19074,12 +23551,12 @@
         <p:spPr>
           <a:xfrm>
             <a:off x="1154954" y="2603499"/>
-            <a:ext cx="10468635" cy="3945581"/>
+            <a:ext cx="10468635" cy="4168004"/>
           </a:xfrm>
         </p:spPr>
         <p:txBody>
           <a:bodyPr>
-            <a:normAutofit/>
+            <a:normAutofit lnSpcReduction="10000"/>
           </a:bodyPr>
           <a:lstStyle/>
           <a:p>
@@ -19105,8 +23582,42 @@
             </a:r>
             <a:r>
               <a:rPr lang="en-US" dirty="0"/>
-              <a:t>all the functionalities required to create and manage taxi requests, such as create a request, update its status, get its assigned taxi and more.</a:t>
-            </a:r>
+              <a:t>all the functionalities required to create and manage taxi </a:t>
+            </a:r>
+            <a:r>
+              <a:rPr lang="en-US" dirty="0" smtClean="0"/>
+              <a:t>requests.</a:t>
+            </a:r>
+          </a:p>
+          <a:p>
+            <a:pPr marL="457200" lvl="1" indent="0">
+              <a:buNone/>
+            </a:pPr>
+            <a:r>
+              <a:rPr lang="en-US" dirty="0"/>
+              <a:t>	</a:t>
+            </a:r>
+            <a:r>
+              <a:rPr lang="en-US" dirty="0" smtClean="0"/>
+              <a:t>(e.g.: </a:t>
+            </a:r>
+            <a:r>
+              <a:rPr lang="en-US" dirty="0" smtClean="0"/>
+              <a:t>create </a:t>
+            </a:r>
+            <a:r>
+              <a:rPr lang="en-US" dirty="0"/>
+              <a:t>a </a:t>
+            </a:r>
+            <a:r>
+              <a:rPr lang="en-US" dirty="0" smtClean="0"/>
+              <a:t>request</a:t>
+            </a:r>
+            <a:r>
+              <a:rPr lang="en-US" dirty="0" smtClean="0"/>
+              <a:t>)</a:t>
+            </a:r>
+            <a:endParaRPr lang="en-US" dirty="0"/>
           </a:p>
           <a:p>
             <a:pPr lvl="1"/>
@@ -19120,14 +23631,75 @@
             </a:r>
             <a:r>
               <a:rPr lang="en-US" dirty="0"/>
-              <a:t>all the functionalities required to manage a queue, such as move a taxi up or down in the queue, remove a taxi from the queue, get the area of a queue and more.</a:t>
+              <a:t>all the functionalities required to manage a </a:t>
+            </a:r>
+            <a:r>
+              <a:rPr lang="en-US" dirty="0" smtClean="0"/>
+              <a:t>queue.</a:t>
+            </a:r>
+          </a:p>
+          <a:p>
+            <a:pPr marL="457200" lvl="1" indent="0">
+              <a:buNone/>
+            </a:pPr>
+            <a:r>
+              <a:rPr lang="en-US" dirty="0"/>
+              <a:t>	</a:t>
+            </a:r>
+            <a:r>
+              <a:rPr lang="en-US" dirty="0" smtClean="0"/>
+              <a:t>(e.g.: r</a:t>
+            </a:r>
+            <a:r>
+              <a:rPr lang="en-US" dirty="0" smtClean="0"/>
+              <a:t>emove </a:t>
+            </a:r>
+            <a:r>
+              <a:rPr lang="en-US" dirty="0"/>
+              <a:t>a taxi from the </a:t>
+            </a:r>
+            <a:r>
+              <a:rPr lang="en-US" dirty="0" smtClean="0"/>
+              <a:t>queue)</a:t>
             </a:r>
           </a:p>
           <a:p>
             <a:pPr lvl="1"/>
             <a:r>
+              <a:rPr lang="en-US" b="1" i="1" dirty="0" smtClean="0"/>
+              <a:t>Account Manager: </a:t>
+            </a:r>
+            <a:r>
+              <a:rPr lang="en-US" dirty="0" smtClean="0"/>
+              <a:t>provides all the functionalities required to manage an account.</a:t>
+            </a:r>
+          </a:p>
+          <a:p>
+            <a:pPr marL="457200" lvl="1" indent="0">
+              <a:buNone/>
+            </a:pPr>
+            <a:r>
+              <a:rPr lang="en-US" dirty="0"/>
+              <a:t>	</a:t>
+            </a:r>
+            <a:r>
+              <a:rPr lang="en-US" dirty="0" smtClean="0"/>
+              <a:t>(e.g.: register</a:t>
+            </a:r>
+            <a:r>
+              <a:rPr lang="en-US" dirty="0" smtClean="0"/>
+              <a:t>, login)</a:t>
+            </a:r>
+          </a:p>
+          <a:p>
+            <a:pPr lvl="1"/>
+            <a:r>
+              <a:rPr lang="en-US" b="1" i="1" dirty="0" smtClean="0"/>
+              <a:t>Location </a:t>
+            </a:r>
+            <a:r>
               <a:rPr lang="en-US" b="1" i="1" dirty="0"/>
-              <a:t>Account Manager: </a:t>
+              <a:t>Manager: </a:t>
             </a:r>
             <a:r>
               <a:rPr lang="en-US" dirty="0" smtClean="0"/>
@@ -19135,14 +23707,44 @@
             </a:r>
             <a:r>
               <a:rPr lang="en-US" dirty="0"/>
-              <a:t>all the functionalities required to manage an account, such as register, login, edit information, get user type and more.</a:t>
-            </a:r>
+              <a:t>all the functionalities required for handling geographic coordinates and taxi’s </a:t>
+            </a:r>
+            <a:r>
+              <a:rPr lang="en-US" dirty="0" smtClean="0"/>
+              <a:t>areas.</a:t>
+            </a:r>
+          </a:p>
+          <a:p>
+            <a:pPr marL="457200" lvl="1" indent="0">
+              <a:buNone/>
+            </a:pPr>
+            <a:r>
+              <a:rPr lang="en-US" dirty="0"/>
+              <a:t>	</a:t>
+            </a:r>
+            <a:r>
+              <a:rPr lang="en-US" dirty="0" smtClean="0"/>
+              <a:t>(e.g.: g</a:t>
+            </a:r>
+            <a:r>
+              <a:rPr lang="en-US" dirty="0" smtClean="0"/>
+              <a:t>et area </a:t>
+            </a:r>
+            <a:r>
+              <a:rPr lang="en-US" dirty="0"/>
+              <a:t>of a location, computing the time required to arrive to a </a:t>
+            </a:r>
+            <a:r>
+              <a:rPr lang="en-US" dirty="0" smtClean="0"/>
+              <a:t>place)</a:t>
+            </a:r>
+            <a:endParaRPr lang="en-US" dirty="0"/>
           </a:p>
           <a:p>
             <a:pPr lvl="1"/>
             <a:r>
               <a:rPr lang="en-US" b="1" i="1" dirty="0"/>
-              <a:t>Location Manager: </a:t>
+              <a:t>Taxi Manager: </a:t>
             </a:r>
             <a:r>
               <a:rPr lang="en-US" dirty="0" smtClean="0"/>
@@ -19150,23 +23752,38 @@
             </a:r>
             <a:r>
               <a:rPr lang="en-US" dirty="0"/>
-              <a:t>all the functionalities required for handling geographic coordinates and taxi’s areas, such as finding the associated queue of an area, get the area of a location, computing the time required to arrive to a place and more.</a:t>
-            </a:r>
-          </a:p>
-          <a:p>
-            <a:pPr lvl="1"/>
-            <a:r>
-              <a:rPr lang="en-US" b="1" i="1" dirty="0"/>
-              <a:t>Taxi Manager: </a:t>
+              <a:t>all the functionalities required to manage a </a:t>
             </a:r>
             <a:r>
               <a:rPr lang="en-US" dirty="0" smtClean="0"/>
-              <a:t>provides </a:t>
-            </a:r>
+              <a:t>taxi.</a:t>
+            </a:r>
+          </a:p>
+          <a:p>
+            <a:pPr marL="457200" lvl="1" indent="0">
+              <a:buNone/>
+            </a:pPr>
             <a:r>
               <a:rPr lang="en-US" dirty="0"/>
-              <a:t>all the functionalities required to manage a taxi, such as getting its status, update its status and more.</a:t>
-            </a:r>
+              <a:t>	</a:t>
+            </a:r>
+            <a:r>
+              <a:rPr lang="en-US" dirty="0" smtClean="0"/>
+              <a:t>(e.g.: </a:t>
+            </a:r>
+            <a:r>
+              <a:rPr lang="en-US" dirty="0" smtClean="0"/>
+              <a:t>update </a:t>
+            </a:r>
+            <a:r>
+              <a:rPr lang="en-US" dirty="0"/>
+              <a:t>its </a:t>
+            </a:r>
+            <a:r>
+              <a:rPr lang="en-US" dirty="0" smtClean="0"/>
+              <a:t>status)</a:t>
+            </a:r>
+            <a:endParaRPr lang="en-US" dirty="0"/>
           </a:p>
         </p:txBody>
       </p:sp>
@@ -19287,7 +23904,24 @@
             </a:r>
             <a:r>
               <a:rPr lang="en-US" dirty="0"/>
-              <a:t>in charge of the invocation of the methods provided by the API exposed by the Application Server. This component will also manage both the request through the provided RESTful </a:t>
+              <a:t>in charge of the invocation of the methods provided by the API exposed by the Application </a:t>
+            </a:r>
+            <a:r>
+              <a:rPr lang="en-US" dirty="0" smtClean="0"/>
+              <a:t>Server.</a:t>
+            </a:r>
+          </a:p>
+          <a:p>
+            <a:pPr marL="857250" lvl="2" indent="0">
+              <a:buNone/>
+            </a:pPr>
+            <a:r>
+              <a:rPr lang="en-US" dirty="0" smtClean="0"/>
+              <a:t>This </a:t>
+            </a:r>
+            <a:r>
+              <a:rPr lang="en-US" dirty="0"/>
+              <a:t>component will also manage both the request through the provided RESTful </a:t>
             </a:r>
             <a:r>
               <a:rPr lang="en-US" dirty="0" smtClean="0"/>
@@ -19295,11 +23929,15 @@
             </a:r>
             <a:r>
               <a:rPr lang="en-US" dirty="0"/>
-              <a:t>and the </a:t>
+              <a:t>and </a:t>
             </a:r>
             <a:r>
               <a:rPr lang="en-US" dirty="0" smtClean="0"/>
-              <a:t>Website.</a:t>
+              <a:t>the Website</a:t>
+            </a:r>
+            <a:r>
+              <a:rPr lang="en-US" dirty="0" smtClean="0"/>
+              <a:t>.</a:t>
             </a:r>
           </a:p>
           <a:p>
@@ -19456,7 +24094,7 @@
           <p:nvPr/>
         </p:nvPicPr>
         <p:blipFill>
-          <a:blip r:embed="rId2">
+          <a:blip r:embed="rId3">
             <a:extLst>
               <a:ext uri="{28A0092B-C50C-407E-A947-70E740481C1C}">
                 <a14:useLocalDpi xmlns:a14="http://schemas.microsoft.com/office/drawing/2010/main" val="0"/>
@@ -19775,15 +24413,7 @@
             <a:pPr lvl="1"/>
             <a:r>
               <a:rPr lang="en-US" dirty="0" smtClean="0"/>
-              <a:t>Automatic scalable and </a:t>
-            </a:r>
-            <a:r>
-              <a:rPr lang="en-US" dirty="0" smtClean="0"/>
-              <a:t>load-balancing based </a:t>
-            </a:r>
-            <a:r>
-              <a:rPr lang="en-US" dirty="0" smtClean="0"/>
-              <a:t>cloud computing, resulting in a </a:t>
+              <a:t>Automatic scalable and load-balancing based cloud computing, resulting in a </a:t>
             </a:r>
             <a:r>
               <a:rPr lang="en-US" b="1" i="1" dirty="0" smtClean="0"/>
@@ -20157,26 +24787,19 @@
               <a:t> be </a:t>
             </a:r>
             <a:r>
-              <a:rPr lang="it-IT" dirty="0" err="1"/>
+              <a:rPr lang="it-IT" dirty="0" err="1" smtClean="0"/>
               <a:t>discontinued</a:t>
             </a:r>
             <a:r>
-              <a:rPr lang="it-IT" dirty="0"/>
+              <a:rPr lang="it-IT" dirty="0" smtClean="0"/>
               <a:t>.</a:t>
             </a:r>
+            <a:endParaRPr lang="it-IT" dirty="0"/>
           </a:p>
           <a:p>
             <a:r>
               <a:rPr lang="it-IT" dirty="0" smtClean="0"/>
-              <a:t>Drivers </a:t>
-            </a:r>
-            <a:r>
-              <a:rPr lang="it-IT" dirty="0" smtClean="0"/>
-              <a:t>and </a:t>
-            </a:r>
-            <a:r>
-              <a:rPr lang="it-IT" dirty="0" smtClean="0"/>
-              <a:t>Call Center </a:t>
+              <a:t>Drivers and Call Center </a:t>
             </a:r>
             <a:r>
               <a:rPr lang="it-IT" dirty="0" err="1" smtClean="0"/>
@@ -20226,7 +24849,6 @@
               <a:rPr lang="it-IT" dirty="0" smtClean="0"/>
               <a:t>.</a:t>
             </a:r>
-            <a:endParaRPr lang="it-IT" dirty="0" smtClean="0"/>
           </a:p>
           <a:p>
             <a:r>
@@ -20291,11 +24913,23 @@
             </a:r>
             <a:r>
               <a:rPr lang="it-IT" dirty="0" smtClean="0"/>
-              <a:t>, </a:t>
+              <a:t> (</a:t>
             </a:r>
             <a:r>
               <a:rPr lang="it-IT" dirty="0" err="1" smtClean="0"/>
-              <a:t>without</a:t>
+              <a:t>as</a:t>
+            </a:r>
+            <a:r>
+              <a:rPr lang="it-IT" dirty="0"/>
+              <a:t> </a:t>
+            </a:r>
+            <a:r>
+              <a:rPr lang="it-IT" dirty="0" smtClean="0"/>
+              <a:t>taxi </a:t>
+            </a:r>
+            <a:r>
+              <a:rPr lang="it-IT" dirty="0" err="1" smtClean="0"/>
+              <a:t>normally</a:t>
             </a:r>
             <a:r>
               <a:rPr lang="it-IT" dirty="0" smtClean="0"/>
@@ -20303,7 +24937,73 @@
             </a:r>
             <a:r>
               <a:rPr lang="it-IT" dirty="0" err="1" smtClean="0"/>
-              <a:t>any</a:t>
+              <a:t>does</a:t>
+            </a:r>
+            <a:r>
+              <a:rPr lang="it-IT" dirty="0" smtClean="0"/>
+              <a:t>).</a:t>
+            </a:r>
+          </a:p>
+          <a:p>
+            <a:r>
+              <a:rPr lang="it-IT" dirty="0" smtClean="0"/>
+              <a:t>City</a:t>
+            </a:r>
+            <a:r>
+              <a:rPr lang="it-IT" dirty="0" smtClean="0"/>
+              <a:t>: Milan (3.2 </a:t>
+            </a:r>
+            <a:r>
+              <a:rPr lang="it-IT" dirty="0" err="1" smtClean="0"/>
+              <a:t>Millions</a:t>
+            </a:r>
+            <a:r>
+              <a:rPr lang="it-IT" dirty="0" smtClean="0"/>
+              <a:t> of </a:t>
+            </a:r>
+            <a:r>
+              <a:rPr lang="it-IT" dirty="0" err="1" smtClean="0"/>
+              <a:t>people</a:t>
+            </a:r>
+            <a:r>
+              <a:rPr lang="it-IT" dirty="0" smtClean="0"/>
+              <a:t>).</a:t>
+            </a:r>
+          </a:p>
+          <a:p>
+            <a:r>
+              <a:rPr lang="it-IT" dirty="0" err="1" smtClean="0"/>
+              <a:t>Number</a:t>
+            </a:r>
+            <a:r>
+              <a:rPr lang="it-IT" dirty="0" smtClean="0"/>
+              <a:t> of drivers: 5.000 (due to last Corriere Della Sera </a:t>
+            </a:r>
+            <a:r>
+              <a:rPr lang="it-IT" dirty="0" err="1" smtClean="0"/>
+              <a:t>analysis</a:t>
+            </a:r>
+            <a:r>
+              <a:rPr lang="it-IT" dirty="0" smtClean="0"/>
+              <a:t>).</a:t>
+            </a:r>
+          </a:p>
+          <a:p>
+            <a:r>
+              <a:rPr lang="it-IT" dirty="0" smtClean="0"/>
+              <a:t>The </a:t>
+            </a:r>
+            <a:r>
+              <a:rPr lang="it-IT" dirty="0" err="1" smtClean="0"/>
+              <a:t>number</a:t>
+            </a:r>
+            <a:r>
+              <a:rPr lang="it-IT" dirty="0" smtClean="0"/>
+              <a:t> of </a:t>
+            </a:r>
+            <a:r>
+              <a:rPr lang="it-IT" dirty="0" err="1" smtClean="0"/>
+              <a:t>requests</a:t>
             </a:r>
             <a:r>
               <a:rPr lang="it-IT" dirty="0" smtClean="0"/>
@@ -20311,33 +25011,15 @@
             </a:r>
             <a:r>
               <a:rPr lang="it-IT" dirty="0" err="1" smtClean="0"/>
-              <a:t>request</a:t>
+              <a:t>never</a:t>
             </a:r>
             <a:r>
               <a:rPr lang="it-IT" dirty="0" smtClean="0"/>
-              <a:t> made from the </a:t>
+              <a:t> saturare the </a:t>
             </a:r>
             <a:r>
               <a:rPr lang="it-IT" dirty="0" err="1" smtClean="0"/>
-              <a:t>system</a:t>
-            </a:r>
-            <a:r>
-              <a:rPr lang="it-IT" dirty="0" smtClean="0"/>
-              <a:t>.</a:t>
-            </a:r>
-          </a:p>
-          <a:p>
-            <a:r>
-              <a:rPr lang="it-IT" dirty="0" err="1" smtClean="0"/>
-              <a:t>If</a:t>
-            </a:r>
-            <a:r>
-              <a:rPr lang="it-IT" dirty="0" smtClean="0"/>
-              <a:t> a </a:t>
-            </a:r>
-            <a:r>
-              <a:rPr lang="it-IT" dirty="0" err="1" smtClean="0"/>
-              <a:t>request</a:t>
+              <a:t>available</a:t>
             </a:r>
             <a:r>
               <a:rPr lang="it-IT" dirty="0" smtClean="0"/>
@@ -20345,165 +25027,10 @@
             </a:r>
             <a:r>
               <a:rPr lang="it-IT" dirty="0" err="1" smtClean="0"/>
-              <a:t>arrives</a:t>
+              <a:t>taxies</a:t>
             </a:r>
             <a:r>
               <a:rPr lang="it-IT" dirty="0" smtClean="0"/>
-              <a:t> for an area with an </a:t>
-            </a:r>
-            <a:r>
-              <a:rPr lang="it-IT" dirty="0" err="1" smtClean="0"/>
-              <a:t>empty</a:t>
-            </a:r>
-            <a:r>
-              <a:rPr lang="it-IT" dirty="0" smtClean="0"/>
-              <a:t> </a:t>
-            </a:r>
-            <a:r>
-              <a:rPr lang="it-IT" dirty="0" err="1" smtClean="0"/>
-              <a:t>queue</a:t>
-            </a:r>
-            <a:r>
-              <a:rPr lang="it-IT" dirty="0" smtClean="0"/>
-              <a:t>, </a:t>
-            </a:r>
-            <a:r>
-              <a:rPr lang="it-IT" dirty="0" err="1" smtClean="0"/>
-              <a:t>it</a:t>
-            </a:r>
-            <a:r>
-              <a:rPr lang="it-IT" dirty="0" smtClean="0"/>
-              <a:t> can </a:t>
-            </a:r>
-            <a:r>
-              <a:rPr lang="it-IT" dirty="0" smtClean="0"/>
-              <a:t>be </a:t>
-            </a:r>
-            <a:r>
-              <a:rPr lang="it-IT" dirty="0" err="1" smtClean="0"/>
-              <a:t>forwarded</a:t>
-            </a:r>
-            <a:r>
-              <a:rPr lang="it-IT" dirty="0" smtClean="0"/>
-              <a:t> to </a:t>
-            </a:r>
-            <a:r>
-              <a:rPr lang="it-IT" dirty="0" err="1" smtClean="0"/>
-              <a:t>other</a:t>
-            </a:r>
-            <a:r>
-              <a:rPr lang="it-IT" dirty="0" smtClean="0"/>
-              <a:t> taxi in </a:t>
-            </a:r>
-            <a:r>
-              <a:rPr lang="it-IT" dirty="0" err="1" smtClean="0"/>
-              <a:t>other</a:t>
-            </a:r>
-            <a:r>
-              <a:rPr lang="it-IT" dirty="0" smtClean="0"/>
-              <a:t> </a:t>
-            </a:r>
-            <a:r>
-              <a:rPr lang="it-IT" dirty="0" err="1" smtClean="0"/>
-              <a:t>queues</a:t>
-            </a:r>
-            <a:r>
-              <a:rPr lang="it-IT" dirty="0" smtClean="0"/>
-              <a:t>.</a:t>
-            </a:r>
-          </a:p>
-          <a:p>
-            <a:r>
-              <a:rPr lang="it-IT" dirty="0" smtClean="0"/>
-              <a:t>City</a:t>
-            </a:r>
-            <a:r>
-              <a:rPr lang="it-IT" dirty="0"/>
-              <a:t>: Milan (3.2 </a:t>
-            </a:r>
-            <a:r>
-              <a:rPr lang="it-IT" dirty="0" err="1"/>
-              <a:t>Millions</a:t>
-            </a:r>
-            <a:r>
-              <a:rPr lang="it-IT" dirty="0"/>
-              <a:t> of </a:t>
-            </a:r>
-            <a:r>
-              <a:rPr lang="it-IT" dirty="0" err="1"/>
-              <a:t>people</a:t>
-            </a:r>
-            <a:r>
-              <a:rPr lang="it-IT" dirty="0" smtClean="0"/>
-              <a:t>).</a:t>
-            </a:r>
-          </a:p>
-          <a:p>
-            <a:r>
-              <a:rPr lang="it-IT" dirty="0" err="1"/>
-              <a:t>Number</a:t>
-            </a:r>
-            <a:r>
-              <a:rPr lang="it-IT" dirty="0"/>
-              <a:t> of drivers: 5.000 </a:t>
-            </a:r>
-            <a:r>
-              <a:rPr lang="it-IT" dirty="0" smtClean="0"/>
-              <a:t>(due to last Corriere Della Sera </a:t>
-            </a:r>
-            <a:r>
-              <a:rPr lang="it-IT" dirty="0" err="1" smtClean="0"/>
-              <a:t>analysis</a:t>
-            </a:r>
-            <a:r>
-              <a:rPr lang="it-IT" dirty="0" smtClean="0"/>
-              <a:t>).</a:t>
-            </a:r>
-            <a:endParaRPr lang="it-IT" dirty="0" smtClean="0"/>
-          </a:p>
-          <a:p>
-            <a:r>
-              <a:rPr lang="it-IT" dirty="0"/>
-              <a:t>The </a:t>
-            </a:r>
-            <a:r>
-              <a:rPr lang="it-IT" dirty="0" err="1"/>
-              <a:t>number</a:t>
-            </a:r>
-            <a:r>
-              <a:rPr lang="it-IT" dirty="0"/>
-              <a:t> of </a:t>
-            </a:r>
-            <a:r>
-              <a:rPr lang="it-IT" dirty="0" err="1"/>
-              <a:t>requests</a:t>
-            </a:r>
-            <a:r>
-              <a:rPr lang="it-IT" dirty="0"/>
-              <a:t> </a:t>
-            </a:r>
-            <a:r>
-              <a:rPr lang="it-IT" dirty="0" err="1"/>
-              <a:t>never</a:t>
-            </a:r>
-            <a:r>
-              <a:rPr lang="it-IT" dirty="0"/>
-              <a:t> saturare the </a:t>
-            </a:r>
-            <a:r>
-              <a:rPr lang="it-IT" dirty="0" err="1"/>
-              <a:t>available</a:t>
-            </a:r>
-            <a:r>
-              <a:rPr lang="it-IT" dirty="0"/>
-              <a:t> </a:t>
-            </a:r>
-            <a:r>
-              <a:rPr lang="it-IT" dirty="0" err="1"/>
-              <a:t>taxies</a:t>
-            </a:r>
-            <a:r>
-              <a:rPr lang="it-IT" dirty="0"/>
               <a:t>.</a:t>
             </a:r>
           </a:p>
@@ -20761,7 +25288,6 @@
               <a:rPr lang="it-IT" b="1" dirty="0" smtClean="0"/>
               <a:t>Firewalls </a:t>
             </a:r>
-            <a:endParaRPr lang="it-IT" b="1" dirty="0" smtClean="0"/>
           </a:p>
           <a:p>
             <a:pPr lvl="1"/>
@@ -20781,7 +25307,6 @@
               <a:rPr lang="it-IT" dirty="0" smtClean="0"/>
               <a:t> base.</a:t>
             </a:r>
-            <a:endParaRPr lang="it-IT" dirty="0" smtClean="0"/>
           </a:p>
           <a:p>
             <a:endParaRPr lang="en-US" dirty="0"/>
@@ -20797,7 +25322,7 @@
           <p:nvPr/>
         </p:nvPicPr>
         <p:blipFill>
-          <a:blip r:embed="rId2">
+          <a:blip r:embed="rId3">
             <a:extLst>
               <a:ext uri="{28A0092B-C50C-407E-A947-70E740481C1C}">
                 <a14:useLocalDpi xmlns:a14="http://schemas.microsoft.com/office/drawing/2010/main" val="0"/>
@@ -21114,26 +25639,7 @@
               <a:rPr lang="en-US" dirty="0" smtClean="0"/>
               <a:t>dependencies</a:t>
             </a:r>
-          </a:p>
-          <a:p>
-            <a:pPr lvl="1"/>
-            <a:r>
-              <a:rPr lang="it-IT" dirty="0" smtClean="0"/>
-              <a:t>No</a:t>
-            </a:r>
-            <a:r>
-              <a:rPr lang="en-US" dirty="0" smtClean="0"/>
-              <a:t> </a:t>
-            </a:r>
-            <a:r>
-              <a:rPr lang="en-US" dirty="0"/>
-              <a:t>implementation of </a:t>
-            </a:r>
-            <a:r>
-              <a:rPr lang="en-US" dirty="0" smtClean="0"/>
-              <a:t>stubs (components on which the current relies have been already integrated).</a:t>
-            </a:r>
-            <a:endParaRPr lang="en-US" dirty="0"/>
+            <a:endParaRPr lang="en-US" dirty="0" smtClean="0"/>
           </a:p>
         </p:txBody>
       </p:sp>
@@ -21561,13 +26067,13 @@
           <p:nvPr>
             <p:extLst>
               <p:ext uri="{D42A27DB-BD31-4B8C-83A1-F6EECF244321}">
-                <p14:modId xmlns:p14="http://schemas.microsoft.com/office/powerpoint/2010/main" val="1284622865"/>
+                <p14:modId xmlns:p14="http://schemas.microsoft.com/office/powerpoint/2010/main" val="197080246"/>
               </p:ext>
             </p:extLst>
           </p:nvPr>
         </p:nvGraphicFramePr>
         <p:xfrm>
-          <a:off x="2678271" y="2553696"/>
+          <a:off x="2810076" y="2446604"/>
           <a:ext cx="6325870" cy="1341120"/>
         </p:xfrm>
         <a:graphic>
@@ -21917,13 +26423,13 @@
           <p:nvPr>
             <p:extLst>
               <p:ext uri="{D42A27DB-BD31-4B8C-83A1-F6EECF244321}">
-                <p14:modId xmlns:p14="http://schemas.microsoft.com/office/powerpoint/2010/main" val="3643843529"/>
+                <p14:modId xmlns:p14="http://schemas.microsoft.com/office/powerpoint/2010/main" val="725557536"/>
               </p:ext>
             </p:extLst>
           </p:nvPr>
         </p:nvGraphicFramePr>
         <p:xfrm>
-          <a:off x="2678271" y="4338423"/>
+          <a:off x="2810076" y="4231331"/>
           <a:ext cx="6325870" cy="1676400"/>
         </p:xfrm>
         <a:graphic>
@@ -22264,6 +26770,63 @@
           </a:graphicData>
         </a:graphic>
       </p:graphicFrame>
+      <p:sp>
+        <p:nvSpPr>
+          <p:cNvPr id="6" name="CasellaDiTesto 5"/>
+          <p:cNvSpPr txBox="1"/>
+          <p:nvPr/>
+        </p:nvSpPr>
+        <p:spPr>
+          <a:xfrm>
+            <a:off x="3300111" y="6285470"/>
+            <a:ext cx="4548040" cy="307777"/>
+          </a:xfrm>
+          <a:prstGeom prst="rect">
+            <a:avLst/>
+          </a:prstGeom>
+          <a:noFill/>
+        </p:spPr>
+        <p:txBody>
+          <a:bodyPr wrap="none" rtlCol="0">
+            <a:spAutoFit/>
+          </a:bodyPr>
+          <a:lstStyle/>
+          <a:p>
+            <a:r>
+              <a:rPr lang="it-IT" sz="1400" i="1" dirty="0" err="1" smtClean="0"/>
+              <a:t>All</a:t>
+            </a:r>
+            <a:r>
+              <a:rPr lang="it-IT" sz="1400" i="1" dirty="0" smtClean="0"/>
+              <a:t> test </a:t>
+            </a:r>
+            <a:r>
+              <a:rPr lang="it-IT" sz="1400" i="1" dirty="0" err="1" smtClean="0"/>
+              <a:t>cases</a:t>
+            </a:r>
+            <a:r>
+              <a:rPr lang="it-IT" sz="1400" i="1" dirty="0" smtClean="0"/>
+              <a:t> are </a:t>
+            </a:r>
+            <a:r>
+              <a:rPr lang="it-IT" sz="1400" i="1" dirty="0" err="1" smtClean="0"/>
+              <a:t>available</a:t>
+            </a:r>
+            <a:r>
+              <a:rPr lang="it-IT" sz="1400" i="1" dirty="0" smtClean="0"/>
+              <a:t> in the </a:t>
+            </a:r>
+            <a:r>
+              <a:rPr lang="it-IT" sz="1400" i="1" dirty="0" err="1" smtClean="0"/>
+              <a:t>documentation</a:t>
+            </a:r>
+            <a:r>
+              <a:rPr lang="it-IT" sz="1400" i="1" dirty="0" smtClean="0"/>
+              <a:t>.</a:t>
+            </a:r>
+          </a:p>
+        </p:txBody>
+      </p:sp>
     </p:spTree>
     <p:extLst>
       <p:ext uri="{BB962C8B-B14F-4D97-AF65-F5344CB8AC3E}">
@@ -23214,6 +27777,84 @@
               <a:t>53</a:t>
             </a:r>
             <a:endParaRPr lang="en-US" dirty="0"/>
+          </a:p>
+        </p:txBody>
+      </p:sp>
+      <p:sp>
+        <p:nvSpPr>
+          <p:cNvPr id="6" name="CasellaDiTesto 5"/>
+          <p:cNvSpPr txBox="1"/>
+          <p:nvPr/>
+        </p:nvSpPr>
+        <p:spPr>
+          <a:xfrm>
+            <a:off x="2159332" y="5438711"/>
+            <a:ext cx="7142595" cy="307777"/>
+          </a:xfrm>
+          <a:prstGeom prst="rect">
+            <a:avLst/>
+          </a:prstGeom>
+          <a:noFill/>
+        </p:spPr>
+        <p:txBody>
+          <a:bodyPr wrap="square" rtlCol="0">
+            <a:spAutoFit/>
+          </a:bodyPr>
+          <a:lstStyle/>
+          <a:p>
+            <a:r>
+              <a:rPr lang="it-IT" sz="1400" i="1" dirty="0" smtClean="0"/>
+              <a:t>The complete </a:t>
+            </a:r>
+            <a:r>
+              <a:rPr lang="it-IT" sz="1400" i="1" dirty="0" err="1" smtClean="0"/>
+              <a:t>analysis</a:t>
+            </a:r>
+            <a:r>
+              <a:rPr lang="it-IT" sz="1400" i="1" dirty="0" smtClean="0"/>
+              <a:t> of the </a:t>
+            </a:r>
+            <a:r>
+              <a:rPr lang="it-IT" sz="1400" i="1" dirty="0" err="1" smtClean="0"/>
+              <a:t>functional</a:t>
+            </a:r>
+            <a:r>
+              <a:rPr lang="it-IT" sz="1400" i="1" dirty="0" smtClean="0"/>
+              <a:t> </a:t>
+            </a:r>
+            <a:r>
+              <a:rPr lang="it-IT" sz="1400" i="1" dirty="0" err="1" smtClean="0"/>
+              <a:t>points</a:t>
+            </a:r>
+            <a:r>
+              <a:rPr lang="it-IT" sz="1400" i="1" dirty="0" smtClean="0"/>
+              <a:t> </a:t>
+            </a:r>
+            <a:r>
+              <a:rPr lang="it-IT" sz="1400" i="1" dirty="0" err="1" smtClean="0"/>
+              <a:t>is</a:t>
+            </a:r>
+            <a:r>
+              <a:rPr lang="it-IT" sz="1400" i="1" dirty="0" smtClean="0"/>
+              <a:t> </a:t>
+            </a:r>
+            <a:r>
+              <a:rPr lang="it-IT" sz="1400" i="1" dirty="0" err="1" smtClean="0"/>
+              <a:t>available</a:t>
+            </a:r>
+            <a:r>
+              <a:rPr lang="it-IT" sz="1400" i="1" dirty="0" smtClean="0"/>
+              <a:t> in the </a:t>
+            </a:r>
+            <a:r>
+              <a:rPr lang="it-IT" sz="1400" i="1" dirty="0" err="1" smtClean="0"/>
+              <a:t>documentation</a:t>
+            </a:r>
+            <a:r>
+              <a:rPr lang="it-IT" sz="1400" i="1" dirty="0"/>
+              <a:t>.</a:t>
+            </a:r>
+            <a:endParaRPr lang="it-IT" sz="1400" i="1" dirty="0" smtClean="0"/>
           </a:p>
         </p:txBody>
       </p:sp>
@@ -25435,7 +30076,7 @@
                       </a:txBody>
                       <a:tcPr marL="68580" marR="68580" marT="0" marB="0" anchor="ctr">
                         <a:blipFill rotWithShape="0">
-                          <a:blip r:embed="rId2"/>
+                          <a:blip r:embed="rId3"/>
                           <a:stretch>
                             <a:fillRect l="-115" t="-717857" r="-22388" b="-260714"/>
                           </a:stretch>
@@ -25886,15 +30527,7 @@
             </a:r>
             <a:r>
               <a:rPr lang="en-US" dirty="0" smtClean="0"/>
-              <a:t>because </a:t>
-            </a:r>
-            <a:r>
-              <a:rPr lang="en-US" dirty="0" smtClean="0"/>
-              <a:t>the correspondent </a:t>
-            </a:r>
-            <a:r>
-              <a:rPr lang="en-US" dirty="0" smtClean="0"/>
-              <a:t>CMM level is 3.</a:t>
+              <a:t>because the correspondent CMM level is 3.</a:t>
             </a:r>
             <a:endParaRPr lang="en-US" dirty="0"/>
           </a:p>
@@ -25971,8 +30604,8 @@
           </a:p>
         </p:txBody>
       </p:sp>
-      <mc:AlternateContent xmlns:mc="http://schemas.openxmlformats.org/markup-compatibility/2006" xmlns:a14="http://schemas.microsoft.com/office/drawing/2010/main">
-        <mc:Choice Requires="a14">
+      <mc:AlternateContent xmlns:mc="http://schemas.openxmlformats.org/markup-compatibility/2006">
+        <mc:Choice xmlns:a14="http://schemas.microsoft.com/office/drawing/2010/main" Requires="a14">
           <p:graphicFrame>
             <p:nvGraphicFramePr>
               <p:cNvPr id="4" name="Segnaposto contenuto 3"/>
@@ -25982,13 +30615,13 @@
               <p:nvPr>
                 <p:extLst>
                   <p:ext uri="{D42A27DB-BD31-4B8C-83A1-F6EECF244321}">
-                    <p14:modId xmlns:p14="http://schemas.microsoft.com/office/powerpoint/2010/main" val="2488980025"/>
+                    <p14:modId xmlns:p14="http://schemas.microsoft.com/office/powerpoint/2010/main" val="2347309453"/>
                   </p:ext>
                 </p:extLst>
               </p:nvPr>
             </p:nvGraphicFramePr>
             <p:xfrm>
-              <a:off x="2638425" y="2352682"/>
+              <a:off x="1757581" y="2377849"/>
               <a:ext cx="6362700" cy="4410060"/>
             </p:xfrm>
             <a:graphic>
@@ -26093,12 +30726,12 @@
                             </a:spcAft>
                           </a:pPr>
                           <a:r>
-                            <a:rPr lang="en-US" sz="900">
+                            <a:rPr lang="en-US" sz="900" dirty="0">
                               <a:effectLst/>
                             </a:rPr>
                             <a:t>Value</a:t>
                           </a:r>
-                          <a:endParaRPr lang="en-US" sz="900">
+                          <a:endParaRPr lang="en-US" sz="900" dirty="0">
                             <a:effectLst/>
                             <a:latin typeface="Calibri" panose="020F0502020204030204" pitchFamily="34" charset="0"/>
                             <a:ea typeface="Calibri" panose="020F0502020204030204" pitchFamily="34" charset="0"/>
@@ -28405,7 +33038,7 @@
             </a:graphic>
           </p:graphicFrame>
         </mc:Choice>
-        <mc:Fallback xmlns="">
+        <mc:Fallback>
           <p:graphicFrame>
             <p:nvGraphicFramePr>
               <p:cNvPr id="4" name="Segnaposto contenuto 3"/>
@@ -28415,13 +33048,13 @@
               <p:nvPr>
                 <p:extLst>
                   <p:ext uri="{D42A27DB-BD31-4B8C-83A1-F6EECF244321}">
-                    <p14:modId xmlns:p14="http://schemas.microsoft.com/office/powerpoint/2010/main" val="2488980025"/>
+                    <p14:modId xmlns:p14="http://schemas.microsoft.com/office/powerpoint/2010/main" val="2347309453"/>
                   </p:ext>
                 </p:extLst>
               </p:nvPr>
             </p:nvGraphicFramePr>
             <p:xfrm>
-              <a:off x="2638425" y="2352682"/>
+              <a:off x="1757581" y="2377849"/>
               <a:ext cx="6362700" cy="4410060"/>
             </p:xfrm>
             <a:graphic>
@@ -28526,12 +33159,12 @@
                             </a:spcAft>
                           </a:pPr>
                           <a:r>
-                            <a:rPr lang="en-US" sz="900">
+                            <a:rPr lang="en-US" sz="900" dirty="0">
                               <a:effectLst/>
                             </a:rPr>
                             <a:t>Value</a:t>
                           </a:r>
-                          <a:endParaRPr lang="en-US" sz="900">
+                          <a:endParaRPr lang="en-US" sz="900" dirty="0">
                             <a:effectLst/>
                             <a:latin typeface="Calibri" panose="020F0502020204030204" pitchFamily="34" charset="0"/>
                             <a:ea typeface="Calibri" panose="020F0502020204030204" pitchFamily="34" charset="0"/>
@@ -30693,7 +35326,7 @@
                       </a:txBody>
                       <a:tcPr marL="58232" marR="58232" marT="0" marB="0" anchor="ctr">
                         <a:blipFill rotWithShape="0">
-                          <a:blip r:embed="rId2"/>
+                          <a:blip r:embed="rId3"/>
                           <a:stretch>
                             <a:fillRect l="-117" t="-2410345" r="-22287" b="-189655"/>
                           </a:stretch>
@@ -30753,6 +35386,68 @@
           </p:graphicFrame>
         </mc:Fallback>
       </mc:AlternateContent>
+      <p:sp>
+        <p:nvSpPr>
+          <p:cNvPr id="5" name="CasellaDiTesto 4"/>
+          <p:cNvSpPr txBox="1"/>
+          <p:nvPr/>
+        </p:nvSpPr>
+        <p:spPr>
+          <a:xfrm>
+            <a:off x="8575199" y="4095944"/>
+            <a:ext cx="3261667" cy="523220"/>
+          </a:xfrm>
+          <a:prstGeom prst="rect">
+            <a:avLst/>
+          </a:prstGeom>
+          <a:noFill/>
+        </p:spPr>
+        <p:txBody>
+          <a:bodyPr wrap="square" rtlCol="0">
+            <a:spAutoFit/>
+          </a:bodyPr>
+          <a:lstStyle/>
+          <a:p>
+            <a:r>
+              <a:rPr lang="it-IT" sz="1400" i="1" dirty="0" smtClean="0"/>
+              <a:t>The complete </a:t>
+            </a:r>
+            <a:r>
+              <a:rPr lang="it-IT" sz="1400" i="1" dirty="0" err="1" smtClean="0"/>
+              <a:t>analysis</a:t>
+            </a:r>
+            <a:r>
+              <a:rPr lang="it-IT" sz="1400" i="1" dirty="0" smtClean="0"/>
+              <a:t> of the drivers </a:t>
+            </a:r>
+            <a:r>
+              <a:rPr lang="it-IT" sz="1400" i="1" dirty="0" err="1" smtClean="0"/>
+              <a:t>is</a:t>
+            </a:r>
+            <a:r>
+              <a:rPr lang="it-IT" sz="1400" i="1" dirty="0" smtClean="0"/>
+              <a:t> </a:t>
+            </a:r>
+            <a:r>
+              <a:rPr lang="it-IT" sz="1400" i="1" dirty="0" err="1" smtClean="0"/>
+              <a:t>available</a:t>
+            </a:r>
+            <a:r>
+              <a:rPr lang="it-IT" sz="1400" i="1" dirty="0" smtClean="0"/>
+              <a:t> in the </a:t>
+            </a:r>
+            <a:r>
+              <a:rPr lang="it-IT" sz="1400" i="1" dirty="0" err="1" smtClean="0"/>
+              <a:t>documentation</a:t>
+            </a:r>
+            <a:r>
+              <a:rPr lang="it-IT" sz="1400" i="1" dirty="0"/>
+              <a:t>.</a:t>
+            </a:r>
+            <a:endParaRPr lang="it-IT" sz="1400" i="1" dirty="0" smtClean="0"/>
+          </a:p>
+        </p:txBody>
+      </p:sp>
     </p:spTree>
     <p:extLst>
       <p:ext uri="{BB962C8B-B14F-4D97-AF65-F5344CB8AC3E}">
@@ -30821,8 +35516,8 @@
           </a:p>
         </p:txBody>
       </p:sp>
-      <mc:AlternateContent xmlns:mc="http://schemas.openxmlformats.org/markup-compatibility/2006">
-        <mc:Choice xmlns:a14="http://schemas.microsoft.com/office/drawing/2010/main" Requires="a14">
+      <mc:AlternateContent xmlns:mc="http://schemas.openxmlformats.org/markup-compatibility/2006" xmlns:a14="http://schemas.microsoft.com/office/drawing/2010/main">
+        <mc:Choice Requires="a14">
           <p:sp>
             <p:nvSpPr>
               <p:cNvPr id="5" name="Segnaposto contenuto 4"/>
@@ -31774,7 +36469,7 @@
             </p:txBody>
           </p:sp>
         </mc:Choice>
-        <mc:Fallback>
+        <mc:Fallback xmlns="">
           <p:sp>
             <p:nvSpPr>
               <p:cNvPr id="5" name="Segnaposto contenuto 4"/>
@@ -31791,7 +36486,7 @@
                 <a:ext cx="10551270" cy="4438650"/>
               </a:xfrm>
               <a:blipFill rotWithShape="0">
-                <a:blip r:embed="rId2"/>
+                <a:blip r:embed="rId3"/>
                 <a:stretch>
                   <a:fillRect l="-116" t="-824"/>
                 </a:stretch>
@@ -33788,7 +38483,7 @@
           <p:nvPr/>
         </p:nvPicPr>
         <p:blipFill>
-          <a:blip r:embed="rId2">
+          <a:blip r:embed="rId3">
             <a:extLst>
               <a:ext uri="{28A0092B-C50C-407E-A947-70E740481C1C}">
                 <a14:useLocalDpi xmlns:a14="http://schemas.microsoft.com/office/drawing/2010/main" val="0"/>
@@ -33802,7 +38497,7 @@
         </p:blipFill>
         <p:spPr bwMode="auto">
           <a:xfrm>
-            <a:off x="509587" y="2328863"/>
+            <a:off x="509587" y="3090863"/>
             <a:ext cx="11212479" cy="2281237"/>
           </a:xfrm>
           <a:prstGeom prst="rect">
@@ -34020,7 +38715,6 @@
               <a:rPr lang="it-IT" dirty="0" smtClean="0"/>
               <a:t>.</a:t>
             </a:r>
-            <a:endParaRPr lang="it-IT" dirty="0" smtClean="0"/>
           </a:p>
           <a:p>
             <a:pPr lvl="1"/>
@@ -34115,7 +38809,6 @@
               <a:rPr lang="it-IT" dirty="0" smtClean="0"/>
               <a:t>.</a:t>
             </a:r>
-            <a:endParaRPr lang="it-IT" dirty="0" smtClean="0"/>
           </a:p>
           <a:p>
             <a:pPr lvl="1"/>
@@ -34143,7 +38836,6 @@
               <a:rPr lang="it-IT" dirty="0" smtClean="0"/>
               <a:t>)</a:t>
             </a:r>
-            <a:endParaRPr lang="it-IT" dirty="0" smtClean="0"/>
           </a:p>
           <a:p>
             <a:pPr lvl="1"/>
@@ -34387,7 +39079,6 @@
               <a:rPr lang="it-IT" dirty="0" smtClean="0"/>
               <a:t>.</a:t>
             </a:r>
-            <a:endParaRPr lang="it-IT" dirty="0" smtClean="0"/>
           </a:p>
           <a:p>
             <a:pPr lvl="1"/>
@@ -35033,7 +39724,7 @@
         <p:spPr>
           <a:xfrm>
             <a:off x="1154954" y="2603500"/>
-            <a:ext cx="10040267" cy="4254500"/>
+            <a:ext cx="10040267" cy="3393646"/>
           </a:xfrm>
         </p:spPr>
         <p:txBody>
@@ -35082,12 +39773,21 @@
             </a:pPr>
             <a:r>
               <a:rPr lang="en-US" dirty="0"/>
-              <a:t>Simplify the communications between the driver and the call center </a:t>
+              <a:t>Simplify the communications between </a:t>
             </a:r>
             <a:r>
               <a:rPr lang="en-US" dirty="0" smtClean="0"/>
-              <a:t>infrastructure.</a:t>
-            </a:r>
+              <a:t>drivers </a:t>
+            </a:r>
+            <a:r>
+              <a:rPr lang="en-US" dirty="0"/>
+              <a:t>and </a:t>
+            </a:r>
+            <a:r>
+              <a:rPr lang="en-US" dirty="0" smtClean="0"/>
+              <a:t>call center.</a:t>
+            </a:r>
+            <a:endParaRPr lang="en-US" dirty="0" smtClean="0"/>
           </a:p>
           <a:p>
             <a:pPr>
@@ -35307,12 +40007,17 @@
             </a:r>
             <a:r>
               <a:rPr lang="en-US" dirty="0"/>
-              <a:t>and tuning of a specific algorithm for dynamic taxi allocation in a given area in a given </a:t>
-            </a:r>
-            <a:r>
-              <a:rPr lang="en-US" dirty="0" smtClean="0"/>
-              <a:t>hour.</a:t>
-            </a:r>
+              <a:t>and tuning of a specific algorithm for </a:t>
+            </a:r>
+            <a:r>
+              <a:rPr lang="en-US" b="1" dirty="0"/>
+              <a:t>dynamic taxi </a:t>
+            </a:r>
+            <a:r>
+              <a:rPr lang="en-US" b="1" dirty="0" smtClean="0"/>
+              <a:t>allocation</a:t>
+            </a:r>
+            <a:endParaRPr lang="en-US" dirty="0" smtClean="0"/>
           </a:p>
           <a:p>
             <a:pPr lvl="1"/>
@@ -35322,26 +40027,87 @@
             </a:r>
             <a:r>
               <a:rPr lang="en-US" dirty="0"/>
-              <a:t>a year of data collection will be possible to analyze the relation between the number of request in a specific hour of a specific day with the hosted events in a given area, the weather type and the day of the </a:t>
+              <a:t>a year of data collection will be possible to analyze the relation between the </a:t>
+            </a:r>
+            <a:r>
+              <a:rPr lang="en-US" i="1" dirty="0"/>
+              <a:t>number of request </a:t>
+            </a:r>
+            <a:r>
+              <a:rPr lang="en-US" dirty="0"/>
+              <a:t>in a specific hour of a specific day </a:t>
             </a:r>
             <a:r>
               <a:rPr lang="en-US" dirty="0" smtClean="0"/>
-              <a:t>week.</a:t>
+              <a:t>with:</a:t>
+            </a:r>
+          </a:p>
+          <a:p>
+            <a:pPr lvl="2"/>
+            <a:r>
+              <a:rPr lang="en-US" dirty="0" smtClean="0"/>
+              <a:t> hosted events</a:t>
+            </a:r>
+          </a:p>
+          <a:p>
+            <a:pPr lvl="2"/>
+            <a:r>
+              <a:rPr lang="en-US" dirty="0" smtClean="0"/>
+              <a:t>the </a:t>
+            </a:r>
+            <a:r>
+              <a:rPr lang="en-US" dirty="0"/>
+              <a:t>weather </a:t>
+            </a:r>
+            <a:r>
+              <a:rPr lang="en-US" dirty="0" smtClean="0"/>
+              <a:t>type</a:t>
+            </a:r>
+          </a:p>
+          <a:p>
+            <a:pPr lvl="2"/>
+            <a:r>
+              <a:rPr lang="en-US" dirty="0" smtClean="0"/>
+              <a:t>the </a:t>
+            </a:r>
+            <a:r>
+              <a:rPr lang="en-US" dirty="0"/>
+              <a:t>day of the </a:t>
+            </a:r>
+            <a:r>
+              <a:rPr lang="en-US" dirty="0" smtClean="0"/>
+              <a:t>week</a:t>
+            </a:r>
+            <a:r>
+              <a:rPr lang="en-US" dirty="0" smtClean="0"/>
+              <a:t>.</a:t>
             </a:r>
           </a:p>
           <a:p>
             <a:pPr lvl="1"/>
             <a:r>
               <a:rPr lang="en-US" dirty="0" smtClean="0"/>
-              <a:t>This </a:t>
+              <a:t>Will </a:t>
             </a:r>
             <a:r>
               <a:rPr lang="en-US" dirty="0"/>
-              <a:t>analysis will be done using data mining algorithm and will help predict the estimated density of request per area, </a:t>
+              <a:t>help predict the estimated density of request per area, </a:t>
             </a:r>
             <a:r>
               <a:rPr lang="en-US" dirty="0" smtClean="0"/>
-              <a:t>and accordingly increase the number of taxi presents in this area. </a:t>
+              <a:t>and accordingly </a:t>
+            </a:r>
+            <a:r>
+              <a:rPr lang="en-US" dirty="0" smtClean="0"/>
+              <a:t>increase/decrease </a:t>
+            </a:r>
+            <a:r>
+              <a:rPr lang="en-US" dirty="0" smtClean="0"/>
+              <a:t>the number of taxi presents in </a:t>
+            </a:r>
+            <a:r>
+              <a:rPr lang="en-US" dirty="0" smtClean="0"/>
+              <a:t>all the areas. </a:t>
             </a:r>
             <a:endParaRPr lang="en-US" dirty="0"/>
           </a:p>
@@ -35412,7 +40178,7 @@
           <p:nvPr/>
         </p:nvPicPr>
         <p:blipFill>
-          <a:blip r:embed="rId2">
+          <a:blip r:embed="rId3">
             <a:extLst>
               <a:ext uri="{28A0092B-C50C-407E-A947-70E740481C1C}">
                 <a14:useLocalDpi xmlns:a14="http://schemas.microsoft.com/office/drawing/2010/main" val="0"/>
@@ -35534,7 +40300,7 @@
           <p:nvPr/>
         </p:nvPicPr>
         <p:blipFill>
-          <a:blip r:embed="rId2">
+          <a:blip r:embed="rId3">
             <a:extLst>
               <a:ext uri="{28A0092B-C50C-407E-A947-70E740481C1C}">
                 <a14:useLocalDpi xmlns:a14="http://schemas.microsoft.com/office/drawing/2010/main" val="0"/>

--- a/Slides/Project Presentation.pptx
+++ b/Slides/Project Presentation.pptx
@@ -8,7 +8,7 @@
     <p:notesMasterId r:id="rId60"/>
   </p:notesMasterIdLst>
   <p:sldIdLst>
-    <p:sldId id="256" r:id="rId2"/>
+    <p:sldId id="398" r:id="rId2"/>
     <p:sldId id="368" r:id="rId3"/>
     <p:sldId id="257" r:id="rId4"/>
     <p:sldId id="264" r:id="rId5"/>
@@ -16,15 +16,15 @@
     <p:sldId id="259" r:id="rId7"/>
     <p:sldId id="387" r:id="rId8"/>
     <p:sldId id="265" r:id="rId9"/>
-    <p:sldId id="266" r:id="rId10"/>
-    <p:sldId id="267" r:id="rId11"/>
-    <p:sldId id="389" r:id="rId12"/>
-    <p:sldId id="268" r:id="rId13"/>
-    <p:sldId id="269" r:id="rId14"/>
-    <p:sldId id="270" r:id="rId15"/>
+    <p:sldId id="390" r:id="rId10"/>
+    <p:sldId id="391" r:id="rId11"/>
+    <p:sldId id="392" r:id="rId12"/>
+    <p:sldId id="393" r:id="rId13"/>
+    <p:sldId id="394" r:id="rId14"/>
+    <p:sldId id="395" r:id="rId15"/>
     <p:sldId id="271" r:id="rId16"/>
-    <p:sldId id="272" r:id="rId17"/>
-    <p:sldId id="299" r:id="rId18"/>
+    <p:sldId id="396" r:id="rId17"/>
+    <p:sldId id="397" r:id="rId18"/>
     <p:sldId id="273" r:id="rId19"/>
     <p:sldId id="276" r:id="rId20"/>
     <p:sldId id="277" r:id="rId21"/>
@@ -596,7 +596,7 @@
     </p:spTree>
     <p:extLst>
       <p:ext uri="{BB962C8B-B14F-4D97-AF65-F5344CB8AC3E}">
-        <p14:creationId xmlns:p14="http://schemas.microsoft.com/office/powerpoint/2010/main" val="1389904789"/>
+        <p14:creationId xmlns:p14="http://schemas.microsoft.com/office/powerpoint/2010/main" val="807291366"/>
       </p:ext>
     </p:extLst>
   </p:cSld>
@@ -680,7 +680,7 @@
     </p:spTree>
     <p:extLst>
       <p:ext uri="{BB962C8B-B14F-4D97-AF65-F5344CB8AC3E}">
-        <p14:creationId xmlns:p14="http://schemas.microsoft.com/office/powerpoint/2010/main" val="4038495551"/>
+        <p14:creationId xmlns:p14="http://schemas.microsoft.com/office/powerpoint/2010/main" val="2728785478"/>
       </p:ext>
     </p:extLst>
   </p:cSld>
@@ -764,7 +764,7 @@
     </p:spTree>
     <p:extLst>
       <p:ext uri="{BB962C8B-B14F-4D97-AF65-F5344CB8AC3E}">
-        <p14:creationId xmlns:p14="http://schemas.microsoft.com/office/powerpoint/2010/main" val="1648530847"/>
+        <p14:creationId xmlns:p14="http://schemas.microsoft.com/office/powerpoint/2010/main" val="2074428946"/>
       </p:ext>
     </p:extLst>
   </p:cSld>
@@ -848,7 +848,7 @@
     </p:spTree>
     <p:extLst>
       <p:ext uri="{BB962C8B-B14F-4D97-AF65-F5344CB8AC3E}">
-        <p14:creationId xmlns:p14="http://schemas.microsoft.com/office/powerpoint/2010/main" val="2264373099"/>
+        <p14:creationId xmlns:p14="http://schemas.microsoft.com/office/powerpoint/2010/main" val="911230026"/>
       </p:ext>
     </p:extLst>
   </p:cSld>
@@ -932,7 +932,7 @@
     </p:spTree>
     <p:extLst>
       <p:ext uri="{BB962C8B-B14F-4D97-AF65-F5344CB8AC3E}">
-        <p14:creationId xmlns:p14="http://schemas.microsoft.com/office/powerpoint/2010/main" val="531623264"/>
+        <p14:creationId xmlns:p14="http://schemas.microsoft.com/office/powerpoint/2010/main" val="3900301463"/>
       </p:ext>
     </p:extLst>
   </p:cSld>
@@ -1016,7 +1016,7 @@
     </p:spTree>
     <p:extLst>
       <p:ext uri="{BB962C8B-B14F-4D97-AF65-F5344CB8AC3E}">
-        <p14:creationId xmlns:p14="http://schemas.microsoft.com/office/powerpoint/2010/main" val="1159017018"/>
+        <p14:creationId xmlns:p14="http://schemas.microsoft.com/office/powerpoint/2010/main" val="2835125496"/>
       </p:ext>
     </p:extLst>
   </p:cSld>
@@ -1184,7 +1184,7 @@
     </p:spTree>
     <p:extLst>
       <p:ext uri="{BB962C8B-B14F-4D97-AF65-F5344CB8AC3E}">
-        <p14:creationId xmlns:p14="http://schemas.microsoft.com/office/powerpoint/2010/main" val="2089919677"/>
+        <p14:creationId xmlns:p14="http://schemas.microsoft.com/office/powerpoint/2010/main" val="1554386443"/>
       </p:ext>
     </p:extLst>
   </p:cSld>
@@ -1268,7 +1268,7 @@
     </p:spTree>
     <p:extLst>
       <p:ext uri="{BB962C8B-B14F-4D97-AF65-F5344CB8AC3E}">
-        <p14:creationId xmlns:p14="http://schemas.microsoft.com/office/powerpoint/2010/main" val="2622804459"/>
+        <p14:creationId xmlns:p14="http://schemas.microsoft.com/office/powerpoint/2010/main" val="4281473741"/>
       </p:ext>
     </p:extLst>
   </p:cSld>
@@ -5384,7 +5384,7 @@
     </p:spTree>
     <p:extLst>
       <p:ext uri="{BB962C8B-B14F-4D97-AF65-F5344CB8AC3E}">
-        <p14:creationId xmlns:p14="http://schemas.microsoft.com/office/powerpoint/2010/main" val="4153881549"/>
+        <p14:creationId xmlns:p14="http://schemas.microsoft.com/office/powerpoint/2010/main" val="1656179138"/>
       </p:ext>
     </p:extLst>
   </p:cSld>
@@ -19046,19 +19046,139 @@
             <p:ph type="ctrTitle"/>
           </p:nvPr>
         </p:nvSpPr>
-        <p:spPr/>
+        <p:spPr>
+          <a:xfrm>
+            <a:off x="477795" y="4025284"/>
+            <a:ext cx="11219935" cy="1686614"/>
+          </a:xfrm>
+        </p:spPr>
         <p:txBody>
           <a:bodyPr/>
           <a:lstStyle/>
           <a:p>
-            <a:r>
-              <a:rPr lang="it-IT" dirty="0" err="1" smtClean="0"/>
-              <a:t>myTaxiService</a:t>
-            </a:r>
-            <a:r>
-              <a:rPr lang="it-IT" dirty="0" smtClean="0"/>
+            <a:pPr algn="ctr"/>
+            <a:r>
+              <a:rPr lang="it-IT" dirty="0" smtClean="0">
+                <a:solidFill>
+                  <a:schemeClr val="bg1"/>
+                </a:solidFill>
+              </a:rPr>
+              <a:t/>
+            </a:r>
+            <a:br>
+              <a:rPr lang="it-IT" dirty="0" smtClean="0">
+                <a:solidFill>
+                  <a:schemeClr val="bg1"/>
+                </a:solidFill>
+              </a:rPr>
+            </a:br>
+            <a:r>
+              <a:rPr lang="en-US" sz="2400" dirty="0" smtClean="0">
+                <a:solidFill>
+                  <a:schemeClr val="bg1"/>
+                </a:solidFill>
+              </a:rPr>
+              <a:t>Project of Software Engineering 2:  “</a:t>
+            </a:r>
+            <a:r>
+              <a:rPr lang="en-US" sz="2800" b="1" i="1" dirty="0" smtClean="0">
+                <a:solidFill>
+                  <a:schemeClr val="bg1"/>
+                </a:solidFill>
+              </a:rPr>
+              <a:t>my Taxi Service</a:t>
+            </a:r>
+            <a:r>
+              <a:rPr lang="en-US" sz="2400" dirty="0">
+                <a:solidFill>
+                  <a:schemeClr val="bg1"/>
+                </a:solidFill>
+              </a:rPr>
+              <a:t>”</a:t>
+            </a:r>
+            <a:br>
+              <a:rPr lang="en-US" sz="2400" dirty="0">
+                <a:solidFill>
+                  <a:schemeClr val="bg1"/>
+                </a:solidFill>
+              </a:rPr>
+            </a:br>
+            <a:r>
+              <a:rPr lang="en-US" sz="2400" dirty="0">
+                <a:solidFill>
+                  <a:schemeClr val="bg1"/>
+                </a:solidFill>
+              </a:rPr>
               <a:t> </a:t>
             </a:r>
+            <a:r>
+              <a:rPr lang="en-US" sz="1500" b="1" dirty="0" smtClean="0">
+                <a:solidFill>
+                  <a:schemeClr val="bg1"/>
+                </a:solidFill>
+              </a:rPr>
+              <a:t>Reference </a:t>
+            </a:r>
+            <a:r>
+              <a:rPr lang="en-US" sz="1500" b="1" dirty="0">
+                <a:solidFill>
+                  <a:schemeClr val="bg1"/>
+                </a:solidFill>
+              </a:rPr>
+              <a:t>professor</a:t>
+            </a:r>
+            <a:r>
+              <a:rPr lang="en-US" sz="1500" dirty="0">
+                <a:solidFill>
+                  <a:schemeClr val="bg1"/>
+                </a:solidFill>
+              </a:rPr>
+              <a:t>: </a:t>
+            </a:r>
+            <a:r>
+              <a:rPr lang="en-US" sz="1500" dirty="0" err="1" smtClean="0">
+                <a:solidFill>
+                  <a:schemeClr val="bg1"/>
+                </a:solidFill>
+              </a:rPr>
+              <a:t>Raffaela</a:t>
+            </a:r>
+            <a:r>
+              <a:rPr lang="en-US" sz="1500" dirty="0" smtClean="0">
+                <a:solidFill>
+                  <a:schemeClr val="bg1"/>
+                </a:solidFill>
+              </a:rPr>
+              <a:t> </a:t>
+            </a:r>
+            <a:r>
+              <a:rPr lang="en-US" sz="1500" dirty="0" err="1" smtClean="0">
+                <a:solidFill>
+                  <a:schemeClr val="bg1"/>
+                </a:solidFill>
+              </a:rPr>
+              <a:t>Mirandola</a:t>
+            </a:r>
+            <a:r>
+              <a:rPr lang="en-US" sz="2400" dirty="0">
+                <a:solidFill>
+                  <a:schemeClr val="bg1"/>
+                </a:solidFill>
+              </a:rPr>
+              <a:t/>
+            </a:r>
+            <a:br>
+              <a:rPr lang="en-US" sz="2400" dirty="0">
+                <a:solidFill>
+                  <a:schemeClr val="bg1"/>
+                </a:solidFill>
+              </a:rPr>
+            </a:br>
+            <a:endParaRPr lang="it-IT" sz="2800" dirty="0" smtClean="0">
+              <a:solidFill>
+                <a:schemeClr val="bg1"/>
+              </a:solidFill>
+            </a:endParaRPr>
           </a:p>
         </p:txBody>
       </p:sp>
@@ -19072,27 +19192,169 @@
             <p:ph type="subTitle" idx="1"/>
           </p:nvPr>
         </p:nvSpPr>
-        <p:spPr/>
+        <p:spPr>
+          <a:xfrm>
+            <a:off x="6763263" y="5987228"/>
+            <a:ext cx="5148649" cy="332855"/>
+          </a:xfrm>
+        </p:spPr>
         <p:txBody>
-          <a:bodyPr/>
+          <a:bodyPr>
+            <a:noAutofit/>
+          </a:bodyPr>
           <a:lstStyle/>
           <a:p>
             <a:r>
-              <a:rPr lang="it-IT" dirty="0" smtClean="0"/>
-              <a:t>Andrea </a:t>
-            </a:r>
-            <a:r>
-              <a:rPr lang="it-IT" dirty="0" err="1" smtClean="0"/>
-              <a:t>maioli</a:t>
-            </a:r>
-            <a:endParaRPr lang="it-IT" dirty="0"/>
+              <a:rPr lang="it-IT" b="1" dirty="0">
+                <a:solidFill>
+                  <a:schemeClr val="bg1"/>
+                </a:solidFill>
+              </a:rPr>
+              <a:t>Author</a:t>
+            </a:r>
+            <a:r>
+              <a:rPr lang="it-IT" sz="2000" b="1" dirty="0">
+                <a:solidFill>
+                  <a:schemeClr val="bg1"/>
+                </a:solidFill>
+              </a:rPr>
+              <a:t>:</a:t>
+            </a:r>
+            <a:r>
+              <a:rPr lang="it-IT" sz="2000" dirty="0">
+                <a:solidFill>
+                  <a:schemeClr val="bg1"/>
+                </a:solidFill>
+              </a:rPr>
+              <a:t> Andrea Maioli (</a:t>
+            </a:r>
+            <a:r>
+              <a:rPr lang="it-IT" sz="2000" dirty="0" err="1">
+                <a:solidFill>
+                  <a:schemeClr val="bg1"/>
+                </a:solidFill>
+              </a:rPr>
+              <a:t>mat</a:t>
+            </a:r>
+            <a:r>
+              <a:rPr lang="it-IT" sz="2000" dirty="0">
+                <a:solidFill>
+                  <a:schemeClr val="bg1"/>
+                </a:solidFill>
+              </a:rPr>
+              <a:t>. </a:t>
+            </a:r>
+            <a:r>
+              <a:rPr lang="it-IT" sz="2000" dirty="0" smtClean="0">
+                <a:solidFill>
+                  <a:schemeClr val="bg1"/>
+                </a:solidFill>
+              </a:rPr>
+              <a:t>852429)</a:t>
+            </a:r>
+          </a:p>
+        </p:txBody>
+      </p:sp>
+      <p:pic>
+        <p:nvPicPr>
+          <p:cNvPr id="1028" name="Picture 4" descr="https://mastersnid.com/wp-content/uploads/2014/09/POLIMI-logo-01.png"/>
+          <p:cNvPicPr>
+            <a:picLocks noChangeAspect="1" noChangeArrowheads="1"/>
+          </p:cNvPicPr>
+          <p:nvPr/>
+        </p:nvPicPr>
+        <p:blipFill rotWithShape="1">
+          <a:blip r:embed="rId3">
+            <a:extLst>
+              <a:ext uri="{28A0092B-C50C-407E-A947-70E740481C1C}">
+                <a14:useLocalDpi xmlns:a14="http://schemas.microsoft.com/office/drawing/2010/main" val="0"/>
+              </a:ext>
+            </a:extLst>
+          </a:blip>
+          <a:srcRect t="1" r="68748" b="-17"/>
+          <a:stretch/>
+        </p:blipFill>
+        <p:spPr bwMode="auto">
+          <a:xfrm>
+            <a:off x="5059070" y="742405"/>
+            <a:ext cx="2057381" cy="1981683"/>
+          </a:xfrm>
+          <a:prstGeom prst="rect">
+            <a:avLst/>
+          </a:prstGeom>
+          <a:noFill/>
+          <a:extLst>
+            <a:ext uri="{909E8E84-426E-40DD-AFC4-6F175D3DCCD1}">
+              <a14:hiddenFill xmlns:a14="http://schemas.microsoft.com/office/drawing/2010/main">
+                <a:solidFill>
+                  <a:srgbClr val="FFFFFF"/>
+                </a:solidFill>
+              </a14:hiddenFill>
+            </a:ext>
+          </a:extLst>
+        </p:spPr>
+      </p:pic>
+      <p:sp>
+        <p:nvSpPr>
+          <p:cNvPr id="6" name="CasellaDiTesto 5"/>
+          <p:cNvSpPr txBox="1"/>
+          <p:nvPr/>
+        </p:nvSpPr>
+        <p:spPr>
+          <a:xfrm>
+            <a:off x="3393035" y="2897632"/>
+            <a:ext cx="5389449" cy="954107"/>
+          </a:xfrm>
+          <a:prstGeom prst="rect">
+            <a:avLst/>
+          </a:prstGeom>
+          <a:noFill/>
+        </p:spPr>
+        <p:txBody>
+          <a:bodyPr wrap="square" rtlCol="0">
+            <a:spAutoFit/>
+          </a:bodyPr>
+          <a:lstStyle/>
+          <a:p>
+            <a:r>
+              <a:rPr lang="it-IT" sz="4000" dirty="0" smtClean="0">
+                <a:solidFill>
+                  <a:schemeClr val="bg1"/>
+                </a:solidFill>
+              </a:rPr>
+              <a:t>Politecnico di Milano</a:t>
+            </a:r>
+          </a:p>
+          <a:p>
+            <a:pPr algn="ctr"/>
+            <a:r>
+              <a:rPr lang="it-IT" sz="1600" dirty="0" smtClean="0">
+                <a:solidFill>
+                  <a:schemeClr val="bg1"/>
+                </a:solidFill>
+              </a:rPr>
+              <a:t>Computer Science and </a:t>
+            </a:r>
+            <a:r>
+              <a:rPr lang="it-IT" sz="1600" dirty="0" err="1" smtClean="0">
+                <a:solidFill>
+                  <a:schemeClr val="bg1"/>
+                </a:solidFill>
+              </a:rPr>
+              <a:t>Engineering</a:t>
+            </a:r>
+            <a:endParaRPr lang="it-IT" sz="1600" dirty="0" smtClean="0">
+              <a:solidFill>
+                <a:schemeClr val="bg1"/>
+              </a:solidFill>
+            </a:endParaRPr>
           </a:p>
         </p:txBody>
       </p:sp>
     </p:spTree>
     <p:extLst>
       <p:ext uri="{BB962C8B-B14F-4D97-AF65-F5344CB8AC3E}">
-        <p14:creationId xmlns:p14="http://schemas.microsoft.com/office/powerpoint/2010/main" val="2928949308"/>
+        <p14:creationId xmlns:p14="http://schemas.microsoft.com/office/powerpoint/2010/main" val="1322361536"/>
       </p:ext>
     </p:extLst>
   </p:cSld>
@@ -19126,32 +19388,9 @@
           <a:chExt cx="0" cy="0"/>
         </a:xfrm>
       </p:grpSpPr>
-      <p:sp>
-        <p:nvSpPr>
-          <p:cNvPr id="2" name="Titolo 1"/>
-          <p:cNvSpPr>
-            <a:spLocks noGrp="1"/>
-          </p:cNvSpPr>
-          <p:nvPr>
-            <p:ph type="title"/>
-          </p:nvPr>
-        </p:nvSpPr>
-        <p:spPr/>
-        <p:txBody>
-          <a:bodyPr/>
-          <a:lstStyle/>
-          <a:p>
-            <a:r>
-              <a:rPr lang="it-IT" dirty="0" smtClean="0"/>
-              <a:t>User Interface – Login Page</a:t>
-            </a:r>
-            <a:endParaRPr lang="en-US" dirty="0"/>
-          </a:p>
-        </p:txBody>
-      </p:sp>
       <p:pic>
         <p:nvPicPr>
-          <p:cNvPr id="6146" name="Picture 2" descr="login"/>
+          <p:cNvPr id="5" name="Picture 2" descr="login"/>
           <p:cNvPicPr>
             <a:picLocks noChangeAspect="1" noChangeArrowheads="1"/>
           </p:cNvPicPr>
@@ -19172,7 +19411,7 @@
         </p:blipFill>
         <p:spPr bwMode="auto">
           <a:xfrm>
-            <a:off x="2378121" y="2603500"/>
+            <a:off x="2980478" y="2755211"/>
             <a:ext cx="6315075" cy="3571875"/>
           </a:xfrm>
           <a:prstGeom prst="rect">
@@ -19203,16 +19442,59 @@
           </a:extLst>
         </p:spPr>
       </p:pic>
+      <p:sp>
+        <p:nvSpPr>
+          <p:cNvPr id="2" name="Titolo 1"/>
+          <p:cNvSpPr>
+            <a:spLocks noGrp="1"/>
+          </p:cNvSpPr>
+          <p:nvPr>
+            <p:ph type="title"/>
+          </p:nvPr>
+        </p:nvSpPr>
+        <p:spPr>
+          <a:xfrm>
+            <a:off x="1154953" y="973668"/>
+            <a:ext cx="9966128" cy="706964"/>
+          </a:xfrm>
+        </p:spPr>
+        <p:txBody>
+          <a:bodyPr/>
+          <a:lstStyle/>
+          <a:p>
+            <a:r>
+              <a:rPr lang="it-IT" dirty="0" smtClean="0">
+                <a:solidFill>
+                  <a:schemeClr val="bg1"/>
+                </a:solidFill>
+              </a:rPr>
+              <a:t>User Interface – Login Page</a:t>
+            </a:r>
+            <a:endParaRPr lang="en-US" dirty="0">
+              <a:solidFill>
+                <a:schemeClr val="bg1"/>
+              </a:solidFill>
+            </a:endParaRPr>
+          </a:p>
+        </p:txBody>
+      </p:sp>
     </p:spTree>
     <p:extLst>
       <p:ext uri="{BB962C8B-B14F-4D97-AF65-F5344CB8AC3E}">
-        <p14:creationId xmlns:p14="http://schemas.microsoft.com/office/powerpoint/2010/main" val="2323034833"/>
+        <p14:creationId xmlns:p14="http://schemas.microsoft.com/office/powerpoint/2010/main" val="3425633956"/>
       </p:ext>
     </p:extLst>
   </p:cSld>
   <p:clrMapOvr>
     <a:masterClrMapping/>
   </p:clrMapOvr>
+  <p:timing>
+    <p:tnLst>
+      <p:par>
+        <p:cTn id="1" dur="indefinite" restart="never" nodeType="tmRoot"/>
+      </p:par>
+    </p:tnLst>
+  </p:timing>
 </p:sld>
 </file>
 
@@ -19233,39 +19515,11 @@
           <a:chExt cx="0" cy="0"/>
         </a:xfrm>
       </p:grpSpPr>
-      <p:sp>
-        <p:nvSpPr>
-          <p:cNvPr id="2" name="Titolo 1"/>
-          <p:cNvSpPr>
-            <a:spLocks noGrp="1"/>
-          </p:cNvSpPr>
-          <p:nvPr>
-            <p:ph type="title"/>
-          </p:nvPr>
-        </p:nvSpPr>
-        <p:spPr>
-          <a:xfrm>
-            <a:off x="1154953" y="973668"/>
-            <a:ext cx="9256373" cy="706964"/>
-          </a:xfrm>
-        </p:spPr>
-        <p:txBody>
-          <a:bodyPr/>
-          <a:lstStyle/>
-          <a:p>
-            <a:r>
-              <a:rPr lang="it-IT" dirty="0" smtClean="0"/>
-              <a:t>User Interface – Administrator Login</a:t>
-            </a:r>
-            <a:endParaRPr lang="en-US" dirty="0"/>
-          </a:p>
-        </p:txBody>
-      </p:sp>
       <p:pic>
         <p:nvPicPr>
-          <p:cNvPr id="3" name="Immagine 2"/>
+          <p:cNvPr id="4" name="Immagine 3"/>
           <p:cNvPicPr>
-            <a:picLocks noChangeAspect="1"/>
+            <a:picLocks/>
           </p:cNvPicPr>
           <p:nvPr/>
         </p:nvPicPr>
@@ -19283,24 +19537,67 @@
         </p:blipFill>
         <p:spPr>
           <a:xfrm>
-            <a:off x="1995729" y="2401288"/>
-            <a:ext cx="7574820" cy="4302381"/>
+            <a:off x="2980817" y="2751438"/>
+            <a:ext cx="6314400" cy="3571200"/>
           </a:xfrm>
           <a:prstGeom prst="rect">
             <a:avLst/>
           </a:prstGeom>
         </p:spPr>
       </p:pic>
+      <p:sp>
+        <p:nvSpPr>
+          <p:cNvPr id="2" name="Titolo 1"/>
+          <p:cNvSpPr>
+            <a:spLocks noGrp="1"/>
+          </p:cNvSpPr>
+          <p:nvPr>
+            <p:ph type="title"/>
+          </p:nvPr>
+        </p:nvSpPr>
+        <p:spPr>
+          <a:xfrm>
+            <a:off x="1154953" y="973668"/>
+            <a:ext cx="9966128" cy="706964"/>
+          </a:xfrm>
+        </p:spPr>
+        <p:txBody>
+          <a:bodyPr/>
+          <a:lstStyle/>
+          <a:p>
+            <a:r>
+              <a:rPr lang="it-IT" dirty="0" smtClean="0">
+                <a:solidFill>
+                  <a:schemeClr val="bg1"/>
+                </a:solidFill>
+              </a:rPr>
+              <a:t>User Interface – Administrator Login Page</a:t>
+            </a:r>
+            <a:endParaRPr lang="en-US" dirty="0">
+              <a:solidFill>
+                <a:schemeClr val="bg1"/>
+              </a:solidFill>
+            </a:endParaRPr>
+          </a:p>
+        </p:txBody>
+      </p:sp>
     </p:spTree>
     <p:extLst>
       <p:ext uri="{BB962C8B-B14F-4D97-AF65-F5344CB8AC3E}">
-        <p14:creationId xmlns:p14="http://schemas.microsoft.com/office/powerpoint/2010/main" val="1156462577"/>
+        <p14:creationId xmlns:p14="http://schemas.microsoft.com/office/powerpoint/2010/main" val="1722912390"/>
       </p:ext>
     </p:extLst>
   </p:cSld>
   <p:clrMapOvr>
     <a:masterClrMapping/>
   </p:clrMapOvr>
+  <p:timing>
+    <p:tnLst>
+      <p:par>
+        <p:cTn id="1" dur="indefinite" restart="never" nodeType="tmRoot"/>
+      </p:par>
+    </p:tnLst>
+  </p:timing>
 </p:sld>
 </file>
 
@@ -19321,45 +19618,9 @@
           <a:chExt cx="0" cy="0"/>
         </a:xfrm>
       </p:grpSpPr>
-      <p:sp>
-        <p:nvSpPr>
-          <p:cNvPr id="2" name="Titolo 1"/>
-          <p:cNvSpPr>
-            <a:spLocks noGrp="1"/>
-          </p:cNvSpPr>
-          <p:nvPr>
-            <p:ph type="title"/>
-          </p:nvPr>
-        </p:nvSpPr>
-        <p:spPr>
-          <a:xfrm>
-            <a:off x="1154953" y="973668"/>
-            <a:ext cx="9400752" cy="706964"/>
-          </a:xfrm>
-        </p:spPr>
-        <p:txBody>
-          <a:bodyPr/>
-          <a:lstStyle/>
-          <a:p>
-            <a:r>
-              <a:rPr lang="it-IT" dirty="0" smtClean="0"/>
-              <a:t>User Interface – </a:t>
-            </a:r>
-            <a:r>
-              <a:rPr lang="it-IT" dirty="0" err="1" smtClean="0"/>
-              <a:t>Passenger’s</a:t>
-            </a:r>
-            <a:r>
-              <a:rPr lang="it-IT" dirty="0" smtClean="0"/>
-              <a:t> Home Page</a:t>
-            </a:r>
-            <a:endParaRPr lang="en-US" dirty="0"/>
-          </a:p>
-        </p:txBody>
-      </p:sp>
       <p:pic>
         <p:nvPicPr>
-          <p:cNvPr id="7170" name="Picture 2" descr="homepage_afterlogin"/>
+          <p:cNvPr id="5" name="Picture 2" descr="homepage_afterlogin"/>
           <p:cNvPicPr>
             <a:picLocks noChangeAspect="1" noChangeArrowheads="1"/>
           </p:cNvPicPr>
@@ -19380,7 +19641,7 @@
         </p:blipFill>
         <p:spPr bwMode="auto">
           <a:xfrm>
-            <a:off x="2378123" y="2603500"/>
+            <a:off x="2980478" y="2755211"/>
             <a:ext cx="6315075" cy="3571875"/>
           </a:xfrm>
           <a:prstGeom prst="rect">
@@ -19411,16 +19672,75 @@
           </a:extLst>
         </p:spPr>
       </p:pic>
+      <p:sp>
+        <p:nvSpPr>
+          <p:cNvPr id="2" name="Titolo 1"/>
+          <p:cNvSpPr>
+            <a:spLocks noGrp="1"/>
+          </p:cNvSpPr>
+          <p:nvPr>
+            <p:ph type="title"/>
+          </p:nvPr>
+        </p:nvSpPr>
+        <p:spPr>
+          <a:xfrm>
+            <a:off x="1154953" y="973668"/>
+            <a:ext cx="9966128" cy="706964"/>
+          </a:xfrm>
+        </p:spPr>
+        <p:txBody>
+          <a:bodyPr/>
+          <a:lstStyle/>
+          <a:p>
+            <a:r>
+              <a:rPr lang="it-IT" dirty="0" smtClean="0">
+                <a:solidFill>
+                  <a:schemeClr val="bg1"/>
+                </a:solidFill>
+              </a:rPr>
+              <a:t>User Interface – </a:t>
+            </a:r>
+            <a:r>
+              <a:rPr lang="it-IT" dirty="0" err="1" smtClean="0">
+                <a:solidFill>
+                  <a:schemeClr val="bg1"/>
+                </a:solidFill>
+              </a:rPr>
+              <a:t>Passenger</a:t>
+            </a:r>
+            <a:r>
+              <a:rPr lang="it-IT" dirty="0" smtClean="0">
+                <a:solidFill>
+                  <a:schemeClr val="bg1"/>
+                </a:solidFill>
+              </a:rPr>
+              <a:t> Home Page</a:t>
+            </a:r>
+            <a:endParaRPr lang="en-US" dirty="0">
+              <a:solidFill>
+                <a:schemeClr val="bg1"/>
+              </a:solidFill>
+            </a:endParaRPr>
+          </a:p>
+        </p:txBody>
+      </p:sp>
     </p:spTree>
     <p:extLst>
       <p:ext uri="{BB962C8B-B14F-4D97-AF65-F5344CB8AC3E}">
-        <p14:creationId xmlns:p14="http://schemas.microsoft.com/office/powerpoint/2010/main" val="1068496411"/>
+        <p14:creationId xmlns:p14="http://schemas.microsoft.com/office/powerpoint/2010/main" val="2639820169"/>
       </p:ext>
     </p:extLst>
   </p:cSld>
   <p:clrMapOvr>
     <a:masterClrMapping/>
   </p:clrMapOvr>
+  <p:timing>
+    <p:tnLst>
+      <p:par>
+        <p:cTn id="1" dur="indefinite" restart="never" nodeType="tmRoot"/>
+      </p:par>
+    </p:tnLst>
+  </p:timing>
 </p:sld>
 </file>
 
@@ -19441,44 +19761,9 @@
           <a:chExt cx="0" cy="0"/>
         </a:xfrm>
       </p:grpSpPr>
-      <p:sp>
-        <p:nvSpPr>
-          <p:cNvPr id="2" name="Titolo 1"/>
-          <p:cNvSpPr>
-            <a:spLocks noGrp="1"/>
-          </p:cNvSpPr>
-          <p:nvPr>
-            <p:ph type="title"/>
-          </p:nvPr>
-        </p:nvSpPr>
-        <p:spPr/>
-        <p:txBody>
-          <a:bodyPr/>
-          <a:lstStyle/>
-          <a:p>
-            <a:r>
-              <a:rPr lang="it-IT" dirty="0" smtClean="0"/>
-              <a:t>User Interface – </a:t>
-            </a:r>
-            <a:r>
-              <a:rPr lang="it-IT" dirty="0" err="1" smtClean="0"/>
-              <a:t>Send</a:t>
-            </a:r>
-            <a:r>
-              <a:rPr lang="it-IT" dirty="0" smtClean="0"/>
-              <a:t> </a:t>
-            </a:r>
-            <a:r>
-              <a:rPr lang="it-IT" dirty="0" err="1" smtClean="0"/>
-              <a:t>Request</a:t>
-            </a:r>
-            <a:endParaRPr lang="en-US" dirty="0"/>
-          </a:p>
-        </p:txBody>
-      </p:sp>
       <p:pic>
         <p:nvPicPr>
-          <p:cNvPr id="8195" name="Picture 3" descr="request_send"/>
+          <p:cNvPr id="4" name="Picture 3" descr="request_send"/>
           <p:cNvPicPr>
             <a:picLocks noChangeAspect="1" noChangeArrowheads="1"/>
           </p:cNvPicPr>
@@ -19499,7 +19784,7 @@
         </p:blipFill>
         <p:spPr bwMode="auto">
           <a:xfrm>
-            <a:off x="2378121" y="2603500"/>
+            <a:off x="2980478" y="2755210"/>
             <a:ext cx="6315075" cy="3571875"/>
           </a:xfrm>
           <a:prstGeom prst="rect">
@@ -19530,16 +19815,67 @@
           </a:extLst>
         </p:spPr>
       </p:pic>
+      <p:sp>
+        <p:nvSpPr>
+          <p:cNvPr id="2" name="Titolo 1"/>
+          <p:cNvSpPr>
+            <a:spLocks noGrp="1"/>
+          </p:cNvSpPr>
+          <p:nvPr>
+            <p:ph type="title"/>
+          </p:nvPr>
+        </p:nvSpPr>
+        <p:spPr>
+          <a:xfrm>
+            <a:off x="1154953" y="973668"/>
+            <a:ext cx="9966128" cy="706964"/>
+          </a:xfrm>
+        </p:spPr>
+        <p:txBody>
+          <a:bodyPr/>
+          <a:lstStyle/>
+          <a:p>
+            <a:r>
+              <a:rPr lang="it-IT" dirty="0" smtClean="0">
+                <a:solidFill>
+                  <a:schemeClr val="bg1"/>
+                </a:solidFill>
+              </a:rPr>
+              <a:t>User Interface – Taxi </a:t>
+            </a:r>
+            <a:r>
+              <a:rPr lang="it-IT" dirty="0" err="1" smtClean="0">
+                <a:solidFill>
+                  <a:schemeClr val="bg1"/>
+                </a:solidFill>
+              </a:rPr>
+              <a:t>Request</a:t>
+            </a:r>
+            <a:endParaRPr lang="en-US" dirty="0">
+              <a:solidFill>
+                <a:schemeClr val="bg1"/>
+              </a:solidFill>
+            </a:endParaRPr>
+          </a:p>
+        </p:txBody>
+      </p:sp>
     </p:spTree>
     <p:extLst>
       <p:ext uri="{BB962C8B-B14F-4D97-AF65-F5344CB8AC3E}">
-        <p14:creationId xmlns:p14="http://schemas.microsoft.com/office/powerpoint/2010/main" val="2556792764"/>
+        <p14:creationId xmlns:p14="http://schemas.microsoft.com/office/powerpoint/2010/main" val="3351560310"/>
       </p:ext>
     </p:extLst>
   </p:cSld>
   <p:clrMapOvr>
     <a:masterClrMapping/>
   </p:clrMapOvr>
+  <p:timing>
+    <p:tnLst>
+      <p:par>
+        <p:cTn id="1" dur="indefinite" restart="never" nodeType="tmRoot"/>
+      </p:par>
+    </p:tnLst>
+  </p:timing>
 </p:sld>
 </file>
 
@@ -19560,40 +19896,9 @@
           <a:chExt cx="0" cy="0"/>
         </a:xfrm>
       </p:grpSpPr>
-      <p:sp>
-        <p:nvSpPr>
-          <p:cNvPr id="2" name="Titolo 1"/>
-          <p:cNvSpPr>
-            <a:spLocks noGrp="1"/>
-          </p:cNvSpPr>
-          <p:nvPr>
-            <p:ph type="title"/>
-          </p:nvPr>
-        </p:nvSpPr>
-        <p:spPr/>
-        <p:txBody>
-          <a:bodyPr/>
-          <a:lstStyle/>
-          <a:p>
-            <a:r>
-              <a:rPr lang="it-IT" dirty="0" smtClean="0"/>
-              <a:t>User Interface – </a:t>
-            </a:r>
-            <a:r>
-              <a:rPr lang="it-IT" dirty="0" err="1" smtClean="0"/>
-              <a:t>Request</a:t>
-            </a:r>
-            <a:r>
-              <a:rPr lang="it-IT" dirty="0" smtClean="0"/>
-              <a:t> Status Page</a:t>
-            </a:r>
-            <a:endParaRPr lang="en-US" dirty="0"/>
-          </a:p>
-        </p:txBody>
-      </p:sp>
       <p:pic>
         <p:nvPicPr>
-          <p:cNvPr id="9219" name="Picture 3" descr="requeststatus"/>
+          <p:cNvPr id="5" name="Picture 3" descr="requeststatus"/>
           <p:cNvPicPr>
             <a:picLocks noChangeAspect="1" noChangeArrowheads="1"/>
           </p:cNvPicPr>
@@ -19614,7 +19919,7 @@
         </p:blipFill>
         <p:spPr bwMode="auto">
           <a:xfrm>
-            <a:off x="2378121" y="2603500"/>
+            <a:off x="2980477" y="2755209"/>
             <a:ext cx="6315075" cy="3571875"/>
           </a:xfrm>
           <a:prstGeom prst="rect">
@@ -19645,16 +19950,75 @@
           </a:extLst>
         </p:spPr>
       </p:pic>
+      <p:sp>
+        <p:nvSpPr>
+          <p:cNvPr id="2" name="Titolo 1"/>
+          <p:cNvSpPr>
+            <a:spLocks noGrp="1"/>
+          </p:cNvSpPr>
+          <p:nvPr>
+            <p:ph type="title"/>
+          </p:nvPr>
+        </p:nvSpPr>
+        <p:spPr>
+          <a:xfrm>
+            <a:off x="1154953" y="973668"/>
+            <a:ext cx="9966128" cy="706964"/>
+          </a:xfrm>
+        </p:spPr>
+        <p:txBody>
+          <a:bodyPr/>
+          <a:lstStyle/>
+          <a:p>
+            <a:r>
+              <a:rPr lang="it-IT" dirty="0" smtClean="0">
+                <a:solidFill>
+                  <a:schemeClr val="bg1"/>
+                </a:solidFill>
+              </a:rPr>
+              <a:t>User Interface – Active </a:t>
+            </a:r>
+            <a:r>
+              <a:rPr lang="it-IT" dirty="0" err="1" smtClean="0">
+                <a:solidFill>
+                  <a:schemeClr val="bg1"/>
+                </a:solidFill>
+              </a:rPr>
+              <a:t>Request</a:t>
+            </a:r>
+            <a:r>
+              <a:rPr lang="it-IT" dirty="0" smtClean="0">
+                <a:solidFill>
+                  <a:schemeClr val="bg1"/>
+                </a:solidFill>
+              </a:rPr>
+              <a:t> Page</a:t>
+            </a:r>
+            <a:endParaRPr lang="en-US" dirty="0">
+              <a:solidFill>
+                <a:schemeClr val="bg1"/>
+              </a:solidFill>
+            </a:endParaRPr>
+          </a:p>
+        </p:txBody>
+      </p:sp>
     </p:spTree>
     <p:extLst>
       <p:ext uri="{BB962C8B-B14F-4D97-AF65-F5344CB8AC3E}">
-        <p14:creationId xmlns:p14="http://schemas.microsoft.com/office/powerpoint/2010/main" val="1565566036"/>
+        <p14:creationId xmlns:p14="http://schemas.microsoft.com/office/powerpoint/2010/main" val="1225395873"/>
       </p:ext>
     </p:extLst>
   </p:cSld>
   <p:clrMapOvr>
     <a:masterClrMapping/>
   </p:clrMapOvr>
+  <p:timing>
+    <p:tnLst>
+      <p:par>
+        <p:cTn id="1" dur="indefinite" restart="never" nodeType="tmRoot"/>
+      </p:par>
+    </p:tnLst>
+  </p:timing>
 </p:sld>
 </file>
 
@@ -19685,24 +20049,29 @@
             <p:ph type="title"/>
           </p:nvPr>
         </p:nvSpPr>
-        <p:spPr/>
+        <p:spPr>
+          <a:xfrm>
+            <a:off x="1154953" y="973668"/>
+            <a:ext cx="9966128" cy="706964"/>
+          </a:xfrm>
+        </p:spPr>
         <p:txBody>
           <a:bodyPr/>
           <a:lstStyle/>
           <a:p>
             <a:r>
-              <a:rPr lang="it-IT" dirty="0" smtClean="0"/>
-              <a:t>User Interface – </a:t>
-            </a:r>
-            <a:r>
-              <a:rPr lang="it-IT" dirty="0" err="1" smtClean="0"/>
-              <a:t>Driver’s</a:t>
-            </a:r>
-            <a:r>
-              <a:rPr lang="it-IT" dirty="0" smtClean="0"/>
-              <a:t> Home Page</a:t>
-            </a:r>
-            <a:endParaRPr lang="en-US" dirty="0"/>
+              <a:rPr lang="it-IT" dirty="0" smtClean="0">
+                <a:solidFill>
+                  <a:schemeClr val="bg1"/>
+                </a:solidFill>
+              </a:rPr>
+              <a:t>User Interface – Driver Home Page</a:t>
+            </a:r>
+            <a:endParaRPr lang="en-US" dirty="0">
+              <a:solidFill>
+                <a:schemeClr val="bg1"/>
+              </a:solidFill>
+            </a:endParaRPr>
           </a:p>
         </p:txBody>
       </p:sp>
@@ -19729,7 +20098,7 @@
         </p:blipFill>
         <p:spPr bwMode="auto">
           <a:xfrm>
-            <a:off x="3976157" y="2284310"/>
+            <a:off x="4578515" y="2284310"/>
             <a:ext cx="3119003" cy="4573690"/>
           </a:xfrm>
           <a:prstGeom prst="rect">
@@ -19790,46 +20159,11 @@
           <a:chExt cx="0" cy="0"/>
         </a:xfrm>
       </p:grpSpPr>
-      <p:sp>
-        <p:nvSpPr>
-          <p:cNvPr id="2" name="Titolo 1"/>
-          <p:cNvSpPr>
-            <a:spLocks noGrp="1"/>
-          </p:cNvSpPr>
-          <p:nvPr>
-            <p:ph type="title"/>
-          </p:nvPr>
-        </p:nvSpPr>
-        <p:spPr/>
-        <p:txBody>
-          <a:bodyPr/>
-          <a:lstStyle/>
-          <a:p>
-            <a:r>
-              <a:rPr lang="it-IT" dirty="0" smtClean="0"/>
-              <a:t>User Interface – </a:t>
-            </a:r>
-            <a:r>
-              <a:rPr lang="it-IT" dirty="0" err="1" smtClean="0"/>
-              <a:t>Incoming</a:t>
-            </a:r>
-            <a:r>
-              <a:rPr lang="it-IT" dirty="0" smtClean="0"/>
-              <a:t> </a:t>
-            </a:r>
-            <a:r>
-              <a:rPr lang="it-IT" dirty="0" err="1" smtClean="0"/>
-              <a:t>Request</a:t>
-            </a:r>
-            <a:endParaRPr lang="en-US" dirty="0"/>
-          </a:p>
-        </p:txBody>
-      </p:sp>
       <p:pic>
         <p:nvPicPr>
-          <p:cNvPr id="3" name="Immagine 2"/>
+          <p:cNvPr id="4" name="Immagine 3"/>
           <p:cNvPicPr>
-            <a:picLocks noChangeAspect="1"/>
+            <a:picLocks/>
           </p:cNvPicPr>
           <p:nvPr/>
         </p:nvPicPr>
@@ -19847,18 +20181,78 @@
         </p:blipFill>
         <p:spPr>
           <a:xfrm>
-            <a:off x="3995218" y="2277799"/>
-            <a:ext cx="3080881" cy="4580201"/>
+            <a:off x="4579217" y="2282400"/>
+            <a:ext cx="3117600" cy="4575600"/>
           </a:xfrm>
           <a:prstGeom prst="rect">
             <a:avLst/>
           </a:prstGeom>
         </p:spPr>
       </p:pic>
+      <p:sp>
+        <p:nvSpPr>
+          <p:cNvPr id="2" name="Titolo 1"/>
+          <p:cNvSpPr>
+            <a:spLocks noGrp="1"/>
+          </p:cNvSpPr>
+          <p:nvPr>
+            <p:ph type="title"/>
+          </p:nvPr>
+        </p:nvSpPr>
+        <p:spPr>
+          <a:xfrm>
+            <a:off x="1154953" y="973668"/>
+            <a:ext cx="9966128" cy="706964"/>
+          </a:xfrm>
+        </p:spPr>
+        <p:txBody>
+          <a:bodyPr/>
+          <a:lstStyle/>
+          <a:p>
+            <a:r>
+              <a:rPr lang="it-IT" dirty="0" smtClean="0">
+                <a:solidFill>
+                  <a:schemeClr val="bg1"/>
+                </a:solidFill>
+              </a:rPr>
+              <a:t>User Interface – </a:t>
+            </a:r>
+            <a:r>
+              <a:rPr lang="it-IT" dirty="0" err="1" smtClean="0">
+                <a:solidFill>
+                  <a:schemeClr val="bg1"/>
+                </a:solidFill>
+              </a:rPr>
+              <a:t>Incoming</a:t>
+            </a:r>
+            <a:r>
+              <a:rPr lang="it-IT" dirty="0" smtClean="0">
+                <a:solidFill>
+                  <a:schemeClr val="bg1"/>
+                </a:solidFill>
+              </a:rPr>
+              <a:t> </a:t>
+            </a:r>
+            <a:r>
+              <a:rPr lang="it-IT" dirty="0" err="1" smtClean="0">
+                <a:solidFill>
+                  <a:schemeClr val="bg1"/>
+                </a:solidFill>
+              </a:rPr>
+              <a:t>Request</a:t>
+            </a:r>
+            <a:endParaRPr lang="en-US" dirty="0">
+              <a:solidFill>
+                <a:schemeClr val="bg1"/>
+              </a:solidFill>
+            </a:endParaRPr>
+          </a:p>
+        </p:txBody>
+      </p:sp>
     </p:spTree>
     <p:extLst>
       <p:ext uri="{BB962C8B-B14F-4D97-AF65-F5344CB8AC3E}">
-        <p14:creationId xmlns:p14="http://schemas.microsoft.com/office/powerpoint/2010/main" val="3074439896"/>
+        <p14:creationId xmlns:p14="http://schemas.microsoft.com/office/powerpoint/2010/main" val="2730142282"/>
       </p:ext>
     </p:extLst>
   </p:cSld>
@@ -19885,55 +20279,11 @@
           <a:chExt cx="0" cy="0"/>
         </a:xfrm>
       </p:grpSpPr>
-      <p:sp>
-        <p:nvSpPr>
-          <p:cNvPr id="2" name="Titolo 1"/>
-          <p:cNvSpPr>
-            <a:spLocks noGrp="1"/>
-          </p:cNvSpPr>
-          <p:nvPr>
-            <p:ph type="title"/>
-          </p:nvPr>
-        </p:nvSpPr>
-        <p:spPr>
-          <a:xfrm>
-            <a:off x="1154953" y="973668"/>
-            <a:ext cx="10345069" cy="706964"/>
-          </a:xfrm>
-        </p:spPr>
-        <p:txBody>
-          <a:bodyPr/>
-          <a:lstStyle/>
-          <a:p>
-            <a:r>
-              <a:rPr lang="it-IT" dirty="0" smtClean="0"/>
-              <a:t>User Interface – </a:t>
-            </a:r>
-            <a:r>
-              <a:rPr lang="it-IT" dirty="0" err="1" smtClean="0"/>
-              <a:t>Driver’s</a:t>
-            </a:r>
-            <a:r>
-              <a:rPr lang="it-IT" dirty="0" smtClean="0"/>
-              <a:t> Active </a:t>
-            </a:r>
-            <a:r>
-              <a:rPr lang="it-IT" dirty="0" err="1" smtClean="0"/>
-              <a:t>Request</a:t>
-            </a:r>
-            <a:r>
-              <a:rPr lang="it-IT" dirty="0" smtClean="0"/>
-              <a:t> Page</a:t>
-            </a:r>
-            <a:endParaRPr lang="en-US" dirty="0"/>
-          </a:p>
-        </p:txBody>
-      </p:sp>
       <p:pic>
         <p:nvPicPr>
-          <p:cNvPr id="3" name="Immagine 2"/>
+          <p:cNvPr id="5" name="Immagine 4"/>
           <p:cNvPicPr>
-            <a:picLocks noChangeAspect="1"/>
+            <a:picLocks/>
           </p:cNvPicPr>
           <p:nvPr/>
         </p:nvPicPr>
@@ -19951,18 +20301,70 @@
         </p:blipFill>
         <p:spPr>
           <a:xfrm>
-            <a:off x="3999337" y="2290046"/>
-            <a:ext cx="3072643" cy="4567954"/>
+            <a:off x="4579217" y="2282400"/>
+            <a:ext cx="3117600" cy="4575600"/>
           </a:xfrm>
           <a:prstGeom prst="rect">
             <a:avLst/>
           </a:prstGeom>
         </p:spPr>
       </p:pic>
+      <p:sp>
+        <p:nvSpPr>
+          <p:cNvPr id="2" name="Titolo 1"/>
+          <p:cNvSpPr>
+            <a:spLocks noGrp="1"/>
+          </p:cNvSpPr>
+          <p:nvPr>
+            <p:ph type="title"/>
+          </p:nvPr>
+        </p:nvSpPr>
+        <p:spPr>
+          <a:xfrm>
+            <a:off x="1154953" y="973668"/>
+            <a:ext cx="9966128" cy="706964"/>
+          </a:xfrm>
+        </p:spPr>
+        <p:txBody>
+          <a:bodyPr/>
+          <a:lstStyle/>
+          <a:p>
+            <a:r>
+              <a:rPr lang="it-IT" dirty="0" smtClean="0">
+                <a:solidFill>
+                  <a:schemeClr val="bg1"/>
+                </a:solidFill>
+              </a:rPr>
+              <a:t>User Interface – Driver Active </a:t>
+            </a:r>
+            <a:r>
+              <a:rPr lang="it-IT" dirty="0" err="1" smtClean="0">
+                <a:solidFill>
+                  <a:schemeClr val="bg1"/>
+                </a:solidFill>
+              </a:rPr>
+              <a:t>Request</a:t>
+            </a:r>
+            <a:r>
+              <a:rPr lang="it-IT" dirty="0" smtClean="0">
+                <a:solidFill>
+                  <a:schemeClr val="bg1"/>
+                </a:solidFill>
+              </a:rPr>
+              <a:t> Page</a:t>
+            </a:r>
+            <a:endParaRPr lang="en-US" dirty="0">
+              <a:solidFill>
+                <a:schemeClr val="bg1"/>
+              </a:solidFill>
+            </a:endParaRPr>
+          </a:p>
+        </p:txBody>
+      </p:sp>
     </p:spTree>
     <p:extLst>
       <p:ext uri="{BB962C8B-B14F-4D97-AF65-F5344CB8AC3E}">
-        <p14:creationId xmlns:p14="http://schemas.microsoft.com/office/powerpoint/2010/main" val="3340120885"/>
+        <p14:creationId xmlns:p14="http://schemas.microsoft.com/office/powerpoint/2010/main" val="3945517743"/>
       </p:ext>
     </p:extLst>
   </p:cSld>
@@ -20002,7 +20404,7 @@
         <p:spPr>
           <a:xfrm>
             <a:off x="1154953" y="973668"/>
-            <a:ext cx="9256373" cy="706964"/>
+            <a:ext cx="9966128" cy="706964"/>
           </a:xfrm>
         </p:spPr>
         <p:txBody>
@@ -20010,18 +20412,34 @@
           <a:lstStyle/>
           <a:p>
             <a:r>
-              <a:rPr lang="it-IT" dirty="0" smtClean="0"/>
+              <a:rPr lang="it-IT" dirty="0" smtClean="0">
+                <a:solidFill>
+                  <a:schemeClr val="bg1"/>
+                </a:solidFill>
+              </a:rPr>
               <a:t>User Interface – </a:t>
             </a:r>
             <a:r>
-              <a:rPr lang="it-IT" dirty="0" err="1" smtClean="0"/>
+              <a:rPr lang="it-IT" dirty="0" err="1" smtClean="0">
+                <a:solidFill>
+                  <a:schemeClr val="bg1"/>
+                </a:solidFill>
+              </a:rPr>
               <a:t>Operator’s</a:t>
             </a:r>
             <a:r>
-              <a:rPr lang="it-IT" dirty="0" smtClean="0"/>
+              <a:rPr lang="it-IT" dirty="0" smtClean="0">
+                <a:solidFill>
+                  <a:schemeClr val="bg1"/>
+                </a:solidFill>
+              </a:rPr>
               <a:t> Home Page</a:t>
             </a:r>
-            <a:endParaRPr lang="en-US" dirty="0"/>
+            <a:endParaRPr lang="en-US" dirty="0">
+              <a:solidFill>
+                <a:schemeClr val="bg1"/>
+              </a:solidFill>
+            </a:endParaRPr>
           </a:p>
         </p:txBody>
       </p:sp>
@@ -20048,7 +20466,7 @@
         </p:blipFill>
         <p:spPr bwMode="auto">
           <a:xfrm>
-            <a:off x="2930402" y="2330868"/>
+            <a:off x="3532558" y="2330868"/>
             <a:ext cx="5210918" cy="4527132"/>
           </a:xfrm>
           <a:prstGeom prst="rect">
@@ -20125,18 +20543,34 @@
           <a:lstStyle/>
           <a:p>
             <a:r>
-              <a:rPr lang="it-IT" dirty="0" err="1" smtClean="0"/>
+              <a:rPr lang="it-IT" dirty="0" err="1" smtClean="0">
+                <a:solidFill>
+                  <a:schemeClr val="bg1"/>
+                </a:solidFill>
+              </a:rPr>
               <a:t>Functional</a:t>
             </a:r>
             <a:r>
-              <a:rPr lang="it-IT" dirty="0" smtClean="0"/>
+              <a:rPr lang="it-IT" dirty="0" smtClean="0">
+                <a:solidFill>
+                  <a:schemeClr val="bg1"/>
+                </a:solidFill>
+              </a:rPr>
               <a:t> </a:t>
             </a:r>
             <a:r>
-              <a:rPr lang="it-IT" dirty="0" err="1" smtClean="0"/>
+              <a:rPr lang="it-IT" dirty="0" err="1" smtClean="0">
+                <a:solidFill>
+                  <a:schemeClr val="bg1"/>
+                </a:solidFill>
+              </a:rPr>
               <a:t>Requirements</a:t>
             </a:r>
-            <a:endParaRPr lang="en-US" dirty="0"/>
+            <a:endParaRPr lang="en-US" dirty="0">
+              <a:solidFill>
+                <a:schemeClr val="bg1"/>
+              </a:solidFill>
+            </a:endParaRPr>
           </a:p>
         </p:txBody>
       </p:sp>
@@ -20318,35 +20752,61 @@
         </p:nvSpPr>
         <p:spPr>
           <a:xfrm>
-            <a:off x="2497979" y="2543174"/>
-            <a:ext cx="7846171" cy="1691281"/>
+            <a:off x="481263" y="462013"/>
+            <a:ext cx="11223057" cy="5929162"/>
           </a:xfrm>
         </p:spPr>
         <p:txBody>
-          <a:bodyPr/>
+          <a:bodyPr wrap="square" anchor="ctr" anchorCtr="0">
+            <a:noAutofit/>
+          </a:bodyPr>
           <a:lstStyle/>
           <a:p>
             <a:pPr algn="ctr"/>
             <a:r>
-              <a:rPr lang="it-IT" dirty="0" err="1" smtClean="0"/>
+              <a:rPr lang="it-IT" dirty="0" err="1" smtClean="0">
+                <a:solidFill>
+                  <a:schemeClr val="bg1"/>
+                </a:solidFill>
+              </a:rPr>
               <a:t>Requirements</a:t>
             </a:r>
             <a:r>
-              <a:rPr lang="it-IT" dirty="0" smtClean="0"/>
+              <a:rPr lang="it-IT" dirty="0" smtClean="0">
+                <a:solidFill>
+                  <a:schemeClr val="bg1"/>
+                </a:solidFill>
+              </a:rPr>
               <a:t> Analysis</a:t>
             </a:r>
             <a:br>
-              <a:rPr lang="it-IT" dirty="0" smtClean="0"/>
+              <a:rPr lang="it-IT" dirty="0" smtClean="0">
+                <a:solidFill>
+                  <a:schemeClr val="bg1"/>
+                </a:solidFill>
+              </a:rPr>
             </a:br>
             <a:r>
-              <a:rPr lang="it-IT" dirty="0" smtClean="0"/>
+              <a:rPr lang="it-IT" dirty="0" smtClean="0">
+                <a:solidFill>
+                  <a:schemeClr val="bg1"/>
+                </a:solidFill>
+              </a:rPr>
               <a:t>and </a:t>
             </a:r>
             <a:r>
-              <a:rPr lang="it-IT" dirty="0" err="1" smtClean="0"/>
+              <a:rPr lang="it-IT" dirty="0" err="1" smtClean="0">
+                <a:solidFill>
+                  <a:schemeClr val="bg1"/>
+                </a:solidFill>
+              </a:rPr>
               <a:t>Specifications</a:t>
             </a:r>
-            <a:endParaRPr lang="en-US" dirty="0"/>
+            <a:endParaRPr lang="en-US" dirty="0">
+              <a:solidFill>
+                <a:schemeClr val="bg1"/>
+              </a:solidFill>
+            </a:endParaRPr>
           </a:p>
         </p:txBody>
       </p:sp>
@@ -20403,18 +20863,34 @@
           <a:lstStyle/>
           <a:p>
             <a:r>
-              <a:rPr lang="it-IT" dirty="0" err="1" smtClean="0"/>
+              <a:rPr lang="it-IT" dirty="0" err="1" smtClean="0">
+                <a:solidFill>
+                  <a:schemeClr val="bg1"/>
+                </a:solidFill>
+              </a:rPr>
               <a:t>Functional</a:t>
             </a:r>
             <a:r>
-              <a:rPr lang="it-IT" dirty="0" smtClean="0"/>
+              <a:rPr lang="it-IT" dirty="0" smtClean="0">
+                <a:solidFill>
+                  <a:schemeClr val="bg1"/>
+                </a:solidFill>
+              </a:rPr>
               <a:t> </a:t>
             </a:r>
             <a:r>
-              <a:rPr lang="it-IT" dirty="0" err="1" smtClean="0"/>
+              <a:rPr lang="it-IT" dirty="0" err="1" smtClean="0">
+                <a:solidFill>
+                  <a:schemeClr val="bg1"/>
+                </a:solidFill>
+              </a:rPr>
               <a:t>Requirements</a:t>
             </a:r>
-            <a:endParaRPr lang="en-US" dirty="0"/>
+            <a:endParaRPr lang="en-US" dirty="0">
+              <a:solidFill>
+                <a:schemeClr val="bg1"/>
+              </a:solidFill>
+            </a:endParaRPr>
           </a:p>
         </p:txBody>
       </p:sp>
@@ -20600,18 +21076,34 @@
           <a:lstStyle/>
           <a:p>
             <a:r>
-              <a:rPr lang="it-IT" dirty="0" err="1"/>
+              <a:rPr lang="it-IT" dirty="0" err="1">
+                <a:solidFill>
+                  <a:schemeClr val="bg1"/>
+                </a:solidFill>
+              </a:rPr>
               <a:t>Functional</a:t>
             </a:r>
             <a:r>
-              <a:rPr lang="it-IT" dirty="0"/>
+              <a:rPr lang="it-IT" dirty="0">
+                <a:solidFill>
+                  <a:schemeClr val="bg1"/>
+                </a:solidFill>
+              </a:rPr>
               <a:t> </a:t>
             </a:r>
             <a:r>
-              <a:rPr lang="it-IT" dirty="0" err="1"/>
+              <a:rPr lang="it-IT" dirty="0" err="1">
+                <a:solidFill>
+                  <a:schemeClr val="bg1"/>
+                </a:solidFill>
+              </a:rPr>
               <a:t>Requirements</a:t>
             </a:r>
-            <a:endParaRPr lang="en-US" dirty="0"/>
+            <a:endParaRPr lang="en-US" dirty="0">
+              <a:solidFill>
+                <a:schemeClr val="bg1"/>
+              </a:solidFill>
+            </a:endParaRPr>
           </a:p>
         </p:txBody>
       </p:sp>
@@ -20740,18 +21232,34 @@
           <a:lstStyle/>
           <a:p>
             <a:r>
-              <a:rPr lang="it-IT" dirty="0" err="1" smtClean="0"/>
+              <a:rPr lang="it-IT" dirty="0" err="1" smtClean="0">
+                <a:solidFill>
+                  <a:schemeClr val="bg1"/>
+                </a:solidFill>
+              </a:rPr>
               <a:t>Functional</a:t>
             </a:r>
             <a:r>
-              <a:rPr lang="it-IT" dirty="0" smtClean="0"/>
+              <a:rPr lang="it-IT" dirty="0" smtClean="0">
+                <a:solidFill>
+                  <a:schemeClr val="bg1"/>
+                </a:solidFill>
+              </a:rPr>
               <a:t> </a:t>
             </a:r>
             <a:r>
-              <a:rPr lang="it-IT" dirty="0" err="1" smtClean="0"/>
+              <a:rPr lang="it-IT" dirty="0" err="1" smtClean="0">
+                <a:solidFill>
+                  <a:schemeClr val="bg1"/>
+                </a:solidFill>
+              </a:rPr>
               <a:t>Requirements</a:t>
             </a:r>
-            <a:endParaRPr lang="en-US" dirty="0"/>
+            <a:endParaRPr lang="en-US" dirty="0">
+              <a:solidFill>
+                <a:schemeClr val="bg1"/>
+              </a:solidFill>
+            </a:endParaRPr>
           </a:p>
         </p:txBody>
       </p:sp>
@@ -20901,18 +21409,34 @@
           <a:lstStyle/>
           <a:p>
             <a:r>
-              <a:rPr lang="it-IT" dirty="0" err="1" smtClean="0"/>
+              <a:rPr lang="it-IT" dirty="0" err="1" smtClean="0">
+                <a:solidFill>
+                  <a:schemeClr val="bg1"/>
+                </a:solidFill>
+              </a:rPr>
               <a:t>Functional</a:t>
             </a:r>
             <a:r>
-              <a:rPr lang="it-IT" dirty="0" smtClean="0"/>
+              <a:rPr lang="it-IT" dirty="0" smtClean="0">
+                <a:solidFill>
+                  <a:schemeClr val="bg1"/>
+                </a:solidFill>
+              </a:rPr>
               <a:t> </a:t>
             </a:r>
             <a:r>
-              <a:rPr lang="it-IT" dirty="0" err="1" smtClean="0"/>
+              <a:rPr lang="it-IT" dirty="0" err="1" smtClean="0">
+                <a:solidFill>
+                  <a:schemeClr val="bg1"/>
+                </a:solidFill>
+              </a:rPr>
               <a:t>Requirements</a:t>
             </a:r>
-            <a:endParaRPr lang="en-US" dirty="0"/>
+            <a:endParaRPr lang="en-US" dirty="0">
+              <a:solidFill>
+                <a:schemeClr val="bg1"/>
+              </a:solidFill>
+            </a:endParaRPr>
           </a:p>
         </p:txBody>
       </p:sp>
@@ -21114,14 +21638,26 @@
           <a:lstStyle/>
           <a:p>
             <a:r>
-              <a:rPr lang="it-IT" dirty="0" smtClean="0"/>
+              <a:rPr lang="it-IT" dirty="0" smtClean="0">
+                <a:solidFill>
+                  <a:schemeClr val="bg1"/>
+                </a:solidFill>
+              </a:rPr>
               <a:t>Performance </a:t>
             </a:r>
             <a:r>
-              <a:rPr lang="it-IT" dirty="0" err="1" smtClean="0"/>
+              <a:rPr lang="it-IT" dirty="0" err="1" smtClean="0">
+                <a:solidFill>
+                  <a:schemeClr val="bg1"/>
+                </a:solidFill>
+              </a:rPr>
               <a:t>Requirements</a:t>
             </a:r>
-            <a:endParaRPr lang="en-US" dirty="0"/>
+            <a:endParaRPr lang="en-US" dirty="0">
+              <a:solidFill>
+                <a:schemeClr val="bg1"/>
+              </a:solidFill>
+            </a:endParaRPr>
           </a:p>
         </p:txBody>
       </p:sp>
@@ -21162,22 +21698,31 @@
             </a:r>
             <a:r>
               <a:rPr lang="en-US" dirty="0"/>
-              <a:t>more than 500ms.</a:t>
-            </a:r>
+              <a:t>more than </a:t>
+            </a:r>
+            <a:r>
+              <a:rPr lang="en-US" dirty="0" smtClean="0"/>
+              <a:t>0.5s.</a:t>
+            </a:r>
+            <a:endParaRPr lang="en-US" dirty="0"/>
           </a:p>
           <a:p>
             <a:pPr lvl="0"/>
+            <a:endParaRPr lang="en-US" dirty="0" smtClean="0"/>
+          </a:p>
+          <a:p>
+            <a:pPr lvl="0"/>
+            <a:r>
+              <a:rPr lang="en-US" dirty="0" smtClean="0"/>
+              <a:t>The </a:t>
+            </a:r>
             <a:r>
               <a:rPr lang="en-US" dirty="0"/>
-              <a:t>The system must be able to serve </a:t>
+              <a:t>system must be able to serve </a:t>
             </a:r>
             <a:r>
               <a:rPr lang="en-US" dirty="0" smtClean="0"/>
-              <a:t>simultaneously at </a:t>
-            </a:r>
-            <a:r>
-              <a:rPr lang="en-US" dirty="0" smtClean="0"/>
-              <a:t>least:</a:t>
+              <a:t>simultaneously at least:</a:t>
             </a:r>
           </a:p>
           <a:p>
@@ -21223,11 +21768,7 @@
             </a:pPr>
             <a:r>
               <a:rPr lang="en-US" dirty="0" smtClean="0"/>
-              <a:t>With </a:t>
-            </a:r>
-            <a:r>
-              <a:rPr lang="en-US" dirty="0" smtClean="0"/>
-              <a:t>a total </a:t>
+              <a:t>With a total </a:t>
             </a:r>
             <a:r>
               <a:rPr lang="en-US" dirty="0"/>
@@ -21295,14 +21836,26 @@
           <a:lstStyle/>
           <a:p>
             <a:r>
-              <a:rPr lang="it-IT" dirty="0" smtClean="0"/>
+              <a:rPr lang="it-IT" dirty="0" smtClean="0">
+                <a:solidFill>
+                  <a:schemeClr val="bg1"/>
+                </a:solidFill>
+              </a:rPr>
               <a:t>Software System </a:t>
             </a:r>
             <a:r>
-              <a:rPr lang="it-IT" dirty="0" err="1" smtClean="0"/>
+              <a:rPr lang="it-IT" dirty="0" err="1" smtClean="0">
+                <a:solidFill>
+                  <a:schemeClr val="bg1"/>
+                </a:solidFill>
+              </a:rPr>
               <a:t>Attributes</a:t>
             </a:r>
-            <a:endParaRPr lang="en-US" dirty="0"/>
+            <a:endParaRPr lang="en-US" dirty="0">
+              <a:solidFill>
+                <a:schemeClr val="bg1"/>
+              </a:solidFill>
+            </a:endParaRPr>
           </a:p>
         </p:txBody>
       </p:sp>
@@ -21334,7 +21887,30 @@
             </a:r>
             <a:r>
               <a:rPr lang="it-IT" dirty="0" smtClean="0"/>
-              <a:t>: 24/7.</a:t>
+              <a:t>: </a:t>
+            </a:r>
+          </a:p>
+          <a:p>
+            <a:pPr lvl="1"/>
+            <a:r>
+              <a:rPr lang="it-IT" dirty="0" smtClean="0"/>
+              <a:t>24 hours per </a:t>
+            </a:r>
+            <a:r>
+              <a:rPr lang="it-IT" dirty="0" err="1" smtClean="0"/>
+              <a:t>day</a:t>
+            </a:r>
+            <a:r>
+              <a:rPr lang="it-IT" dirty="0" smtClean="0"/>
+              <a:t>, 7 </a:t>
+            </a:r>
+            <a:r>
+              <a:rPr lang="it-IT" dirty="0" err="1" smtClean="0"/>
+              <a:t>days</a:t>
+            </a:r>
+            <a:r>
+              <a:rPr lang="it-IT" dirty="0" smtClean="0"/>
+              <a:t> per week.</a:t>
             </a:r>
           </a:p>
           <a:p>
@@ -21495,14 +22071,26 @@
           <a:lstStyle/>
           <a:p>
             <a:r>
-              <a:rPr lang="it-IT" dirty="0" smtClean="0"/>
+              <a:rPr lang="it-IT" dirty="0" smtClean="0">
+                <a:solidFill>
+                  <a:schemeClr val="bg1"/>
+                </a:solidFill>
+              </a:rPr>
               <a:t>Software System </a:t>
             </a:r>
             <a:r>
-              <a:rPr lang="it-IT" dirty="0" err="1" smtClean="0"/>
+              <a:rPr lang="it-IT" dirty="0" err="1" smtClean="0">
+                <a:solidFill>
+                  <a:schemeClr val="bg1"/>
+                </a:solidFill>
+              </a:rPr>
               <a:t>Attributes</a:t>
             </a:r>
-            <a:endParaRPr lang="en-US" dirty="0"/>
+            <a:endParaRPr lang="en-US" dirty="0">
+              <a:solidFill>
+                <a:schemeClr val="bg1"/>
+              </a:solidFill>
+            </a:endParaRPr>
           </a:p>
         </p:txBody>
       </p:sp>
@@ -21693,20 +22281,37 @@
             <p:ph type="title"/>
           </p:nvPr>
         </p:nvSpPr>
-        <p:spPr/>
+        <p:spPr>
+          <a:xfrm>
+            <a:off x="1154953" y="973668"/>
+            <a:ext cx="9966128" cy="706964"/>
+          </a:xfrm>
+        </p:spPr>
         <p:txBody>
           <a:bodyPr/>
           <a:lstStyle/>
           <a:p>
             <a:r>
-              <a:rPr lang="it-IT" dirty="0" smtClean="0"/>
+              <a:rPr lang="it-IT" dirty="0" smtClean="0">
+                <a:solidFill>
+                  <a:schemeClr val="bg1"/>
+                </a:solidFill>
+              </a:rPr>
               <a:t>Class </a:t>
             </a:r>
             <a:r>
-              <a:rPr lang="it-IT" dirty="0" err="1" smtClean="0"/>
+              <a:rPr lang="it-IT" dirty="0" err="1" smtClean="0">
+                <a:solidFill>
+                  <a:schemeClr val="bg1"/>
+                </a:solidFill>
+              </a:rPr>
               <a:t>Diagram</a:t>
             </a:r>
-            <a:endParaRPr lang="en-US" dirty="0"/>
+            <a:endParaRPr lang="en-US" dirty="0">
+              <a:solidFill>
+                <a:schemeClr val="bg1"/>
+              </a:solidFill>
+            </a:endParaRPr>
           </a:p>
         </p:txBody>
       </p:sp>
@@ -21732,7 +22337,7 @@
         </p:blipFill>
         <p:spPr>
           <a:xfrm>
-            <a:off x="2779455" y="2298415"/>
+            <a:off x="3381813" y="2298415"/>
             <a:ext cx="5512408" cy="4559585"/>
           </a:xfrm>
           <a:prstGeom prst="rect">
@@ -21787,20 +22392,37 @@
             <p:ph type="title"/>
           </p:nvPr>
         </p:nvSpPr>
-        <p:spPr/>
+        <p:spPr>
+          <a:xfrm>
+            <a:off x="1154953" y="973668"/>
+            <a:ext cx="9957890" cy="706964"/>
+          </a:xfrm>
+        </p:spPr>
         <p:txBody>
           <a:bodyPr/>
           <a:lstStyle/>
           <a:p>
             <a:r>
-              <a:rPr lang="it-IT" dirty="0" smtClean="0"/>
+              <a:rPr lang="it-IT" dirty="0" smtClean="0">
+                <a:solidFill>
+                  <a:schemeClr val="bg1"/>
+                </a:solidFill>
+              </a:rPr>
               <a:t>Use Case </a:t>
             </a:r>
             <a:r>
-              <a:rPr lang="it-IT" dirty="0" err="1" smtClean="0"/>
+              <a:rPr lang="it-IT" dirty="0" err="1" smtClean="0">
+                <a:solidFill>
+                  <a:schemeClr val="bg1"/>
+                </a:solidFill>
+              </a:rPr>
               <a:t>Diagram</a:t>
             </a:r>
-            <a:endParaRPr lang="en-US" dirty="0"/>
+            <a:endParaRPr lang="en-US" dirty="0">
+              <a:solidFill>
+                <a:schemeClr val="bg1"/>
+              </a:solidFill>
+            </a:endParaRPr>
           </a:p>
         </p:txBody>
       </p:sp>
@@ -21826,7 +22448,7 @@
         </p:blipFill>
         <p:spPr>
           <a:xfrm>
-            <a:off x="2878483" y="2289331"/>
+            <a:off x="3476722" y="2289331"/>
             <a:ext cx="5314351" cy="4568669"/>
           </a:xfrm>
           <a:prstGeom prst="rect">
@@ -21881,28 +22503,53 @@
             <p:ph type="title"/>
           </p:nvPr>
         </p:nvSpPr>
-        <p:spPr/>
+        <p:spPr>
+          <a:xfrm>
+            <a:off x="1154953" y="973668"/>
+            <a:ext cx="9966128" cy="706964"/>
+          </a:xfrm>
+        </p:spPr>
         <p:txBody>
           <a:bodyPr/>
           <a:lstStyle/>
           <a:p>
             <a:r>
-              <a:rPr lang="it-IT" dirty="0" err="1" smtClean="0"/>
+              <a:rPr lang="it-IT" dirty="0" err="1" smtClean="0">
+                <a:solidFill>
+                  <a:schemeClr val="bg1"/>
+                </a:solidFill>
+              </a:rPr>
               <a:t>Alloy</a:t>
             </a:r>
             <a:r>
-              <a:rPr lang="it-IT" dirty="0" smtClean="0"/>
+              <a:rPr lang="it-IT" dirty="0" smtClean="0">
+                <a:solidFill>
+                  <a:schemeClr val="bg1"/>
+                </a:solidFill>
+              </a:rPr>
               <a:t> – </a:t>
             </a:r>
             <a:r>
-              <a:rPr lang="it-IT" dirty="0" err="1" smtClean="0"/>
+              <a:rPr lang="it-IT" dirty="0" err="1" smtClean="0">
+                <a:solidFill>
+                  <a:schemeClr val="bg1"/>
+                </a:solidFill>
+              </a:rPr>
               <a:t>Generated</a:t>
             </a:r>
             <a:r>
-              <a:rPr lang="it-IT" dirty="0" smtClean="0"/>
+              <a:rPr lang="it-IT" dirty="0" smtClean="0">
+                <a:solidFill>
+                  <a:schemeClr val="bg1"/>
+                </a:solidFill>
+              </a:rPr>
               <a:t> World</a:t>
             </a:r>
-            <a:endParaRPr lang="en-US" dirty="0"/>
+            <a:endParaRPr lang="en-US" dirty="0">
+              <a:solidFill>
+                <a:schemeClr val="bg1"/>
+              </a:solidFill>
+            </a:endParaRPr>
           </a:p>
         </p:txBody>
       </p:sp>
@@ -21929,7 +22576,7 @@
         </p:blipFill>
         <p:spPr bwMode="auto">
           <a:xfrm>
-            <a:off x="470513" y="2614863"/>
+            <a:off x="556178" y="2614863"/>
             <a:ext cx="11163677" cy="4243137"/>
           </a:xfrm>
           <a:prstGeom prst="rect">
@@ -21968,7 +22615,7 @@
         </p:nvSpPr>
         <p:spPr>
           <a:xfrm>
-            <a:off x="3261362" y="6474940"/>
+            <a:off x="3347027" y="6434720"/>
             <a:ext cx="5581977" cy="307777"/>
           </a:xfrm>
           <a:prstGeom prst="rect">
@@ -22086,22 +22733,42 @@
           <a:lstStyle/>
           <a:p>
             <a:r>
-              <a:rPr lang="it-IT" dirty="0" smtClean="0"/>
+              <a:rPr lang="it-IT" dirty="0" smtClean="0">
+                <a:solidFill>
+                  <a:schemeClr val="bg1"/>
+                </a:solidFill>
+              </a:rPr>
               <a:t>The </a:t>
             </a:r>
             <a:r>
-              <a:rPr lang="it-IT" dirty="0" err="1" smtClean="0"/>
+              <a:rPr lang="it-IT" dirty="0" err="1" smtClean="0">
+                <a:solidFill>
+                  <a:schemeClr val="bg1"/>
+                </a:solidFill>
+              </a:rPr>
               <a:t>Given</a:t>
             </a:r>
             <a:r>
-              <a:rPr lang="it-IT" dirty="0" smtClean="0"/>
+              <a:rPr lang="it-IT" dirty="0" smtClean="0">
+                <a:solidFill>
+                  <a:schemeClr val="bg1"/>
+                </a:solidFill>
+              </a:rPr>
               <a:t> </a:t>
             </a:r>
             <a:r>
-              <a:rPr lang="it-IT" dirty="0" err="1" smtClean="0"/>
+              <a:rPr lang="it-IT" dirty="0" err="1" smtClean="0">
+                <a:solidFill>
+                  <a:schemeClr val="bg1"/>
+                </a:solidFill>
+              </a:rPr>
               <a:t>Request</a:t>
             </a:r>
-            <a:endParaRPr lang="it-IT" dirty="0"/>
+            <a:endParaRPr lang="it-IT" dirty="0">
+              <a:solidFill>
+                <a:schemeClr val="bg1"/>
+              </a:solidFill>
+            </a:endParaRPr>
           </a:p>
         </p:txBody>
       </p:sp>
@@ -22117,8 +22784,8 @@
         </p:nvSpPr>
         <p:spPr>
           <a:xfrm>
-            <a:off x="1154955" y="2603500"/>
-            <a:ext cx="8761412" cy="4254500"/>
+            <a:off x="1154954" y="2603500"/>
+            <a:ext cx="9634965" cy="4254500"/>
           </a:xfrm>
         </p:spPr>
         <p:txBody>
@@ -22473,20 +23140,28 @@
         </p:nvSpPr>
         <p:spPr>
           <a:xfrm>
-            <a:off x="1574055" y="3000374"/>
-            <a:ext cx="8825658" cy="872131"/>
+            <a:off x="481262" y="481264"/>
+            <a:ext cx="11223057" cy="5900286"/>
           </a:xfrm>
         </p:spPr>
         <p:txBody>
-          <a:bodyPr/>
+          <a:bodyPr anchor="ctr" anchorCtr="0"/>
           <a:lstStyle/>
           <a:p>
             <a:pPr algn="ctr"/>
             <a:r>
-              <a:rPr lang="it-IT" dirty="0" smtClean="0"/>
+              <a:rPr lang="it-IT" dirty="0" smtClean="0">
+                <a:solidFill>
+                  <a:schemeClr val="bg1"/>
+                </a:solidFill>
+              </a:rPr>
               <a:t>Design</a:t>
             </a:r>
-            <a:endParaRPr lang="en-US" dirty="0"/>
+            <a:endParaRPr lang="en-US" dirty="0">
+              <a:solidFill>
+                <a:schemeClr val="bg1"/>
+              </a:solidFill>
+            </a:endParaRPr>
           </a:p>
         </p:txBody>
       </p:sp>
@@ -22540,7 +23215,7 @@
         <p:spPr>
           <a:xfrm>
             <a:off x="1154952" y="973668"/>
-            <a:ext cx="10509825" cy="706964"/>
+            <a:ext cx="9966129" cy="706964"/>
           </a:xfrm>
         </p:spPr>
         <p:txBody>
@@ -22548,18 +23223,34 @@
           <a:lstStyle/>
           <a:p>
             <a:r>
-              <a:rPr lang="it-IT" dirty="0" err="1" smtClean="0"/>
+              <a:rPr lang="it-IT" dirty="0" err="1" smtClean="0">
+                <a:solidFill>
+                  <a:schemeClr val="bg1"/>
+                </a:solidFill>
+              </a:rPr>
               <a:t>Architectural</a:t>
             </a:r>
             <a:r>
-              <a:rPr lang="it-IT" dirty="0" smtClean="0"/>
+              <a:rPr lang="it-IT" dirty="0" smtClean="0">
+                <a:solidFill>
+                  <a:schemeClr val="bg1"/>
+                </a:solidFill>
+              </a:rPr>
               <a:t> Design – </a:t>
             </a:r>
             <a:r>
-              <a:rPr lang="it-IT" dirty="0" err="1" smtClean="0"/>
+              <a:rPr lang="it-IT" dirty="0" err="1" smtClean="0">
+                <a:solidFill>
+                  <a:schemeClr val="bg1"/>
+                </a:solidFill>
+              </a:rPr>
               <a:t>Overview</a:t>
             </a:r>
-            <a:endParaRPr lang="en-US" dirty="0"/>
+            <a:endParaRPr lang="en-US" dirty="0">
+              <a:solidFill>
+                <a:schemeClr val="bg1"/>
+              </a:solidFill>
+            </a:endParaRPr>
           </a:p>
         </p:txBody>
       </p:sp>
@@ -22663,7 +23354,7 @@
         </p:blipFill>
         <p:spPr>
           <a:xfrm>
-            <a:off x="3923988" y="3204085"/>
+            <a:off x="3923990" y="3212323"/>
             <a:ext cx="4971751" cy="3410465"/>
           </a:xfrm>
           <a:prstGeom prst="rect">
@@ -22729,18 +23420,34 @@
           <a:lstStyle/>
           <a:p>
             <a:r>
-              <a:rPr lang="it-IT" dirty="0" err="1"/>
+              <a:rPr lang="it-IT" dirty="0" err="1">
+                <a:solidFill>
+                  <a:schemeClr val="bg1"/>
+                </a:solidFill>
+              </a:rPr>
               <a:t>Architectural</a:t>
             </a:r>
             <a:r>
-              <a:rPr lang="it-IT" dirty="0"/>
+              <a:rPr lang="it-IT" dirty="0">
+                <a:solidFill>
+                  <a:schemeClr val="bg1"/>
+                </a:solidFill>
+              </a:rPr>
               <a:t> Design </a:t>
             </a:r>
             <a:r>
-              <a:rPr lang="it-IT" dirty="0" smtClean="0"/>
+              <a:rPr lang="it-IT" dirty="0" smtClean="0">
+                <a:solidFill>
+                  <a:schemeClr val="bg1"/>
+                </a:solidFill>
+              </a:rPr>
               <a:t>– High Level Components</a:t>
             </a:r>
-            <a:endParaRPr lang="en-US" dirty="0"/>
+            <a:endParaRPr lang="en-US" dirty="0">
+              <a:solidFill>
+                <a:schemeClr val="bg1"/>
+              </a:solidFill>
+            </a:endParaRPr>
           </a:p>
         </p:txBody>
       </p:sp>
@@ -23083,14 +23790,26 @@
           <a:lstStyle/>
           <a:p>
             <a:r>
-              <a:rPr lang="it-IT" dirty="0" err="1"/>
+              <a:rPr lang="it-IT" dirty="0" err="1">
+                <a:solidFill>
+                  <a:schemeClr val="bg1"/>
+                </a:solidFill>
+              </a:rPr>
               <a:t>Architectural</a:t>
             </a:r>
             <a:r>
-              <a:rPr lang="it-IT" dirty="0"/>
+              <a:rPr lang="it-IT" dirty="0">
+                <a:solidFill>
+                  <a:schemeClr val="bg1"/>
+                </a:solidFill>
+              </a:rPr>
               <a:t> Design – High Level Components</a:t>
             </a:r>
-            <a:endParaRPr lang="en-US" dirty="0"/>
+            <a:endParaRPr lang="en-US" dirty="0">
+              <a:solidFill>
+                <a:schemeClr val="bg1"/>
+              </a:solidFill>
+            </a:endParaRPr>
           </a:p>
         </p:txBody>
       </p:sp>
@@ -23416,22 +24135,42 @@
           <a:lstStyle/>
           <a:p>
             <a:r>
-              <a:rPr lang="it-IT" dirty="0" err="1"/>
+              <a:rPr lang="it-IT" dirty="0" err="1">
+                <a:solidFill>
+                  <a:schemeClr val="bg1"/>
+                </a:solidFill>
+              </a:rPr>
               <a:t>Architectural</a:t>
             </a:r>
             <a:r>
-              <a:rPr lang="it-IT" dirty="0"/>
+              <a:rPr lang="it-IT" dirty="0">
+                <a:solidFill>
+                  <a:schemeClr val="bg1"/>
+                </a:solidFill>
+              </a:rPr>
               <a:t> Design </a:t>
             </a:r>
             <a:r>
-              <a:rPr lang="it-IT" dirty="0" smtClean="0"/>
+              <a:rPr lang="it-IT" dirty="0" smtClean="0">
+                <a:solidFill>
+                  <a:schemeClr val="bg1"/>
+                </a:solidFill>
+              </a:rPr>
               <a:t>– Deployment </a:t>
             </a:r>
             <a:r>
-              <a:rPr lang="it-IT" dirty="0" err="1" smtClean="0"/>
+              <a:rPr lang="it-IT" dirty="0" err="1" smtClean="0">
+                <a:solidFill>
+                  <a:schemeClr val="bg1"/>
+                </a:solidFill>
+              </a:rPr>
               <a:t>Diagram</a:t>
             </a:r>
-            <a:endParaRPr lang="en-US" dirty="0"/>
+            <a:endParaRPr lang="en-US" dirty="0">
+              <a:solidFill>
+                <a:schemeClr val="bg1"/>
+              </a:solidFill>
+            </a:endParaRPr>
           </a:p>
         </p:txBody>
       </p:sp>
@@ -23457,7 +24196,7 @@
         </p:blipFill>
         <p:spPr>
           <a:xfrm>
-            <a:off x="531172" y="2324524"/>
+            <a:off x="1154953" y="2324524"/>
             <a:ext cx="10008973" cy="4533476"/>
           </a:xfrm>
           <a:prstGeom prst="rect">
@@ -23523,18 +24262,34 @@
           <a:lstStyle/>
           <a:p>
             <a:r>
-              <a:rPr lang="it-IT" dirty="0" err="1"/>
+              <a:rPr lang="it-IT" dirty="0" err="1">
+                <a:solidFill>
+                  <a:schemeClr val="bg1"/>
+                </a:solidFill>
+              </a:rPr>
               <a:t>Architectural</a:t>
             </a:r>
             <a:r>
-              <a:rPr lang="it-IT" dirty="0"/>
+              <a:rPr lang="it-IT" dirty="0">
+                <a:solidFill>
+                  <a:schemeClr val="bg1"/>
+                </a:solidFill>
+              </a:rPr>
               <a:t> Design </a:t>
             </a:r>
             <a:r>
-              <a:rPr lang="it-IT" dirty="0" smtClean="0"/>
+              <a:rPr lang="it-IT" dirty="0" smtClean="0">
+                <a:solidFill>
+                  <a:schemeClr val="bg1"/>
+                </a:solidFill>
+              </a:rPr>
               <a:t>– Software Components</a:t>
             </a:r>
-            <a:endParaRPr lang="en-US" dirty="0"/>
+            <a:endParaRPr lang="en-US" dirty="0">
+              <a:solidFill>
+                <a:schemeClr val="bg1"/>
+              </a:solidFill>
+            </a:endParaRPr>
           </a:p>
         </p:txBody>
       </p:sp>
@@ -23599,11 +24354,7 @@
             </a:r>
             <a:r>
               <a:rPr lang="en-US" dirty="0" smtClean="0"/>
-              <a:t>(e.g.: </a:t>
-            </a:r>
-            <a:r>
-              <a:rPr lang="en-US" dirty="0" smtClean="0"/>
-              <a:t>create </a:t>
+              <a:t>(e.g.: create </a:t>
             </a:r>
             <a:r>
               <a:rPr lang="en-US" dirty="0"/>
@@ -23611,11 +24362,7 @@
             </a:r>
             <a:r>
               <a:rPr lang="en-US" dirty="0" smtClean="0"/>
-              <a:t>request</a:t>
-            </a:r>
-            <a:r>
-              <a:rPr lang="en-US" dirty="0" smtClean="0"/>
-              <a:t>)</a:t>
+              <a:t>request)</a:t>
             </a:r>
             <a:endParaRPr lang="en-US" dirty="0"/>
           </a:p>
@@ -23648,11 +24395,7 @@
             </a:r>
             <a:r>
               <a:rPr lang="en-US" dirty="0" smtClean="0"/>
-              <a:t>(e.g.: r</a:t>
-            </a:r>
-            <a:r>
-              <a:rPr lang="en-US" dirty="0" smtClean="0"/>
-              <a:t>emove </a:t>
+              <a:t>(e.g.: remove </a:t>
             </a:r>
             <a:r>
               <a:rPr lang="en-US" dirty="0"/>
@@ -23684,11 +24427,7 @@
             </a:r>
             <a:r>
               <a:rPr lang="en-US" dirty="0" smtClean="0"/>
-              <a:t>(e.g.: register</a:t>
-            </a:r>
-            <a:r>
-              <a:rPr lang="en-US" dirty="0" smtClean="0"/>
-              <a:t>, login)</a:t>
+              <a:t>(e.g.: register, login)</a:t>
             </a:r>
           </a:p>
           <a:p>
@@ -23724,11 +24463,7 @@
             </a:r>
             <a:r>
               <a:rPr lang="en-US" dirty="0" smtClean="0"/>
-              <a:t>(e.g.: g</a:t>
-            </a:r>
-            <a:r>
-              <a:rPr lang="en-US" dirty="0" smtClean="0"/>
-              <a:t>et area </a:t>
+              <a:t>(e.g.: get area </a:t>
             </a:r>
             <a:r>
               <a:rPr lang="en-US" dirty="0"/>
@@ -23769,11 +24504,7 @@
             </a:r>
             <a:r>
               <a:rPr lang="en-US" dirty="0" smtClean="0"/>
-              <a:t>(e.g.: </a:t>
-            </a:r>
-            <a:r>
-              <a:rPr lang="en-US" dirty="0" smtClean="0"/>
-              <a:t>update </a:t>
+              <a:t>(e.g.: update </a:t>
             </a:r>
             <a:r>
               <a:rPr lang="en-US" dirty="0"/>
@@ -23845,18 +24576,34 @@
           <a:lstStyle/>
           <a:p>
             <a:r>
-              <a:rPr lang="it-IT" dirty="0" err="1"/>
+              <a:rPr lang="it-IT" dirty="0" err="1">
+                <a:solidFill>
+                  <a:schemeClr val="bg1"/>
+                </a:solidFill>
+              </a:rPr>
               <a:t>Architectural</a:t>
             </a:r>
             <a:r>
-              <a:rPr lang="it-IT" dirty="0"/>
+              <a:rPr lang="it-IT" dirty="0">
+                <a:solidFill>
+                  <a:schemeClr val="bg1"/>
+                </a:solidFill>
+              </a:rPr>
               <a:t> Design </a:t>
             </a:r>
             <a:r>
-              <a:rPr lang="it-IT" dirty="0" smtClean="0"/>
+              <a:rPr lang="it-IT" dirty="0" smtClean="0">
+                <a:solidFill>
+                  <a:schemeClr val="bg1"/>
+                </a:solidFill>
+              </a:rPr>
               <a:t>– Software Components</a:t>
             </a:r>
-            <a:endParaRPr lang="en-US" dirty="0"/>
+            <a:endParaRPr lang="en-US" dirty="0">
+              <a:solidFill>
+                <a:schemeClr val="bg1"/>
+              </a:solidFill>
+            </a:endParaRPr>
           </a:p>
         </p:txBody>
       </p:sp>
@@ -23933,11 +24680,7 @@
             </a:r>
             <a:r>
               <a:rPr lang="en-US" dirty="0" smtClean="0"/>
-              <a:t>the Website</a:t>
-            </a:r>
-            <a:r>
-              <a:rPr lang="en-US" dirty="0" smtClean="0"/>
-              <a:t>.</a:t>
+              <a:t>the Website.</a:t>
             </a:r>
           </a:p>
           <a:p>
@@ -24058,7 +24801,7 @@
         <p:spPr>
           <a:xfrm>
             <a:off x="1154953" y="973668"/>
-            <a:ext cx="9488333" cy="706964"/>
+            <a:ext cx="9966128" cy="706964"/>
           </a:xfrm>
         </p:spPr>
         <p:txBody>
@@ -24066,22 +24809,42 @@
           <a:lstStyle/>
           <a:p>
             <a:r>
-              <a:rPr lang="it-IT" dirty="0" err="1"/>
+              <a:rPr lang="it-IT" dirty="0" err="1">
+                <a:solidFill>
+                  <a:schemeClr val="bg1"/>
+                </a:solidFill>
+              </a:rPr>
               <a:t>Architectural</a:t>
             </a:r>
             <a:r>
-              <a:rPr lang="it-IT" dirty="0"/>
+              <a:rPr lang="it-IT" dirty="0">
+                <a:solidFill>
+                  <a:schemeClr val="bg1"/>
+                </a:solidFill>
+              </a:rPr>
               <a:t> Design </a:t>
             </a:r>
             <a:r>
-              <a:rPr lang="it-IT" dirty="0" smtClean="0"/>
+              <a:rPr lang="it-IT" dirty="0" smtClean="0">
+                <a:solidFill>
+                  <a:schemeClr val="bg1"/>
+                </a:solidFill>
+              </a:rPr>
               <a:t>– Components </a:t>
             </a:r>
             <a:r>
-              <a:rPr lang="it-IT" dirty="0" err="1" smtClean="0"/>
+              <a:rPr lang="it-IT" dirty="0" err="1" smtClean="0">
+                <a:solidFill>
+                  <a:schemeClr val="bg1"/>
+                </a:solidFill>
+              </a:rPr>
               <a:t>View</a:t>
             </a:r>
-            <a:endParaRPr lang="en-US" dirty="0"/>
+            <a:endParaRPr lang="en-US" dirty="0">
+              <a:solidFill>
+                <a:schemeClr val="bg1"/>
+              </a:solidFill>
+            </a:endParaRPr>
           </a:p>
         </p:txBody>
       </p:sp>
@@ -24107,7 +24870,7 @@
         </p:blipFill>
         <p:spPr>
           <a:xfrm>
-            <a:off x="721546" y="2271896"/>
+            <a:off x="1323904" y="2271896"/>
             <a:ext cx="9628226" cy="4586104"/>
           </a:xfrm>
           <a:prstGeom prst="rect">
@@ -24168,22 +24931,42 @@
           <a:lstStyle/>
           <a:p>
             <a:r>
-              <a:rPr lang="it-IT" dirty="0" smtClean="0"/>
+              <a:rPr lang="it-IT" dirty="0" smtClean="0">
+                <a:solidFill>
+                  <a:schemeClr val="bg1"/>
+                </a:solidFill>
+              </a:rPr>
               <a:t>Architecture </a:t>
             </a:r>
             <a:r>
-              <a:rPr lang="it-IT" dirty="0" err="1" smtClean="0"/>
+              <a:rPr lang="it-IT" dirty="0" err="1" smtClean="0">
+                <a:solidFill>
+                  <a:schemeClr val="bg1"/>
+                </a:solidFill>
+              </a:rPr>
               <a:t>Styles</a:t>
             </a:r>
             <a:r>
-              <a:rPr lang="it-IT" dirty="0" smtClean="0"/>
+              <a:rPr lang="it-IT" dirty="0" smtClean="0">
+                <a:solidFill>
+                  <a:schemeClr val="bg1"/>
+                </a:solidFill>
+              </a:rPr>
               <a:t> and </a:t>
             </a:r>
             <a:r>
-              <a:rPr lang="it-IT" dirty="0" err="1" smtClean="0"/>
+              <a:rPr lang="it-IT" dirty="0" err="1" smtClean="0">
+                <a:solidFill>
+                  <a:schemeClr val="bg1"/>
+                </a:solidFill>
+              </a:rPr>
               <a:t>Patterns</a:t>
             </a:r>
-            <a:endParaRPr lang="en-US" dirty="0"/>
+            <a:endParaRPr lang="en-US" dirty="0">
+              <a:solidFill>
+                <a:schemeClr val="bg1"/>
+              </a:solidFill>
+            </a:endParaRPr>
           </a:p>
         </p:txBody>
       </p:sp>
@@ -24343,18 +25126,34 @@
           <a:lstStyle/>
           <a:p>
             <a:r>
-              <a:rPr lang="it-IT" dirty="0" err="1" smtClean="0"/>
+              <a:rPr lang="it-IT" dirty="0" err="1" smtClean="0">
+                <a:solidFill>
+                  <a:schemeClr val="bg1"/>
+                </a:solidFill>
+              </a:rPr>
               <a:t>Other</a:t>
             </a:r>
             <a:r>
-              <a:rPr lang="it-IT" dirty="0" smtClean="0"/>
+              <a:rPr lang="it-IT" dirty="0" smtClean="0">
+                <a:solidFill>
+                  <a:schemeClr val="bg1"/>
+                </a:solidFill>
+              </a:rPr>
               <a:t> Design </a:t>
             </a:r>
             <a:r>
-              <a:rPr lang="it-IT" dirty="0" err="1" smtClean="0"/>
+              <a:rPr lang="it-IT" dirty="0" err="1" smtClean="0">
+                <a:solidFill>
+                  <a:schemeClr val="bg1"/>
+                </a:solidFill>
+              </a:rPr>
               <a:t>Decisions</a:t>
             </a:r>
-            <a:endParaRPr lang="en-US" dirty="0"/>
+            <a:endParaRPr lang="en-US" dirty="0">
+              <a:solidFill>
+                <a:schemeClr val="bg1"/>
+              </a:solidFill>
+            </a:endParaRPr>
           </a:p>
         </p:txBody>
       </p:sp>
@@ -24681,30 +25480,58 @@
           <a:lstStyle/>
           <a:p>
             <a:r>
-              <a:rPr lang="it-IT" dirty="0" err="1" smtClean="0"/>
+              <a:rPr lang="it-IT" dirty="0" err="1" smtClean="0">
+                <a:solidFill>
+                  <a:schemeClr val="bg1"/>
+                </a:solidFill>
+              </a:rPr>
               <a:t>Assumptions</a:t>
             </a:r>
             <a:r>
-              <a:rPr lang="it-IT" dirty="0" smtClean="0"/>
+              <a:rPr lang="it-IT" dirty="0" smtClean="0">
+                <a:solidFill>
+                  <a:schemeClr val="bg1"/>
+                </a:solidFill>
+              </a:rPr>
               <a:t> (</a:t>
             </a:r>
             <a:r>
-              <a:rPr lang="it-IT" dirty="0" err="1" smtClean="0"/>
+              <a:rPr lang="it-IT" dirty="0" err="1" smtClean="0">
+                <a:solidFill>
+                  <a:schemeClr val="bg1"/>
+                </a:solidFill>
+              </a:rPr>
               <a:t>Main</a:t>
             </a:r>
             <a:r>
-              <a:rPr lang="it-IT" dirty="0" smtClean="0"/>
+              <a:rPr lang="it-IT" dirty="0" smtClean="0">
+                <a:solidFill>
+                  <a:schemeClr val="bg1"/>
+                </a:solidFill>
+              </a:rPr>
               <a:t> </a:t>
             </a:r>
             <a:r>
-              <a:rPr lang="it-IT" dirty="0" err="1" smtClean="0"/>
+              <a:rPr lang="it-IT" dirty="0" err="1" smtClean="0">
+                <a:solidFill>
+                  <a:schemeClr val="bg1"/>
+                </a:solidFill>
+              </a:rPr>
               <a:t>points</a:t>
             </a:r>
             <a:r>
-              <a:rPr lang="it-IT" dirty="0" smtClean="0"/>
+              <a:rPr lang="it-IT" dirty="0" smtClean="0">
+                <a:solidFill>
+                  <a:schemeClr val="bg1"/>
+                </a:solidFill>
+              </a:rPr>
               <a:t>)</a:t>
             </a:r>
-            <a:endParaRPr lang="it-IT" dirty="0"/>
+            <a:endParaRPr lang="it-IT" dirty="0">
+              <a:solidFill>
+                <a:schemeClr val="bg1"/>
+              </a:solidFill>
+            </a:endParaRPr>
           </a:p>
         </p:txBody>
       </p:sp>
@@ -24947,11 +25774,7 @@
           <a:p>
             <a:r>
               <a:rPr lang="it-IT" dirty="0" smtClean="0"/>
-              <a:t>City</a:t>
-            </a:r>
-            <a:r>
-              <a:rPr lang="it-IT" dirty="0" smtClean="0"/>
-              <a:t>: Milan (3.2 </a:t>
+              <a:t>City: Milan (3.2 </a:t>
             </a:r>
             <a:r>
               <a:rPr lang="it-IT" dirty="0" err="1" smtClean="0"/>
@@ -25101,22 +25924,42 @@
           <a:lstStyle/>
           <a:p>
             <a:r>
-              <a:rPr lang="it-IT" dirty="0" err="1"/>
+              <a:rPr lang="it-IT" dirty="0" err="1">
+                <a:solidFill>
+                  <a:schemeClr val="bg1"/>
+                </a:solidFill>
+              </a:rPr>
               <a:t>Other</a:t>
             </a:r>
             <a:r>
-              <a:rPr lang="it-IT" dirty="0"/>
+              <a:rPr lang="it-IT" dirty="0">
+                <a:solidFill>
+                  <a:schemeClr val="bg1"/>
+                </a:solidFill>
+              </a:rPr>
               <a:t> Design </a:t>
             </a:r>
             <a:r>
-              <a:rPr lang="it-IT" dirty="0" err="1" smtClean="0"/>
+              <a:rPr lang="it-IT" dirty="0" err="1" smtClean="0">
+                <a:solidFill>
+                  <a:schemeClr val="bg1"/>
+                </a:solidFill>
+              </a:rPr>
               <a:t>Decisions</a:t>
             </a:r>
             <a:r>
-              <a:rPr lang="it-IT" dirty="0" smtClean="0"/>
+              <a:rPr lang="it-IT" dirty="0" smtClean="0">
+                <a:solidFill>
+                  <a:schemeClr val="bg1"/>
+                </a:solidFill>
+              </a:rPr>
               <a:t>: Security</a:t>
             </a:r>
-            <a:endParaRPr lang="en-US" dirty="0"/>
+            <a:endParaRPr lang="en-US" dirty="0">
+              <a:solidFill>
+                <a:schemeClr val="bg1"/>
+              </a:solidFill>
+            </a:endParaRPr>
           </a:p>
         </p:txBody>
       </p:sp>
@@ -25392,28 +26235,44 @@
         </p:nvSpPr>
         <p:spPr>
           <a:xfrm>
-            <a:off x="1964580" y="2981325"/>
-            <a:ext cx="8825658" cy="881656"/>
+            <a:off x="481263" y="471638"/>
+            <a:ext cx="11232682" cy="5900285"/>
           </a:xfrm>
         </p:spPr>
         <p:txBody>
-          <a:bodyPr/>
+          <a:bodyPr anchor="ctr" anchorCtr="0"/>
           <a:lstStyle/>
           <a:p>
             <a:pPr algn="ctr"/>
             <a:r>
-              <a:rPr lang="it-IT" dirty="0" smtClean="0"/>
+              <a:rPr lang="it-IT" dirty="0" smtClean="0">
+                <a:solidFill>
+                  <a:schemeClr val="bg1"/>
+                </a:solidFill>
+              </a:rPr>
               <a:t>Integration </a:t>
             </a:r>
             <a:r>
-              <a:rPr lang="it-IT" dirty="0" err="1" smtClean="0"/>
+              <a:rPr lang="it-IT" dirty="0" err="1" smtClean="0">
+                <a:solidFill>
+                  <a:schemeClr val="bg1"/>
+                </a:solidFill>
+              </a:rPr>
               <a:t>Testing</a:t>
             </a:r>
             <a:r>
-              <a:rPr lang="it-IT" dirty="0" smtClean="0"/>
+              <a:rPr lang="it-IT" dirty="0" smtClean="0">
+                <a:solidFill>
+                  <a:schemeClr val="bg1"/>
+                </a:solidFill>
+              </a:rPr>
               <a:t> Plan</a:t>
             </a:r>
-            <a:endParaRPr lang="it-IT" dirty="0"/>
+            <a:endParaRPr lang="it-IT" dirty="0">
+              <a:solidFill>
+                <a:schemeClr val="bg1"/>
+              </a:solidFill>
+            </a:endParaRPr>
           </a:p>
         </p:txBody>
       </p:sp>
@@ -25470,22 +26329,42 @@
           <a:lstStyle/>
           <a:p>
             <a:r>
-              <a:rPr lang="it-IT" dirty="0" smtClean="0"/>
+              <a:rPr lang="it-IT" dirty="0" smtClean="0">
+                <a:solidFill>
+                  <a:schemeClr val="bg1"/>
+                </a:solidFill>
+              </a:rPr>
               <a:t>Integration </a:t>
             </a:r>
             <a:r>
-              <a:rPr lang="it-IT" dirty="0" err="1" smtClean="0"/>
+              <a:rPr lang="it-IT" dirty="0" err="1" smtClean="0">
+                <a:solidFill>
+                  <a:schemeClr val="bg1"/>
+                </a:solidFill>
+              </a:rPr>
               <a:t>Testing</a:t>
             </a:r>
             <a:r>
-              <a:rPr lang="it-IT" dirty="0" smtClean="0"/>
+              <a:rPr lang="it-IT" dirty="0" smtClean="0">
+                <a:solidFill>
+                  <a:schemeClr val="bg1"/>
+                </a:solidFill>
+              </a:rPr>
               <a:t> </a:t>
             </a:r>
             <a:r>
-              <a:rPr lang="it-IT" dirty="0" err="1" smtClean="0"/>
+              <a:rPr lang="it-IT" dirty="0" err="1" smtClean="0">
+                <a:solidFill>
+                  <a:schemeClr val="bg1"/>
+                </a:solidFill>
+              </a:rPr>
               <a:t>Strategy</a:t>
             </a:r>
-            <a:endParaRPr lang="en-US" dirty="0"/>
+            <a:endParaRPr lang="en-US" dirty="0">
+              <a:solidFill>
+                <a:schemeClr val="bg1"/>
+              </a:solidFill>
+            </a:endParaRPr>
           </a:p>
         </p:txBody>
       </p:sp>
@@ -25502,7 +26381,7 @@
         <p:spPr>
           <a:xfrm>
             <a:off x="1154955" y="2343150"/>
-            <a:ext cx="8761412" cy="4514850"/>
+            <a:ext cx="10530114" cy="4514850"/>
           </a:xfrm>
         </p:spPr>
         <p:txBody>
@@ -25512,7 +26391,7 @@
           <a:lstStyle/>
           <a:p>
             <a:r>
-              <a:rPr lang="en-US" dirty="0" smtClean="0"/>
+              <a:rPr lang="en-US" b="1" dirty="0" smtClean="0"/>
               <a:t>Two phases</a:t>
             </a:r>
             <a:r>
@@ -25543,14 +26422,14 @@
           </a:p>
           <a:p>
             <a:r>
-              <a:rPr lang="it-IT" dirty="0" smtClean="0"/>
+              <a:rPr lang="it-IT" b="1" dirty="0" smtClean="0"/>
               <a:t>Bottom-up </a:t>
             </a:r>
             <a:r>
-              <a:rPr lang="it-IT" dirty="0" err="1" smtClean="0"/>
+              <a:rPr lang="it-IT" b="1" dirty="0" err="1" smtClean="0"/>
               <a:t>approach</a:t>
             </a:r>
-            <a:endParaRPr lang="it-IT" dirty="0" smtClean="0"/>
+            <a:endParaRPr lang="it-IT" b="1" dirty="0" smtClean="0"/>
           </a:p>
           <a:p>
             <a:pPr lvl="1"/>
@@ -25637,9 +26516,8 @@
             </a:r>
             <a:r>
               <a:rPr lang="en-US" dirty="0" smtClean="0"/>
-              <a:t>dependencies</a:t>
-            </a:r>
-            <a:endParaRPr lang="en-US" dirty="0" smtClean="0"/>
+              <a:t>dependencies.</a:t>
+            </a:r>
           </a:p>
         </p:txBody>
       </p:sp>
@@ -25701,14 +26579,26 @@
           <a:lstStyle/>
           <a:p>
             <a:r>
-              <a:rPr lang="it-IT" dirty="0" smtClean="0"/>
+              <a:rPr lang="it-IT" dirty="0" smtClean="0">
+                <a:solidFill>
+                  <a:schemeClr val="bg1"/>
+                </a:solidFill>
+              </a:rPr>
               <a:t>Integration </a:t>
             </a:r>
             <a:r>
-              <a:rPr lang="it-IT" dirty="0" err="1" smtClean="0"/>
+              <a:rPr lang="it-IT" dirty="0" err="1" smtClean="0">
+                <a:solidFill>
+                  <a:schemeClr val="bg1"/>
+                </a:solidFill>
+              </a:rPr>
               <a:t>Sequence</a:t>
             </a:r>
-            <a:endParaRPr lang="en-US" dirty="0"/>
+            <a:endParaRPr lang="en-US" dirty="0">
+              <a:solidFill>
+                <a:schemeClr val="bg1"/>
+              </a:solidFill>
+            </a:endParaRPr>
           </a:p>
         </p:txBody>
       </p:sp>
@@ -25735,10 +26625,25 @@
           <a:lstStyle/>
           <a:p>
             <a:r>
-              <a:rPr lang="it-IT" sz="2000" dirty="0" smtClean="0"/>
+              <a:rPr lang="it-IT" sz="2800" dirty="0">
+                <a:solidFill>
+                  <a:srgbClr val="2F5E8B"/>
+                </a:solidFill>
+              </a:rPr>
               <a:t>Software</a:t>
             </a:r>
-            <a:endParaRPr lang="en-US" sz="2000" dirty="0"/>
+            <a:endParaRPr lang="en-US" sz="2800" dirty="0">
+              <a:solidFill>
+                <a:srgbClr val="2F5E8B"/>
+              </a:solidFill>
+            </a:endParaRPr>
+          </a:p>
+          <a:p>
+            <a:endParaRPr lang="en-US" sz="2500" b="1" dirty="0">
+              <a:solidFill>
+                <a:srgbClr val="0070C0"/>
+              </a:solidFill>
+            </a:endParaRPr>
           </a:p>
         </p:txBody>
       </p:sp>
@@ -25781,22 +26686,28 @@
       </p:grpSpPr>
       <p:pic>
         <p:nvPicPr>
-          <p:cNvPr id="5" name="Immagine 4"/>
+          <p:cNvPr id="3" name="Immagine 2"/>
           <p:cNvPicPr>
             <a:picLocks noChangeAspect="1"/>
           </p:cNvPicPr>
           <p:nvPr/>
         </p:nvPicPr>
         <p:blipFill>
-          <a:blip r:embed="rId3"/>
+          <a:blip r:embed="rId3">
+            <a:extLst>
+              <a:ext uri="{28A0092B-C50C-407E-A947-70E740481C1C}">
+                <a14:useLocalDpi xmlns:a14="http://schemas.microsoft.com/office/drawing/2010/main" val="0"/>
+              </a:ext>
+            </a:extLst>
+          </a:blip>
           <a:stretch>
             <a:fillRect/>
           </a:stretch>
         </p:blipFill>
         <p:spPr>
           <a:xfrm>
-            <a:off x="1716505" y="0"/>
-            <a:ext cx="9464966" cy="6858000"/>
+            <a:off x="771052" y="0"/>
+            <a:ext cx="10649896" cy="6858000"/>
           </a:xfrm>
           <a:prstGeom prst="rect">
             <a:avLst/>
@@ -25861,14 +26772,26 @@
           <a:lstStyle/>
           <a:p>
             <a:r>
-              <a:rPr lang="it-IT" dirty="0" smtClean="0"/>
+              <a:rPr lang="it-IT" dirty="0" smtClean="0">
+                <a:solidFill>
+                  <a:schemeClr val="bg1"/>
+                </a:solidFill>
+              </a:rPr>
               <a:t>Integration </a:t>
             </a:r>
             <a:r>
-              <a:rPr lang="it-IT" dirty="0" err="1" smtClean="0"/>
+              <a:rPr lang="it-IT" dirty="0" err="1" smtClean="0">
+                <a:solidFill>
+                  <a:schemeClr val="bg1"/>
+                </a:solidFill>
+              </a:rPr>
               <a:t>Sequence</a:t>
             </a:r>
-            <a:endParaRPr lang="en-US" dirty="0"/>
+            <a:endParaRPr lang="en-US" dirty="0">
+              <a:solidFill>
+                <a:schemeClr val="bg1"/>
+              </a:solidFill>
+            </a:endParaRPr>
           </a:p>
         </p:txBody>
       </p:sp>
@@ -25895,10 +26818,25 @@
           <a:lstStyle/>
           <a:p>
             <a:r>
-              <a:rPr lang="it-IT" sz="2000" dirty="0" err="1" smtClean="0"/>
+              <a:rPr lang="it-IT" sz="2800" dirty="0" err="1">
+                <a:solidFill>
+                  <a:srgbClr val="2F5E8B"/>
+                </a:solidFill>
+              </a:rPr>
               <a:t>Subsystems</a:t>
             </a:r>
-            <a:endParaRPr lang="en-US" sz="2000" dirty="0"/>
+            <a:endParaRPr lang="en-US" sz="2800" b="1" dirty="0">
+              <a:solidFill>
+                <a:srgbClr val="0070C0"/>
+              </a:solidFill>
+            </a:endParaRPr>
+          </a:p>
+          <a:p>
+            <a:endParaRPr lang="en-US" sz="2500" b="1" dirty="0">
+              <a:solidFill>
+                <a:srgbClr val="0070C0"/>
+              </a:solidFill>
+            </a:endParaRPr>
           </a:p>
         </p:txBody>
       </p:sp>
@@ -25949,49 +26887,80 @@
             <p:ph type="title"/>
           </p:nvPr>
         </p:nvSpPr>
-        <p:spPr/>
+        <p:spPr>
+          <a:xfrm>
+            <a:off x="1154953" y="973668"/>
+            <a:ext cx="9966128" cy="706964"/>
+          </a:xfrm>
+        </p:spPr>
         <p:txBody>
           <a:bodyPr/>
           <a:lstStyle/>
           <a:p>
             <a:r>
-              <a:rPr lang="it-IT" dirty="0"/>
+              <a:rPr lang="it-IT" dirty="0">
+                <a:solidFill>
+                  <a:schemeClr val="bg1"/>
+                </a:solidFill>
+              </a:rPr>
               <a:t>Integration </a:t>
             </a:r>
             <a:r>
-              <a:rPr lang="it-IT" dirty="0" err="1"/>
+              <a:rPr lang="it-IT" dirty="0" err="1">
+                <a:solidFill>
+                  <a:schemeClr val="bg1"/>
+                </a:solidFill>
+              </a:rPr>
               <a:t>Sequence</a:t>
             </a:r>
             <a:r>
-              <a:rPr lang="it-IT" dirty="0"/>
+              <a:rPr lang="it-IT" dirty="0">
+                <a:solidFill>
+                  <a:schemeClr val="bg1"/>
+                </a:solidFill>
+              </a:rPr>
               <a:t> - </a:t>
             </a:r>
             <a:r>
-              <a:rPr lang="it-IT" dirty="0" err="1" smtClean="0"/>
+              <a:rPr lang="it-IT" dirty="0" err="1" smtClean="0">
+                <a:solidFill>
+                  <a:schemeClr val="bg1"/>
+                </a:solidFill>
+              </a:rPr>
               <a:t>Subsystems</a:t>
             </a:r>
-            <a:endParaRPr lang="en-US" dirty="0"/>
+            <a:endParaRPr lang="en-US" dirty="0">
+              <a:solidFill>
+                <a:schemeClr val="bg1"/>
+              </a:solidFill>
+            </a:endParaRPr>
           </a:p>
         </p:txBody>
       </p:sp>
       <p:pic>
         <p:nvPicPr>
-          <p:cNvPr id="4" name="Immagine 3"/>
+          <p:cNvPr id="5" name="Immagine 4"/>
           <p:cNvPicPr>
             <a:picLocks noChangeAspect="1"/>
           </p:cNvPicPr>
           <p:nvPr/>
         </p:nvPicPr>
         <p:blipFill>
-          <a:blip r:embed="rId3"/>
+          <a:blip r:embed="rId3">
+            <a:extLst>
+              <a:ext uri="{28A0092B-C50C-407E-A947-70E740481C1C}">
+                <a14:useLocalDpi xmlns:a14="http://schemas.microsoft.com/office/drawing/2010/main" val="0"/>
+              </a:ext>
+            </a:extLst>
+          </a:blip>
           <a:stretch>
             <a:fillRect/>
           </a:stretch>
         </p:blipFill>
         <p:spPr>
           <a:xfrm>
-            <a:off x="504824" y="3246920"/>
-            <a:ext cx="11087101" cy="2483994"/>
+            <a:off x="2147541" y="3207530"/>
+            <a:ext cx="7980952" cy="1790476"/>
           </a:xfrm>
           <a:prstGeom prst="rect">
             <a:avLst/>
@@ -26045,16 +27014,29 @@
             <p:ph type="title"/>
           </p:nvPr>
         </p:nvSpPr>
-        <p:spPr/>
+        <p:spPr>
+          <a:xfrm>
+            <a:off x="1154953" y="973668"/>
+            <a:ext cx="9962226" cy="706964"/>
+          </a:xfrm>
+        </p:spPr>
         <p:txBody>
           <a:bodyPr/>
           <a:lstStyle/>
           <a:p>
             <a:r>
-              <a:rPr lang="en-US" dirty="0" smtClean="0"/>
+              <a:rPr lang="en-US" dirty="0" smtClean="0">
+                <a:solidFill>
+                  <a:schemeClr val="bg1"/>
+                </a:solidFill>
+              </a:rPr>
               <a:t>Example Of Test Cases</a:t>
             </a:r>
-            <a:endParaRPr lang="en-US" dirty="0"/>
+            <a:endParaRPr lang="en-US" dirty="0">
+              <a:solidFill>
+                <a:schemeClr val="bg1"/>
+              </a:solidFill>
+            </a:endParaRPr>
           </a:p>
         </p:txBody>
       </p:sp>
@@ -26067,13 +27049,13 @@
           <p:nvPr>
             <p:extLst>
               <p:ext uri="{D42A27DB-BD31-4B8C-83A1-F6EECF244321}">
-                <p14:modId xmlns:p14="http://schemas.microsoft.com/office/powerpoint/2010/main" val="197080246"/>
+                <p14:modId xmlns:p14="http://schemas.microsoft.com/office/powerpoint/2010/main" val="3867715785"/>
               </p:ext>
             </p:extLst>
           </p:nvPr>
         </p:nvGraphicFramePr>
         <p:xfrm>
-          <a:off x="2810076" y="2446604"/>
+          <a:off x="2973131" y="2512472"/>
           <a:ext cx="6325870" cy="1341120"/>
         </p:xfrm>
         <a:graphic>
@@ -26423,13 +27405,13 @@
           <p:nvPr>
             <p:extLst>
               <p:ext uri="{D42A27DB-BD31-4B8C-83A1-F6EECF244321}">
-                <p14:modId xmlns:p14="http://schemas.microsoft.com/office/powerpoint/2010/main" val="725557536"/>
+                <p14:modId xmlns:p14="http://schemas.microsoft.com/office/powerpoint/2010/main" val="2528531264"/>
               </p:ext>
             </p:extLst>
           </p:nvPr>
         </p:nvGraphicFramePr>
         <p:xfrm>
-          <a:off x="2810076" y="4231331"/>
+          <a:off x="2973131" y="4231331"/>
           <a:ext cx="6325870" cy="1676400"/>
         </p:xfrm>
         <a:graphic>
@@ -26778,7 +27760,7 @@
         </p:nvSpPr>
         <p:spPr>
           <a:xfrm>
-            <a:off x="3300111" y="6285470"/>
+            <a:off x="3862046" y="6276018"/>
             <a:ext cx="4548040" cy="307777"/>
           </a:xfrm>
           <a:prstGeom prst="rect">
@@ -26876,20 +27858,28 @@
         </p:nvSpPr>
         <p:spPr>
           <a:xfrm>
-            <a:off x="3155205" y="2943224"/>
-            <a:ext cx="5950695" cy="948331"/>
+            <a:off x="469558" y="486032"/>
+            <a:ext cx="11219934" cy="5890054"/>
           </a:xfrm>
         </p:spPr>
         <p:txBody>
-          <a:bodyPr/>
+          <a:bodyPr anchor="ctr" anchorCtr="0"/>
           <a:lstStyle/>
           <a:p>
             <a:pPr algn="ctr"/>
             <a:r>
-              <a:rPr lang="it-IT" dirty="0" smtClean="0"/>
+              <a:rPr lang="it-IT" dirty="0" smtClean="0">
+                <a:solidFill>
+                  <a:schemeClr val="bg1"/>
+                </a:solidFill>
+              </a:rPr>
               <a:t>Project Plan</a:t>
             </a:r>
-            <a:endParaRPr lang="it-IT" dirty="0"/>
+            <a:endParaRPr lang="it-IT" dirty="0">
+              <a:solidFill>
+                <a:schemeClr val="bg1"/>
+              </a:solidFill>
+            </a:endParaRPr>
           </a:p>
         </p:txBody>
       </p:sp>
@@ -26940,28 +27930,53 @@
             <p:ph type="title"/>
           </p:nvPr>
         </p:nvSpPr>
-        <p:spPr/>
+        <p:spPr>
+          <a:xfrm>
+            <a:off x="1154953" y="973668"/>
+            <a:ext cx="9971851" cy="706964"/>
+          </a:xfrm>
+        </p:spPr>
         <p:txBody>
           <a:bodyPr/>
           <a:lstStyle/>
           <a:p>
             <a:r>
-              <a:rPr lang="it-IT" dirty="0" err="1" smtClean="0"/>
+              <a:rPr lang="it-IT" dirty="0" err="1" smtClean="0">
+                <a:solidFill>
+                  <a:schemeClr val="bg1"/>
+                </a:solidFill>
+              </a:rPr>
               <a:t>Function</a:t>
             </a:r>
             <a:r>
-              <a:rPr lang="it-IT" dirty="0" smtClean="0"/>
+              <a:rPr lang="it-IT" dirty="0" smtClean="0">
+                <a:solidFill>
+                  <a:schemeClr val="bg1"/>
+                </a:solidFill>
+              </a:rPr>
               <a:t> </a:t>
             </a:r>
             <a:r>
-              <a:rPr lang="it-IT" dirty="0" err="1" smtClean="0"/>
+              <a:rPr lang="it-IT" dirty="0" err="1" smtClean="0">
+                <a:solidFill>
+                  <a:schemeClr val="bg1"/>
+                </a:solidFill>
+              </a:rPr>
               <a:t>Points</a:t>
             </a:r>
             <a:r>
-              <a:rPr lang="it-IT" dirty="0" smtClean="0"/>
+              <a:rPr lang="it-IT" dirty="0" smtClean="0">
+                <a:solidFill>
+                  <a:schemeClr val="bg1"/>
+                </a:solidFill>
+              </a:rPr>
               <a:t> Analysis</a:t>
             </a:r>
-            <a:endParaRPr lang="en-US" dirty="0"/>
+            <a:endParaRPr lang="en-US" dirty="0">
+              <a:solidFill>
+                <a:schemeClr val="bg1"/>
+              </a:solidFill>
+            </a:endParaRPr>
           </a:p>
         </p:txBody>
       </p:sp>
@@ -26974,14 +27989,14 @@
           <p:nvPr>
             <p:extLst>
               <p:ext uri="{D42A27DB-BD31-4B8C-83A1-F6EECF244321}">
-                <p14:modId xmlns:p14="http://schemas.microsoft.com/office/powerpoint/2010/main" val="1926870873"/>
+                <p14:modId xmlns:p14="http://schemas.microsoft.com/office/powerpoint/2010/main" val="1561227727"/>
               </p:ext>
             </p:extLst>
           </p:nvPr>
         </p:nvGraphicFramePr>
         <p:xfrm>
-          <a:off x="4484284" y="3211179"/>
-          <a:ext cx="2492693" cy="1508760"/>
+          <a:off x="4610459" y="2772072"/>
+          <a:ext cx="3060834" cy="1944306"/>
         </p:xfrm>
         <a:graphic>
           <a:graphicData uri="http://schemas.openxmlformats.org/drawingml/2006/table">
@@ -26990,10 +28005,10 @@
                 <a:tableStyleId>{616DA210-FB5B-4158-B5E0-FEB733F419BA}</a:tableStyleId>
               </a:tblPr>
               <a:tblGrid>
-                <a:gridCol w="1675448"/>
-                <a:gridCol w="817245"/>
+                <a:gridCol w="2057321"/>
+                <a:gridCol w="1003513"/>
               </a:tblGrid>
-              <a:tr h="0">
+              <a:tr h="216034">
                 <a:tc>
                   <a:txBody>
                     <a:bodyPr/>
@@ -27047,7 +28062,7 @@
                   <a:tcPr marL="68580" marR="68580" marT="0" marB="0" anchor="ctr"/>
                 </a:tc>
               </a:tr>
-              <a:tr h="0">
+              <a:tr h="216034">
                 <a:tc>
                   <a:txBody>
                     <a:bodyPr/>
@@ -27101,7 +28116,7 @@
                   <a:tcPr marL="68580" marR="68580" marT="0" marB="0" anchor="ctr"/>
                 </a:tc>
               </a:tr>
-              <a:tr h="0">
+              <a:tr h="216034">
                 <a:tc>
                   <a:txBody>
                     <a:bodyPr/>
@@ -27151,12 +28166,12 @@
                         </a:spcAft>
                       </a:pPr>
                       <a:r>
-                        <a:rPr lang="en-US" sz="1100">
+                        <a:rPr lang="en-US" sz="1100" dirty="0">
                           <a:effectLst/>
                         </a:rPr>
                         <a:t>20</a:t>
                       </a:r>
-                      <a:endParaRPr lang="en-US" sz="1100">
+                      <a:endParaRPr lang="en-US" sz="1100" dirty="0">
                         <a:effectLst/>
                         <a:latin typeface="Calibri" panose="020F0502020204030204" pitchFamily="34" charset="0"/>
                         <a:ea typeface="Calibri" panose="020F0502020204030204" pitchFamily="34" charset="0"/>
@@ -27167,7 +28182,7 @@
                   <a:tcPr marL="68580" marR="68580" marT="0" marB="0" anchor="ctr"/>
                 </a:tc>
               </a:tr>
-              <a:tr h="0">
+              <a:tr h="216034">
                 <a:tc>
                   <a:txBody>
                     <a:bodyPr/>
@@ -27227,7 +28242,7 @@
                   <a:tcPr marL="68580" marR="68580" marT="0" marB="0" anchor="ctr"/>
                 </a:tc>
               </a:tr>
-              <a:tr h="0">
+              <a:tr h="216034">
                 <a:tc>
                   <a:txBody>
                     <a:bodyPr/>
@@ -27281,7 +28296,7 @@
                   <a:tcPr marL="68580" marR="68580" marT="0" marB="0" anchor="ctr"/>
                 </a:tc>
               </a:tr>
-              <a:tr h="0">
+              <a:tr h="216034">
                 <a:tc>
                   <a:txBody>
                     <a:bodyPr/>
@@ -27341,7 +28356,7 @@
                   <a:tcPr marL="68580" marR="68580" marT="0" marB="0" anchor="ctr"/>
                 </a:tc>
               </a:tr>
-              <a:tr h="0">
+              <a:tr h="216034">
                 <a:tc>
                   <a:txBody>
                     <a:bodyPr/>
@@ -27395,7 +28410,7 @@
                   <a:tcPr marL="68580" marR="68580" marT="0" marB="0" anchor="ctr"/>
                 </a:tc>
               </a:tr>
-              <a:tr h="0">
+              <a:tr h="216034">
                 <a:tc>
                   <a:txBody>
                     <a:bodyPr/>
@@ -27449,7 +28464,7 @@
                   <a:tcPr marL="68580" marR="68580" marT="0" marB="0" anchor="ctr"/>
                 </a:tc>
               </a:tr>
-              <a:tr h="0">
+              <a:tr h="216034">
                 <a:tc>
                   <a:txBody>
                     <a:bodyPr/>
@@ -27529,7 +28544,7 @@
         </p:nvSpPr>
         <p:spPr>
           <a:xfrm>
-            <a:off x="8428966" y="6342620"/>
+            <a:off x="8101707" y="6130864"/>
             <a:ext cx="3763034" cy="420646"/>
           </a:xfrm>
           <a:prstGeom prst="rect">
@@ -27788,7 +28803,7 @@
         </p:nvSpPr>
         <p:spPr>
           <a:xfrm>
-            <a:off x="2159332" y="5438711"/>
+            <a:off x="2569579" y="5178830"/>
             <a:ext cx="7142595" cy="307777"/>
           </a:xfrm>
           <a:prstGeom prst="rect">
@@ -27911,34 +28926,66 @@
           <a:lstStyle/>
           <a:p>
             <a:r>
-              <a:rPr lang="it-IT" dirty="0" smtClean="0"/>
+              <a:rPr lang="it-IT" dirty="0" smtClean="0">
+                <a:solidFill>
+                  <a:schemeClr val="bg1"/>
+                </a:solidFill>
+              </a:rPr>
               <a:t>Actors: </a:t>
             </a:r>
             <a:r>
-              <a:rPr lang="it-IT" dirty="0" err="1" smtClean="0"/>
+              <a:rPr lang="it-IT" dirty="0" err="1" smtClean="0">
+                <a:solidFill>
+                  <a:schemeClr val="bg1"/>
+                </a:solidFill>
+              </a:rPr>
               <a:t>who</a:t>
             </a:r>
             <a:r>
-              <a:rPr lang="it-IT" dirty="0" smtClean="0"/>
+              <a:rPr lang="it-IT" dirty="0" smtClean="0">
+                <a:solidFill>
+                  <a:schemeClr val="bg1"/>
+                </a:solidFill>
+              </a:rPr>
               <a:t> </a:t>
             </a:r>
             <a:r>
-              <a:rPr lang="it-IT" dirty="0" err="1" smtClean="0"/>
+              <a:rPr lang="it-IT" dirty="0" err="1" smtClean="0">
+                <a:solidFill>
+                  <a:schemeClr val="bg1"/>
+                </a:solidFill>
+              </a:rPr>
               <a:t>will</a:t>
             </a:r>
             <a:r>
-              <a:rPr lang="it-IT" dirty="0" smtClean="0"/>
+              <a:rPr lang="it-IT" dirty="0" smtClean="0">
+                <a:solidFill>
+                  <a:schemeClr val="bg1"/>
+                </a:solidFill>
+              </a:rPr>
               <a:t> use the new </a:t>
             </a:r>
             <a:r>
-              <a:rPr lang="it-IT" dirty="0" err="1" smtClean="0"/>
+              <a:rPr lang="it-IT" dirty="0" err="1" smtClean="0">
+                <a:solidFill>
+                  <a:schemeClr val="bg1"/>
+                </a:solidFill>
+              </a:rPr>
               <a:t>system</a:t>
             </a:r>
             <a:r>
-              <a:rPr lang="it-IT" dirty="0" smtClean="0"/>
+              <a:rPr lang="it-IT" dirty="0" smtClean="0">
+                <a:solidFill>
+                  <a:schemeClr val="bg1"/>
+                </a:solidFill>
+              </a:rPr>
               <a:t>?</a:t>
             </a:r>
-            <a:endParaRPr lang="it-IT" dirty="0"/>
+            <a:endParaRPr lang="it-IT" dirty="0">
+              <a:solidFill>
+                <a:schemeClr val="bg1"/>
+              </a:solidFill>
+            </a:endParaRPr>
           </a:p>
         </p:txBody>
       </p:sp>
@@ -28297,16 +29344,29 @@
             <p:ph type="title"/>
           </p:nvPr>
         </p:nvSpPr>
-        <p:spPr/>
+        <p:spPr>
+          <a:xfrm>
+            <a:off x="1154953" y="973668"/>
+            <a:ext cx="9962226" cy="706964"/>
+          </a:xfrm>
+        </p:spPr>
         <p:txBody>
           <a:bodyPr/>
           <a:lstStyle/>
           <a:p>
             <a:r>
-              <a:rPr lang="it-IT" dirty="0" smtClean="0"/>
+              <a:rPr lang="it-IT" dirty="0" smtClean="0">
+                <a:solidFill>
+                  <a:schemeClr val="bg1"/>
+                </a:solidFill>
+              </a:rPr>
               <a:t>COCOMO II – Scale Drivers</a:t>
             </a:r>
-            <a:endParaRPr lang="en-US" dirty="0"/>
+            <a:endParaRPr lang="en-US" dirty="0">
+              <a:solidFill>
+                <a:schemeClr val="bg1"/>
+              </a:solidFill>
+            </a:endParaRPr>
           </a:p>
         </p:txBody>
       </p:sp>
@@ -28322,14 +29382,14 @@
                 <p:ph idx="1"/>
                 <p:extLst>
                   <p:ext uri="{D42A27DB-BD31-4B8C-83A1-F6EECF244321}">
-                    <p14:modId xmlns:p14="http://schemas.microsoft.com/office/powerpoint/2010/main" val="1409989349"/>
+                    <p14:modId xmlns:p14="http://schemas.microsoft.com/office/powerpoint/2010/main" val="2977719508"/>
                   </p:ext>
                 </p:extLst>
               </p:nvPr>
             </p:nvGraphicFramePr>
             <p:xfrm>
-              <a:off x="2746216" y="2479040"/>
-              <a:ext cx="6475730" cy="1341120"/>
+              <a:off x="2696070" y="2377441"/>
+              <a:ext cx="6890692" cy="1510096"/>
             </p:xfrm>
             <a:graphic>
               <a:graphicData uri="http://schemas.openxmlformats.org/drawingml/2006/table">
@@ -28338,12 +29398,12 @@
                     <a:tableStyleId>{616DA210-FB5B-4158-B5E0-FEB733F419BA}</a:tableStyleId>
                   </a:tblPr>
                   <a:tblGrid>
-                    <a:gridCol w="1581150"/>
-                    <a:gridCol w="2556510"/>
-                    <a:gridCol w="1170305"/>
-                    <a:gridCol w="1167765"/>
+                    <a:gridCol w="1682469"/>
+                    <a:gridCol w="2720330"/>
+                    <a:gridCol w="1245298"/>
+                    <a:gridCol w="1242595"/>
                   </a:tblGrid>
-                  <a:tr h="0">
+                  <a:tr h="188762">
                     <a:tc>
                       <a:txBody>
                         <a:bodyPr/>
@@ -28355,12 +29415,12 @@
                             </a:spcAft>
                           </a:pPr>
                           <a:r>
-                            <a:rPr lang="en-US" sz="1100">
+                            <a:rPr lang="en-US" sz="1100" dirty="0">
                               <a:effectLst/>
                             </a:rPr>
                             <a:t>Code</a:t>
                           </a:r>
-                          <a:endParaRPr lang="en-US" sz="1100">
+                          <a:endParaRPr lang="en-US" sz="1100" dirty="0">
                             <a:effectLst/>
                             <a:latin typeface="Calibri" panose="020F0502020204030204" pitchFamily="34" charset="0"/>
                             <a:ea typeface="Calibri" panose="020F0502020204030204" pitchFamily="34" charset="0"/>
@@ -28449,7 +29509,7 @@
                       <a:tcPr marL="68580" marR="68580" marT="0" marB="0" anchor="ctr"/>
                     </a:tc>
                   </a:tr>
-                  <a:tr h="0">
+                  <a:tr h="188762">
                     <a:tc>
                       <a:txBody>
                         <a:bodyPr/>
@@ -28555,7 +29615,7 @@
                       <a:tcPr marL="68580" marR="68580" marT="0" marB="0" anchor="ctr"/>
                     </a:tc>
                   </a:tr>
-                  <a:tr h="0">
+                  <a:tr h="188762">
                     <a:tc>
                       <a:txBody>
                         <a:bodyPr/>
@@ -28661,7 +29721,7 @@
                       <a:tcPr marL="68580" marR="68580" marT="0" marB="0" anchor="ctr"/>
                     </a:tc>
                   </a:tr>
-                  <a:tr h="0">
+                  <a:tr h="188762">
                     <a:tc>
                       <a:txBody>
                         <a:bodyPr/>
@@ -28767,7 +29827,7 @@
                       <a:tcPr marL="68580" marR="68580" marT="0" marB="0" anchor="ctr"/>
                     </a:tc>
                   </a:tr>
-                  <a:tr h="0">
+                  <a:tr h="188762">
                     <a:tc>
                       <a:txBody>
                         <a:bodyPr/>
@@ -28873,7 +29933,7 @@
                       <a:tcPr marL="68580" marR="68580" marT="0" marB="0" anchor="ctr"/>
                     </a:tc>
                   </a:tr>
-                  <a:tr h="0">
+                  <a:tr h="188762">
                     <a:tc>
                       <a:txBody>
                         <a:bodyPr/>
@@ -28937,12 +29997,12 @@
                             </a:spcAft>
                           </a:pPr>
                           <a:r>
-                            <a:rPr lang="en-US" sz="1100">
+                            <a:rPr lang="en-US" sz="1100" dirty="0">
                               <a:effectLst/>
                             </a:rPr>
                             <a:t>High</a:t>
                           </a:r>
-                          <a:endParaRPr lang="en-US" sz="1100">
+                          <a:endParaRPr lang="en-US" sz="1100" dirty="0">
                             <a:effectLst/>
                             <a:latin typeface="Calibri" panose="020F0502020204030204" pitchFamily="34" charset="0"/>
                             <a:ea typeface="Calibri" panose="020F0502020204030204" pitchFamily="34" charset="0"/>
@@ -28979,7 +30039,7 @@
                       <a:tcPr marL="68580" marR="68580" marT="0" marB="0" anchor="ctr"/>
                     </a:tc>
                   </a:tr>
-                  <a:tr h="0">
+                  <a:tr h="188762">
                     <a:tc>
                       <a:txBody>
                         <a:bodyPr/>
@@ -29085,7 +30145,7 @@
                       <a:tcPr marL="68580" marR="68580" marT="0" marB="0" anchor="ctr"/>
                     </a:tc>
                   </a:tr>
-                  <a:tr h="0">
+                  <a:tr h="188762">
                     <a:tc gridSpan="3">
                       <a:txBody>
                         <a:bodyPr/>
@@ -29302,14 +30362,14 @@
                 <p:ph idx="1"/>
                 <p:extLst>
                   <p:ext uri="{D42A27DB-BD31-4B8C-83A1-F6EECF244321}">
-                    <p14:modId xmlns:p14="http://schemas.microsoft.com/office/powerpoint/2010/main" val="1409989349"/>
+                    <p14:modId xmlns:p14="http://schemas.microsoft.com/office/powerpoint/2010/main" val="2977719508"/>
                   </p:ext>
                 </p:extLst>
               </p:nvPr>
             </p:nvGraphicFramePr>
             <p:xfrm>
-              <a:off x="2746216" y="2479040"/>
-              <a:ext cx="6475730" cy="1341120"/>
+              <a:off x="2696070" y="2377441"/>
+              <a:ext cx="6890692" cy="1510096"/>
             </p:xfrm>
             <a:graphic>
               <a:graphicData uri="http://schemas.openxmlformats.org/drawingml/2006/table">
@@ -29318,12 +30378,12 @@
                     <a:tableStyleId>{616DA210-FB5B-4158-B5E0-FEB733F419BA}</a:tableStyleId>
                   </a:tblPr>
                   <a:tblGrid>
-                    <a:gridCol w="1581150"/>
-                    <a:gridCol w="2556510"/>
-                    <a:gridCol w="1170305"/>
-                    <a:gridCol w="1167765"/>
+                    <a:gridCol w="1682469"/>
+                    <a:gridCol w="2720330"/>
+                    <a:gridCol w="1245298"/>
+                    <a:gridCol w="1242595"/>
                   </a:tblGrid>
-                  <a:tr h="167640">
+                  <a:tr h="188762">
                     <a:tc>
                       <a:txBody>
                         <a:bodyPr/>
@@ -29335,12 +30395,12 @@
                             </a:spcAft>
                           </a:pPr>
                           <a:r>
-                            <a:rPr lang="en-US" sz="1100">
+                            <a:rPr lang="en-US" sz="1100" dirty="0">
                               <a:effectLst/>
                             </a:rPr>
                             <a:t>Code</a:t>
                           </a:r>
-                          <a:endParaRPr lang="en-US" sz="1100">
+                          <a:endParaRPr lang="en-US" sz="1100" dirty="0">
                             <a:effectLst/>
                             <a:latin typeface="Calibri" panose="020F0502020204030204" pitchFamily="34" charset="0"/>
                             <a:ea typeface="Calibri" panose="020F0502020204030204" pitchFamily="34" charset="0"/>
@@ -29429,7 +30489,7 @@
                       <a:tcPr marL="68580" marR="68580" marT="0" marB="0" anchor="ctr"/>
                     </a:tc>
                   </a:tr>
-                  <a:tr h="167640">
+                  <a:tr h="188762">
                     <a:tc>
                       <a:txBody>
                         <a:bodyPr/>
@@ -29535,7 +30595,7 @@
                       <a:tcPr marL="68580" marR="68580" marT="0" marB="0" anchor="ctr"/>
                     </a:tc>
                   </a:tr>
-                  <a:tr h="167640">
+                  <a:tr h="188762">
                     <a:tc>
                       <a:txBody>
                         <a:bodyPr/>
@@ -29641,7 +30701,7 @@
                       <a:tcPr marL="68580" marR="68580" marT="0" marB="0" anchor="ctr"/>
                     </a:tc>
                   </a:tr>
-                  <a:tr h="167640">
+                  <a:tr h="188762">
                     <a:tc>
                       <a:txBody>
                         <a:bodyPr/>
@@ -29747,7 +30807,7 @@
                       <a:tcPr marL="68580" marR="68580" marT="0" marB="0" anchor="ctr"/>
                     </a:tc>
                   </a:tr>
-                  <a:tr h="167640">
+                  <a:tr h="188762">
                     <a:tc>
                       <a:txBody>
                         <a:bodyPr/>
@@ -29853,7 +30913,7 @@
                       <a:tcPr marL="68580" marR="68580" marT="0" marB="0" anchor="ctr"/>
                     </a:tc>
                   </a:tr>
-                  <a:tr h="167640">
+                  <a:tr h="188762">
                     <a:tc>
                       <a:txBody>
                         <a:bodyPr/>
@@ -29917,12 +30977,12 @@
                             </a:spcAft>
                           </a:pPr>
                           <a:r>
-                            <a:rPr lang="en-US" sz="1100">
+                            <a:rPr lang="en-US" sz="1100" dirty="0">
                               <a:effectLst/>
                             </a:rPr>
                             <a:t>High</a:t>
                           </a:r>
-                          <a:endParaRPr lang="en-US" sz="1100">
+                          <a:endParaRPr lang="en-US" sz="1100" dirty="0">
                             <a:effectLst/>
                             <a:latin typeface="Calibri" panose="020F0502020204030204" pitchFamily="34" charset="0"/>
                             <a:ea typeface="Calibri" panose="020F0502020204030204" pitchFamily="34" charset="0"/>
@@ -29959,7 +31019,7 @@
                       <a:tcPr marL="68580" marR="68580" marT="0" marB="0" anchor="ctr"/>
                     </a:tc>
                   </a:tr>
-                  <a:tr h="167640">
+                  <a:tr h="188762">
                     <a:tc>
                       <a:txBody>
                         <a:bodyPr/>
@@ -30065,7 +31125,7 @@
                       <a:tcPr marL="68580" marR="68580" marT="0" marB="0" anchor="ctr"/>
                     </a:tc>
                   </a:tr>
-                  <a:tr h="167640">
+                  <a:tr h="188762">
                     <a:tc gridSpan="3">
                       <a:txBody>
                         <a:bodyPr/>
@@ -30078,7 +31138,7 @@
                         <a:blipFill rotWithShape="0">
                           <a:blip r:embed="rId3"/>
                           <a:stretch>
-                            <a:fillRect l="-115" t="-717857" r="-22388" b="-260714"/>
+                            <a:fillRect l="-108" t="-722581" r="-22330" b="-229032"/>
                           </a:stretch>
                         </a:blipFill>
                       </a:tcPr>
@@ -30147,7 +31207,7 @@
         <p:spPr>
           <a:xfrm>
             <a:off x="1154955" y="4019549"/>
-            <a:ext cx="10684620" cy="2486025"/>
+            <a:ext cx="10684620" cy="2838451"/>
           </a:xfrm>
           <a:prstGeom prst="rect">
             <a:avLst/>
@@ -30155,7 +31215,7 @@
         </p:spPr>
         <p:txBody>
           <a:bodyPr vert="horz" lIns="91440" tIns="45720" rIns="91440" bIns="45720" rtlCol="0">
-            <a:normAutofit fontScale="92500" lnSpcReduction="10000"/>
+            <a:normAutofit fontScale="85000" lnSpcReduction="20000"/>
           </a:bodyPr>
           <a:lstStyle>
             <a:lvl1pPr marL="342900" indent="-342900" algn="l" defTabSz="457200" rtl="0" eaLnBrk="1" latinLnBrk="0" hangingPunct="1">
@@ -30529,6 +31589,52 @@
               <a:rPr lang="en-US" dirty="0" smtClean="0"/>
               <a:t>because the correspondent CMM level is 3.</a:t>
             </a:r>
+          </a:p>
+          <a:p>
+            <a:endParaRPr lang="it-IT" dirty="0"/>
+          </a:p>
+          <a:p>
+            <a:r>
+              <a:rPr lang="it-IT" sz="1500" i="1" dirty="0"/>
+              <a:t>The complete </a:t>
+            </a:r>
+            <a:r>
+              <a:rPr lang="it-IT" sz="1500" i="1" dirty="0" err="1"/>
+              <a:t>analysis</a:t>
+            </a:r>
+            <a:r>
+              <a:rPr lang="it-IT" sz="1500" i="1" dirty="0"/>
+              <a:t> of the drivers </a:t>
+            </a:r>
+            <a:r>
+              <a:rPr lang="it-IT" sz="1500" i="1" dirty="0" err="1"/>
+              <a:t>is</a:t>
+            </a:r>
+            <a:r>
+              <a:rPr lang="it-IT" sz="1500" i="1" dirty="0"/>
+              <a:t> </a:t>
+            </a:r>
+            <a:r>
+              <a:rPr lang="it-IT" sz="1500" i="1" dirty="0" err="1"/>
+              <a:t>available</a:t>
+            </a:r>
+            <a:r>
+              <a:rPr lang="it-IT" sz="1500" i="1" dirty="0"/>
+              <a:t> in the </a:t>
+            </a:r>
+            <a:r>
+              <a:rPr lang="it-IT" sz="1500" i="1" dirty="0" err="1"/>
+              <a:t>documentation</a:t>
+            </a:r>
+            <a:r>
+              <a:rPr lang="it-IT" sz="1500" i="1" dirty="0"/>
+              <a:t>.</a:t>
+            </a:r>
+          </a:p>
+          <a:p>
+            <a:endParaRPr lang="en-US" dirty="0" smtClean="0"/>
+          </a:p>
+          <a:p>
             <a:endParaRPr lang="en-US" dirty="0"/>
           </a:p>
           <a:p>
@@ -30583,29 +31689,50 @@
             <p:ph type="title"/>
           </p:nvPr>
         </p:nvSpPr>
-        <p:spPr/>
+        <p:spPr>
+          <a:xfrm>
+            <a:off x="1154953" y="973668"/>
+            <a:ext cx="9962226" cy="706964"/>
+          </a:xfrm>
+        </p:spPr>
         <p:txBody>
           <a:bodyPr/>
           <a:lstStyle/>
           <a:p>
             <a:r>
-              <a:rPr lang="it-IT" dirty="0" smtClean="0"/>
+              <a:rPr lang="it-IT" dirty="0" smtClean="0">
+                <a:solidFill>
+                  <a:schemeClr val="bg1"/>
+                </a:solidFill>
+              </a:rPr>
               <a:t>COCOMO II – </a:t>
             </a:r>
             <a:r>
-              <a:rPr lang="it-IT" dirty="0" err="1" smtClean="0"/>
+              <a:rPr lang="it-IT" dirty="0" err="1" smtClean="0">
+                <a:solidFill>
+                  <a:schemeClr val="bg1"/>
+                </a:solidFill>
+              </a:rPr>
               <a:t>Cost</a:t>
             </a:r>
             <a:r>
-              <a:rPr lang="it-IT" dirty="0" smtClean="0"/>
+              <a:rPr lang="it-IT" dirty="0" smtClean="0">
+                <a:solidFill>
+                  <a:schemeClr val="bg1"/>
+                </a:solidFill>
+              </a:rPr>
               <a:t> Drivers</a:t>
             </a:r>
-            <a:endParaRPr lang="en-US" dirty="0"/>
+            <a:endParaRPr lang="en-US" dirty="0">
+              <a:solidFill>
+                <a:schemeClr val="bg1"/>
+              </a:solidFill>
+            </a:endParaRPr>
           </a:p>
         </p:txBody>
       </p:sp>
-      <mc:AlternateContent xmlns:mc="http://schemas.openxmlformats.org/markup-compatibility/2006">
-        <mc:Choice xmlns:a14="http://schemas.microsoft.com/office/drawing/2010/main" Requires="a14">
+      <mc:AlternateContent xmlns:mc="http://schemas.openxmlformats.org/markup-compatibility/2006" xmlns:a14="http://schemas.microsoft.com/office/drawing/2010/main">
+        <mc:Choice Requires="a14">
           <p:graphicFrame>
             <p:nvGraphicFramePr>
               <p:cNvPr id="4" name="Segnaposto contenuto 3"/>
@@ -30615,13 +31742,13 @@
               <p:nvPr>
                 <p:extLst>
                   <p:ext uri="{D42A27DB-BD31-4B8C-83A1-F6EECF244321}">
-                    <p14:modId xmlns:p14="http://schemas.microsoft.com/office/powerpoint/2010/main" val="2347309453"/>
+                    <p14:modId xmlns:p14="http://schemas.microsoft.com/office/powerpoint/2010/main" val="230958294"/>
                   </p:ext>
                 </p:extLst>
               </p:nvPr>
             </p:nvGraphicFramePr>
             <p:xfrm>
-              <a:off x="1757581" y="2377849"/>
+              <a:off x="2954716" y="2329723"/>
               <a:ext cx="6362700" cy="4410060"/>
             </p:xfrm>
             <a:graphic>
@@ -31288,12 +32415,12 @@
                             </a:spcAft>
                           </a:pPr>
                           <a:r>
-                            <a:rPr lang="en-US" sz="900">
+                            <a:rPr lang="en-US" sz="900" dirty="0">
                               <a:effectLst/>
                             </a:rPr>
                             <a:t>Nominal</a:t>
                           </a:r>
-                          <a:endParaRPr lang="en-US" sz="900">
+                          <a:endParaRPr lang="en-US" sz="900" dirty="0">
                             <a:effectLst/>
                             <a:latin typeface="Calibri" panose="020F0502020204030204" pitchFamily="34" charset="0"/>
                             <a:ea typeface="Calibri" panose="020F0502020204030204" pitchFamily="34" charset="0"/>
@@ -33038,7 +34165,7 @@
             </a:graphic>
           </p:graphicFrame>
         </mc:Choice>
-        <mc:Fallback>
+        <mc:Fallback xmlns="">
           <p:graphicFrame>
             <p:nvGraphicFramePr>
               <p:cNvPr id="4" name="Segnaposto contenuto 3"/>
@@ -33048,13 +34175,13 @@
               <p:nvPr>
                 <p:extLst>
                   <p:ext uri="{D42A27DB-BD31-4B8C-83A1-F6EECF244321}">
-                    <p14:modId xmlns:p14="http://schemas.microsoft.com/office/powerpoint/2010/main" val="2347309453"/>
+                    <p14:modId xmlns:p14="http://schemas.microsoft.com/office/powerpoint/2010/main" val="230958294"/>
                   </p:ext>
                 </p:extLst>
               </p:nvPr>
             </p:nvGraphicFramePr>
             <p:xfrm>
-              <a:off x="1757581" y="2377849"/>
+              <a:off x="2954716" y="2329723"/>
               <a:ext cx="6362700" cy="4410060"/>
             </p:xfrm>
             <a:graphic>
@@ -33721,12 +34848,12 @@
                             </a:spcAft>
                           </a:pPr>
                           <a:r>
-                            <a:rPr lang="en-US" sz="900">
+                            <a:rPr lang="en-US" sz="900" dirty="0">
                               <a:effectLst/>
                             </a:rPr>
                             <a:t>Nominal</a:t>
                           </a:r>
-                          <a:endParaRPr lang="en-US" sz="900">
+                          <a:endParaRPr lang="en-US" sz="900" dirty="0">
                             <a:effectLst/>
                             <a:latin typeface="Calibri" panose="020F0502020204030204" pitchFamily="34" charset="0"/>
                             <a:ea typeface="Calibri" panose="020F0502020204030204" pitchFamily="34" charset="0"/>
@@ -35386,68 +36513,6 @@
           </p:graphicFrame>
         </mc:Fallback>
       </mc:AlternateContent>
-      <p:sp>
-        <p:nvSpPr>
-          <p:cNvPr id="5" name="CasellaDiTesto 4"/>
-          <p:cNvSpPr txBox="1"/>
-          <p:nvPr/>
-        </p:nvSpPr>
-        <p:spPr>
-          <a:xfrm>
-            <a:off x="8575199" y="4095944"/>
-            <a:ext cx="3261667" cy="523220"/>
-          </a:xfrm>
-          <a:prstGeom prst="rect">
-            <a:avLst/>
-          </a:prstGeom>
-          <a:noFill/>
-        </p:spPr>
-        <p:txBody>
-          <a:bodyPr wrap="square" rtlCol="0">
-            <a:spAutoFit/>
-          </a:bodyPr>
-          <a:lstStyle/>
-          <a:p>
-            <a:r>
-              <a:rPr lang="it-IT" sz="1400" i="1" dirty="0" smtClean="0"/>
-              <a:t>The complete </a:t>
-            </a:r>
-            <a:r>
-              <a:rPr lang="it-IT" sz="1400" i="1" dirty="0" err="1" smtClean="0"/>
-              <a:t>analysis</a:t>
-            </a:r>
-            <a:r>
-              <a:rPr lang="it-IT" sz="1400" i="1" dirty="0" smtClean="0"/>
-              <a:t> of the drivers </a:t>
-            </a:r>
-            <a:r>
-              <a:rPr lang="it-IT" sz="1400" i="1" dirty="0" err="1" smtClean="0"/>
-              <a:t>is</a:t>
-            </a:r>
-            <a:r>
-              <a:rPr lang="it-IT" sz="1400" i="1" dirty="0" smtClean="0"/>
-              <a:t> </a:t>
-            </a:r>
-            <a:r>
-              <a:rPr lang="it-IT" sz="1400" i="1" dirty="0" err="1" smtClean="0"/>
-              <a:t>available</a:t>
-            </a:r>
-            <a:r>
-              <a:rPr lang="it-IT" sz="1400" i="1" dirty="0" smtClean="0"/>
-              <a:t> in the </a:t>
-            </a:r>
-            <a:r>
-              <a:rPr lang="it-IT" sz="1400" i="1" dirty="0" err="1" smtClean="0"/>
-              <a:t>documentation</a:t>
-            </a:r>
-            <a:r>
-              <a:rPr lang="it-IT" sz="1400" i="1" dirty="0"/>
-              <a:t>.</a:t>
-            </a:r>
-            <a:endParaRPr lang="it-IT" sz="1400" i="1" dirty="0" smtClean="0"/>
-          </a:p>
-        </p:txBody>
-      </p:sp>
     </p:spTree>
     <p:extLst>
       <p:ext uri="{BB962C8B-B14F-4D97-AF65-F5344CB8AC3E}">
@@ -35501,18 +36566,34 @@
           <a:lstStyle/>
           <a:p>
             <a:r>
-              <a:rPr lang="it-IT" dirty="0" smtClean="0"/>
+              <a:rPr lang="it-IT" dirty="0" smtClean="0">
+                <a:solidFill>
+                  <a:schemeClr val="bg1"/>
+                </a:solidFill>
+              </a:rPr>
               <a:t>COCOMO II – </a:t>
             </a:r>
             <a:r>
-              <a:rPr lang="it-IT" dirty="0" err="1" smtClean="0"/>
+              <a:rPr lang="it-IT" dirty="0" err="1" smtClean="0">
+                <a:solidFill>
+                  <a:schemeClr val="bg1"/>
+                </a:solidFill>
+              </a:rPr>
               <a:t>Results</a:t>
             </a:r>
             <a:r>
-              <a:rPr lang="it-IT" dirty="0" smtClean="0"/>
+              <a:rPr lang="it-IT" dirty="0" smtClean="0">
+                <a:solidFill>
+                  <a:schemeClr val="bg1"/>
+                </a:solidFill>
+              </a:rPr>
               <a:t> of Analysis</a:t>
             </a:r>
-            <a:endParaRPr lang="en-US" dirty="0"/>
+            <a:endParaRPr lang="en-US" dirty="0">
+              <a:solidFill>
+                <a:schemeClr val="bg1"/>
+              </a:solidFill>
+            </a:endParaRPr>
           </a:p>
         </p:txBody>
       </p:sp>
@@ -36560,14 +37641,26 @@
           <a:lstStyle/>
           <a:p>
             <a:r>
-              <a:rPr lang="it-IT" dirty="0" err="1" smtClean="0"/>
+              <a:rPr lang="it-IT" dirty="0" err="1" smtClean="0">
+                <a:solidFill>
+                  <a:schemeClr val="bg1"/>
+                </a:solidFill>
+              </a:rPr>
               <a:t>Tasks</a:t>
             </a:r>
             <a:r>
-              <a:rPr lang="it-IT" dirty="0" smtClean="0"/>
+              <a:rPr lang="it-IT" dirty="0" smtClean="0">
+                <a:solidFill>
+                  <a:schemeClr val="bg1"/>
+                </a:solidFill>
+              </a:rPr>
               <a:t> and Schedule</a:t>
             </a:r>
-            <a:endParaRPr lang="en-US" dirty="0"/>
+            <a:endParaRPr lang="en-US" dirty="0">
+              <a:solidFill>
+                <a:schemeClr val="bg1"/>
+              </a:solidFill>
+            </a:endParaRPr>
           </a:p>
         </p:txBody>
       </p:sp>
@@ -38459,18 +39552,34 @@
           <a:lstStyle/>
           <a:p>
             <a:r>
-              <a:rPr lang="it-IT" dirty="0" err="1" smtClean="0"/>
+              <a:rPr lang="it-IT" dirty="0" err="1" smtClean="0">
+                <a:solidFill>
+                  <a:schemeClr val="bg1"/>
+                </a:solidFill>
+              </a:rPr>
               <a:t>Gantt</a:t>
             </a:r>
             <a:r>
-              <a:rPr lang="it-IT" dirty="0" smtClean="0"/>
+              <a:rPr lang="it-IT" dirty="0" smtClean="0">
+                <a:solidFill>
+                  <a:schemeClr val="bg1"/>
+                </a:solidFill>
+              </a:rPr>
               <a:t> </a:t>
             </a:r>
             <a:r>
-              <a:rPr lang="it-IT" dirty="0" err="1" smtClean="0"/>
+              <a:rPr lang="it-IT" dirty="0" err="1" smtClean="0">
+                <a:solidFill>
+                  <a:schemeClr val="bg1"/>
+                </a:solidFill>
+              </a:rPr>
               <a:t>Diagram</a:t>
             </a:r>
-            <a:endParaRPr lang="en-US" dirty="0"/>
+            <a:endParaRPr lang="en-US" dirty="0">
+              <a:solidFill>
+                <a:schemeClr val="bg1"/>
+              </a:solidFill>
+            </a:endParaRPr>
           </a:p>
         </p:txBody>
       </p:sp>
@@ -38568,14 +39677,26 @@
           <a:lstStyle/>
           <a:p>
             <a:r>
-              <a:rPr lang="it-IT" dirty="0" err="1" smtClean="0"/>
+              <a:rPr lang="it-IT" dirty="0" err="1" smtClean="0">
+                <a:solidFill>
+                  <a:schemeClr val="bg1"/>
+                </a:solidFill>
+              </a:rPr>
               <a:t>Risks</a:t>
             </a:r>
             <a:r>
-              <a:rPr lang="it-IT" dirty="0" smtClean="0"/>
+              <a:rPr lang="it-IT" dirty="0" smtClean="0">
+                <a:solidFill>
+                  <a:schemeClr val="bg1"/>
+                </a:solidFill>
+              </a:rPr>
               <a:t> Analysis</a:t>
             </a:r>
-            <a:endParaRPr lang="en-US" dirty="0"/>
+            <a:endParaRPr lang="en-US" dirty="0">
+              <a:solidFill>
+                <a:schemeClr val="bg1"/>
+              </a:solidFill>
+            </a:endParaRPr>
           </a:p>
         </p:txBody>
       </p:sp>
@@ -39303,14 +40424,26 @@
           <a:lstStyle/>
           <a:p>
             <a:r>
-              <a:rPr lang="it-IT" dirty="0" err="1"/>
+              <a:rPr lang="it-IT" dirty="0" err="1">
+                <a:solidFill>
+                  <a:schemeClr val="bg1"/>
+                </a:solidFill>
+              </a:rPr>
               <a:t>Risks</a:t>
             </a:r>
             <a:r>
-              <a:rPr lang="it-IT" dirty="0"/>
+              <a:rPr lang="it-IT" dirty="0">
+                <a:solidFill>
+                  <a:schemeClr val="bg1"/>
+                </a:solidFill>
+              </a:rPr>
               <a:t> Analysis</a:t>
             </a:r>
-            <a:endParaRPr lang="en-US" dirty="0"/>
+            <a:endParaRPr lang="en-US" dirty="0">
+              <a:solidFill>
+                <a:schemeClr val="bg1"/>
+              </a:solidFill>
+            </a:endParaRPr>
           </a:p>
         </p:txBody>
       </p:sp>
@@ -39472,62 +40605,36 @@
         </p:nvSpPr>
         <p:spPr>
           <a:xfrm>
-            <a:off x="4071154" y="2875008"/>
-            <a:ext cx="4249062" cy="996214"/>
+            <a:off x="471639" y="462013"/>
+            <a:ext cx="11242306" cy="5919536"/>
           </a:xfrm>
         </p:spPr>
         <p:txBody>
-          <a:bodyPr/>
+          <a:bodyPr anchor="ctr" anchorCtr="0"/>
           <a:lstStyle/>
           <a:p>
-            <a:r>
-              <a:rPr lang="it-IT" dirty="0" err="1" smtClean="0"/>
+            <a:pPr algn="ctr"/>
+            <a:r>
+              <a:rPr lang="it-IT" dirty="0" err="1" smtClean="0">
+                <a:solidFill>
+                  <a:schemeClr val="bg1"/>
+                </a:solidFill>
+              </a:rPr>
               <a:t>Questions</a:t>
             </a:r>
             <a:r>
-              <a:rPr lang="it-IT" dirty="0" smtClean="0"/>
+              <a:rPr lang="it-IT" dirty="0" smtClean="0">
+                <a:solidFill>
+                  <a:schemeClr val="bg1"/>
+                </a:solidFill>
+              </a:rPr>
               <a:t>?</a:t>
             </a:r>
-            <a:endParaRPr lang="en-US" dirty="0"/>
-          </a:p>
-        </p:txBody>
-      </p:sp>
-      <p:sp>
-        <p:nvSpPr>
-          <p:cNvPr id="5" name="Sottotitolo 4"/>
-          <p:cNvSpPr>
-            <a:spLocks noGrp="1"/>
-          </p:cNvSpPr>
-          <p:nvPr>
-            <p:ph type="subTitle" idx="1"/>
-          </p:nvPr>
-        </p:nvSpPr>
-        <p:spPr>
-          <a:xfrm>
-            <a:off x="9218141" y="5164558"/>
-            <a:ext cx="2105240" cy="861420"/>
-          </a:xfrm>
-        </p:spPr>
-        <p:txBody>
-          <a:bodyPr>
-            <a:normAutofit/>
-          </a:bodyPr>
-          <a:lstStyle/>
-          <a:p>
-            <a:pPr algn="r"/>
-            <a:endParaRPr lang="it-IT" dirty="0" smtClean="0"/>
-          </a:p>
-          <a:p>
-            <a:pPr algn="r"/>
-            <a:r>
-              <a:rPr lang="it-IT" dirty="0" smtClean="0"/>
-              <a:t>Andrea </a:t>
-            </a:r>
-            <a:r>
-              <a:rPr lang="it-IT" dirty="0" err="1" smtClean="0"/>
-              <a:t>maioli</a:t>
-            </a:r>
-            <a:endParaRPr lang="en-US" dirty="0"/>
+            <a:endParaRPr lang="en-US" dirty="0">
+              <a:solidFill>
+                <a:schemeClr val="bg1"/>
+              </a:solidFill>
+            </a:endParaRPr>
           </a:p>
         </p:txBody>
       </p:sp>
@@ -39580,66 +40687,44 @@
         </p:nvSpPr>
         <p:spPr>
           <a:xfrm>
-            <a:off x="4071154" y="2875008"/>
-            <a:ext cx="4249062" cy="996214"/>
+            <a:off x="471637" y="471639"/>
+            <a:ext cx="11223057" cy="5909910"/>
           </a:xfrm>
         </p:spPr>
         <p:txBody>
-          <a:bodyPr/>
+          <a:bodyPr anchor="ctr" anchorCtr="0"/>
           <a:lstStyle/>
           <a:p>
-            <a:r>
-              <a:rPr lang="it-IT" dirty="0" err="1" smtClean="0"/>
+            <a:pPr algn="ctr"/>
+            <a:r>
+              <a:rPr lang="it-IT" dirty="0" err="1" smtClean="0">
+                <a:solidFill>
+                  <a:schemeClr val="bg1"/>
+                </a:solidFill>
+              </a:rPr>
               <a:t>Thank</a:t>
             </a:r>
             <a:r>
-              <a:rPr lang="it-IT" dirty="0" smtClean="0"/>
+              <a:rPr lang="it-IT" dirty="0" smtClean="0">
+                <a:solidFill>
+                  <a:schemeClr val="bg1"/>
+                </a:solidFill>
+              </a:rPr>
               <a:t> </a:t>
             </a:r>
             <a:r>
-              <a:rPr lang="it-IT" dirty="0" err="1" smtClean="0"/>
+              <a:rPr lang="it-IT" dirty="0" err="1" smtClean="0">
+                <a:solidFill>
+                  <a:schemeClr val="bg1"/>
+                </a:solidFill>
+              </a:rPr>
               <a:t>You</a:t>
             </a:r>
-            <a:endParaRPr lang="en-US" dirty="0"/>
-          </a:p>
-        </p:txBody>
-      </p:sp>
-      <p:sp>
-        <p:nvSpPr>
-          <p:cNvPr id="5" name="Sottotitolo 4"/>
-          <p:cNvSpPr>
-            <a:spLocks noGrp="1"/>
-          </p:cNvSpPr>
-          <p:nvPr>
-            <p:ph type="subTitle" idx="1"/>
-          </p:nvPr>
-        </p:nvSpPr>
-        <p:spPr>
-          <a:xfrm>
-            <a:off x="9218141" y="5164558"/>
-            <a:ext cx="2105240" cy="861420"/>
-          </a:xfrm>
-        </p:spPr>
-        <p:txBody>
-          <a:bodyPr>
-            <a:normAutofit/>
-          </a:bodyPr>
-          <a:lstStyle/>
-          <a:p>
-            <a:pPr algn="r"/>
-            <a:endParaRPr lang="it-IT" dirty="0" smtClean="0"/>
-          </a:p>
-          <a:p>
-            <a:pPr algn="r"/>
-            <a:r>
-              <a:rPr lang="it-IT" dirty="0" smtClean="0"/>
-              <a:t>Andrea </a:t>
-            </a:r>
-            <a:r>
-              <a:rPr lang="it-IT" dirty="0" err="1" smtClean="0"/>
-              <a:t>maioli</a:t>
-            </a:r>
-            <a:endParaRPr lang="en-US" dirty="0"/>
+            <a:endParaRPr lang="en-US" dirty="0">
+              <a:solidFill>
+                <a:schemeClr val="bg1"/>
+              </a:solidFill>
+            </a:endParaRPr>
           </a:p>
         </p:txBody>
       </p:sp>
@@ -39696,18 +40781,34 @@
           <a:lstStyle/>
           <a:p>
             <a:r>
-              <a:rPr lang="it-IT" dirty="0" err="1" smtClean="0"/>
+              <a:rPr lang="it-IT" dirty="0" err="1" smtClean="0">
+                <a:solidFill>
+                  <a:schemeClr val="bg1"/>
+                </a:solidFill>
+              </a:rPr>
               <a:t>Goals</a:t>
             </a:r>
             <a:r>
-              <a:rPr lang="it-IT" dirty="0" smtClean="0"/>
+              <a:rPr lang="it-IT" dirty="0" smtClean="0">
+                <a:solidFill>
+                  <a:schemeClr val="bg1"/>
+                </a:solidFill>
+              </a:rPr>
               <a:t> of the new </a:t>
             </a:r>
             <a:r>
-              <a:rPr lang="it-IT" dirty="0" err="1" smtClean="0"/>
+              <a:rPr lang="it-IT" dirty="0" err="1" smtClean="0">
+                <a:solidFill>
+                  <a:schemeClr val="bg1"/>
+                </a:solidFill>
+              </a:rPr>
               <a:t>system</a:t>
             </a:r>
-            <a:endParaRPr lang="it-IT" dirty="0"/>
+            <a:endParaRPr lang="it-IT" dirty="0">
+              <a:solidFill>
+                <a:schemeClr val="bg1"/>
+              </a:solidFill>
+            </a:endParaRPr>
           </a:p>
         </p:txBody>
       </p:sp>
@@ -39787,7 +40888,6 @@
               <a:rPr lang="en-US" dirty="0" smtClean="0"/>
               <a:t>call center.</a:t>
             </a:r>
-            <a:endParaRPr lang="en-US" dirty="0" smtClean="0"/>
           </a:p>
           <a:p>
             <a:pPr>
@@ -39975,14 +41075,26 @@
           <a:lstStyle/>
           <a:p>
             <a:r>
-              <a:rPr lang="it-IT" dirty="0" smtClean="0"/>
+              <a:rPr lang="it-IT" dirty="0" smtClean="0">
+                <a:solidFill>
+                  <a:schemeClr val="bg1"/>
+                </a:solidFill>
+              </a:rPr>
               <a:t>Future </a:t>
             </a:r>
             <a:r>
-              <a:rPr lang="it-IT" dirty="0" err="1" smtClean="0"/>
+              <a:rPr lang="it-IT" dirty="0" err="1" smtClean="0">
+                <a:solidFill>
+                  <a:schemeClr val="bg1"/>
+                </a:solidFill>
+              </a:rPr>
               <a:t>Implementations</a:t>
             </a:r>
-            <a:endParaRPr lang="en-US" dirty="0"/>
+            <a:endParaRPr lang="en-US" dirty="0">
+              <a:solidFill>
+                <a:schemeClr val="bg1"/>
+              </a:solidFill>
+            </a:endParaRPr>
           </a:p>
         </p:txBody>
       </p:sp>
@@ -39996,7 +41108,12 @@
             <p:ph idx="1"/>
           </p:nvPr>
         </p:nvSpPr>
-        <p:spPr/>
+        <p:spPr>
+          <a:xfrm>
+            <a:off x="1154954" y="2603500"/>
+            <a:ext cx="9606089" cy="3720298"/>
+          </a:xfrm>
+        </p:spPr>
         <p:txBody>
           <a:bodyPr/>
           <a:lstStyle/>
@@ -40076,11 +41193,7 @@
             </a:r>
             <a:r>
               <a:rPr lang="en-US" dirty="0" smtClean="0"/>
-              <a:t>week</a:t>
-            </a:r>
-            <a:r>
-              <a:rPr lang="en-US" dirty="0" smtClean="0"/>
-              <a:t>.</a:t>
+              <a:t>week.</a:t>
             </a:r>
           </a:p>
           <a:p>
@@ -40095,19 +41208,7 @@
             </a:r>
             <a:r>
               <a:rPr lang="en-US" dirty="0" smtClean="0"/>
-              <a:t>and accordingly </a:t>
-            </a:r>
-            <a:r>
-              <a:rPr lang="en-US" dirty="0" smtClean="0"/>
-              <a:t>increase/decrease </a:t>
-            </a:r>
-            <a:r>
-              <a:rPr lang="en-US" dirty="0" smtClean="0"/>
-              <a:t>the number of taxi presents in </a:t>
-            </a:r>
-            <a:r>
-              <a:rPr lang="en-US" dirty="0" smtClean="0"/>
-              <a:t>all the areas. </a:t>
+              <a:t>and accordingly increase/decrease the number of taxi presents in all the areas. </a:t>
             </a:r>
             <a:endParaRPr lang="en-US" dirty="0"/>
           </a:p>
@@ -40126,6 +41227,13 @@
   <p:clrMapOvr>
     <a:masterClrMapping/>
   </p:clrMapOvr>
+  <p:timing>
+    <p:tnLst>
+      <p:par>
+        <p:cTn id="1" dur="indefinite" restart="never" nodeType="tmRoot"/>
+      </p:par>
+    </p:tnLst>
+  </p:timing>
 </p:sld>
 </file>
 
@@ -40156,16 +41264,29 @@
             <p:ph type="title"/>
           </p:nvPr>
         </p:nvSpPr>
-        <p:spPr/>
+        <p:spPr>
+          <a:xfrm>
+            <a:off x="1154953" y="973668"/>
+            <a:ext cx="9966128" cy="706964"/>
+          </a:xfrm>
+        </p:spPr>
         <p:txBody>
           <a:bodyPr/>
           <a:lstStyle/>
           <a:p>
             <a:r>
-              <a:rPr lang="it-IT" dirty="0" smtClean="0"/>
+              <a:rPr lang="it-IT" dirty="0" smtClean="0">
+                <a:solidFill>
+                  <a:schemeClr val="bg1"/>
+                </a:solidFill>
+              </a:rPr>
               <a:t>User Interface – Home Page</a:t>
             </a:r>
-            <a:endParaRPr lang="en-US" dirty="0"/>
+            <a:endParaRPr lang="en-US" dirty="0">
+              <a:solidFill>
+                <a:schemeClr val="bg1"/>
+              </a:solidFill>
+            </a:endParaRPr>
           </a:p>
         </p:txBody>
       </p:sp>
@@ -40192,7 +41313,7 @@
         </p:blipFill>
         <p:spPr bwMode="auto">
           <a:xfrm>
-            <a:off x="2378121" y="2603500"/>
+            <a:off x="2980479" y="2755213"/>
             <a:ext cx="6315075" cy="3571875"/>
           </a:xfrm>
           <a:prstGeom prst="rect">
@@ -40260,40 +41381,9 @@
           <a:chExt cx="0" cy="0"/>
         </a:xfrm>
       </p:grpSpPr>
-      <p:sp>
-        <p:nvSpPr>
-          <p:cNvPr id="2" name="Titolo 1"/>
-          <p:cNvSpPr>
-            <a:spLocks noGrp="1"/>
-          </p:cNvSpPr>
-          <p:nvPr>
-            <p:ph type="title"/>
-          </p:nvPr>
-        </p:nvSpPr>
-        <p:spPr/>
-        <p:txBody>
-          <a:bodyPr/>
-          <a:lstStyle/>
-          <a:p>
-            <a:r>
-              <a:rPr lang="it-IT" dirty="0" smtClean="0"/>
-              <a:t>User Interface – </a:t>
-            </a:r>
-            <a:r>
-              <a:rPr lang="it-IT" dirty="0" err="1" smtClean="0"/>
-              <a:t>Sign</a:t>
-            </a:r>
-            <a:r>
-              <a:rPr lang="it-IT" dirty="0" smtClean="0"/>
-              <a:t> Up Page</a:t>
-            </a:r>
-            <a:endParaRPr lang="en-US" dirty="0"/>
-          </a:p>
-        </p:txBody>
-      </p:sp>
       <p:pic>
         <p:nvPicPr>
-          <p:cNvPr id="5123" name="Picture 3" descr="signup"/>
+          <p:cNvPr id="4" name="Picture 3" descr="signup"/>
           <p:cNvPicPr>
             <a:picLocks noChangeAspect="1" noChangeArrowheads="1"/>
           </p:cNvPicPr>
@@ -40314,7 +41404,7 @@
         </p:blipFill>
         <p:spPr bwMode="auto">
           <a:xfrm>
-            <a:off x="2378121" y="2603500"/>
+            <a:off x="2980479" y="2755212"/>
             <a:ext cx="6315075" cy="3571875"/>
           </a:xfrm>
           <a:prstGeom prst="rect">
@@ -40345,16 +41435,75 @@
           </a:extLst>
         </p:spPr>
       </p:pic>
+      <p:sp>
+        <p:nvSpPr>
+          <p:cNvPr id="2" name="Titolo 1"/>
+          <p:cNvSpPr>
+            <a:spLocks noGrp="1"/>
+          </p:cNvSpPr>
+          <p:nvPr>
+            <p:ph type="title"/>
+          </p:nvPr>
+        </p:nvSpPr>
+        <p:spPr>
+          <a:xfrm>
+            <a:off x="1154953" y="973668"/>
+            <a:ext cx="9966128" cy="706964"/>
+          </a:xfrm>
+        </p:spPr>
+        <p:txBody>
+          <a:bodyPr/>
+          <a:lstStyle/>
+          <a:p>
+            <a:r>
+              <a:rPr lang="it-IT" dirty="0" smtClean="0">
+                <a:solidFill>
+                  <a:schemeClr val="bg1"/>
+                </a:solidFill>
+              </a:rPr>
+              <a:t>User Interface – </a:t>
+            </a:r>
+            <a:r>
+              <a:rPr lang="it-IT" dirty="0" err="1" smtClean="0">
+                <a:solidFill>
+                  <a:schemeClr val="bg1"/>
+                </a:solidFill>
+              </a:rPr>
+              <a:t>Sign</a:t>
+            </a:r>
+            <a:r>
+              <a:rPr lang="it-IT" dirty="0" smtClean="0">
+                <a:solidFill>
+                  <a:schemeClr val="bg1"/>
+                </a:solidFill>
+              </a:rPr>
+              <a:t> Up Page</a:t>
+            </a:r>
+            <a:endParaRPr lang="en-US" dirty="0">
+              <a:solidFill>
+                <a:schemeClr val="bg1"/>
+              </a:solidFill>
+            </a:endParaRPr>
+          </a:p>
+        </p:txBody>
+      </p:sp>
     </p:spTree>
     <p:extLst>
       <p:ext uri="{BB962C8B-B14F-4D97-AF65-F5344CB8AC3E}">
-        <p14:creationId xmlns:p14="http://schemas.microsoft.com/office/powerpoint/2010/main" val="4241363640"/>
+        <p14:creationId xmlns:p14="http://schemas.microsoft.com/office/powerpoint/2010/main" val="2138233211"/>
       </p:ext>
     </p:extLst>
   </p:cSld>
   <p:clrMapOvr>
     <a:masterClrMapping/>
   </p:clrMapOvr>
+  <p:timing>
+    <p:tnLst>
+      <p:par>
+        <p:cTn id="1" dur="indefinite" restart="never" nodeType="tmRoot"/>
+      </p:par>
+    </p:tnLst>
+  </p:timing>
 </p:sld>
 </file>
 

--- a/Slides/Project Presentation.pptx
+++ b/Slides/Project Presentation.pptx
@@ -19194,8 +19194,8 @@
         </p:nvSpPr>
         <p:spPr>
           <a:xfrm>
-            <a:off x="6763263" y="5987228"/>
-            <a:ext cx="5148649" cy="332855"/>
+            <a:off x="7990703" y="5885443"/>
+            <a:ext cx="3707027" cy="332855"/>
           </a:xfrm>
         </p:spPr>
         <p:txBody>
@@ -19205,23 +19205,15 @@
           <a:lstStyle/>
           <a:p>
             <a:r>
-              <a:rPr lang="it-IT" b="1" dirty="0">
+              <a:rPr lang="it-IT" sz="1400" b="1" dirty="0">
                 <a:solidFill>
                   <a:schemeClr val="bg1"/>
                 </a:solidFill>
               </a:rPr>
-              <a:t>Author</a:t>
-            </a:r>
-            <a:r>
-              <a:rPr lang="it-IT" sz="2000" b="1" dirty="0">
-                <a:solidFill>
-                  <a:schemeClr val="bg1"/>
-                </a:solidFill>
-              </a:rPr>
-              <a:t>:</a:t>
-            </a:r>
-            <a:r>
-              <a:rPr lang="it-IT" sz="2000" dirty="0">
+              <a:t>Author:</a:t>
+            </a:r>
+            <a:r>
+              <a:rPr lang="it-IT" sz="1400" dirty="0">
                 <a:solidFill>
                   <a:schemeClr val="bg1"/>
                 </a:solidFill>
@@ -19229,7 +19221,7 @@
               <a:t> Andrea Maioli (</a:t>
             </a:r>
             <a:r>
-              <a:rPr lang="it-IT" sz="2000" dirty="0" err="1">
+              <a:rPr lang="it-IT" sz="1400" dirty="0" err="1">
                 <a:solidFill>
                   <a:schemeClr val="bg1"/>
                 </a:solidFill>
@@ -19237,7 +19229,7 @@
               <a:t>mat</a:t>
             </a:r>
             <a:r>
-              <a:rPr lang="it-IT" sz="2000" dirty="0">
+              <a:rPr lang="it-IT" sz="1400" dirty="0">
                 <a:solidFill>
                   <a:schemeClr val="bg1"/>
                 </a:solidFill>
@@ -19245,7 +19237,7 @@
               <a:t>. </a:t>
             </a:r>
             <a:r>
-              <a:rPr lang="it-IT" sz="2000" dirty="0" smtClean="0">
+              <a:rPr lang="it-IT" sz="1400" dirty="0" smtClean="0">
                 <a:solidFill>
                   <a:schemeClr val="bg1"/>
                 </a:solidFill>
